--- a/brownbag/less/tech-presentation-less.pptx
+++ b/brownbag/less/tech-presentation-less.pptx
@@ -5,30 +5,18 @@
     <p:sldMasterId id="2147483648" r:id="rId1"/>
   </p:sldMasterIdLst>
   <p:notesMasterIdLst>
-    <p:notesMasterId r:id="rId23"/>
+    <p:notesMasterId r:id="rId11"/>
   </p:notesMasterIdLst>
   <p:sldIdLst>
     <p:sldId id="256" r:id="rId2"/>
     <p:sldId id="257" r:id="rId3"/>
     <p:sldId id="258" r:id="rId4"/>
-    <p:sldId id="271" r:id="rId5"/>
-    <p:sldId id="269" r:id="rId6"/>
-    <p:sldId id="270" r:id="rId7"/>
-    <p:sldId id="272" r:id="rId8"/>
-    <p:sldId id="273" r:id="rId9"/>
-    <p:sldId id="259" r:id="rId10"/>
-    <p:sldId id="260" r:id="rId11"/>
-    <p:sldId id="261" r:id="rId12"/>
-    <p:sldId id="262" r:id="rId13"/>
-    <p:sldId id="263" r:id="rId14"/>
-    <p:sldId id="274" r:id="rId15"/>
-    <p:sldId id="275" r:id="rId16"/>
-    <p:sldId id="264" r:id="rId17"/>
-    <p:sldId id="268" r:id="rId18"/>
-    <p:sldId id="265" r:id="rId19"/>
-    <p:sldId id="266" r:id="rId20"/>
-    <p:sldId id="276" r:id="rId21"/>
-    <p:sldId id="267" r:id="rId22"/>
+    <p:sldId id="262" r:id="rId5"/>
+    <p:sldId id="259" r:id="rId6"/>
+    <p:sldId id="261" r:id="rId7"/>
+    <p:sldId id="260" r:id="rId8"/>
+    <p:sldId id="263" r:id="rId9"/>
+    <p:sldId id="264" r:id="rId10"/>
   </p:sldIdLst>
   <p:sldSz cx="9144000" cy="6858000" type="screen4x3"/>
   <p:notesSz cx="6858000" cy="9144000"/>
@@ -494,182 +482,6 @@
     </a:lvl9pPr>
   </p:notesStyle>
 </p:notesMaster>
-</file>
-
-<file path=ppt/notesSlides/notesSlide1.xml><?xml version="1.0" encoding="utf-8"?>
-<p:notes xmlns:a="http://schemas.openxmlformats.org/drawingml/2006/main" xmlns:r="http://schemas.openxmlformats.org/officeDocument/2006/relationships" xmlns:p="http://schemas.openxmlformats.org/presentationml/2006/main">
-  <p:cSld>
-    <p:spTree>
-      <p:nvGrpSpPr>
-        <p:cNvPr id="1" name=""/>
-        <p:cNvGrpSpPr/>
-        <p:nvPr/>
-      </p:nvGrpSpPr>
-      <p:grpSpPr>
-        <a:xfrm>
-          <a:off x="0" y="0"/>
-          <a:ext cx="0" cy="0"/>
-          <a:chOff x="0" y="0"/>
-          <a:chExt cx="0" cy="0"/>
-        </a:xfrm>
-      </p:grpSpPr>
-      <p:sp>
-        <p:nvSpPr>
-          <p:cNvPr id="2" name="Slide Image Placeholder 1"/>
-          <p:cNvSpPr>
-            <a:spLocks noGrp="1" noRot="1" noChangeAspect="1"/>
-          </p:cNvSpPr>
-          <p:nvPr>
-            <p:ph type="sldImg"/>
-          </p:nvPr>
-        </p:nvSpPr>
-        <p:spPr/>
-      </p:sp>
-      <p:sp>
-        <p:nvSpPr>
-          <p:cNvPr id="3" name="Notes Placeholder 2"/>
-          <p:cNvSpPr>
-            <a:spLocks noGrp="1"/>
-          </p:cNvSpPr>
-          <p:nvPr>
-            <p:ph type="body" idx="1"/>
-          </p:nvPr>
-        </p:nvSpPr>
-        <p:spPr/>
-        <p:txBody>
-          <a:bodyPr/>
-          <a:lstStyle/>
-          <a:p>
-            <a:r>
-              <a:rPr lang="en-US" dirty="0" smtClean="0"/>
-              <a:t>Show code</a:t>
-            </a:r>
-            <a:endParaRPr lang="en-US" dirty="0"/>
-          </a:p>
-        </p:txBody>
-      </p:sp>
-      <p:sp>
-        <p:nvSpPr>
-          <p:cNvPr id="4" name="Slide Number Placeholder 3"/>
-          <p:cNvSpPr>
-            <a:spLocks noGrp="1"/>
-          </p:cNvSpPr>
-          <p:nvPr>
-            <p:ph type="sldNum" sz="quarter" idx="10"/>
-          </p:nvPr>
-        </p:nvSpPr>
-        <p:spPr/>
-        <p:txBody>
-          <a:bodyPr/>
-          <a:lstStyle/>
-          <a:p>
-            <a:fld id="{F7E14250-C209-411D-AC59-DB73DE8B3D4D}" type="slidenum">
-              <a:rPr lang="en-US" smtClean="0"/>
-              <a:t>9</a:t>
-            </a:fld>
-            <a:endParaRPr lang="en-US"/>
-          </a:p>
-        </p:txBody>
-      </p:sp>
-    </p:spTree>
-    <p:extLst>
-      <p:ext uri="{BB962C8B-B14F-4D97-AF65-F5344CB8AC3E}">
-        <p14:creationId xmlns:p14="http://schemas.microsoft.com/office/powerpoint/2010/main" val="1111520150"/>
-      </p:ext>
-    </p:extLst>
-  </p:cSld>
-  <p:clrMapOvr>
-    <a:masterClrMapping/>
-  </p:clrMapOvr>
-</p:notes>
-</file>
-
-<file path=ppt/notesSlides/notesSlide2.xml><?xml version="1.0" encoding="utf-8"?>
-<p:notes xmlns:a="http://schemas.openxmlformats.org/drawingml/2006/main" xmlns:r="http://schemas.openxmlformats.org/officeDocument/2006/relationships" xmlns:p="http://schemas.openxmlformats.org/presentationml/2006/main">
-  <p:cSld>
-    <p:spTree>
-      <p:nvGrpSpPr>
-        <p:cNvPr id="1" name=""/>
-        <p:cNvGrpSpPr/>
-        <p:nvPr/>
-      </p:nvGrpSpPr>
-      <p:grpSpPr>
-        <a:xfrm>
-          <a:off x="0" y="0"/>
-          <a:ext cx="0" cy="0"/>
-          <a:chOff x="0" y="0"/>
-          <a:chExt cx="0" cy="0"/>
-        </a:xfrm>
-      </p:grpSpPr>
-      <p:sp>
-        <p:nvSpPr>
-          <p:cNvPr id="2" name="Slide Image Placeholder 1"/>
-          <p:cNvSpPr>
-            <a:spLocks noGrp="1" noRot="1" noChangeAspect="1"/>
-          </p:cNvSpPr>
-          <p:nvPr>
-            <p:ph type="sldImg"/>
-          </p:nvPr>
-        </p:nvSpPr>
-        <p:spPr/>
-      </p:sp>
-      <p:sp>
-        <p:nvSpPr>
-          <p:cNvPr id="3" name="Notes Placeholder 2"/>
-          <p:cNvSpPr>
-            <a:spLocks noGrp="1"/>
-          </p:cNvSpPr>
-          <p:nvPr>
-            <p:ph type="body" idx="1"/>
-          </p:nvPr>
-        </p:nvSpPr>
-        <p:spPr/>
-        <p:txBody>
-          <a:bodyPr/>
-          <a:lstStyle/>
-          <a:p>
-            <a:r>
-              <a:rPr lang="en-US" dirty="0" smtClean="0"/>
-              <a:t>Code demo</a:t>
-            </a:r>
-            <a:endParaRPr lang="en-US" dirty="0"/>
-          </a:p>
-        </p:txBody>
-      </p:sp>
-      <p:sp>
-        <p:nvSpPr>
-          <p:cNvPr id="4" name="Slide Number Placeholder 3"/>
-          <p:cNvSpPr>
-            <a:spLocks noGrp="1"/>
-          </p:cNvSpPr>
-          <p:nvPr>
-            <p:ph type="sldNum" sz="quarter" idx="10"/>
-          </p:nvPr>
-        </p:nvSpPr>
-        <p:spPr/>
-        <p:txBody>
-          <a:bodyPr/>
-          <a:lstStyle/>
-          <a:p>
-            <a:fld id="{F7E14250-C209-411D-AC59-DB73DE8B3D4D}" type="slidenum">
-              <a:rPr lang="en-US" smtClean="0"/>
-              <a:t>11</a:t>
-            </a:fld>
-            <a:endParaRPr lang="en-US"/>
-          </a:p>
-        </p:txBody>
-      </p:sp>
-    </p:spTree>
-    <p:extLst>
-      <p:ext uri="{BB962C8B-B14F-4D97-AF65-F5344CB8AC3E}">
-        <p14:creationId xmlns:p14="http://schemas.microsoft.com/office/powerpoint/2010/main" val="4068962343"/>
-      </p:ext>
-    </p:extLst>
-  </p:cSld>
-  <p:clrMapOvr>
-    <a:masterClrMapping/>
-  </p:clrMapOvr>
-</p:notes>
 </file>
 
 <file path=ppt/slideLayouts/slideLayout1.xml><?xml version="1.0" encoding="utf-8"?>
@@ -4117,2804 +3929,6 @@
 </p:sld>
 </file>
 
-<file path=ppt/slides/slide10.xml><?xml version="1.0" encoding="utf-8"?>
-<p:sld xmlns:a="http://schemas.openxmlformats.org/drawingml/2006/main" xmlns:r="http://schemas.openxmlformats.org/officeDocument/2006/relationships" xmlns:p="http://schemas.openxmlformats.org/presentationml/2006/main">
-  <p:cSld>
-    <p:spTree>
-      <p:nvGrpSpPr>
-        <p:cNvPr id="1" name=""/>
-        <p:cNvGrpSpPr/>
-        <p:nvPr/>
-      </p:nvGrpSpPr>
-      <p:grpSpPr>
-        <a:xfrm>
-          <a:off x="0" y="0"/>
-          <a:ext cx="0" cy="0"/>
-          <a:chOff x="0" y="0"/>
-          <a:chExt cx="0" cy="0"/>
-        </a:xfrm>
-      </p:grpSpPr>
-      <p:sp>
-        <p:nvSpPr>
-          <p:cNvPr id="2" name="Title 1"/>
-          <p:cNvSpPr>
-            <a:spLocks noGrp="1"/>
-          </p:cNvSpPr>
-          <p:nvPr>
-            <p:ph type="ctrTitle"/>
-          </p:nvPr>
-        </p:nvSpPr>
-        <p:spPr>
-          <a:xfrm>
-            <a:off x="685800" y="228600"/>
-            <a:ext cx="7772400" cy="685800"/>
-          </a:xfrm>
-        </p:spPr>
-        <p:txBody>
-          <a:bodyPr/>
-          <a:lstStyle/>
-          <a:p>
-            <a:pPr algn="l"/>
-            <a:r>
-              <a:rPr lang="en-US" sz="4000" dirty="0" smtClean="0"/>
-              <a:t>“Hello world” Jasmine Tests</a:t>
-            </a:r>
-            <a:endParaRPr lang="en-US" sz="4000" dirty="0"/>
-          </a:p>
-        </p:txBody>
-      </p:sp>
-      <p:sp>
-        <p:nvSpPr>
-          <p:cNvPr id="4" name="Date Placeholder 3"/>
-          <p:cNvSpPr>
-            <a:spLocks noGrp="1"/>
-          </p:cNvSpPr>
-          <p:nvPr>
-            <p:ph type="dt" sz="half" idx="10"/>
-          </p:nvPr>
-        </p:nvSpPr>
-        <p:spPr/>
-        <p:txBody>
-          <a:bodyPr/>
-          <a:lstStyle/>
-          <a:p>
-            <a:fld id="{216C5678-EE20-4FA5-88E2-6E0BD67A2E26}" type="datetime1">
-              <a:rPr lang="en-US" smtClean="0"/>
-              <a:t>11/23/2015</a:t>
-            </a:fld>
-            <a:endParaRPr lang="en-US" dirty="0"/>
-          </a:p>
-        </p:txBody>
-      </p:sp>
-      <p:sp>
-        <p:nvSpPr>
-          <p:cNvPr id="5" name="Slide Number Placeholder 4"/>
-          <p:cNvSpPr>
-            <a:spLocks noGrp="1"/>
-          </p:cNvSpPr>
-          <p:nvPr>
-            <p:ph type="sldNum" sz="quarter" idx="11"/>
-          </p:nvPr>
-        </p:nvSpPr>
-        <p:spPr/>
-        <p:txBody>
-          <a:bodyPr/>
-          <a:lstStyle/>
-          <a:p>
-            <a:fld id="{BA9B540C-44DA-4F69-89C9-7C84606640D3}" type="slidenum">
-              <a:rPr lang="en-US" smtClean="0"/>
-              <a:pPr/>
-              <a:t>10</a:t>
-            </a:fld>
-            <a:endParaRPr lang="en-US" dirty="0"/>
-          </a:p>
-        </p:txBody>
-      </p:sp>
-      <p:sp>
-        <p:nvSpPr>
-          <p:cNvPr id="6" name="Footer Placeholder 5"/>
-          <p:cNvSpPr>
-            <a:spLocks noGrp="1"/>
-          </p:cNvSpPr>
-          <p:nvPr>
-            <p:ph type="ftr" sz="quarter" idx="12"/>
-          </p:nvPr>
-        </p:nvSpPr>
-        <p:spPr/>
-        <p:txBody>
-          <a:bodyPr/>
-          <a:lstStyle/>
-          <a:p>
-            <a:r>
-              <a:rPr lang="en-US" smtClean="0"/>
-              <a:t>Footer Text</a:t>
-            </a:r>
-            <a:endParaRPr lang="en-US" dirty="0"/>
-          </a:p>
-        </p:txBody>
-      </p:sp>
-      <p:sp>
-        <p:nvSpPr>
-          <p:cNvPr id="7" name="Subtitle 2"/>
-          <p:cNvSpPr>
-            <a:spLocks noGrp="1"/>
-          </p:cNvSpPr>
-          <p:nvPr>
-            <p:ph type="subTitle" idx="1"/>
-          </p:nvPr>
-        </p:nvSpPr>
-        <p:spPr>
-          <a:xfrm>
-            <a:off x="1219200" y="1600200"/>
-            <a:ext cx="6400800" cy="1219200"/>
-          </a:xfrm>
-        </p:spPr>
-        <p:txBody>
-          <a:bodyPr/>
-          <a:lstStyle/>
-          <a:p>
-            <a:r>
-              <a:rPr lang="en-US" dirty="0" smtClean="0"/>
-              <a:t>Code demo</a:t>
-            </a:r>
-            <a:endParaRPr lang="en-US" dirty="0"/>
-          </a:p>
-        </p:txBody>
-      </p:sp>
-    </p:spTree>
-    <p:extLst>
-      <p:ext uri="{BB962C8B-B14F-4D97-AF65-F5344CB8AC3E}">
-        <p14:creationId xmlns:p14="http://schemas.microsoft.com/office/powerpoint/2010/main" val="574487807"/>
-      </p:ext>
-    </p:extLst>
-  </p:cSld>
-  <p:clrMapOvr>
-    <a:masterClrMapping/>
-  </p:clrMapOvr>
-</p:sld>
-</file>
-
-<file path=ppt/slides/slide11.xml><?xml version="1.0" encoding="utf-8"?>
-<p:sld xmlns:a="http://schemas.openxmlformats.org/drawingml/2006/main" xmlns:r="http://schemas.openxmlformats.org/officeDocument/2006/relationships" xmlns:p="http://schemas.openxmlformats.org/presentationml/2006/main">
-  <p:cSld>
-    <p:spTree>
-      <p:nvGrpSpPr>
-        <p:cNvPr id="1" name=""/>
-        <p:cNvGrpSpPr/>
-        <p:nvPr/>
-      </p:nvGrpSpPr>
-      <p:grpSpPr>
-        <a:xfrm>
-          <a:off x="0" y="0"/>
-          <a:ext cx="0" cy="0"/>
-          <a:chOff x="0" y="0"/>
-          <a:chExt cx="0" cy="0"/>
-        </a:xfrm>
-      </p:grpSpPr>
-      <p:sp>
-        <p:nvSpPr>
-          <p:cNvPr id="2" name="Title 1"/>
-          <p:cNvSpPr>
-            <a:spLocks noGrp="1"/>
-          </p:cNvSpPr>
-          <p:nvPr>
-            <p:ph type="ctrTitle"/>
-          </p:nvPr>
-        </p:nvSpPr>
-        <p:spPr>
-          <a:xfrm>
-            <a:off x="685800" y="228600"/>
-            <a:ext cx="7772400" cy="685800"/>
-          </a:xfrm>
-        </p:spPr>
-        <p:txBody>
-          <a:bodyPr/>
-          <a:lstStyle/>
-          <a:p>
-            <a:pPr algn="l"/>
-            <a:r>
-              <a:rPr lang="en-US" sz="4000" dirty="0" err="1" smtClean="0"/>
-              <a:t>Async</a:t>
-            </a:r>
-            <a:r>
-              <a:rPr lang="en-US" sz="4000" dirty="0" smtClean="0"/>
-              <a:t> Testing for timeout()</a:t>
-            </a:r>
-            <a:endParaRPr lang="en-US" sz="4000" dirty="0"/>
-          </a:p>
-        </p:txBody>
-      </p:sp>
-      <p:sp>
-        <p:nvSpPr>
-          <p:cNvPr id="4" name="Date Placeholder 3"/>
-          <p:cNvSpPr>
-            <a:spLocks noGrp="1"/>
-          </p:cNvSpPr>
-          <p:nvPr>
-            <p:ph type="dt" sz="half" idx="10"/>
-          </p:nvPr>
-        </p:nvSpPr>
-        <p:spPr/>
-        <p:txBody>
-          <a:bodyPr/>
-          <a:lstStyle/>
-          <a:p>
-            <a:fld id="{216C5678-EE20-4FA5-88E2-6E0BD67A2E26}" type="datetime1">
-              <a:rPr lang="en-US" smtClean="0"/>
-              <a:t>11/23/2015</a:t>
-            </a:fld>
-            <a:endParaRPr lang="en-US" dirty="0"/>
-          </a:p>
-        </p:txBody>
-      </p:sp>
-      <p:sp>
-        <p:nvSpPr>
-          <p:cNvPr id="5" name="Slide Number Placeholder 4"/>
-          <p:cNvSpPr>
-            <a:spLocks noGrp="1"/>
-          </p:cNvSpPr>
-          <p:nvPr>
-            <p:ph type="sldNum" sz="quarter" idx="11"/>
-          </p:nvPr>
-        </p:nvSpPr>
-        <p:spPr/>
-        <p:txBody>
-          <a:bodyPr/>
-          <a:lstStyle/>
-          <a:p>
-            <a:fld id="{BA9B540C-44DA-4F69-89C9-7C84606640D3}" type="slidenum">
-              <a:rPr lang="en-US" smtClean="0"/>
-              <a:pPr/>
-              <a:t>11</a:t>
-            </a:fld>
-            <a:endParaRPr lang="en-US" dirty="0"/>
-          </a:p>
-        </p:txBody>
-      </p:sp>
-      <p:sp>
-        <p:nvSpPr>
-          <p:cNvPr id="6" name="Footer Placeholder 5"/>
-          <p:cNvSpPr>
-            <a:spLocks noGrp="1"/>
-          </p:cNvSpPr>
-          <p:nvPr>
-            <p:ph type="ftr" sz="quarter" idx="12"/>
-          </p:nvPr>
-        </p:nvSpPr>
-        <p:spPr/>
-        <p:txBody>
-          <a:bodyPr/>
-          <a:lstStyle/>
-          <a:p>
-            <a:r>
-              <a:rPr lang="en-US" smtClean="0"/>
-              <a:t>Footer Text</a:t>
-            </a:r>
-            <a:endParaRPr lang="en-US" dirty="0"/>
-          </a:p>
-        </p:txBody>
-      </p:sp>
-      <p:sp>
-        <p:nvSpPr>
-          <p:cNvPr id="7" name="Subtitle 2"/>
-          <p:cNvSpPr>
-            <a:spLocks noGrp="1"/>
-          </p:cNvSpPr>
-          <p:nvPr>
-            <p:ph type="subTitle" idx="1"/>
-          </p:nvPr>
-        </p:nvSpPr>
-        <p:spPr>
-          <a:xfrm>
-            <a:off x="152400" y="1066800"/>
-            <a:ext cx="8991600" cy="5181600"/>
-          </a:xfrm>
-        </p:spPr>
-        <p:txBody>
-          <a:bodyPr>
-            <a:normAutofit lnSpcReduction="10000"/>
-          </a:bodyPr>
-          <a:lstStyle/>
-          <a:p>
-            <a:pPr algn="l"/>
-            <a:r>
-              <a:rPr lang="en-US" dirty="0" smtClean="0"/>
-              <a:t>Each test uses the convention</a:t>
-            </a:r>
-          </a:p>
-          <a:p>
-            <a:pPr algn="l"/>
-            <a:r>
-              <a:rPr lang="en-US" dirty="0"/>
-              <a:t>d</a:t>
-            </a:r>
-            <a:r>
-              <a:rPr lang="en-US" dirty="0" smtClean="0"/>
-              <a:t>escribe( &lt;</a:t>
-            </a:r>
-            <a:r>
-              <a:rPr lang="en-US" dirty="0" err="1" smtClean="0"/>
-              <a:t>async</a:t>
-            </a:r>
-            <a:r>
-              <a:rPr lang="en-US" dirty="0" smtClean="0"/>
-              <a:t> function &gt; )</a:t>
-            </a:r>
-          </a:p>
-          <a:p>
-            <a:pPr algn="l"/>
-            <a:endParaRPr lang="en-US" dirty="0" smtClean="0"/>
-          </a:p>
-          <a:p>
-            <a:pPr algn="l"/>
-            <a:r>
-              <a:rPr lang="en-US" dirty="0" smtClean="0"/>
-              <a:t>     if( “should… “, function(</a:t>
-            </a:r>
-            <a:r>
-              <a:rPr lang="en-US" dirty="0" err="1" smtClean="0"/>
-              <a:t>doneCallback</a:t>
-            </a:r>
-            <a:r>
-              <a:rPr lang="en-US" dirty="0" smtClean="0"/>
-              <a:t>) {</a:t>
-            </a:r>
-          </a:p>
-          <a:p>
-            <a:pPr algn="l"/>
-            <a:r>
-              <a:rPr lang="en-US" dirty="0" smtClean="0"/>
-              <a:t>                     // execute </a:t>
-            </a:r>
-            <a:r>
-              <a:rPr lang="en-US" dirty="0" err="1" smtClean="0"/>
-              <a:t>async</a:t>
-            </a:r>
-            <a:r>
-              <a:rPr lang="en-US" dirty="0" smtClean="0"/>
-              <a:t> function</a:t>
-            </a:r>
-          </a:p>
-          <a:p>
-            <a:pPr algn="l"/>
-            <a:r>
-              <a:rPr lang="en-US" dirty="0"/>
-              <a:t> </a:t>
-            </a:r>
-            <a:r>
-              <a:rPr lang="en-US" dirty="0" smtClean="0"/>
-              <a:t>                    done ();</a:t>
-            </a:r>
-          </a:p>
-          <a:p>
-            <a:pPr algn="l"/>
-            <a:r>
-              <a:rPr lang="en-US" dirty="0"/>
-              <a:t> </a:t>
-            </a:r>
-            <a:r>
-              <a:rPr lang="en-US" dirty="0" smtClean="0"/>
-              <a:t>    }, </a:t>
-            </a:r>
-            <a:r>
-              <a:rPr lang="en-US" dirty="0" err="1" smtClean="0"/>
-              <a:t>waitTimeout</a:t>
-            </a:r>
-            <a:r>
-              <a:rPr lang="en-US" dirty="0" smtClean="0"/>
-              <a:t>); </a:t>
-            </a:r>
-          </a:p>
-          <a:p>
-            <a:pPr algn="l"/>
-            <a:endParaRPr lang="en-US" dirty="0"/>
-          </a:p>
-          <a:p>
-            <a:pPr algn="l"/>
-            <a:r>
-              <a:rPr lang="en-US" dirty="0" smtClean="0"/>
-              <a:t>    </a:t>
-            </a:r>
-            <a:r>
-              <a:rPr lang="en-US" dirty="0"/>
-              <a:t>if( “should… “, function(</a:t>
-            </a:r>
-            <a:r>
-              <a:rPr lang="en-US" dirty="0" err="1"/>
-              <a:t>doneCallback</a:t>
-            </a:r>
-            <a:r>
-              <a:rPr lang="en-US" dirty="0"/>
-              <a:t>) {</a:t>
-            </a:r>
-          </a:p>
-          <a:p>
-            <a:pPr algn="l"/>
-            <a:r>
-              <a:rPr lang="en-US" dirty="0"/>
-              <a:t>         </a:t>
-            </a:r>
-            <a:r>
-              <a:rPr lang="en-US" dirty="0" smtClean="0"/>
-              <a:t>              // </a:t>
-            </a:r>
-            <a:r>
-              <a:rPr lang="en-US" dirty="0"/>
-              <a:t>execute </a:t>
-            </a:r>
-            <a:r>
-              <a:rPr lang="en-US" dirty="0" err="1"/>
-              <a:t>async</a:t>
-            </a:r>
-            <a:r>
-              <a:rPr lang="en-US" dirty="0"/>
-              <a:t> function</a:t>
-            </a:r>
-          </a:p>
-          <a:p>
-            <a:pPr algn="l"/>
-            <a:r>
-              <a:rPr lang="en-US" dirty="0"/>
-              <a:t>         </a:t>
-            </a:r>
-            <a:r>
-              <a:rPr lang="en-US" dirty="0" smtClean="0"/>
-              <a:t>              done ();</a:t>
-            </a:r>
-            <a:endParaRPr lang="en-US" dirty="0"/>
-          </a:p>
-          <a:p>
-            <a:pPr algn="l"/>
-            <a:r>
-              <a:rPr lang="en-US" dirty="0"/>
-              <a:t>     }, </a:t>
-            </a:r>
-            <a:r>
-              <a:rPr lang="en-US" dirty="0" err="1"/>
-              <a:t>waitTimeout</a:t>
-            </a:r>
-            <a:r>
-              <a:rPr lang="en-US" dirty="0"/>
-              <a:t>); </a:t>
-            </a:r>
-          </a:p>
-        </p:txBody>
-      </p:sp>
-    </p:spTree>
-    <p:extLst>
-      <p:ext uri="{BB962C8B-B14F-4D97-AF65-F5344CB8AC3E}">
-        <p14:creationId xmlns:p14="http://schemas.microsoft.com/office/powerpoint/2010/main" val="3581727714"/>
-      </p:ext>
-    </p:extLst>
-  </p:cSld>
-  <p:clrMapOvr>
-    <a:masterClrMapping/>
-  </p:clrMapOvr>
-</p:sld>
-</file>
-
-<file path=ppt/slides/slide12.xml><?xml version="1.0" encoding="utf-8"?>
-<p:sld xmlns:a="http://schemas.openxmlformats.org/drawingml/2006/main" xmlns:r="http://schemas.openxmlformats.org/officeDocument/2006/relationships" xmlns:p="http://schemas.openxmlformats.org/presentationml/2006/main">
-  <p:cSld>
-    <p:spTree>
-      <p:nvGrpSpPr>
-        <p:cNvPr id="1" name=""/>
-        <p:cNvGrpSpPr/>
-        <p:nvPr/>
-      </p:nvGrpSpPr>
-      <p:grpSpPr>
-        <a:xfrm>
-          <a:off x="0" y="0"/>
-          <a:ext cx="0" cy="0"/>
-          <a:chOff x="0" y="0"/>
-          <a:chExt cx="0" cy="0"/>
-        </a:xfrm>
-      </p:grpSpPr>
-      <p:sp>
-        <p:nvSpPr>
-          <p:cNvPr id="2" name="Title 1"/>
-          <p:cNvSpPr>
-            <a:spLocks noGrp="1"/>
-          </p:cNvSpPr>
-          <p:nvPr>
-            <p:ph type="ctrTitle"/>
-          </p:nvPr>
-        </p:nvSpPr>
-        <p:spPr>
-          <a:xfrm>
-            <a:off x="685800" y="228600"/>
-            <a:ext cx="8458200" cy="685800"/>
-          </a:xfrm>
-        </p:spPr>
-        <p:txBody>
-          <a:bodyPr/>
-          <a:lstStyle/>
-          <a:p>
-            <a:pPr algn="l"/>
-            <a:r>
-              <a:rPr lang="en-US" sz="4000" dirty="0" err="1" smtClean="0"/>
-              <a:t>Async</a:t>
-            </a:r>
-            <a:r>
-              <a:rPr lang="en-US" sz="4000" dirty="0" smtClean="0"/>
-              <a:t> Testing for timeout() (</a:t>
-            </a:r>
-            <a:r>
-              <a:rPr lang="en-US" sz="4000" dirty="0" err="1" smtClean="0"/>
-              <a:t>cont</a:t>
-            </a:r>
-            <a:r>
-              <a:rPr lang="en-US" sz="4000" dirty="0" smtClean="0"/>
-              <a:t>)</a:t>
-            </a:r>
-            <a:endParaRPr lang="en-US" sz="4000" dirty="0"/>
-          </a:p>
-        </p:txBody>
-      </p:sp>
-      <p:sp>
-        <p:nvSpPr>
-          <p:cNvPr id="4" name="Date Placeholder 3"/>
-          <p:cNvSpPr>
-            <a:spLocks noGrp="1"/>
-          </p:cNvSpPr>
-          <p:nvPr>
-            <p:ph type="dt" sz="half" idx="10"/>
-          </p:nvPr>
-        </p:nvSpPr>
-        <p:spPr/>
-        <p:txBody>
-          <a:bodyPr/>
-          <a:lstStyle/>
-          <a:p>
-            <a:fld id="{216C5678-EE20-4FA5-88E2-6E0BD67A2E26}" type="datetime1">
-              <a:rPr lang="en-US" smtClean="0"/>
-              <a:t>11/23/2015</a:t>
-            </a:fld>
-            <a:endParaRPr lang="en-US" dirty="0"/>
-          </a:p>
-        </p:txBody>
-      </p:sp>
-      <p:sp>
-        <p:nvSpPr>
-          <p:cNvPr id="5" name="Slide Number Placeholder 4"/>
-          <p:cNvSpPr>
-            <a:spLocks noGrp="1"/>
-          </p:cNvSpPr>
-          <p:nvPr>
-            <p:ph type="sldNum" sz="quarter" idx="11"/>
-          </p:nvPr>
-        </p:nvSpPr>
-        <p:spPr/>
-        <p:txBody>
-          <a:bodyPr/>
-          <a:lstStyle/>
-          <a:p>
-            <a:fld id="{BA9B540C-44DA-4F69-89C9-7C84606640D3}" type="slidenum">
-              <a:rPr lang="en-US" smtClean="0"/>
-              <a:pPr/>
-              <a:t>12</a:t>
-            </a:fld>
-            <a:endParaRPr lang="en-US" dirty="0"/>
-          </a:p>
-        </p:txBody>
-      </p:sp>
-      <p:sp>
-        <p:nvSpPr>
-          <p:cNvPr id="6" name="Footer Placeholder 5"/>
-          <p:cNvSpPr>
-            <a:spLocks noGrp="1"/>
-          </p:cNvSpPr>
-          <p:nvPr>
-            <p:ph type="ftr" sz="quarter" idx="12"/>
-          </p:nvPr>
-        </p:nvSpPr>
-        <p:spPr/>
-        <p:txBody>
-          <a:bodyPr/>
-          <a:lstStyle/>
-          <a:p>
-            <a:r>
-              <a:rPr lang="en-US" smtClean="0"/>
-              <a:t>Footer Text</a:t>
-            </a:r>
-            <a:endParaRPr lang="en-US" dirty="0"/>
-          </a:p>
-        </p:txBody>
-      </p:sp>
-      <p:sp>
-        <p:nvSpPr>
-          <p:cNvPr id="7" name="Subtitle 2"/>
-          <p:cNvSpPr>
-            <a:spLocks noGrp="1"/>
-          </p:cNvSpPr>
-          <p:nvPr>
-            <p:ph type="subTitle" idx="1"/>
-          </p:nvPr>
-        </p:nvSpPr>
-        <p:spPr>
-          <a:xfrm>
-            <a:off x="838200" y="1295400"/>
-            <a:ext cx="7010400" cy="3200400"/>
-          </a:xfrm>
-        </p:spPr>
-        <p:txBody>
-          <a:bodyPr>
-            <a:normAutofit/>
-          </a:bodyPr>
-          <a:lstStyle/>
-          <a:p>
-            <a:pPr marL="342900" indent="-342900" algn="l">
-              <a:buFont typeface="Arial" panose="020B0604020202020204" pitchFamily="34" charset="0"/>
-              <a:buChar char="•"/>
-            </a:pPr>
-            <a:r>
-              <a:rPr lang="en-US" dirty="0" smtClean="0"/>
-              <a:t>Use </a:t>
-            </a:r>
-            <a:r>
-              <a:rPr lang="en-US" dirty="0" err="1" smtClean="0"/>
-              <a:t>jasmine.clock</a:t>
-            </a:r>
-            <a:r>
-              <a:rPr lang="en-US" dirty="0" smtClean="0"/>
-              <a:t>() to speed up timeout expiration</a:t>
-            </a:r>
-          </a:p>
-          <a:p>
-            <a:pPr algn="l"/>
-            <a:endParaRPr lang="en-US" dirty="0"/>
-          </a:p>
-          <a:p>
-            <a:r>
-              <a:rPr lang="en-US" b="1" dirty="0"/>
-              <a:t>C</a:t>
-            </a:r>
-            <a:r>
-              <a:rPr lang="en-US" b="1" dirty="0" smtClean="0"/>
-              <a:t>ode demo</a:t>
-            </a:r>
-            <a:endParaRPr lang="en-US" b="1" dirty="0"/>
-          </a:p>
-        </p:txBody>
-      </p:sp>
-    </p:spTree>
-    <p:extLst>
-      <p:ext uri="{BB962C8B-B14F-4D97-AF65-F5344CB8AC3E}">
-        <p14:creationId xmlns:p14="http://schemas.microsoft.com/office/powerpoint/2010/main" val="3707477426"/>
-      </p:ext>
-    </p:extLst>
-  </p:cSld>
-  <p:clrMapOvr>
-    <a:masterClrMapping/>
-  </p:clrMapOvr>
-</p:sld>
-</file>
-
-<file path=ppt/slides/slide13.xml><?xml version="1.0" encoding="utf-8"?>
-<p:sld xmlns:a="http://schemas.openxmlformats.org/drawingml/2006/main" xmlns:r="http://schemas.openxmlformats.org/officeDocument/2006/relationships" xmlns:p="http://schemas.openxmlformats.org/presentationml/2006/main">
-  <p:cSld>
-    <p:spTree>
-      <p:nvGrpSpPr>
-        <p:cNvPr id="1" name=""/>
-        <p:cNvGrpSpPr/>
-        <p:nvPr/>
-      </p:nvGrpSpPr>
-      <p:grpSpPr>
-        <a:xfrm>
-          <a:off x="0" y="0"/>
-          <a:ext cx="0" cy="0"/>
-          <a:chOff x="0" y="0"/>
-          <a:chExt cx="0" cy="0"/>
-        </a:xfrm>
-      </p:grpSpPr>
-      <p:sp>
-        <p:nvSpPr>
-          <p:cNvPr id="2" name="Title 1"/>
-          <p:cNvSpPr>
-            <a:spLocks noGrp="1"/>
-          </p:cNvSpPr>
-          <p:nvPr>
-            <p:ph type="ctrTitle"/>
-          </p:nvPr>
-        </p:nvSpPr>
-        <p:spPr>
-          <a:xfrm>
-            <a:off x="685800" y="228600"/>
-            <a:ext cx="8458200" cy="685800"/>
-          </a:xfrm>
-        </p:spPr>
-        <p:txBody>
-          <a:bodyPr/>
-          <a:lstStyle/>
-          <a:p>
-            <a:pPr algn="l"/>
-            <a:r>
-              <a:rPr lang="en-US" sz="4000" dirty="0" err="1" smtClean="0"/>
-              <a:t>Async</a:t>
-            </a:r>
-            <a:r>
-              <a:rPr lang="en-US" sz="4000" dirty="0" smtClean="0"/>
-              <a:t> Testing for ajax</a:t>
-            </a:r>
-            <a:endParaRPr lang="en-US" sz="4000" dirty="0"/>
-          </a:p>
-        </p:txBody>
-      </p:sp>
-      <p:sp>
-        <p:nvSpPr>
-          <p:cNvPr id="4" name="Date Placeholder 3"/>
-          <p:cNvSpPr>
-            <a:spLocks noGrp="1"/>
-          </p:cNvSpPr>
-          <p:nvPr>
-            <p:ph type="dt" sz="half" idx="10"/>
-          </p:nvPr>
-        </p:nvSpPr>
-        <p:spPr/>
-        <p:txBody>
-          <a:bodyPr/>
-          <a:lstStyle/>
-          <a:p>
-            <a:fld id="{216C5678-EE20-4FA5-88E2-6E0BD67A2E26}" type="datetime1">
-              <a:rPr lang="en-US" smtClean="0"/>
-              <a:t>11/23/2015</a:t>
-            </a:fld>
-            <a:endParaRPr lang="en-US" dirty="0"/>
-          </a:p>
-        </p:txBody>
-      </p:sp>
-      <p:sp>
-        <p:nvSpPr>
-          <p:cNvPr id="5" name="Slide Number Placeholder 4"/>
-          <p:cNvSpPr>
-            <a:spLocks noGrp="1"/>
-          </p:cNvSpPr>
-          <p:nvPr>
-            <p:ph type="sldNum" sz="quarter" idx="11"/>
-          </p:nvPr>
-        </p:nvSpPr>
-        <p:spPr/>
-        <p:txBody>
-          <a:bodyPr/>
-          <a:lstStyle/>
-          <a:p>
-            <a:fld id="{BA9B540C-44DA-4F69-89C9-7C84606640D3}" type="slidenum">
-              <a:rPr lang="en-US" smtClean="0"/>
-              <a:pPr/>
-              <a:t>13</a:t>
-            </a:fld>
-            <a:endParaRPr lang="en-US" dirty="0"/>
-          </a:p>
-        </p:txBody>
-      </p:sp>
-      <p:sp>
-        <p:nvSpPr>
-          <p:cNvPr id="6" name="Footer Placeholder 5"/>
-          <p:cNvSpPr>
-            <a:spLocks noGrp="1"/>
-          </p:cNvSpPr>
-          <p:nvPr>
-            <p:ph type="ftr" sz="quarter" idx="12"/>
-          </p:nvPr>
-        </p:nvSpPr>
-        <p:spPr/>
-        <p:txBody>
-          <a:bodyPr/>
-          <a:lstStyle/>
-          <a:p>
-            <a:r>
-              <a:rPr lang="en-US" smtClean="0"/>
-              <a:t>Footer Text</a:t>
-            </a:r>
-            <a:endParaRPr lang="en-US" dirty="0"/>
-          </a:p>
-        </p:txBody>
-      </p:sp>
-      <p:sp>
-        <p:nvSpPr>
-          <p:cNvPr id="7" name="Subtitle 2"/>
-          <p:cNvSpPr>
-            <a:spLocks noGrp="1"/>
-          </p:cNvSpPr>
-          <p:nvPr>
-            <p:ph type="subTitle" idx="1"/>
-          </p:nvPr>
-        </p:nvSpPr>
-        <p:spPr>
-          <a:xfrm>
-            <a:off x="137465" y="990600"/>
-            <a:ext cx="8686800" cy="5548312"/>
-          </a:xfrm>
-        </p:spPr>
-        <p:txBody>
-          <a:bodyPr>
-            <a:normAutofit/>
-          </a:bodyPr>
-          <a:lstStyle/>
-          <a:p>
-            <a:pPr marL="342900" indent="-342900" algn="l">
-              <a:buFont typeface="Arial" panose="020B0604020202020204" pitchFamily="34" charset="0"/>
-              <a:buChar char="•"/>
-            </a:pPr>
-            <a:r>
-              <a:rPr lang="en-US" dirty="0" smtClean="0"/>
-              <a:t>Use Spy to intercept $.ajax() </a:t>
-            </a:r>
-          </a:p>
-          <a:p>
-            <a:pPr algn="l"/>
-            <a:r>
-              <a:rPr lang="en-US" dirty="0" smtClean="0"/>
-              <a:t>    Syntax </a:t>
-            </a:r>
-            <a:r>
-              <a:rPr lang="en-US" dirty="0" err="1" smtClean="0"/>
-              <a:t>spyOn</a:t>
-            </a:r>
-            <a:r>
-              <a:rPr lang="en-US" dirty="0" smtClean="0"/>
-              <a:t>( object, “function to intercept” )</a:t>
-            </a:r>
-          </a:p>
-          <a:p>
-            <a:pPr algn="l"/>
-            <a:r>
-              <a:rPr lang="en-US" dirty="0"/>
-              <a:t> </a:t>
-            </a:r>
-            <a:r>
-              <a:rPr lang="en-US" dirty="0" smtClean="0"/>
-              <a:t>                e.g. </a:t>
-            </a:r>
-            <a:r>
-              <a:rPr lang="en-US" dirty="0" err="1" smtClean="0"/>
-              <a:t>spyOn</a:t>
-            </a:r>
-            <a:r>
-              <a:rPr lang="en-US" dirty="0" smtClean="0"/>
-              <a:t>( $, “ajax” )</a:t>
-            </a:r>
-          </a:p>
-          <a:p>
-            <a:pPr marL="342900" indent="-342900" algn="l">
-              <a:buFont typeface="Arial" panose="020B0604020202020204" pitchFamily="34" charset="0"/>
-              <a:buChar char="•"/>
-            </a:pPr>
-            <a:r>
-              <a:rPr lang="en-US" dirty="0" smtClean="0"/>
-              <a:t>Some spying functions</a:t>
-            </a:r>
-          </a:p>
-          <a:p>
-            <a:pPr algn="l"/>
-            <a:r>
-              <a:rPr lang="en-US" dirty="0"/>
-              <a:t>	</a:t>
-            </a:r>
-            <a:r>
-              <a:rPr lang="en-US" dirty="0" err="1" smtClean="0"/>
-              <a:t>spyOn</a:t>
-            </a:r>
-            <a:r>
-              <a:rPr lang="en-US" dirty="0" smtClean="0"/>
-              <a:t>().</a:t>
-            </a:r>
-            <a:r>
-              <a:rPr lang="en-US" dirty="0" err="1" smtClean="0"/>
-              <a:t>and.callThough</a:t>
-            </a:r>
-            <a:r>
-              <a:rPr lang="en-US" dirty="0" smtClean="0"/>
-              <a:t>() </a:t>
-            </a:r>
-          </a:p>
-          <a:p>
-            <a:pPr algn="l"/>
-            <a:r>
-              <a:rPr lang="en-US" dirty="0" smtClean="0"/>
-              <a:t>   	</a:t>
-            </a:r>
-            <a:r>
-              <a:rPr lang="en-US" dirty="0" err="1" smtClean="0"/>
-              <a:t>spyOn</a:t>
-            </a:r>
-            <a:r>
-              <a:rPr lang="en-US" dirty="0" smtClean="0"/>
-              <a:t>().</a:t>
-            </a:r>
-            <a:r>
-              <a:rPr lang="en-US" dirty="0" err="1" smtClean="0"/>
-              <a:t>and.callFake</a:t>
-            </a:r>
-            <a:r>
-              <a:rPr lang="en-US" dirty="0" smtClean="0"/>
-              <a:t>()</a:t>
-            </a:r>
-          </a:p>
-          <a:p>
-            <a:pPr algn="l"/>
-            <a:r>
-              <a:rPr lang="en-US" dirty="0" smtClean="0"/>
-              <a:t>	</a:t>
-            </a:r>
-            <a:r>
-              <a:rPr lang="en-US" dirty="0" err="1" smtClean="0"/>
-              <a:t>spyOn</a:t>
-            </a:r>
-            <a:r>
-              <a:rPr lang="en-US" dirty="0" smtClean="0"/>
-              <a:t>().</a:t>
-            </a:r>
-            <a:r>
-              <a:rPr lang="en-US" dirty="0" err="1" smtClean="0"/>
-              <a:t>and.throwError</a:t>
-            </a:r>
-            <a:r>
-              <a:rPr lang="en-US" dirty="0" smtClean="0"/>
-              <a:t>()</a:t>
-            </a:r>
-          </a:p>
-          <a:p>
-            <a:pPr algn="l"/>
-            <a:r>
-              <a:rPr lang="en-US" dirty="0" smtClean="0"/>
-              <a:t>	</a:t>
-            </a:r>
-            <a:r>
-              <a:rPr lang="en-US" dirty="0" err="1" smtClean="0"/>
-              <a:t>spyOn</a:t>
-            </a:r>
-            <a:r>
-              <a:rPr lang="en-US" dirty="0"/>
-              <a:t>().</a:t>
-            </a:r>
-            <a:r>
-              <a:rPr lang="en-US" dirty="0" err="1" smtClean="0"/>
-              <a:t>and.returnValue</a:t>
-            </a:r>
-            <a:r>
-              <a:rPr lang="en-US" dirty="0" smtClean="0"/>
-              <a:t>()</a:t>
-            </a:r>
-            <a:endParaRPr lang="en-US" dirty="0"/>
-          </a:p>
-          <a:p>
-            <a:pPr marL="342900" indent="-342900" algn="l">
-              <a:buFont typeface="Arial" panose="020B0604020202020204" pitchFamily="34" charset="0"/>
-              <a:buChar char="•"/>
-            </a:pPr>
-            <a:r>
-              <a:rPr lang="en-US" dirty="0" smtClean="0"/>
-              <a:t>Some </a:t>
-            </a:r>
-            <a:r>
-              <a:rPr lang="en-US" dirty="0" err="1" smtClean="0"/>
-              <a:t>expections</a:t>
-            </a:r>
-            <a:r>
-              <a:rPr lang="en-US" dirty="0" smtClean="0"/>
-              <a:t> to perform on spied object</a:t>
-            </a:r>
-          </a:p>
-          <a:p>
-            <a:pPr algn="l"/>
-            <a:r>
-              <a:rPr lang="en-US" dirty="0"/>
-              <a:t> </a:t>
-            </a:r>
-            <a:r>
-              <a:rPr lang="en-US" dirty="0" smtClean="0"/>
-              <a:t>        expect( $.ajax ).</a:t>
-            </a:r>
-            <a:r>
-              <a:rPr lang="en-US" dirty="0" err="1" smtClean="0"/>
-              <a:t>toHaveBeenCalled</a:t>
-            </a:r>
-            <a:r>
-              <a:rPr lang="en-US" dirty="0" smtClean="0"/>
-              <a:t>()</a:t>
-            </a:r>
-          </a:p>
-          <a:p>
-            <a:pPr algn="l"/>
-            <a:r>
-              <a:rPr lang="en-US" dirty="0" smtClean="0"/>
-              <a:t>         </a:t>
-            </a:r>
-            <a:r>
-              <a:rPr lang="en-US" dirty="0"/>
-              <a:t>expect( $.</a:t>
-            </a:r>
-            <a:r>
-              <a:rPr lang="en-US" dirty="0" err="1" smtClean="0"/>
-              <a:t>ajax.calls.count</a:t>
-            </a:r>
-            <a:r>
-              <a:rPr lang="en-US" dirty="0" smtClean="0"/>
-              <a:t>() ).</a:t>
-            </a:r>
-            <a:r>
-              <a:rPr lang="en-US" dirty="0" err="1" smtClean="0"/>
-              <a:t>toEquals</a:t>
-            </a:r>
-            <a:r>
-              <a:rPr lang="en-US" dirty="0" smtClean="0"/>
-              <a:t>(1)</a:t>
-            </a:r>
-            <a:endParaRPr lang="en-US" dirty="0"/>
-          </a:p>
-          <a:p>
-            <a:pPr algn="l"/>
-            <a:endParaRPr lang="en-US" dirty="0"/>
-          </a:p>
-        </p:txBody>
-      </p:sp>
-    </p:spTree>
-    <p:extLst>
-      <p:ext uri="{BB962C8B-B14F-4D97-AF65-F5344CB8AC3E}">
-        <p14:creationId xmlns:p14="http://schemas.microsoft.com/office/powerpoint/2010/main" val="3061808434"/>
-      </p:ext>
-    </p:extLst>
-  </p:cSld>
-  <p:clrMapOvr>
-    <a:masterClrMapping/>
-  </p:clrMapOvr>
-</p:sld>
-</file>
-
-<file path=ppt/slides/slide14.xml><?xml version="1.0" encoding="utf-8"?>
-<p:sld xmlns:a="http://schemas.openxmlformats.org/drawingml/2006/main" xmlns:r="http://schemas.openxmlformats.org/officeDocument/2006/relationships" xmlns:p="http://schemas.openxmlformats.org/presentationml/2006/main">
-  <p:cSld>
-    <p:spTree>
-      <p:nvGrpSpPr>
-        <p:cNvPr id="1" name=""/>
-        <p:cNvGrpSpPr/>
-        <p:nvPr/>
-      </p:nvGrpSpPr>
-      <p:grpSpPr>
-        <a:xfrm>
-          <a:off x="0" y="0"/>
-          <a:ext cx="0" cy="0"/>
-          <a:chOff x="0" y="0"/>
-          <a:chExt cx="0" cy="0"/>
-        </a:xfrm>
-      </p:grpSpPr>
-      <p:sp>
-        <p:nvSpPr>
-          <p:cNvPr id="2" name="Title 1"/>
-          <p:cNvSpPr>
-            <a:spLocks noGrp="1"/>
-          </p:cNvSpPr>
-          <p:nvPr>
-            <p:ph type="ctrTitle"/>
-          </p:nvPr>
-        </p:nvSpPr>
-        <p:spPr>
-          <a:xfrm>
-            <a:off x="685800" y="228600"/>
-            <a:ext cx="8458200" cy="685800"/>
-          </a:xfrm>
-        </p:spPr>
-        <p:txBody>
-          <a:bodyPr/>
-          <a:lstStyle/>
-          <a:p>
-            <a:pPr algn="l"/>
-            <a:r>
-              <a:rPr lang="en-US" sz="4000" dirty="0" err="1" smtClean="0"/>
-              <a:t>Async</a:t>
-            </a:r>
-            <a:r>
-              <a:rPr lang="en-US" sz="4000" dirty="0" smtClean="0"/>
-              <a:t> Testing for ajax (</a:t>
-            </a:r>
-            <a:r>
-              <a:rPr lang="en-US" sz="4000" dirty="0" err="1" smtClean="0"/>
-              <a:t>cont</a:t>
-            </a:r>
-            <a:r>
-              <a:rPr lang="en-US" sz="4000" dirty="0" smtClean="0"/>
-              <a:t>)</a:t>
-            </a:r>
-            <a:endParaRPr lang="en-US" sz="4000" dirty="0"/>
-          </a:p>
-        </p:txBody>
-      </p:sp>
-      <p:sp>
-        <p:nvSpPr>
-          <p:cNvPr id="4" name="Date Placeholder 3"/>
-          <p:cNvSpPr>
-            <a:spLocks noGrp="1"/>
-          </p:cNvSpPr>
-          <p:nvPr>
-            <p:ph type="dt" sz="half" idx="10"/>
-          </p:nvPr>
-        </p:nvSpPr>
-        <p:spPr/>
-        <p:txBody>
-          <a:bodyPr/>
-          <a:lstStyle/>
-          <a:p>
-            <a:fld id="{216C5678-EE20-4FA5-88E2-6E0BD67A2E26}" type="datetime1">
-              <a:rPr lang="en-US" smtClean="0"/>
-              <a:t>11/23/2015</a:t>
-            </a:fld>
-            <a:endParaRPr lang="en-US" dirty="0"/>
-          </a:p>
-        </p:txBody>
-      </p:sp>
-      <p:sp>
-        <p:nvSpPr>
-          <p:cNvPr id="5" name="Slide Number Placeholder 4"/>
-          <p:cNvSpPr>
-            <a:spLocks noGrp="1"/>
-          </p:cNvSpPr>
-          <p:nvPr>
-            <p:ph type="sldNum" sz="quarter" idx="11"/>
-          </p:nvPr>
-        </p:nvSpPr>
-        <p:spPr/>
-        <p:txBody>
-          <a:bodyPr/>
-          <a:lstStyle/>
-          <a:p>
-            <a:fld id="{BA9B540C-44DA-4F69-89C9-7C84606640D3}" type="slidenum">
-              <a:rPr lang="en-US" smtClean="0"/>
-              <a:pPr/>
-              <a:t>14</a:t>
-            </a:fld>
-            <a:endParaRPr lang="en-US" dirty="0"/>
-          </a:p>
-        </p:txBody>
-      </p:sp>
-      <p:sp>
-        <p:nvSpPr>
-          <p:cNvPr id="6" name="Footer Placeholder 5"/>
-          <p:cNvSpPr>
-            <a:spLocks noGrp="1"/>
-          </p:cNvSpPr>
-          <p:nvPr>
-            <p:ph type="ftr" sz="quarter" idx="12"/>
-          </p:nvPr>
-        </p:nvSpPr>
-        <p:spPr/>
-        <p:txBody>
-          <a:bodyPr/>
-          <a:lstStyle/>
-          <a:p>
-            <a:r>
-              <a:rPr lang="en-US" smtClean="0"/>
-              <a:t>Footer Text</a:t>
-            </a:r>
-            <a:endParaRPr lang="en-US" dirty="0"/>
-          </a:p>
-        </p:txBody>
-      </p:sp>
-      <p:sp>
-        <p:nvSpPr>
-          <p:cNvPr id="7" name="Subtitle 2"/>
-          <p:cNvSpPr>
-            <a:spLocks noGrp="1"/>
-          </p:cNvSpPr>
-          <p:nvPr>
-            <p:ph type="subTitle" idx="1"/>
-          </p:nvPr>
-        </p:nvSpPr>
-        <p:spPr>
-          <a:xfrm>
-            <a:off x="228600" y="1066799"/>
-            <a:ext cx="8686800" cy="1265417"/>
-          </a:xfrm>
-        </p:spPr>
-        <p:txBody>
-          <a:bodyPr>
-            <a:normAutofit lnSpcReduction="10000"/>
-          </a:bodyPr>
-          <a:lstStyle/>
-          <a:p>
-            <a:pPr algn="l"/>
-            <a:r>
-              <a:rPr lang="en-US" dirty="0" err="1" smtClean="0"/>
-              <a:t>spyOn</a:t>
-            </a:r>
-            <a:r>
-              <a:rPr lang="en-US" dirty="0" smtClean="0"/>
-              <a:t>().</a:t>
-            </a:r>
-            <a:r>
-              <a:rPr lang="en-US" dirty="0" err="1" smtClean="0"/>
-              <a:t>and.callThough</a:t>
-            </a:r>
-            <a:r>
-              <a:rPr lang="en-US" dirty="0" smtClean="0"/>
-              <a:t>() – intercept and invoke the </a:t>
-            </a:r>
-          </a:p>
-          <a:p>
-            <a:pPr algn="l"/>
-            <a:r>
-              <a:rPr lang="en-US" dirty="0" smtClean="0"/>
-              <a:t>real function </a:t>
-            </a:r>
-          </a:p>
-          <a:p>
-            <a:pPr algn="l"/>
-            <a:r>
-              <a:rPr lang="en-US" dirty="0" smtClean="0"/>
-              <a:t>   	</a:t>
-            </a:r>
-            <a:endParaRPr lang="en-US" dirty="0"/>
-          </a:p>
-        </p:txBody>
-      </p:sp>
-      <p:pic>
-        <p:nvPicPr>
-          <p:cNvPr id="8" name="Picture 7"/>
-          <p:cNvPicPr>
-            <a:picLocks noChangeAspect="1"/>
-          </p:cNvPicPr>
-          <p:nvPr/>
-        </p:nvPicPr>
-        <p:blipFill>
-          <a:blip r:embed="rId2"/>
-          <a:stretch>
-            <a:fillRect/>
-          </a:stretch>
-        </p:blipFill>
-        <p:spPr>
-          <a:xfrm>
-            <a:off x="914400" y="2149654"/>
-            <a:ext cx="7141415" cy="4389258"/>
-          </a:xfrm>
-          <a:prstGeom prst="rect">
-            <a:avLst/>
-          </a:prstGeom>
-        </p:spPr>
-      </p:pic>
-    </p:spTree>
-    <p:extLst>
-      <p:ext uri="{BB962C8B-B14F-4D97-AF65-F5344CB8AC3E}">
-        <p14:creationId xmlns:p14="http://schemas.microsoft.com/office/powerpoint/2010/main" val="680378865"/>
-      </p:ext>
-    </p:extLst>
-  </p:cSld>
-  <p:clrMapOvr>
-    <a:masterClrMapping/>
-  </p:clrMapOvr>
-</p:sld>
-</file>
-
-<file path=ppt/slides/slide15.xml><?xml version="1.0" encoding="utf-8"?>
-<p:sld xmlns:a="http://schemas.openxmlformats.org/drawingml/2006/main" xmlns:r="http://schemas.openxmlformats.org/officeDocument/2006/relationships" xmlns:p="http://schemas.openxmlformats.org/presentationml/2006/main">
-  <p:cSld>
-    <p:spTree>
-      <p:nvGrpSpPr>
-        <p:cNvPr id="1" name=""/>
-        <p:cNvGrpSpPr/>
-        <p:nvPr/>
-      </p:nvGrpSpPr>
-      <p:grpSpPr>
-        <a:xfrm>
-          <a:off x="0" y="0"/>
-          <a:ext cx="0" cy="0"/>
-          <a:chOff x="0" y="0"/>
-          <a:chExt cx="0" cy="0"/>
-        </a:xfrm>
-      </p:grpSpPr>
-      <p:sp>
-        <p:nvSpPr>
-          <p:cNvPr id="2" name="Title 1"/>
-          <p:cNvSpPr>
-            <a:spLocks noGrp="1"/>
-          </p:cNvSpPr>
-          <p:nvPr>
-            <p:ph type="ctrTitle"/>
-          </p:nvPr>
-        </p:nvSpPr>
-        <p:spPr>
-          <a:xfrm>
-            <a:off x="685800" y="228600"/>
-            <a:ext cx="8458200" cy="685800"/>
-          </a:xfrm>
-        </p:spPr>
-        <p:txBody>
-          <a:bodyPr/>
-          <a:lstStyle/>
-          <a:p>
-            <a:pPr algn="l"/>
-            <a:r>
-              <a:rPr lang="en-US" sz="4000" dirty="0" err="1" smtClean="0"/>
-              <a:t>Async</a:t>
-            </a:r>
-            <a:r>
-              <a:rPr lang="en-US" sz="4000" dirty="0" smtClean="0"/>
-              <a:t> Testing for ajax (</a:t>
-            </a:r>
-            <a:r>
-              <a:rPr lang="en-US" sz="4000" dirty="0" err="1" smtClean="0"/>
-              <a:t>cont</a:t>
-            </a:r>
-            <a:r>
-              <a:rPr lang="en-US" sz="4000" dirty="0" smtClean="0"/>
-              <a:t>)</a:t>
-            </a:r>
-            <a:endParaRPr lang="en-US" sz="4000" dirty="0"/>
-          </a:p>
-        </p:txBody>
-      </p:sp>
-      <p:sp>
-        <p:nvSpPr>
-          <p:cNvPr id="4" name="Date Placeholder 3"/>
-          <p:cNvSpPr>
-            <a:spLocks noGrp="1"/>
-          </p:cNvSpPr>
-          <p:nvPr>
-            <p:ph type="dt" sz="half" idx="10"/>
-          </p:nvPr>
-        </p:nvSpPr>
-        <p:spPr/>
-        <p:txBody>
-          <a:bodyPr/>
-          <a:lstStyle/>
-          <a:p>
-            <a:fld id="{216C5678-EE20-4FA5-88E2-6E0BD67A2E26}" type="datetime1">
-              <a:rPr lang="en-US" smtClean="0"/>
-              <a:t>11/23/2015</a:t>
-            </a:fld>
-            <a:endParaRPr lang="en-US" dirty="0"/>
-          </a:p>
-        </p:txBody>
-      </p:sp>
-      <p:sp>
-        <p:nvSpPr>
-          <p:cNvPr id="5" name="Slide Number Placeholder 4"/>
-          <p:cNvSpPr>
-            <a:spLocks noGrp="1"/>
-          </p:cNvSpPr>
-          <p:nvPr>
-            <p:ph type="sldNum" sz="quarter" idx="11"/>
-          </p:nvPr>
-        </p:nvSpPr>
-        <p:spPr/>
-        <p:txBody>
-          <a:bodyPr/>
-          <a:lstStyle/>
-          <a:p>
-            <a:fld id="{BA9B540C-44DA-4F69-89C9-7C84606640D3}" type="slidenum">
-              <a:rPr lang="en-US" smtClean="0"/>
-              <a:pPr/>
-              <a:t>15</a:t>
-            </a:fld>
-            <a:endParaRPr lang="en-US" dirty="0"/>
-          </a:p>
-        </p:txBody>
-      </p:sp>
-      <p:sp>
-        <p:nvSpPr>
-          <p:cNvPr id="6" name="Footer Placeholder 5"/>
-          <p:cNvSpPr>
-            <a:spLocks noGrp="1"/>
-          </p:cNvSpPr>
-          <p:nvPr>
-            <p:ph type="ftr" sz="quarter" idx="12"/>
-          </p:nvPr>
-        </p:nvSpPr>
-        <p:spPr/>
-        <p:txBody>
-          <a:bodyPr/>
-          <a:lstStyle/>
-          <a:p>
-            <a:r>
-              <a:rPr lang="en-US" smtClean="0"/>
-              <a:t>Footer Text</a:t>
-            </a:r>
-            <a:endParaRPr lang="en-US" dirty="0"/>
-          </a:p>
-        </p:txBody>
-      </p:sp>
-      <p:sp>
-        <p:nvSpPr>
-          <p:cNvPr id="7" name="Subtitle 2"/>
-          <p:cNvSpPr>
-            <a:spLocks noGrp="1"/>
-          </p:cNvSpPr>
-          <p:nvPr>
-            <p:ph type="subTitle" idx="1"/>
-          </p:nvPr>
-        </p:nvSpPr>
-        <p:spPr>
-          <a:xfrm>
-            <a:off x="228600" y="1066799"/>
-            <a:ext cx="8686800" cy="1265417"/>
-          </a:xfrm>
-        </p:spPr>
-        <p:txBody>
-          <a:bodyPr>
-            <a:normAutofit/>
-          </a:bodyPr>
-          <a:lstStyle/>
-          <a:p>
-            <a:pPr algn="l"/>
-            <a:r>
-              <a:rPr lang="en-US" dirty="0" err="1" smtClean="0"/>
-              <a:t>spyOn</a:t>
-            </a:r>
-            <a:r>
-              <a:rPr lang="en-US" dirty="0" smtClean="0"/>
-              <a:t>().</a:t>
-            </a:r>
-            <a:r>
-              <a:rPr lang="en-US" dirty="0" err="1" smtClean="0"/>
-              <a:t>and.callFake</a:t>
-            </a:r>
-            <a:r>
-              <a:rPr lang="en-US" dirty="0" smtClean="0"/>
-              <a:t>() – intercept and invoke mock functions.</a:t>
-            </a:r>
-          </a:p>
-          <a:p>
-            <a:pPr algn="l"/>
-            <a:r>
-              <a:rPr lang="en-US" dirty="0" smtClean="0"/>
-              <a:t>   	</a:t>
-            </a:r>
-            <a:endParaRPr lang="en-US" dirty="0"/>
-          </a:p>
-        </p:txBody>
-      </p:sp>
-      <p:pic>
-        <p:nvPicPr>
-          <p:cNvPr id="3" name="Picture 2"/>
-          <p:cNvPicPr>
-            <a:picLocks noChangeAspect="1"/>
-          </p:cNvPicPr>
-          <p:nvPr/>
-        </p:nvPicPr>
-        <p:blipFill>
-          <a:blip r:embed="rId2"/>
-          <a:stretch>
-            <a:fillRect/>
-          </a:stretch>
-        </p:blipFill>
-        <p:spPr>
-          <a:xfrm>
-            <a:off x="762000" y="1806050"/>
-            <a:ext cx="7959054" cy="4545220"/>
-          </a:xfrm>
-          <a:prstGeom prst="rect">
-            <a:avLst/>
-          </a:prstGeom>
-        </p:spPr>
-      </p:pic>
-    </p:spTree>
-    <p:extLst>
-      <p:ext uri="{BB962C8B-B14F-4D97-AF65-F5344CB8AC3E}">
-        <p14:creationId xmlns:p14="http://schemas.microsoft.com/office/powerpoint/2010/main" val="4217493885"/>
-      </p:ext>
-    </p:extLst>
-  </p:cSld>
-  <p:clrMapOvr>
-    <a:masterClrMapping/>
-  </p:clrMapOvr>
-</p:sld>
-</file>
-
-<file path=ppt/slides/slide16.xml><?xml version="1.0" encoding="utf-8"?>
-<p:sld xmlns:a="http://schemas.openxmlformats.org/drawingml/2006/main" xmlns:r="http://schemas.openxmlformats.org/officeDocument/2006/relationships" xmlns:p="http://schemas.openxmlformats.org/presentationml/2006/main">
-  <p:cSld>
-    <p:spTree>
-      <p:nvGrpSpPr>
-        <p:cNvPr id="1" name=""/>
-        <p:cNvGrpSpPr/>
-        <p:nvPr/>
-      </p:nvGrpSpPr>
-      <p:grpSpPr>
-        <a:xfrm>
-          <a:off x="0" y="0"/>
-          <a:ext cx="0" cy="0"/>
-          <a:chOff x="0" y="0"/>
-          <a:chExt cx="0" cy="0"/>
-        </a:xfrm>
-      </p:grpSpPr>
-      <p:sp>
-        <p:nvSpPr>
-          <p:cNvPr id="2" name="Title 1"/>
-          <p:cNvSpPr>
-            <a:spLocks noGrp="1"/>
-          </p:cNvSpPr>
-          <p:nvPr>
-            <p:ph type="ctrTitle"/>
-          </p:nvPr>
-        </p:nvSpPr>
-        <p:spPr>
-          <a:xfrm>
-            <a:off x="685800" y="228600"/>
-            <a:ext cx="8458200" cy="685800"/>
-          </a:xfrm>
-        </p:spPr>
-        <p:txBody>
-          <a:bodyPr/>
-          <a:lstStyle/>
-          <a:p>
-            <a:pPr algn="l"/>
-            <a:r>
-              <a:rPr lang="en-US" sz="4000" dirty="0" err="1" smtClean="0"/>
-              <a:t>Async</a:t>
-            </a:r>
-            <a:r>
-              <a:rPr lang="en-US" sz="4000" dirty="0" smtClean="0"/>
-              <a:t> Testing for ajax (</a:t>
-            </a:r>
-            <a:r>
-              <a:rPr lang="en-US" sz="4000" dirty="0" err="1" smtClean="0"/>
-              <a:t>cont</a:t>
-            </a:r>
-            <a:r>
-              <a:rPr lang="en-US" sz="4000" dirty="0" smtClean="0"/>
-              <a:t>)</a:t>
-            </a:r>
-            <a:endParaRPr lang="en-US" sz="4000" dirty="0"/>
-          </a:p>
-        </p:txBody>
-      </p:sp>
-      <p:sp>
-        <p:nvSpPr>
-          <p:cNvPr id="4" name="Date Placeholder 3"/>
-          <p:cNvSpPr>
-            <a:spLocks noGrp="1"/>
-          </p:cNvSpPr>
-          <p:nvPr>
-            <p:ph type="dt" sz="half" idx="10"/>
-          </p:nvPr>
-        </p:nvSpPr>
-        <p:spPr/>
-        <p:txBody>
-          <a:bodyPr/>
-          <a:lstStyle/>
-          <a:p>
-            <a:fld id="{216C5678-EE20-4FA5-88E2-6E0BD67A2E26}" type="datetime1">
-              <a:rPr lang="en-US" smtClean="0"/>
-              <a:t>11/23/2015</a:t>
-            </a:fld>
-            <a:endParaRPr lang="en-US" dirty="0"/>
-          </a:p>
-        </p:txBody>
-      </p:sp>
-      <p:sp>
-        <p:nvSpPr>
-          <p:cNvPr id="5" name="Slide Number Placeholder 4"/>
-          <p:cNvSpPr>
-            <a:spLocks noGrp="1"/>
-          </p:cNvSpPr>
-          <p:nvPr>
-            <p:ph type="sldNum" sz="quarter" idx="11"/>
-          </p:nvPr>
-        </p:nvSpPr>
-        <p:spPr/>
-        <p:txBody>
-          <a:bodyPr/>
-          <a:lstStyle/>
-          <a:p>
-            <a:fld id="{BA9B540C-44DA-4F69-89C9-7C84606640D3}" type="slidenum">
-              <a:rPr lang="en-US" smtClean="0"/>
-              <a:pPr/>
-              <a:t>16</a:t>
-            </a:fld>
-            <a:endParaRPr lang="en-US" dirty="0"/>
-          </a:p>
-        </p:txBody>
-      </p:sp>
-      <p:sp>
-        <p:nvSpPr>
-          <p:cNvPr id="6" name="Footer Placeholder 5"/>
-          <p:cNvSpPr>
-            <a:spLocks noGrp="1"/>
-          </p:cNvSpPr>
-          <p:nvPr>
-            <p:ph type="ftr" sz="quarter" idx="12"/>
-          </p:nvPr>
-        </p:nvSpPr>
-        <p:spPr/>
-        <p:txBody>
-          <a:bodyPr/>
-          <a:lstStyle/>
-          <a:p>
-            <a:r>
-              <a:rPr lang="en-US" smtClean="0"/>
-              <a:t>Footer Text</a:t>
-            </a:r>
-            <a:endParaRPr lang="en-US" dirty="0"/>
-          </a:p>
-        </p:txBody>
-      </p:sp>
-      <p:sp>
-        <p:nvSpPr>
-          <p:cNvPr id="8" name="Subtitle 2"/>
-          <p:cNvSpPr txBox="1">
-            <a:spLocks/>
-          </p:cNvSpPr>
-          <p:nvPr/>
-        </p:nvSpPr>
-        <p:spPr>
-          <a:xfrm>
-            <a:off x="1219200" y="1295400"/>
-            <a:ext cx="6400800" cy="1219200"/>
-          </a:xfrm>
-          <a:prstGeom prst="rect">
-            <a:avLst/>
-          </a:prstGeom>
-        </p:spPr>
-        <p:txBody>
-          <a:bodyPr vert="horz" lIns="91440" tIns="45720" rIns="91440" bIns="45720" rtlCol="0">
-            <a:normAutofit/>
-          </a:bodyPr>
-          <a:lstStyle>
-            <a:lvl1pPr marL="0" indent="0" algn="ctr" defTabSz="914400" rtl="0" eaLnBrk="1" latinLnBrk="0" hangingPunct="1">
-              <a:spcBef>
-                <a:spcPct val="20000"/>
-              </a:spcBef>
-              <a:buFont typeface="Arial" pitchFamily="34" charset="0"/>
-              <a:buNone/>
-              <a:defRPr sz="2400" kern="1200">
-                <a:solidFill>
-                  <a:schemeClr val="tx1">
-                    <a:tint val="75000"/>
-                  </a:schemeClr>
-                </a:solidFill>
-                <a:latin typeface="+mj-lt"/>
-                <a:ea typeface="+mn-ea"/>
-                <a:cs typeface="+mn-cs"/>
-              </a:defRPr>
-            </a:lvl1pPr>
-            <a:lvl2pPr marL="457200" indent="0" algn="ctr" defTabSz="914400" rtl="0" eaLnBrk="1" latinLnBrk="0" hangingPunct="1">
-              <a:spcBef>
-                <a:spcPct val="20000"/>
-              </a:spcBef>
-              <a:buFont typeface="Courier New" pitchFamily="49" charset="0"/>
-              <a:buNone/>
-              <a:defRPr sz="1600" kern="1200">
-                <a:solidFill>
-                  <a:schemeClr val="tx1">
-                    <a:tint val="75000"/>
-                  </a:schemeClr>
-                </a:solidFill>
-                <a:latin typeface="+mj-lt"/>
-                <a:ea typeface="+mn-ea"/>
-                <a:cs typeface="+mn-cs"/>
-              </a:defRPr>
-            </a:lvl2pPr>
-            <a:lvl3pPr marL="914400" indent="0" algn="ctr" defTabSz="914400" rtl="0" eaLnBrk="1" latinLnBrk="0" hangingPunct="1">
-              <a:spcBef>
-                <a:spcPct val="20000"/>
-              </a:spcBef>
-              <a:buFont typeface="Arial" pitchFamily="34" charset="0"/>
-              <a:buNone/>
-              <a:defRPr sz="1600" kern="1200">
-                <a:solidFill>
-                  <a:schemeClr val="tx1">
-                    <a:tint val="75000"/>
-                  </a:schemeClr>
-                </a:solidFill>
-                <a:latin typeface="+mj-lt"/>
-                <a:ea typeface="+mn-ea"/>
-                <a:cs typeface="+mn-cs"/>
-              </a:defRPr>
-            </a:lvl3pPr>
-            <a:lvl4pPr marL="1371600" indent="0" algn="ctr" defTabSz="914400" rtl="0" eaLnBrk="1" latinLnBrk="0" hangingPunct="1">
-              <a:spcBef>
-                <a:spcPct val="20000"/>
-              </a:spcBef>
-              <a:buFont typeface="Courier New" pitchFamily="49" charset="0"/>
-              <a:buNone/>
-              <a:defRPr sz="1600" kern="1200">
-                <a:solidFill>
-                  <a:schemeClr val="tx1">
-                    <a:tint val="75000"/>
-                  </a:schemeClr>
-                </a:solidFill>
-                <a:latin typeface="+mj-lt"/>
-                <a:ea typeface="+mn-ea"/>
-                <a:cs typeface="+mn-cs"/>
-              </a:defRPr>
-            </a:lvl4pPr>
-            <a:lvl5pPr marL="1828800" indent="0" algn="ctr" defTabSz="914400" rtl="0" eaLnBrk="1" latinLnBrk="0" hangingPunct="1">
-              <a:spcBef>
-                <a:spcPct val="20000"/>
-              </a:spcBef>
-              <a:buFont typeface="Arial" pitchFamily="34" charset="0"/>
-              <a:buNone/>
-              <a:defRPr sz="1600" kern="1200">
-                <a:solidFill>
-                  <a:schemeClr val="tx1">
-                    <a:tint val="75000"/>
-                  </a:schemeClr>
-                </a:solidFill>
-                <a:latin typeface="+mj-lt"/>
-                <a:ea typeface="+mn-ea"/>
-                <a:cs typeface="+mn-cs"/>
-              </a:defRPr>
-            </a:lvl5pPr>
-            <a:lvl6pPr marL="2286000" indent="0" algn="ctr" defTabSz="914400" rtl="0" eaLnBrk="1" latinLnBrk="0" hangingPunct="1">
-              <a:spcBef>
-                <a:spcPct val="20000"/>
-              </a:spcBef>
-              <a:buFont typeface="Courier New" pitchFamily="49" charset="0"/>
-              <a:buNone/>
-              <a:defRPr sz="1600" kern="1200">
-                <a:solidFill>
-                  <a:schemeClr val="tx1">
-                    <a:tint val="75000"/>
-                  </a:schemeClr>
-                </a:solidFill>
-                <a:latin typeface="+mj-lt"/>
-                <a:ea typeface="+mn-ea"/>
-                <a:cs typeface="+mn-cs"/>
-              </a:defRPr>
-            </a:lvl6pPr>
-            <a:lvl7pPr marL="2743200" indent="0" algn="ctr" defTabSz="914400" rtl="0" eaLnBrk="1" latinLnBrk="0" hangingPunct="1">
-              <a:spcBef>
-                <a:spcPct val="20000"/>
-              </a:spcBef>
-              <a:buFont typeface="Arial" pitchFamily="34" charset="0"/>
-              <a:buNone/>
-              <a:defRPr sz="1600" kern="1200">
-                <a:solidFill>
-                  <a:schemeClr val="tx1">
-                    <a:tint val="75000"/>
-                  </a:schemeClr>
-                </a:solidFill>
-                <a:latin typeface="+mj-lt"/>
-                <a:ea typeface="+mn-ea"/>
-                <a:cs typeface="+mn-cs"/>
-              </a:defRPr>
-            </a:lvl7pPr>
-            <a:lvl8pPr marL="3200400" indent="0" algn="ctr" defTabSz="914400" rtl="0" eaLnBrk="1" latinLnBrk="0" hangingPunct="1">
-              <a:spcBef>
-                <a:spcPct val="20000"/>
-              </a:spcBef>
-              <a:buFont typeface="Courier New" pitchFamily="49" charset="0"/>
-              <a:buNone/>
-              <a:defRPr sz="1600" kern="1200">
-                <a:solidFill>
-                  <a:schemeClr val="tx1">
-                    <a:tint val="75000"/>
-                  </a:schemeClr>
-                </a:solidFill>
-                <a:latin typeface="+mj-lt"/>
-                <a:ea typeface="+mn-ea"/>
-                <a:cs typeface="+mn-cs"/>
-              </a:defRPr>
-            </a:lvl8pPr>
-            <a:lvl9pPr marL="3657600" indent="0" algn="ctr" defTabSz="914400" rtl="0" eaLnBrk="1" latinLnBrk="0" hangingPunct="1">
-              <a:spcBef>
-                <a:spcPct val="20000"/>
-              </a:spcBef>
-              <a:buFont typeface="Arial" pitchFamily="34" charset="0"/>
-              <a:buNone/>
-              <a:defRPr sz="1600" kern="1200">
-                <a:solidFill>
-                  <a:schemeClr val="tx1">
-                    <a:tint val="75000"/>
-                  </a:schemeClr>
-                </a:solidFill>
-                <a:latin typeface="+mj-lt"/>
-                <a:ea typeface="+mn-ea"/>
-                <a:cs typeface="+mn-cs"/>
-              </a:defRPr>
-            </a:lvl9pPr>
-          </a:lstStyle>
-          <a:p>
-            <a:r>
-              <a:rPr lang="en-US" b="1" dirty="0" smtClean="0"/>
-              <a:t>Code Demo</a:t>
-            </a:r>
-            <a:endParaRPr lang="en-US" b="1" dirty="0"/>
-          </a:p>
-        </p:txBody>
-      </p:sp>
-    </p:spTree>
-    <p:extLst>
-      <p:ext uri="{BB962C8B-B14F-4D97-AF65-F5344CB8AC3E}">
-        <p14:creationId xmlns:p14="http://schemas.microsoft.com/office/powerpoint/2010/main" val="4071313435"/>
-      </p:ext>
-    </p:extLst>
-  </p:cSld>
-  <p:clrMapOvr>
-    <a:masterClrMapping/>
-  </p:clrMapOvr>
-</p:sld>
-</file>
-
-<file path=ppt/slides/slide17.xml><?xml version="1.0" encoding="utf-8"?>
-<p:sld xmlns:a="http://schemas.openxmlformats.org/drawingml/2006/main" xmlns:r="http://schemas.openxmlformats.org/officeDocument/2006/relationships" xmlns:p="http://schemas.openxmlformats.org/presentationml/2006/main">
-  <p:cSld>
-    <p:spTree>
-      <p:nvGrpSpPr>
-        <p:cNvPr id="1" name=""/>
-        <p:cNvGrpSpPr/>
-        <p:nvPr/>
-      </p:nvGrpSpPr>
-      <p:grpSpPr>
-        <a:xfrm>
-          <a:off x="0" y="0"/>
-          <a:ext cx="0" cy="0"/>
-          <a:chOff x="0" y="0"/>
-          <a:chExt cx="0" cy="0"/>
-        </a:xfrm>
-      </p:grpSpPr>
-      <p:sp>
-        <p:nvSpPr>
-          <p:cNvPr id="2" name="Title 1"/>
-          <p:cNvSpPr>
-            <a:spLocks noGrp="1"/>
-          </p:cNvSpPr>
-          <p:nvPr>
-            <p:ph type="ctrTitle"/>
-          </p:nvPr>
-        </p:nvSpPr>
-        <p:spPr>
-          <a:xfrm>
-            <a:off x="685800" y="228600"/>
-            <a:ext cx="8458200" cy="685800"/>
-          </a:xfrm>
-        </p:spPr>
-        <p:txBody>
-          <a:bodyPr/>
-          <a:lstStyle/>
-          <a:p>
-            <a:pPr algn="l"/>
-            <a:r>
-              <a:rPr lang="en-US" sz="4000" dirty="0" smtClean="0"/>
-              <a:t>Unit Testing with DOM Element</a:t>
-            </a:r>
-            <a:endParaRPr lang="en-US" sz="4000" dirty="0"/>
-          </a:p>
-        </p:txBody>
-      </p:sp>
-      <p:sp>
-        <p:nvSpPr>
-          <p:cNvPr id="4" name="Date Placeholder 3"/>
-          <p:cNvSpPr>
-            <a:spLocks noGrp="1"/>
-          </p:cNvSpPr>
-          <p:nvPr>
-            <p:ph type="dt" sz="half" idx="10"/>
-          </p:nvPr>
-        </p:nvSpPr>
-        <p:spPr/>
-        <p:txBody>
-          <a:bodyPr/>
-          <a:lstStyle/>
-          <a:p>
-            <a:fld id="{216C5678-EE20-4FA5-88E2-6E0BD67A2E26}" type="datetime1">
-              <a:rPr lang="en-US" smtClean="0"/>
-              <a:t>11/23/2015</a:t>
-            </a:fld>
-            <a:endParaRPr lang="en-US" dirty="0"/>
-          </a:p>
-        </p:txBody>
-      </p:sp>
-      <p:sp>
-        <p:nvSpPr>
-          <p:cNvPr id="5" name="Slide Number Placeholder 4"/>
-          <p:cNvSpPr>
-            <a:spLocks noGrp="1"/>
-          </p:cNvSpPr>
-          <p:nvPr>
-            <p:ph type="sldNum" sz="quarter" idx="11"/>
-          </p:nvPr>
-        </p:nvSpPr>
-        <p:spPr/>
-        <p:txBody>
-          <a:bodyPr/>
-          <a:lstStyle/>
-          <a:p>
-            <a:fld id="{BA9B540C-44DA-4F69-89C9-7C84606640D3}" type="slidenum">
-              <a:rPr lang="en-US" smtClean="0"/>
-              <a:pPr/>
-              <a:t>17</a:t>
-            </a:fld>
-            <a:endParaRPr lang="en-US" dirty="0"/>
-          </a:p>
-        </p:txBody>
-      </p:sp>
-      <p:sp>
-        <p:nvSpPr>
-          <p:cNvPr id="6" name="Footer Placeholder 5"/>
-          <p:cNvSpPr>
-            <a:spLocks noGrp="1"/>
-          </p:cNvSpPr>
-          <p:nvPr>
-            <p:ph type="ftr" sz="quarter" idx="12"/>
-          </p:nvPr>
-        </p:nvSpPr>
-        <p:spPr/>
-        <p:txBody>
-          <a:bodyPr/>
-          <a:lstStyle/>
-          <a:p>
-            <a:r>
-              <a:rPr lang="en-US" smtClean="0"/>
-              <a:t>Footer Text</a:t>
-            </a:r>
-            <a:endParaRPr lang="en-US" dirty="0"/>
-          </a:p>
-        </p:txBody>
-      </p:sp>
-      <p:sp>
-        <p:nvSpPr>
-          <p:cNvPr id="7" name="Subtitle 2"/>
-          <p:cNvSpPr>
-            <a:spLocks noGrp="1"/>
-          </p:cNvSpPr>
-          <p:nvPr>
-            <p:ph type="subTitle" idx="1"/>
-          </p:nvPr>
-        </p:nvSpPr>
-        <p:spPr>
-          <a:xfrm>
-            <a:off x="533400" y="2559050"/>
-            <a:ext cx="7620000" cy="3079750"/>
-          </a:xfrm>
-        </p:spPr>
-        <p:txBody>
-          <a:bodyPr>
-            <a:normAutofit/>
-          </a:bodyPr>
-          <a:lstStyle/>
-          <a:p>
-            <a:pPr lvl="0" algn="l"/>
-            <a:r>
-              <a:rPr lang="en-US" altLang="en-US" dirty="0" err="1" smtClean="0">
-                <a:solidFill>
-                  <a:srgbClr val="7A7A43"/>
-                </a:solidFill>
-                <a:latin typeface="Courier New" panose="02070309020205020404" pitchFamily="49" charset="0"/>
-                <a:cs typeface="Courier New" panose="02070309020205020404" pitchFamily="49" charset="0"/>
-              </a:rPr>
-              <a:t>addAndDisplay</a:t>
-            </a:r>
-            <a:r>
-              <a:rPr lang="en-US" altLang="en-US" dirty="0" smtClean="0">
-                <a:solidFill>
-                  <a:srgbClr val="000000"/>
-                </a:solidFill>
-                <a:latin typeface="Courier New" panose="02070309020205020404" pitchFamily="49" charset="0"/>
-                <a:cs typeface="Courier New" panose="02070309020205020404" pitchFamily="49" charset="0"/>
-              </a:rPr>
-              <a:t>(x</a:t>
-            </a:r>
-            <a:r>
-              <a:rPr lang="en-US" altLang="en-US" dirty="0">
-                <a:solidFill>
-                  <a:srgbClr val="000000"/>
-                </a:solidFill>
-                <a:latin typeface="Courier New" panose="02070309020205020404" pitchFamily="49" charset="0"/>
-                <a:cs typeface="Courier New" panose="02070309020205020404" pitchFamily="49" charset="0"/>
-              </a:rPr>
-              <a:t>, y, </a:t>
-            </a:r>
-            <a:r>
-              <a:rPr lang="en-US" altLang="en-US" dirty="0" err="1">
-                <a:solidFill>
-                  <a:srgbClr val="000000"/>
-                </a:solidFill>
-                <a:latin typeface="Courier New" panose="02070309020205020404" pitchFamily="49" charset="0"/>
-                <a:cs typeface="Courier New" panose="02070309020205020404" pitchFamily="49" charset="0"/>
-              </a:rPr>
-              <a:t>domEle</a:t>
-            </a:r>
-            <a:r>
-              <a:rPr lang="en-US" altLang="en-US" dirty="0">
-                <a:solidFill>
-                  <a:srgbClr val="000000"/>
-                </a:solidFill>
-                <a:latin typeface="Courier New" panose="02070309020205020404" pitchFamily="49" charset="0"/>
-                <a:cs typeface="Courier New" panose="02070309020205020404" pitchFamily="49" charset="0"/>
-              </a:rPr>
-              <a:t>)</a:t>
-            </a:r>
-            <a:endParaRPr lang="en-US" altLang="en-US" sz="3600" dirty="0">
-              <a:solidFill>
-                <a:schemeClr val="tx1"/>
-              </a:solidFill>
-              <a:latin typeface="Arial" panose="020B0604020202020204" pitchFamily="34" charset="0"/>
-            </a:endParaRPr>
-          </a:p>
-          <a:p>
-            <a:pPr algn="l"/>
-            <a:endParaRPr lang="en-US" dirty="0" smtClean="0"/>
-          </a:p>
-          <a:p>
-            <a:endParaRPr lang="en-US" dirty="0" smtClean="0"/>
-          </a:p>
-          <a:p>
-            <a:endParaRPr lang="en-US" dirty="0"/>
-          </a:p>
-          <a:p>
-            <a:r>
-              <a:rPr lang="en-US" b="1" dirty="0" smtClean="0"/>
-              <a:t>Code Demo</a:t>
-            </a:r>
-            <a:endParaRPr lang="en-US" b="1" dirty="0"/>
-          </a:p>
-        </p:txBody>
-      </p:sp>
-      <p:pic>
-        <p:nvPicPr>
-          <p:cNvPr id="10" name="Picture 9"/>
-          <p:cNvPicPr>
-            <a:picLocks noChangeAspect="1"/>
-          </p:cNvPicPr>
-          <p:nvPr/>
-        </p:nvPicPr>
-        <p:blipFill>
-          <a:blip r:embed="rId2"/>
-          <a:stretch>
-            <a:fillRect/>
-          </a:stretch>
-        </p:blipFill>
-        <p:spPr>
-          <a:xfrm>
-            <a:off x="638845" y="1254173"/>
-            <a:ext cx="3933155" cy="1078657"/>
-          </a:xfrm>
-          <a:prstGeom prst="rect">
-            <a:avLst/>
-          </a:prstGeom>
-        </p:spPr>
-      </p:pic>
-    </p:spTree>
-    <p:extLst>
-      <p:ext uri="{BB962C8B-B14F-4D97-AF65-F5344CB8AC3E}">
-        <p14:creationId xmlns:p14="http://schemas.microsoft.com/office/powerpoint/2010/main" val="2832276860"/>
-      </p:ext>
-    </p:extLst>
-  </p:cSld>
-  <p:clrMapOvr>
-    <a:masterClrMapping/>
-  </p:clrMapOvr>
-</p:sld>
-</file>
-
-<file path=ppt/slides/slide18.xml><?xml version="1.0" encoding="utf-8"?>
-<p:sld xmlns:a="http://schemas.openxmlformats.org/drawingml/2006/main" xmlns:r="http://schemas.openxmlformats.org/officeDocument/2006/relationships" xmlns:p="http://schemas.openxmlformats.org/presentationml/2006/main">
-  <p:cSld>
-    <p:spTree>
-      <p:nvGrpSpPr>
-        <p:cNvPr id="1" name=""/>
-        <p:cNvGrpSpPr/>
-        <p:nvPr/>
-      </p:nvGrpSpPr>
-      <p:grpSpPr>
-        <a:xfrm>
-          <a:off x="0" y="0"/>
-          <a:ext cx="0" cy="0"/>
-          <a:chOff x="0" y="0"/>
-          <a:chExt cx="0" cy="0"/>
-        </a:xfrm>
-      </p:grpSpPr>
-      <p:sp>
-        <p:nvSpPr>
-          <p:cNvPr id="2" name="Title 1"/>
-          <p:cNvSpPr>
-            <a:spLocks noGrp="1"/>
-          </p:cNvSpPr>
-          <p:nvPr>
-            <p:ph type="ctrTitle"/>
-          </p:nvPr>
-        </p:nvSpPr>
-        <p:spPr>
-          <a:xfrm>
-            <a:off x="685800" y="228600"/>
-            <a:ext cx="8458200" cy="685800"/>
-          </a:xfrm>
-        </p:spPr>
-        <p:txBody>
-          <a:bodyPr/>
-          <a:lstStyle/>
-          <a:p>
-            <a:pPr algn="l"/>
-            <a:r>
-              <a:rPr lang="en-US" sz="4000" dirty="0" smtClean="0"/>
-              <a:t>Karma</a:t>
-            </a:r>
-            <a:endParaRPr lang="en-US" sz="4000" dirty="0"/>
-          </a:p>
-        </p:txBody>
-      </p:sp>
-      <p:sp>
-        <p:nvSpPr>
-          <p:cNvPr id="4" name="Date Placeholder 3"/>
-          <p:cNvSpPr>
-            <a:spLocks noGrp="1"/>
-          </p:cNvSpPr>
-          <p:nvPr>
-            <p:ph type="dt" sz="half" idx="10"/>
-          </p:nvPr>
-        </p:nvSpPr>
-        <p:spPr/>
-        <p:txBody>
-          <a:bodyPr/>
-          <a:lstStyle/>
-          <a:p>
-            <a:fld id="{216C5678-EE20-4FA5-88E2-6E0BD67A2E26}" type="datetime1">
-              <a:rPr lang="en-US" smtClean="0"/>
-              <a:t>11/23/2015</a:t>
-            </a:fld>
-            <a:endParaRPr lang="en-US" dirty="0"/>
-          </a:p>
-        </p:txBody>
-      </p:sp>
-      <p:sp>
-        <p:nvSpPr>
-          <p:cNvPr id="5" name="Slide Number Placeholder 4"/>
-          <p:cNvSpPr>
-            <a:spLocks noGrp="1"/>
-          </p:cNvSpPr>
-          <p:nvPr>
-            <p:ph type="sldNum" sz="quarter" idx="11"/>
-          </p:nvPr>
-        </p:nvSpPr>
-        <p:spPr/>
-        <p:txBody>
-          <a:bodyPr/>
-          <a:lstStyle/>
-          <a:p>
-            <a:fld id="{BA9B540C-44DA-4F69-89C9-7C84606640D3}" type="slidenum">
-              <a:rPr lang="en-US" smtClean="0"/>
-              <a:pPr/>
-              <a:t>18</a:t>
-            </a:fld>
-            <a:endParaRPr lang="en-US" dirty="0"/>
-          </a:p>
-        </p:txBody>
-      </p:sp>
-      <p:sp>
-        <p:nvSpPr>
-          <p:cNvPr id="6" name="Footer Placeholder 5"/>
-          <p:cNvSpPr>
-            <a:spLocks noGrp="1"/>
-          </p:cNvSpPr>
-          <p:nvPr>
-            <p:ph type="ftr" sz="quarter" idx="12"/>
-          </p:nvPr>
-        </p:nvSpPr>
-        <p:spPr/>
-        <p:txBody>
-          <a:bodyPr/>
-          <a:lstStyle/>
-          <a:p>
-            <a:r>
-              <a:rPr lang="en-US" smtClean="0"/>
-              <a:t>Footer Text</a:t>
-            </a:r>
-            <a:endParaRPr lang="en-US" dirty="0"/>
-          </a:p>
-        </p:txBody>
-      </p:sp>
-      <p:sp>
-        <p:nvSpPr>
-          <p:cNvPr id="7" name="Subtitle 2"/>
-          <p:cNvSpPr txBox="1">
-            <a:spLocks/>
-          </p:cNvSpPr>
-          <p:nvPr/>
-        </p:nvSpPr>
-        <p:spPr>
-          <a:xfrm>
-            <a:off x="659164" y="1143000"/>
-            <a:ext cx="7884113" cy="3733800"/>
-          </a:xfrm>
-          <a:prstGeom prst="rect">
-            <a:avLst/>
-          </a:prstGeom>
-        </p:spPr>
-        <p:txBody>
-          <a:bodyPr vert="horz" lIns="91440" tIns="45720" rIns="91440" bIns="45720" rtlCol="0">
-            <a:normAutofit/>
-          </a:bodyPr>
-          <a:lstStyle>
-            <a:lvl1pPr marL="0" indent="0" algn="ctr" defTabSz="914400" rtl="0" eaLnBrk="1" latinLnBrk="0" hangingPunct="1">
-              <a:spcBef>
-                <a:spcPct val="20000"/>
-              </a:spcBef>
-              <a:buFont typeface="Arial" pitchFamily="34" charset="0"/>
-              <a:buNone/>
-              <a:defRPr sz="2400" kern="1200">
-                <a:solidFill>
-                  <a:schemeClr val="tx1">
-                    <a:tint val="75000"/>
-                  </a:schemeClr>
-                </a:solidFill>
-                <a:latin typeface="+mj-lt"/>
-                <a:ea typeface="+mn-ea"/>
-                <a:cs typeface="+mn-cs"/>
-              </a:defRPr>
-            </a:lvl1pPr>
-            <a:lvl2pPr marL="457200" indent="0" algn="ctr" defTabSz="914400" rtl="0" eaLnBrk="1" latinLnBrk="0" hangingPunct="1">
-              <a:spcBef>
-                <a:spcPct val="20000"/>
-              </a:spcBef>
-              <a:buFont typeface="Courier New" pitchFamily="49" charset="0"/>
-              <a:buNone/>
-              <a:defRPr sz="1600" kern="1200">
-                <a:solidFill>
-                  <a:schemeClr val="tx1">
-                    <a:tint val="75000"/>
-                  </a:schemeClr>
-                </a:solidFill>
-                <a:latin typeface="+mj-lt"/>
-                <a:ea typeface="+mn-ea"/>
-                <a:cs typeface="+mn-cs"/>
-              </a:defRPr>
-            </a:lvl2pPr>
-            <a:lvl3pPr marL="914400" indent="0" algn="ctr" defTabSz="914400" rtl="0" eaLnBrk="1" latinLnBrk="0" hangingPunct="1">
-              <a:spcBef>
-                <a:spcPct val="20000"/>
-              </a:spcBef>
-              <a:buFont typeface="Arial" pitchFamily="34" charset="0"/>
-              <a:buNone/>
-              <a:defRPr sz="1600" kern="1200">
-                <a:solidFill>
-                  <a:schemeClr val="tx1">
-                    <a:tint val="75000"/>
-                  </a:schemeClr>
-                </a:solidFill>
-                <a:latin typeface="+mj-lt"/>
-                <a:ea typeface="+mn-ea"/>
-                <a:cs typeface="+mn-cs"/>
-              </a:defRPr>
-            </a:lvl3pPr>
-            <a:lvl4pPr marL="1371600" indent="0" algn="ctr" defTabSz="914400" rtl="0" eaLnBrk="1" latinLnBrk="0" hangingPunct="1">
-              <a:spcBef>
-                <a:spcPct val="20000"/>
-              </a:spcBef>
-              <a:buFont typeface="Courier New" pitchFamily="49" charset="0"/>
-              <a:buNone/>
-              <a:defRPr sz="1600" kern="1200">
-                <a:solidFill>
-                  <a:schemeClr val="tx1">
-                    <a:tint val="75000"/>
-                  </a:schemeClr>
-                </a:solidFill>
-                <a:latin typeface="+mj-lt"/>
-                <a:ea typeface="+mn-ea"/>
-                <a:cs typeface="+mn-cs"/>
-              </a:defRPr>
-            </a:lvl4pPr>
-            <a:lvl5pPr marL="1828800" indent="0" algn="ctr" defTabSz="914400" rtl="0" eaLnBrk="1" latinLnBrk="0" hangingPunct="1">
-              <a:spcBef>
-                <a:spcPct val="20000"/>
-              </a:spcBef>
-              <a:buFont typeface="Arial" pitchFamily="34" charset="0"/>
-              <a:buNone/>
-              <a:defRPr sz="1600" kern="1200">
-                <a:solidFill>
-                  <a:schemeClr val="tx1">
-                    <a:tint val="75000"/>
-                  </a:schemeClr>
-                </a:solidFill>
-                <a:latin typeface="+mj-lt"/>
-                <a:ea typeface="+mn-ea"/>
-                <a:cs typeface="+mn-cs"/>
-              </a:defRPr>
-            </a:lvl5pPr>
-            <a:lvl6pPr marL="2286000" indent="0" algn="ctr" defTabSz="914400" rtl="0" eaLnBrk="1" latinLnBrk="0" hangingPunct="1">
-              <a:spcBef>
-                <a:spcPct val="20000"/>
-              </a:spcBef>
-              <a:buFont typeface="Courier New" pitchFamily="49" charset="0"/>
-              <a:buNone/>
-              <a:defRPr sz="1600" kern="1200">
-                <a:solidFill>
-                  <a:schemeClr val="tx1">
-                    <a:tint val="75000"/>
-                  </a:schemeClr>
-                </a:solidFill>
-                <a:latin typeface="+mj-lt"/>
-                <a:ea typeface="+mn-ea"/>
-                <a:cs typeface="+mn-cs"/>
-              </a:defRPr>
-            </a:lvl6pPr>
-            <a:lvl7pPr marL="2743200" indent="0" algn="ctr" defTabSz="914400" rtl="0" eaLnBrk="1" latinLnBrk="0" hangingPunct="1">
-              <a:spcBef>
-                <a:spcPct val="20000"/>
-              </a:spcBef>
-              <a:buFont typeface="Arial" pitchFamily="34" charset="0"/>
-              <a:buNone/>
-              <a:defRPr sz="1600" kern="1200">
-                <a:solidFill>
-                  <a:schemeClr val="tx1">
-                    <a:tint val="75000"/>
-                  </a:schemeClr>
-                </a:solidFill>
-                <a:latin typeface="+mj-lt"/>
-                <a:ea typeface="+mn-ea"/>
-                <a:cs typeface="+mn-cs"/>
-              </a:defRPr>
-            </a:lvl7pPr>
-            <a:lvl8pPr marL="3200400" indent="0" algn="ctr" defTabSz="914400" rtl="0" eaLnBrk="1" latinLnBrk="0" hangingPunct="1">
-              <a:spcBef>
-                <a:spcPct val="20000"/>
-              </a:spcBef>
-              <a:buFont typeface="Courier New" pitchFamily="49" charset="0"/>
-              <a:buNone/>
-              <a:defRPr sz="1600" kern="1200">
-                <a:solidFill>
-                  <a:schemeClr val="tx1">
-                    <a:tint val="75000"/>
-                  </a:schemeClr>
-                </a:solidFill>
-                <a:latin typeface="+mj-lt"/>
-                <a:ea typeface="+mn-ea"/>
-                <a:cs typeface="+mn-cs"/>
-              </a:defRPr>
-            </a:lvl8pPr>
-            <a:lvl9pPr marL="3657600" indent="0" algn="ctr" defTabSz="914400" rtl="0" eaLnBrk="1" latinLnBrk="0" hangingPunct="1">
-              <a:spcBef>
-                <a:spcPct val="20000"/>
-              </a:spcBef>
-              <a:buFont typeface="Arial" pitchFamily="34" charset="0"/>
-              <a:buNone/>
-              <a:defRPr sz="1600" kern="1200">
-                <a:solidFill>
-                  <a:schemeClr val="tx1">
-                    <a:tint val="75000"/>
-                  </a:schemeClr>
-                </a:solidFill>
-                <a:latin typeface="+mj-lt"/>
-                <a:ea typeface="+mn-ea"/>
-                <a:cs typeface="+mn-cs"/>
-              </a:defRPr>
-            </a:lvl9pPr>
-          </a:lstStyle>
-          <a:p>
-            <a:pPr marL="342900" indent="-342900" algn="l">
-              <a:buFont typeface="Arial" panose="020B0604020202020204" pitchFamily="34" charset="0"/>
-              <a:buChar char="•"/>
-            </a:pPr>
-            <a:r>
-              <a:rPr lang="en-US" dirty="0" err="1" smtClean="0"/>
-              <a:t>Javascript</a:t>
-            </a:r>
-            <a:r>
-              <a:rPr lang="en-US" dirty="0" smtClean="0"/>
-              <a:t> </a:t>
-            </a:r>
-            <a:r>
-              <a:rPr lang="en-US" dirty="0"/>
-              <a:t>unit test driver written in </a:t>
-            </a:r>
-            <a:r>
-              <a:rPr lang="en-US" dirty="0" err="1" smtClean="0"/>
-              <a:t>NodeJS</a:t>
-            </a:r>
-            <a:r>
-              <a:rPr lang="en-US" dirty="0" smtClean="0"/>
-              <a:t> by Angular team.</a:t>
-            </a:r>
-          </a:p>
-          <a:p>
-            <a:pPr marL="342900" indent="-342900" algn="l">
-              <a:buFont typeface="Arial" panose="020B0604020202020204" pitchFamily="34" charset="0"/>
-              <a:buChar char="•"/>
-            </a:pPr>
-            <a:r>
-              <a:rPr lang="en-US" dirty="0"/>
-              <a:t>C</a:t>
-            </a:r>
-            <a:r>
-              <a:rPr lang="en-US" dirty="0" smtClean="0"/>
-              <a:t>onstantly </a:t>
-            </a:r>
-            <a:r>
-              <a:rPr lang="en-US" dirty="0"/>
-              <a:t>monitors your </a:t>
-            </a:r>
-            <a:r>
-              <a:rPr lang="en-US" dirty="0" err="1"/>
-              <a:t>Javascript</a:t>
-            </a:r>
-            <a:r>
-              <a:rPr lang="en-US" dirty="0"/>
-              <a:t> </a:t>
-            </a:r>
-            <a:r>
-              <a:rPr lang="en-US" dirty="0" smtClean="0"/>
-              <a:t>code and execute unit tests very fast.</a:t>
-            </a:r>
-          </a:p>
-          <a:p>
-            <a:pPr marL="342900" indent="-342900" algn="l">
-              <a:buFont typeface="Arial" panose="020B0604020202020204" pitchFamily="34" charset="0"/>
-              <a:buChar char="•"/>
-            </a:pPr>
-            <a:r>
-              <a:rPr lang="en-US" dirty="0"/>
-              <a:t>Productivity tool. No need to leave your IDE to run </a:t>
-            </a:r>
-            <a:r>
-              <a:rPr lang="en-US" dirty="0" smtClean="0"/>
-              <a:t>unit tests</a:t>
-            </a:r>
-            <a:r>
-              <a:rPr lang="en-US" dirty="0"/>
-              <a:t>.</a:t>
-            </a:r>
-          </a:p>
-          <a:p>
-            <a:pPr algn="l"/>
-            <a:endParaRPr lang="en-US" dirty="0"/>
-          </a:p>
-        </p:txBody>
-      </p:sp>
-    </p:spTree>
-    <p:extLst>
-      <p:ext uri="{BB962C8B-B14F-4D97-AF65-F5344CB8AC3E}">
-        <p14:creationId xmlns:p14="http://schemas.microsoft.com/office/powerpoint/2010/main" val="4066547018"/>
-      </p:ext>
-    </p:extLst>
-  </p:cSld>
-  <p:clrMapOvr>
-    <a:masterClrMapping/>
-  </p:clrMapOvr>
-</p:sld>
-</file>
-
-<file path=ppt/slides/slide19.xml><?xml version="1.0" encoding="utf-8"?>
-<p:sld xmlns:a="http://schemas.openxmlformats.org/drawingml/2006/main" xmlns:r="http://schemas.openxmlformats.org/officeDocument/2006/relationships" xmlns:p="http://schemas.openxmlformats.org/presentationml/2006/main">
-  <p:cSld>
-    <p:spTree>
-      <p:nvGrpSpPr>
-        <p:cNvPr id="1" name=""/>
-        <p:cNvGrpSpPr/>
-        <p:nvPr/>
-      </p:nvGrpSpPr>
-      <p:grpSpPr>
-        <a:xfrm>
-          <a:off x="0" y="0"/>
-          <a:ext cx="0" cy="0"/>
-          <a:chOff x="0" y="0"/>
-          <a:chExt cx="0" cy="0"/>
-        </a:xfrm>
-      </p:grpSpPr>
-      <p:sp>
-        <p:nvSpPr>
-          <p:cNvPr id="2" name="Title 1"/>
-          <p:cNvSpPr>
-            <a:spLocks noGrp="1"/>
-          </p:cNvSpPr>
-          <p:nvPr>
-            <p:ph type="ctrTitle"/>
-          </p:nvPr>
-        </p:nvSpPr>
-        <p:spPr>
-          <a:xfrm>
-            <a:off x="685800" y="228600"/>
-            <a:ext cx="8458200" cy="685800"/>
-          </a:xfrm>
-        </p:spPr>
-        <p:txBody>
-          <a:bodyPr/>
-          <a:lstStyle/>
-          <a:p>
-            <a:pPr algn="l"/>
-            <a:r>
-              <a:rPr lang="en-US" sz="4000" dirty="0" smtClean="0"/>
-              <a:t>Karma Configuration</a:t>
-            </a:r>
-            <a:endParaRPr lang="en-US" sz="4000" dirty="0"/>
-          </a:p>
-        </p:txBody>
-      </p:sp>
-      <p:sp>
-        <p:nvSpPr>
-          <p:cNvPr id="4" name="Date Placeholder 3"/>
-          <p:cNvSpPr>
-            <a:spLocks noGrp="1"/>
-          </p:cNvSpPr>
-          <p:nvPr>
-            <p:ph type="dt" sz="half" idx="10"/>
-          </p:nvPr>
-        </p:nvSpPr>
-        <p:spPr/>
-        <p:txBody>
-          <a:bodyPr/>
-          <a:lstStyle/>
-          <a:p>
-            <a:fld id="{216C5678-EE20-4FA5-88E2-6E0BD67A2E26}" type="datetime1">
-              <a:rPr lang="en-US" smtClean="0"/>
-              <a:t>11/23/2015</a:t>
-            </a:fld>
-            <a:endParaRPr lang="en-US" dirty="0"/>
-          </a:p>
-        </p:txBody>
-      </p:sp>
-      <p:sp>
-        <p:nvSpPr>
-          <p:cNvPr id="5" name="Slide Number Placeholder 4"/>
-          <p:cNvSpPr>
-            <a:spLocks noGrp="1"/>
-          </p:cNvSpPr>
-          <p:nvPr>
-            <p:ph type="sldNum" sz="quarter" idx="11"/>
-          </p:nvPr>
-        </p:nvSpPr>
-        <p:spPr/>
-        <p:txBody>
-          <a:bodyPr/>
-          <a:lstStyle/>
-          <a:p>
-            <a:fld id="{BA9B540C-44DA-4F69-89C9-7C84606640D3}" type="slidenum">
-              <a:rPr lang="en-US" smtClean="0"/>
-              <a:pPr/>
-              <a:t>19</a:t>
-            </a:fld>
-            <a:endParaRPr lang="en-US" dirty="0"/>
-          </a:p>
-        </p:txBody>
-      </p:sp>
-      <p:sp>
-        <p:nvSpPr>
-          <p:cNvPr id="6" name="Footer Placeholder 5"/>
-          <p:cNvSpPr>
-            <a:spLocks noGrp="1"/>
-          </p:cNvSpPr>
-          <p:nvPr>
-            <p:ph type="ftr" sz="quarter" idx="12"/>
-          </p:nvPr>
-        </p:nvSpPr>
-        <p:spPr/>
-        <p:txBody>
-          <a:bodyPr/>
-          <a:lstStyle/>
-          <a:p>
-            <a:r>
-              <a:rPr lang="en-US" smtClean="0"/>
-              <a:t>Footer Text</a:t>
-            </a:r>
-            <a:endParaRPr lang="en-US" dirty="0"/>
-          </a:p>
-        </p:txBody>
-      </p:sp>
-      <p:sp>
-        <p:nvSpPr>
-          <p:cNvPr id="7" name="Subtitle 2"/>
-          <p:cNvSpPr txBox="1">
-            <a:spLocks/>
-          </p:cNvSpPr>
-          <p:nvPr/>
-        </p:nvSpPr>
-        <p:spPr>
-          <a:xfrm>
-            <a:off x="228600" y="990600"/>
-            <a:ext cx="8610600" cy="889246"/>
-          </a:xfrm>
-          <a:prstGeom prst="rect">
-            <a:avLst/>
-          </a:prstGeom>
-        </p:spPr>
-        <p:txBody>
-          <a:bodyPr vert="horz" lIns="91440" tIns="45720" rIns="91440" bIns="45720" rtlCol="0">
-            <a:normAutofit/>
-          </a:bodyPr>
-          <a:lstStyle>
-            <a:lvl1pPr marL="0" indent="0" algn="ctr" defTabSz="914400" rtl="0" eaLnBrk="1" latinLnBrk="0" hangingPunct="1">
-              <a:spcBef>
-                <a:spcPct val="20000"/>
-              </a:spcBef>
-              <a:buFont typeface="Arial" pitchFamily="34" charset="0"/>
-              <a:buNone/>
-              <a:defRPr sz="2400" kern="1200">
-                <a:solidFill>
-                  <a:schemeClr val="tx1">
-                    <a:tint val="75000"/>
-                  </a:schemeClr>
-                </a:solidFill>
-                <a:latin typeface="+mj-lt"/>
-                <a:ea typeface="+mn-ea"/>
-                <a:cs typeface="+mn-cs"/>
-              </a:defRPr>
-            </a:lvl1pPr>
-            <a:lvl2pPr marL="457200" indent="0" algn="ctr" defTabSz="914400" rtl="0" eaLnBrk="1" latinLnBrk="0" hangingPunct="1">
-              <a:spcBef>
-                <a:spcPct val="20000"/>
-              </a:spcBef>
-              <a:buFont typeface="Courier New" pitchFamily="49" charset="0"/>
-              <a:buNone/>
-              <a:defRPr sz="1600" kern="1200">
-                <a:solidFill>
-                  <a:schemeClr val="tx1">
-                    <a:tint val="75000"/>
-                  </a:schemeClr>
-                </a:solidFill>
-                <a:latin typeface="+mj-lt"/>
-                <a:ea typeface="+mn-ea"/>
-                <a:cs typeface="+mn-cs"/>
-              </a:defRPr>
-            </a:lvl2pPr>
-            <a:lvl3pPr marL="914400" indent="0" algn="ctr" defTabSz="914400" rtl="0" eaLnBrk="1" latinLnBrk="0" hangingPunct="1">
-              <a:spcBef>
-                <a:spcPct val="20000"/>
-              </a:spcBef>
-              <a:buFont typeface="Arial" pitchFamily="34" charset="0"/>
-              <a:buNone/>
-              <a:defRPr sz="1600" kern="1200">
-                <a:solidFill>
-                  <a:schemeClr val="tx1">
-                    <a:tint val="75000"/>
-                  </a:schemeClr>
-                </a:solidFill>
-                <a:latin typeface="+mj-lt"/>
-                <a:ea typeface="+mn-ea"/>
-                <a:cs typeface="+mn-cs"/>
-              </a:defRPr>
-            </a:lvl3pPr>
-            <a:lvl4pPr marL="1371600" indent="0" algn="ctr" defTabSz="914400" rtl="0" eaLnBrk="1" latinLnBrk="0" hangingPunct="1">
-              <a:spcBef>
-                <a:spcPct val="20000"/>
-              </a:spcBef>
-              <a:buFont typeface="Courier New" pitchFamily="49" charset="0"/>
-              <a:buNone/>
-              <a:defRPr sz="1600" kern="1200">
-                <a:solidFill>
-                  <a:schemeClr val="tx1">
-                    <a:tint val="75000"/>
-                  </a:schemeClr>
-                </a:solidFill>
-                <a:latin typeface="+mj-lt"/>
-                <a:ea typeface="+mn-ea"/>
-                <a:cs typeface="+mn-cs"/>
-              </a:defRPr>
-            </a:lvl4pPr>
-            <a:lvl5pPr marL="1828800" indent="0" algn="ctr" defTabSz="914400" rtl="0" eaLnBrk="1" latinLnBrk="0" hangingPunct="1">
-              <a:spcBef>
-                <a:spcPct val="20000"/>
-              </a:spcBef>
-              <a:buFont typeface="Arial" pitchFamily="34" charset="0"/>
-              <a:buNone/>
-              <a:defRPr sz="1600" kern="1200">
-                <a:solidFill>
-                  <a:schemeClr val="tx1">
-                    <a:tint val="75000"/>
-                  </a:schemeClr>
-                </a:solidFill>
-                <a:latin typeface="+mj-lt"/>
-                <a:ea typeface="+mn-ea"/>
-                <a:cs typeface="+mn-cs"/>
-              </a:defRPr>
-            </a:lvl5pPr>
-            <a:lvl6pPr marL="2286000" indent="0" algn="ctr" defTabSz="914400" rtl="0" eaLnBrk="1" latinLnBrk="0" hangingPunct="1">
-              <a:spcBef>
-                <a:spcPct val="20000"/>
-              </a:spcBef>
-              <a:buFont typeface="Courier New" pitchFamily="49" charset="0"/>
-              <a:buNone/>
-              <a:defRPr sz="1600" kern="1200">
-                <a:solidFill>
-                  <a:schemeClr val="tx1">
-                    <a:tint val="75000"/>
-                  </a:schemeClr>
-                </a:solidFill>
-                <a:latin typeface="+mj-lt"/>
-                <a:ea typeface="+mn-ea"/>
-                <a:cs typeface="+mn-cs"/>
-              </a:defRPr>
-            </a:lvl6pPr>
-            <a:lvl7pPr marL="2743200" indent="0" algn="ctr" defTabSz="914400" rtl="0" eaLnBrk="1" latinLnBrk="0" hangingPunct="1">
-              <a:spcBef>
-                <a:spcPct val="20000"/>
-              </a:spcBef>
-              <a:buFont typeface="Arial" pitchFamily="34" charset="0"/>
-              <a:buNone/>
-              <a:defRPr sz="1600" kern="1200">
-                <a:solidFill>
-                  <a:schemeClr val="tx1">
-                    <a:tint val="75000"/>
-                  </a:schemeClr>
-                </a:solidFill>
-                <a:latin typeface="+mj-lt"/>
-                <a:ea typeface="+mn-ea"/>
-                <a:cs typeface="+mn-cs"/>
-              </a:defRPr>
-            </a:lvl7pPr>
-            <a:lvl8pPr marL="3200400" indent="0" algn="ctr" defTabSz="914400" rtl="0" eaLnBrk="1" latinLnBrk="0" hangingPunct="1">
-              <a:spcBef>
-                <a:spcPct val="20000"/>
-              </a:spcBef>
-              <a:buFont typeface="Courier New" pitchFamily="49" charset="0"/>
-              <a:buNone/>
-              <a:defRPr sz="1600" kern="1200">
-                <a:solidFill>
-                  <a:schemeClr val="tx1">
-                    <a:tint val="75000"/>
-                  </a:schemeClr>
-                </a:solidFill>
-                <a:latin typeface="+mj-lt"/>
-                <a:ea typeface="+mn-ea"/>
-                <a:cs typeface="+mn-cs"/>
-              </a:defRPr>
-            </a:lvl8pPr>
-            <a:lvl9pPr marL="3657600" indent="0" algn="ctr" defTabSz="914400" rtl="0" eaLnBrk="1" latinLnBrk="0" hangingPunct="1">
-              <a:spcBef>
-                <a:spcPct val="20000"/>
-              </a:spcBef>
-              <a:buFont typeface="Arial" pitchFamily="34" charset="0"/>
-              <a:buNone/>
-              <a:defRPr sz="1600" kern="1200">
-                <a:solidFill>
-                  <a:schemeClr val="tx1">
-                    <a:tint val="75000"/>
-                  </a:schemeClr>
-                </a:solidFill>
-                <a:latin typeface="+mj-lt"/>
-                <a:ea typeface="+mn-ea"/>
-                <a:cs typeface="+mn-cs"/>
-              </a:defRPr>
-            </a:lvl9pPr>
-          </a:lstStyle>
-          <a:p>
-            <a:pPr marL="342900" indent="-342900" algn="l">
-              <a:buFont typeface="Arial" panose="020B0604020202020204" pitchFamily="34" charset="0"/>
-              <a:buChar char="•"/>
-            </a:pPr>
-            <a:r>
-              <a:rPr lang="en-US" dirty="0" smtClean="0"/>
-              <a:t>C:\nodejs   </a:t>
-            </a:r>
-            <a:r>
-              <a:rPr lang="en-US" dirty="0" err="1" smtClean="0"/>
-              <a:t>npm</a:t>
-            </a:r>
-            <a:r>
-              <a:rPr lang="en-US" dirty="0" smtClean="0"/>
-              <a:t> install karma</a:t>
-            </a:r>
-          </a:p>
-          <a:p>
-            <a:pPr algn="l"/>
-            <a:endParaRPr lang="en-US" dirty="0" smtClean="0"/>
-          </a:p>
-        </p:txBody>
-      </p:sp>
-      <p:pic>
-        <p:nvPicPr>
-          <p:cNvPr id="3" name="Picture 2"/>
-          <p:cNvPicPr>
-            <a:picLocks noChangeAspect="1"/>
-          </p:cNvPicPr>
-          <p:nvPr/>
-        </p:nvPicPr>
-        <p:blipFill>
-          <a:blip r:embed="rId2"/>
-          <a:stretch>
-            <a:fillRect/>
-          </a:stretch>
-        </p:blipFill>
-        <p:spPr>
-          <a:xfrm>
-            <a:off x="1615858" y="1956046"/>
-            <a:ext cx="5790476" cy="3923809"/>
-          </a:xfrm>
-          <a:prstGeom prst="rect">
-            <a:avLst/>
-          </a:prstGeom>
-        </p:spPr>
-      </p:pic>
-    </p:spTree>
-    <p:extLst>
-      <p:ext uri="{BB962C8B-B14F-4D97-AF65-F5344CB8AC3E}">
-        <p14:creationId xmlns:p14="http://schemas.microsoft.com/office/powerpoint/2010/main" val="2842711621"/>
-      </p:ext>
-    </p:extLst>
-  </p:cSld>
-  <p:clrMapOvr>
-    <a:masterClrMapping/>
-  </p:clrMapOvr>
-</p:sld>
-</file>
-
 <file path=ppt/slides/slide2.xml><?xml version="1.0" encoding="utf-8"?>
 <p:sld xmlns:a="http://schemas.openxmlformats.org/drawingml/2006/main" xmlns:r="http://schemas.openxmlformats.org/officeDocument/2006/relationships" xmlns:p="http://schemas.openxmlformats.org/presentationml/2006/main">
   <p:cSld>
@@ -6989,9 +4003,8 @@
             </a:pPr>
             <a:r>
               <a:rPr lang="en-US" sz="3200" dirty="0" smtClean="0"/>
-              <a:t>Why LESS?</a:t>
-            </a:r>
-            <a:endParaRPr lang="en-US" sz="3200" dirty="0" smtClean="0"/>
+              <a:t>CSS Pain.</a:t>
+            </a:r>
           </a:p>
           <a:p>
             <a:pPr marL="342900" indent="-342900" algn="l">
@@ -6999,13 +4012,25 @@
               <a:buChar char="•"/>
             </a:pPr>
             <a:r>
+              <a:rPr lang="en-US" sz="3200" dirty="0"/>
+              <a:t>Why LESS?</a:t>
+            </a:r>
+          </a:p>
+          <a:p>
+            <a:pPr marL="342900" indent="-342900" algn="l">
+              <a:buFont typeface="Arial" panose="020B0604020202020204" pitchFamily="34" charset="0"/>
+              <a:buChar char="•"/>
+            </a:pPr>
+            <a:r>
               <a:rPr lang="en-US" sz="3200" dirty="0" smtClean="0"/>
-              <a:t>Drawback of </a:t>
-            </a:r>
-            <a:r>
-              <a:rPr lang="en-US" sz="3200" smtClean="0"/>
-              <a:t>CSS.</a:t>
-            </a:r>
+              <a:t>Grunt &amp; LESS compiler</a:t>
+            </a:r>
+          </a:p>
+          <a:p>
+            <a:pPr marL="342900" indent="-342900" algn="l">
+              <a:buFont typeface="Arial" panose="020B0604020202020204" pitchFamily="34" charset="0"/>
+              <a:buChar char="•"/>
+            </a:pPr>
             <a:endParaRPr lang="en-US" sz="3200" dirty="0" smtClean="0"/>
           </a:p>
         </p:txBody>
@@ -7084,725 +4109,6 @@
     <p:extLst>
       <p:ext uri="{BB962C8B-B14F-4D97-AF65-F5344CB8AC3E}">
         <p14:creationId xmlns:p14="http://schemas.microsoft.com/office/powerpoint/2010/main" val="1112403685"/>
-      </p:ext>
-    </p:extLst>
-  </p:cSld>
-  <p:clrMapOvr>
-    <a:masterClrMapping/>
-  </p:clrMapOvr>
-</p:sld>
-</file>
-
-<file path=ppt/slides/slide20.xml><?xml version="1.0" encoding="utf-8"?>
-<p:sld xmlns:a="http://schemas.openxmlformats.org/drawingml/2006/main" xmlns:r="http://schemas.openxmlformats.org/officeDocument/2006/relationships" xmlns:p="http://schemas.openxmlformats.org/presentationml/2006/main">
-  <p:cSld>
-    <p:spTree>
-      <p:nvGrpSpPr>
-        <p:cNvPr id="1" name=""/>
-        <p:cNvGrpSpPr/>
-        <p:nvPr/>
-      </p:nvGrpSpPr>
-      <p:grpSpPr>
-        <a:xfrm>
-          <a:off x="0" y="0"/>
-          <a:ext cx="0" cy="0"/>
-          <a:chOff x="0" y="0"/>
-          <a:chExt cx="0" cy="0"/>
-        </a:xfrm>
-      </p:grpSpPr>
-      <p:sp>
-        <p:nvSpPr>
-          <p:cNvPr id="2" name="Title 1"/>
-          <p:cNvSpPr>
-            <a:spLocks noGrp="1"/>
-          </p:cNvSpPr>
-          <p:nvPr>
-            <p:ph type="ctrTitle"/>
-          </p:nvPr>
-        </p:nvSpPr>
-        <p:spPr>
-          <a:xfrm>
-            <a:off x="685800" y="228600"/>
-            <a:ext cx="8458200" cy="685800"/>
-          </a:xfrm>
-        </p:spPr>
-        <p:txBody>
-          <a:bodyPr/>
-          <a:lstStyle/>
-          <a:p>
-            <a:pPr algn="l"/>
-            <a:r>
-              <a:rPr lang="en-US" sz="4000" dirty="0" smtClean="0"/>
-              <a:t>Karma Configuration</a:t>
-            </a:r>
-            <a:endParaRPr lang="en-US" sz="4000" dirty="0"/>
-          </a:p>
-        </p:txBody>
-      </p:sp>
-      <p:sp>
-        <p:nvSpPr>
-          <p:cNvPr id="4" name="Date Placeholder 3"/>
-          <p:cNvSpPr>
-            <a:spLocks noGrp="1"/>
-          </p:cNvSpPr>
-          <p:nvPr>
-            <p:ph type="dt" sz="half" idx="10"/>
-          </p:nvPr>
-        </p:nvSpPr>
-        <p:spPr/>
-        <p:txBody>
-          <a:bodyPr/>
-          <a:lstStyle/>
-          <a:p>
-            <a:fld id="{216C5678-EE20-4FA5-88E2-6E0BD67A2E26}" type="datetime1">
-              <a:rPr lang="en-US" smtClean="0"/>
-              <a:t>11/23/2015</a:t>
-            </a:fld>
-            <a:endParaRPr lang="en-US" dirty="0"/>
-          </a:p>
-        </p:txBody>
-      </p:sp>
-      <p:sp>
-        <p:nvSpPr>
-          <p:cNvPr id="5" name="Slide Number Placeholder 4"/>
-          <p:cNvSpPr>
-            <a:spLocks noGrp="1"/>
-          </p:cNvSpPr>
-          <p:nvPr>
-            <p:ph type="sldNum" sz="quarter" idx="11"/>
-          </p:nvPr>
-        </p:nvSpPr>
-        <p:spPr/>
-        <p:txBody>
-          <a:bodyPr/>
-          <a:lstStyle/>
-          <a:p>
-            <a:fld id="{BA9B540C-44DA-4F69-89C9-7C84606640D3}" type="slidenum">
-              <a:rPr lang="en-US" smtClean="0"/>
-              <a:pPr/>
-              <a:t>20</a:t>
-            </a:fld>
-            <a:endParaRPr lang="en-US" dirty="0"/>
-          </a:p>
-        </p:txBody>
-      </p:sp>
-      <p:sp>
-        <p:nvSpPr>
-          <p:cNvPr id="6" name="Footer Placeholder 5"/>
-          <p:cNvSpPr>
-            <a:spLocks noGrp="1"/>
-          </p:cNvSpPr>
-          <p:nvPr>
-            <p:ph type="ftr" sz="quarter" idx="12"/>
-          </p:nvPr>
-        </p:nvSpPr>
-        <p:spPr/>
-        <p:txBody>
-          <a:bodyPr/>
-          <a:lstStyle/>
-          <a:p>
-            <a:r>
-              <a:rPr lang="en-US" smtClean="0"/>
-              <a:t>Footer Text</a:t>
-            </a:r>
-            <a:endParaRPr lang="en-US" dirty="0"/>
-          </a:p>
-        </p:txBody>
-      </p:sp>
-      <p:sp>
-        <p:nvSpPr>
-          <p:cNvPr id="7" name="Subtitle 2"/>
-          <p:cNvSpPr txBox="1">
-            <a:spLocks/>
-          </p:cNvSpPr>
-          <p:nvPr/>
-        </p:nvSpPr>
-        <p:spPr>
-          <a:xfrm>
-            <a:off x="228600" y="990600"/>
-            <a:ext cx="8610600" cy="3505200"/>
-          </a:xfrm>
-          <a:prstGeom prst="rect">
-            <a:avLst/>
-          </a:prstGeom>
-        </p:spPr>
-        <p:txBody>
-          <a:bodyPr vert="horz" lIns="91440" tIns="45720" rIns="91440" bIns="45720" rtlCol="0">
-            <a:normAutofit/>
-          </a:bodyPr>
-          <a:lstStyle>
-            <a:lvl1pPr marL="0" indent="0" algn="ctr" defTabSz="914400" rtl="0" eaLnBrk="1" latinLnBrk="0" hangingPunct="1">
-              <a:spcBef>
-                <a:spcPct val="20000"/>
-              </a:spcBef>
-              <a:buFont typeface="Arial" pitchFamily="34" charset="0"/>
-              <a:buNone/>
-              <a:defRPr sz="2400" kern="1200">
-                <a:solidFill>
-                  <a:schemeClr val="tx1">
-                    <a:tint val="75000"/>
-                  </a:schemeClr>
-                </a:solidFill>
-                <a:latin typeface="+mj-lt"/>
-                <a:ea typeface="+mn-ea"/>
-                <a:cs typeface="+mn-cs"/>
-              </a:defRPr>
-            </a:lvl1pPr>
-            <a:lvl2pPr marL="457200" indent="0" algn="ctr" defTabSz="914400" rtl="0" eaLnBrk="1" latinLnBrk="0" hangingPunct="1">
-              <a:spcBef>
-                <a:spcPct val="20000"/>
-              </a:spcBef>
-              <a:buFont typeface="Courier New" pitchFamily="49" charset="0"/>
-              <a:buNone/>
-              <a:defRPr sz="1600" kern="1200">
-                <a:solidFill>
-                  <a:schemeClr val="tx1">
-                    <a:tint val="75000"/>
-                  </a:schemeClr>
-                </a:solidFill>
-                <a:latin typeface="+mj-lt"/>
-                <a:ea typeface="+mn-ea"/>
-                <a:cs typeface="+mn-cs"/>
-              </a:defRPr>
-            </a:lvl2pPr>
-            <a:lvl3pPr marL="914400" indent="0" algn="ctr" defTabSz="914400" rtl="0" eaLnBrk="1" latinLnBrk="0" hangingPunct="1">
-              <a:spcBef>
-                <a:spcPct val="20000"/>
-              </a:spcBef>
-              <a:buFont typeface="Arial" pitchFamily="34" charset="0"/>
-              <a:buNone/>
-              <a:defRPr sz="1600" kern="1200">
-                <a:solidFill>
-                  <a:schemeClr val="tx1">
-                    <a:tint val="75000"/>
-                  </a:schemeClr>
-                </a:solidFill>
-                <a:latin typeface="+mj-lt"/>
-                <a:ea typeface="+mn-ea"/>
-                <a:cs typeface="+mn-cs"/>
-              </a:defRPr>
-            </a:lvl3pPr>
-            <a:lvl4pPr marL="1371600" indent="0" algn="ctr" defTabSz="914400" rtl="0" eaLnBrk="1" latinLnBrk="0" hangingPunct="1">
-              <a:spcBef>
-                <a:spcPct val="20000"/>
-              </a:spcBef>
-              <a:buFont typeface="Courier New" pitchFamily="49" charset="0"/>
-              <a:buNone/>
-              <a:defRPr sz="1600" kern="1200">
-                <a:solidFill>
-                  <a:schemeClr val="tx1">
-                    <a:tint val="75000"/>
-                  </a:schemeClr>
-                </a:solidFill>
-                <a:latin typeface="+mj-lt"/>
-                <a:ea typeface="+mn-ea"/>
-                <a:cs typeface="+mn-cs"/>
-              </a:defRPr>
-            </a:lvl4pPr>
-            <a:lvl5pPr marL="1828800" indent="0" algn="ctr" defTabSz="914400" rtl="0" eaLnBrk="1" latinLnBrk="0" hangingPunct="1">
-              <a:spcBef>
-                <a:spcPct val="20000"/>
-              </a:spcBef>
-              <a:buFont typeface="Arial" pitchFamily="34" charset="0"/>
-              <a:buNone/>
-              <a:defRPr sz="1600" kern="1200">
-                <a:solidFill>
-                  <a:schemeClr val="tx1">
-                    <a:tint val="75000"/>
-                  </a:schemeClr>
-                </a:solidFill>
-                <a:latin typeface="+mj-lt"/>
-                <a:ea typeface="+mn-ea"/>
-                <a:cs typeface="+mn-cs"/>
-              </a:defRPr>
-            </a:lvl5pPr>
-            <a:lvl6pPr marL="2286000" indent="0" algn="ctr" defTabSz="914400" rtl="0" eaLnBrk="1" latinLnBrk="0" hangingPunct="1">
-              <a:spcBef>
-                <a:spcPct val="20000"/>
-              </a:spcBef>
-              <a:buFont typeface="Courier New" pitchFamily="49" charset="0"/>
-              <a:buNone/>
-              <a:defRPr sz="1600" kern="1200">
-                <a:solidFill>
-                  <a:schemeClr val="tx1">
-                    <a:tint val="75000"/>
-                  </a:schemeClr>
-                </a:solidFill>
-                <a:latin typeface="+mj-lt"/>
-                <a:ea typeface="+mn-ea"/>
-                <a:cs typeface="+mn-cs"/>
-              </a:defRPr>
-            </a:lvl6pPr>
-            <a:lvl7pPr marL="2743200" indent="0" algn="ctr" defTabSz="914400" rtl="0" eaLnBrk="1" latinLnBrk="0" hangingPunct="1">
-              <a:spcBef>
-                <a:spcPct val="20000"/>
-              </a:spcBef>
-              <a:buFont typeface="Arial" pitchFamily="34" charset="0"/>
-              <a:buNone/>
-              <a:defRPr sz="1600" kern="1200">
-                <a:solidFill>
-                  <a:schemeClr val="tx1">
-                    <a:tint val="75000"/>
-                  </a:schemeClr>
-                </a:solidFill>
-                <a:latin typeface="+mj-lt"/>
-                <a:ea typeface="+mn-ea"/>
-                <a:cs typeface="+mn-cs"/>
-              </a:defRPr>
-            </a:lvl7pPr>
-            <a:lvl8pPr marL="3200400" indent="0" algn="ctr" defTabSz="914400" rtl="0" eaLnBrk="1" latinLnBrk="0" hangingPunct="1">
-              <a:spcBef>
-                <a:spcPct val="20000"/>
-              </a:spcBef>
-              <a:buFont typeface="Courier New" pitchFamily="49" charset="0"/>
-              <a:buNone/>
-              <a:defRPr sz="1600" kern="1200">
-                <a:solidFill>
-                  <a:schemeClr val="tx1">
-                    <a:tint val="75000"/>
-                  </a:schemeClr>
-                </a:solidFill>
-                <a:latin typeface="+mj-lt"/>
-                <a:ea typeface="+mn-ea"/>
-                <a:cs typeface="+mn-cs"/>
-              </a:defRPr>
-            </a:lvl8pPr>
-            <a:lvl9pPr marL="3657600" indent="0" algn="ctr" defTabSz="914400" rtl="0" eaLnBrk="1" latinLnBrk="0" hangingPunct="1">
-              <a:spcBef>
-                <a:spcPct val="20000"/>
-              </a:spcBef>
-              <a:buFont typeface="Arial" pitchFamily="34" charset="0"/>
-              <a:buNone/>
-              <a:defRPr sz="1600" kern="1200">
-                <a:solidFill>
-                  <a:schemeClr val="tx1">
-                    <a:tint val="75000"/>
-                  </a:schemeClr>
-                </a:solidFill>
-                <a:latin typeface="+mj-lt"/>
-                <a:ea typeface="+mn-ea"/>
-                <a:cs typeface="+mn-cs"/>
-              </a:defRPr>
-            </a:lvl9pPr>
-          </a:lstStyle>
-          <a:p>
-            <a:pPr marL="342900" indent="-342900" algn="l">
-              <a:buFont typeface="Arial" panose="020B0604020202020204" pitchFamily="34" charset="0"/>
-              <a:buChar char="•"/>
-            </a:pPr>
-            <a:r>
-              <a:rPr lang="en-US" dirty="0" smtClean="0"/>
-              <a:t>C:\code karma </a:t>
-            </a:r>
-            <a:r>
-              <a:rPr lang="en-US" dirty="0" err="1" smtClean="0"/>
-              <a:t>init</a:t>
-            </a:r>
-            <a:r>
-              <a:rPr lang="en-US" dirty="0" smtClean="0"/>
-              <a:t>    to generate karma.conf.js</a:t>
-            </a:r>
-          </a:p>
-          <a:p>
-            <a:pPr marL="342900" indent="-342900" algn="l">
-              <a:buFont typeface="Arial" panose="020B0604020202020204" pitchFamily="34" charset="0"/>
-              <a:buChar char="•"/>
-            </a:pPr>
-            <a:r>
-              <a:rPr lang="en-US" dirty="0" smtClean="0"/>
-              <a:t>C:\code karma start   to run karma.</a:t>
-            </a:r>
-          </a:p>
-          <a:p>
-            <a:pPr marL="342900" indent="-342900" algn="l">
-              <a:buFont typeface="Arial" panose="020B0604020202020204" pitchFamily="34" charset="0"/>
-              <a:buChar char="•"/>
-            </a:pPr>
-            <a:endParaRPr lang="en-US" dirty="0"/>
-          </a:p>
-          <a:p>
-            <a:pPr marL="342900" indent="-342900" algn="l">
-              <a:buFont typeface="Arial" panose="020B0604020202020204" pitchFamily="34" charset="0"/>
-              <a:buChar char="•"/>
-            </a:pPr>
-            <a:endParaRPr lang="en-US" dirty="0" smtClean="0"/>
-          </a:p>
-          <a:p>
-            <a:pPr algn="l"/>
-            <a:r>
-              <a:rPr lang="en-US" dirty="0"/>
-              <a:t>	</a:t>
-            </a:r>
-            <a:r>
-              <a:rPr lang="en-US" dirty="0" smtClean="0"/>
-              <a:t>		</a:t>
-            </a:r>
-            <a:r>
-              <a:rPr lang="en-US" b="1" dirty="0" smtClean="0"/>
-              <a:t>Code Demo</a:t>
-            </a:r>
-            <a:endParaRPr lang="en-US" b="1" dirty="0"/>
-          </a:p>
-        </p:txBody>
-      </p:sp>
-    </p:spTree>
-    <p:extLst>
-      <p:ext uri="{BB962C8B-B14F-4D97-AF65-F5344CB8AC3E}">
-        <p14:creationId xmlns:p14="http://schemas.microsoft.com/office/powerpoint/2010/main" val="1319405496"/>
-      </p:ext>
-    </p:extLst>
-  </p:cSld>
-  <p:clrMapOvr>
-    <a:masterClrMapping/>
-  </p:clrMapOvr>
-</p:sld>
-</file>
-
-<file path=ppt/slides/slide21.xml><?xml version="1.0" encoding="utf-8"?>
-<p:sld xmlns:a="http://schemas.openxmlformats.org/drawingml/2006/main" xmlns:r="http://schemas.openxmlformats.org/officeDocument/2006/relationships" xmlns:p="http://schemas.openxmlformats.org/presentationml/2006/main">
-  <p:cSld>
-    <p:spTree>
-      <p:nvGrpSpPr>
-        <p:cNvPr id="1" name=""/>
-        <p:cNvGrpSpPr/>
-        <p:nvPr/>
-      </p:nvGrpSpPr>
-      <p:grpSpPr>
-        <a:xfrm>
-          <a:off x="0" y="0"/>
-          <a:ext cx="0" cy="0"/>
-          <a:chOff x="0" y="0"/>
-          <a:chExt cx="0" cy="0"/>
-        </a:xfrm>
-      </p:grpSpPr>
-      <p:sp>
-        <p:nvSpPr>
-          <p:cNvPr id="2" name="Title 1"/>
-          <p:cNvSpPr>
-            <a:spLocks noGrp="1"/>
-          </p:cNvSpPr>
-          <p:nvPr>
-            <p:ph type="ctrTitle"/>
-          </p:nvPr>
-        </p:nvSpPr>
-        <p:spPr>
-          <a:xfrm>
-            <a:off x="685800" y="228600"/>
-            <a:ext cx="8458200" cy="685800"/>
-          </a:xfrm>
-        </p:spPr>
-        <p:txBody>
-          <a:bodyPr/>
-          <a:lstStyle/>
-          <a:p>
-            <a:pPr algn="l"/>
-            <a:r>
-              <a:rPr lang="en-US" sz="4000" dirty="0" smtClean="0"/>
-              <a:t>Conclusion</a:t>
-            </a:r>
-            <a:endParaRPr lang="en-US" sz="4000" dirty="0"/>
-          </a:p>
-        </p:txBody>
-      </p:sp>
-      <p:sp>
-        <p:nvSpPr>
-          <p:cNvPr id="4" name="Date Placeholder 3"/>
-          <p:cNvSpPr>
-            <a:spLocks noGrp="1"/>
-          </p:cNvSpPr>
-          <p:nvPr>
-            <p:ph type="dt" sz="half" idx="10"/>
-          </p:nvPr>
-        </p:nvSpPr>
-        <p:spPr/>
-        <p:txBody>
-          <a:bodyPr/>
-          <a:lstStyle/>
-          <a:p>
-            <a:fld id="{216C5678-EE20-4FA5-88E2-6E0BD67A2E26}" type="datetime1">
-              <a:rPr lang="en-US" smtClean="0"/>
-              <a:t>11/23/2015</a:t>
-            </a:fld>
-            <a:endParaRPr lang="en-US" dirty="0"/>
-          </a:p>
-        </p:txBody>
-      </p:sp>
-      <p:sp>
-        <p:nvSpPr>
-          <p:cNvPr id="5" name="Slide Number Placeholder 4"/>
-          <p:cNvSpPr>
-            <a:spLocks noGrp="1"/>
-          </p:cNvSpPr>
-          <p:nvPr>
-            <p:ph type="sldNum" sz="quarter" idx="11"/>
-          </p:nvPr>
-        </p:nvSpPr>
-        <p:spPr/>
-        <p:txBody>
-          <a:bodyPr/>
-          <a:lstStyle/>
-          <a:p>
-            <a:fld id="{BA9B540C-44DA-4F69-89C9-7C84606640D3}" type="slidenum">
-              <a:rPr lang="en-US" smtClean="0"/>
-              <a:pPr/>
-              <a:t>21</a:t>
-            </a:fld>
-            <a:endParaRPr lang="en-US" dirty="0"/>
-          </a:p>
-        </p:txBody>
-      </p:sp>
-      <p:sp>
-        <p:nvSpPr>
-          <p:cNvPr id="6" name="Footer Placeholder 5"/>
-          <p:cNvSpPr>
-            <a:spLocks noGrp="1"/>
-          </p:cNvSpPr>
-          <p:nvPr>
-            <p:ph type="ftr" sz="quarter" idx="12"/>
-          </p:nvPr>
-        </p:nvSpPr>
-        <p:spPr/>
-        <p:txBody>
-          <a:bodyPr/>
-          <a:lstStyle/>
-          <a:p>
-            <a:r>
-              <a:rPr lang="en-US" smtClean="0"/>
-              <a:t>Footer Text</a:t>
-            </a:r>
-            <a:endParaRPr lang="en-US" dirty="0"/>
-          </a:p>
-        </p:txBody>
-      </p:sp>
-      <p:sp>
-        <p:nvSpPr>
-          <p:cNvPr id="7" name="Subtitle 2"/>
-          <p:cNvSpPr txBox="1">
-            <a:spLocks/>
-          </p:cNvSpPr>
-          <p:nvPr/>
-        </p:nvSpPr>
-        <p:spPr>
-          <a:xfrm>
-            <a:off x="381000" y="1600200"/>
-            <a:ext cx="8458200" cy="3429000"/>
-          </a:xfrm>
-          <a:prstGeom prst="rect">
-            <a:avLst/>
-          </a:prstGeom>
-        </p:spPr>
-        <p:txBody>
-          <a:bodyPr vert="horz" lIns="91440" tIns="45720" rIns="91440" bIns="45720" rtlCol="0">
-            <a:normAutofit/>
-          </a:bodyPr>
-          <a:lstStyle>
-            <a:lvl1pPr marL="0" indent="0" algn="ctr" defTabSz="914400" rtl="0" eaLnBrk="1" latinLnBrk="0" hangingPunct="1">
-              <a:spcBef>
-                <a:spcPct val="20000"/>
-              </a:spcBef>
-              <a:buFont typeface="Arial" pitchFamily="34" charset="0"/>
-              <a:buNone/>
-              <a:defRPr sz="2400" kern="1200">
-                <a:solidFill>
-                  <a:schemeClr val="tx1">
-                    <a:tint val="75000"/>
-                  </a:schemeClr>
-                </a:solidFill>
-                <a:latin typeface="+mj-lt"/>
-                <a:ea typeface="+mn-ea"/>
-                <a:cs typeface="+mn-cs"/>
-              </a:defRPr>
-            </a:lvl1pPr>
-            <a:lvl2pPr marL="457200" indent="0" algn="ctr" defTabSz="914400" rtl="0" eaLnBrk="1" latinLnBrk="0" hangingPunct="1">
-              <a:spcBef>
-                <a:spcPct val="20000"/>
-              </a:spcBef>
-              <a:buFont typeface="Courier New" pitchFamily="49" charset="0"/>
-              <a:buNone/>
-              <a:defRPr sz="1600" kern="1200">
-                <a:solidFill>
-                  <a:schemeClr val="tx1">
-                    <a:tint val="75000"/>
-                  </a:schemeClr>
-                </a:solidFill>
-                <a:latin typeface="+mj-lt"/>
-                <a:ea typeface="+mn-ea"/>
-                <a:cs typeface="+mn-cs"/>
-              </a:defRPr>
-            </a:lvl2pPr>
-            <a:lvl3pPr marL="914400" indent="0" algn="ctr" defTabSz="914400" rtl="0" eaLnBrk="1" latinLnBrk="0" hangingPunct="1">
-              <a:spcBef>
-                <a:spcPct val="20000"/>
-              </a:spcBef>
-              <a:buFont typeface="Arial" pitchFamily="34" charset="0"/>
-              <a:buNone/>
-              <a:defRPr sz="1600" kern="1200">
-                <a:solidFill>
-                  <a:schemeClr val="tx1">
-                    <a:tint val="75000"/>
-                  </a:schemeClr>
-                </a:solidFill>
-                <a:latin typeface="+mj-lt"/>
-                <a:ea typeface="+mn-ea"/>
-                <a:cs typeface="+mn-cs"/>
-              </a:defRPr>
-            </a:lvl3pPr>
-            <a:lvl4pPr marL="1371600" indent="0" algn="ctr" defTabSz="914400" rtl="0" eaLnBrk="1" latinLnBrk="0" hangingPunct="1">
-              <a:spcBef>
-                <a:spcPct val="20000"/>
-              </a:spcBef>
-              <a:buFont typeface="Courier New" pitchFamily="49" charset="0"/>
-              <a:buNone/>
-              <a:defRPr sz="1600" kern="1200">
-                <a:solidFill>
-                  <a:schemeClr val="tx1">
-                    <a:tint val="75000"/>
-                  </a:schemeClr>
-                </a:solidFill>
-                <a:latin typeface="+mj-lt"/>
-                <a:ea typeface="+mn-ea"/>
-                <a:cs typeface="+mn-cs"/>
-              </a:defRPr>
-            </a:lvl4pPr>
-            <a:lvl5pPr marL="1828800" indent="0" algn="ctr" defTabSz="914400" rtl="0" eaLnBrk="1" latinLnBrk="0" hangingPunct="1">
-              <a:spcBef>
-                <a:spcPct val="20000"/>
-              </a:spcBef>
-              <a:buFont typeface="Arial" pitchFamily="34" charset="0"/>
-              <a:buNone/>
-              <a:defRPr sz="1600" kern="1200">
-                <a:solidFill>
-                  <a:schemeClr val="tx1">
-                    <a:tint val="75000"/>
-                  </a:schemeClr>
-                </a:solidFill>
-                <a:latin typeface="+mj-lt"/>
-                <a:ea typeface="+mn-ea"/>
-                <a:cs typeface="+mn-cs"/>
-              </a:defRPr>
-            </a:lvl5pPr>
-            <a:lvl6pPr marL="2286000" indent="0" algn="ctr" defTabSz="914400" rtl="0" eaLnBrk="1" latinLnBrk="0" hangingPunct="1">
-              <a:spcBef>
-                <a:spcPct val="20000"/>
-              </a:spcBef>
-              <a:buFont typeface="Courier New" pitchFamily="49" charset="0"/>
-              <a:buNone/>
-              <a:defRPr sz="1600" kern="1200">
-                <a:solidFill>
-                  <a:schemeClr val="tx1">
-                    <a:tint val="75000"/>
-                  </a:schemeClr>
-                </a:solidFill>
-                <a:latin typeface="+mj-lt"/>
-                <a:ea typeface="+mn-ea"/>
-                <a:cs typeface="+mn-cs"/>
-              </a:defRPr>
-            </a:lvl6pPr>
-            <a:lvl7pPr marL="2743200" indent="0" algn="ctr" defTabSz="914400" rtl="0" eaLnBrk="1" latinLnBrk="0" hangingPunct="1">
-              <a:spcBef>
-                <a:spcPct val="20000"/>
-              </a:spcBef>
-              <a:buFont typeface="Arial" pitchFamily="34" charset="0"/>
-              <a:buNone/>
-              <a:defRPr sz="1600" kern="1200">
-                <a:solidFill>
-                  <a:schemeClr val="tx1">
-                    <a:tint val="75000"/>
-                  </a:schemeClr>
-                </a:solidFill>
-                <a:latin typeface="+mj-lt"/>
-                <a:ea typeface="+mn-ea"/>
-                <a:cs typeface="+mn-cs"/>
-              </a:defRPr>
-            </a:lvl7pPr>
-            <a:lvl8pPr marL="3200400" indent="0" algn="ctr" defTabSz="914400" rtl="0" eaLnBrk="1" latinLnBrk="0" hangingPunct="1">
-              <a:spcBef>
-                <a:spcPct val="20000"/>
-              </a:spcBef>
-              <a:buFont typeface="Courier New" pitchFamily="49" charset="0"/>
-              <a:buNone/>
-              <a:defRPr sz="1600" kern="1200">
-                <a:solidFill>
-                  <a:schemeClr val="tx1">
-                    <a:tint val="75000"/>
-                  </a:schemeClr>
-                </a:solidFill>
-                <a:latin typeface="+mj-lt"/>
-                <a:ea typeface="+mn-ea"/>
-                <a:cs typeface="+mn-cs"/>
-              </a:defRPr>
-            </a:lvl8pPr>
-            <a:lvl9pPr marL="3657600" indent="0" algn="ctr" defTabSz="914400" rtl="0" eaLnBrk="1" latinLnBrk="0" hangingPunct="1">
-              <a:spcBef>
-                <a:spcPct val="20000"/>
-              </a:spcBef>
-              <a:buFont typeface="Arial" pitchFamily="34" charset="0"/>
-              <a:buNone/>
-              <a:defRPr sz="1600" kern="1200">
-                <a:solidFill>
-                  <a:schemeClr val="tx1">
-                    <a:tint val="75000"/>
-                  </a:schemeClr>
-                </a:solidFill>
-                <a:latin typeface="+mj-lt"/>
-                <a:ea typeface="+mn-ea"/>
-                <a:cs typeface="+mn-cs"/>
-              </a:defRPr>
-            </a:lvl9pPr>
-          </a:lstStyle>
-          <a:p>
-            <a:pPr marL="342900" indent="-342900" algn="l">
-              <a:buFont typeface="Arial" panose="020B0604020202020204" pitchFamily="34" charset="0"/>
-              <a:buChar char="•"/>
-            </a:pPr>
-            <a:r>
-              <a:rPr lang="en-US" sz="3200" dirty="0" smtClean="0"/>
-              <a:t>Introduction to Jasmine.</a:t>
-            </a:r>
-          </a:p>
-          <a:p>
-            <a:pPr marL="342900" indent="-342900" algn="l">
-              <a:buFont typeface="Arial" panose="020B0604020202020204" pitchFamily="34" charset="0"/>
-              <a:buChar char="•"/>
-            </a:pPr>
-            <a:r>
-              <a:rPr lang="en-US" sz="3200" dirty="0" smtClean="0"/>
-              <a:t>Use Jasmine to mock ajax and long running functions</a:t>
-            </a:r>
-          </a:p>
-          <a:p>
-            <a:pPr marL="342900" indent="-342900" algn="l">
-              <a:buFont typeface="Arial" panose="020B0604020202020204" pitchFamily="34" charset="0"/>
-              <a:buChar char="•"/>
-            </a:pPr>
-            <a:r>
-              <a:rPr lang="en-US" sz="3200" dirty="0" smtClean="0"/>
-              <a:t>Use Karma to improve productivity.</a:t>
-            </a:r>
-          </a:p>
-          <a:p>
-            <a:pPr marL="342900" indent="-342900" algn="l">
-              <a:buFont typeface="Arial" panose="020B0604020202020204" pitchFamily="34" charset="0"/>
-              <a:buChar char="•"/>
-            </a:pPr>
-            <a:r>
-              <a:rPr lang="en-US" sz="3200" dirty="0" smtClean="0"/>
-              <a:t>Questions?</a:t>
-            </a:r>
-          </a:p>
-          <a:p>
-            <a:pPr marL="342900" indent="-342900" algn="l">
-              <a:buFont typeface="Arial" panose="020B0604020202020204" pitchFamily="34" charset="0"/>
-              <a:buChar char="•"/>
-            </a:pPr>
-            <a:endParaRPr lang="en-US" dirty="0"/>
-          </a:p>
-        </p:txBody>
-      </p:sp>
-    </p:spTree>
-    <p:extLst>
-      <p:ext uri="{BB962C8B-B14F-4D97-AF65-F5344CB8AC3E}">
-        <p14:creationId xmlns:p14="http://schemas.microsoft.com/office/powerpoint/2010/main" val="2610234656"/>
       </p:ext>
     </p:extLst>
   </p:cSld>
@@ -7852,7 +4158,7 @@
             <a:pPr algn="l"/>
             <a:r>
               <a:rPr lang="en-US" sz="4000" dirty="0" smtClean="0"/>
-              <a:t>What is Jasmine?</a:t>
+              <a:t>Demo App</a:t>
             </a:r>
             <a:endParaRPr lang="en-US" sz="4000" dirty="0"/>
           </a:p>
@@ -7925,274 +4231,6 @@
               <a:t>Footer Text</a:t>
             </a:r>
             <a:endParaRPr lang="en-US" dirty="0"/>
-          </a:p>
-        </p:txBody>
-      </p:sp>
-      <p:sp>
-        <p:nvSpPr>
-          <p:cNvPr id="7" name="Subtitle 2"/>
-          <p:cNvSpPr>
-            <a:spLocks noGrp="1"/>
-          </p:cNvSpPr>
-          <p:nvPr>
-            <p:ph type="subTitle" idx="1"/>
-          </p:nvPr>
-        </p:nvSpPr>
-        <p:spPr>
-          <a:xfrm>
-            <a:off x="381000" y="1219200"/>
-            <a:ext cx="8153400" cy="4343400"/>
-          </a:xfrm>
-        </p:spPr>
-        <p:txBody>
-          <a:bodyPr>
-            <a:noAutofit/>
-          </a:bodyPr>
-          <a:lstStyle/>
-          <a:p>
-            <a:pPr marL="342900" indent="-342900" algn="l">
-              <a:buFont typeface="Arial" panose="020B0604020202020204" pitchFamily="34" charset="0"/>
-              <a:buChar char="•"/>
-            </a:pPr>
-            <a:r>
-              <a:rPr lang="en-US" dirty="0" smtClean="0"/>
-              <a:t>Unit testing framework for </a:t>
-            </a:r>
-            <a:r>
-              <a:rPr lang="en-US" dirty="0" err="1" smtClean="0"/>
-              <a:t>Javascript</a:t>
-            </a:r>
-            <a:r>
-              <a:rPr lang="en-US" dirty="0" smtClean="0"/>
-              <a:t>.  Jasmine is to </a:t>
-            </a:r>
-            <a:r>
-              <a:rPr lang="en-US" dirty="0" err="1" smtClean="0"/>
-              <a:t>Javascript</a:t>
-            </a:r>
-            <a:r>
-              <a:rPr lang="en-US" dirty="0" smtClean="0"/>
-              <a:t> as Junit is to Java.</a:t>
-            </a:r>
-          </a:p>
-          <a:p>
-            <a:pPr marL="342900" indent="-342900" algn="l">
-              <a:buFont typeface="Arial" panose="020B0604020202020204" pitchFamily="34" charset="0"/>
-              <a:buChar char="•"/>
-            </a:pPr>
-            <a:r>
-              <a:rPr lang="en-US" dirty="0" smtClean="0"/>
-              <a:t>Used </a:t>
-            </a:r>
-            <a:r>
-              <a:rPr lang="en-US" dirty="0"/>
-              <a:t>for white-box testing</a:t>
-            </a:r>
-            <a:r>
-              <a:rPr lang="en-US" dirty="0" smtClean="0"/>
-              <a:t>.</a:t>
-            </a:r>
-          </a:p>
-          <a:p>
-            <a:pPr marL="342900" indent="-342900" algn="l">
-              <a:buFont typeface="Arial" panose="020B0604020202020204" pitchFamily="34" charset="0"/>
-              <a:buChar char="•"/>
-            </a:pPr>
-            <a:r>
-              <a:rPr lang="en-US" dirty="0" smtClean="0"/>
-              <a:t>Uses Behavior Driven Development (BDD) to allows testers/developers to write tests using natural language.</a:t>
-            </a:r>
-          </a:p>
-          <a:p>
-            <a:pPr marL="342900" indent="-342900" algn="l">
-              <a:buFont typeface="Arial" panose="020B0604020202020204" pitchFamily="34" charset="0"/>
-              <a:buChar char="•"/>
-            </a:pPr>
-            <a:r>
-              <a:rPr lang="en-US" dirty="0" smtClean="0"/>
-              <a:t>“Testing framework of choice” for Angular apps.</a:t>
-            </a:r>
-          </a:p>
-          <a:p>
-            <a:pPr marL="342900" indent="-342900" algn="l">
-              <a:buFont typeface="Arial" panose="020B0604020202020204" pitchFamily="34" charset="0"/>
-              <a:buChar char="•"/>
-            </a:pPr>
-            <a:r>
-              <a:rPr lang="en-US" dirty="0"/>
-              <a:t>Opened </a:t>
-            </a:r>
-            <a:r>
-              <a:rPr lang="en-US" dirty="0" smtClean="0"/>
-              <a:t>source with MIT license.</a:t>
-            </a:r>
-          </a:p>
-        </p:txBody>
-      </p:sp>
-    </p:spTree>
-    <p:extLst>
-      <p:ext uri="{BB962C8B-B14F-4D97-AF65-F5344CB8AC3E}">
-        <p14:creationId xmlns:p14="http://schemas.microsoft.com/office/powerpoint/2010/main" val="2586824754"/>
-      </p:ext>
-    </p:extLst>
-  </p:cSld>
-  <p:clrMapOvr>
-    <a:masterClrMapping/>
-  </p:clrMapOvr>
-</p:sld>
-</file>
-
-<file path=ppt/slides/slide4.xml><?xml version="1.0" encoding="utf-8"?>
-<p:sld xmlns:a="http://schemas.openxmlformats.org/drawingml/2006/main" xmlns:r="http://schemas.openxmlformats.org/officeDocument/2006/relationships" xmlns:p="http://schemas.openxmlformats.org/presentationml/2006/main">
-  <p:cSld>
-    <p:spTree>
-      <p:nvGrpSpPr>
-        <p:cNvPr id="1" name=""/>
-        <p:cNvGrpSpPr/>
-        <p:nvPr/>
-      </p:nvGrpSpPr>
-      <p:grpSpPr>
-        <a:xfrm>
-          <a:off x="0" y="0"/>
-          <a:ext cx="0" cy="0"/>
-          <a:chOff x="0" y="0"/>
-          <a:chExt cx="0" cy="0"/>
-        </a:xfrm>
-      </p:grpSpPr>
-      <p:sp>
-        <p:nvSpPr>
-          <p:cNvPr id="2" name="Title 1"/>
-          <p:cNvSpPr>
-            <a:spLocks noGrp="1"/>
-          </p:cNvSpPr>
-          <p:nvPr>
-            <p:ph type="ctrTitle"/>
-          </p:nvPr>
-        </p:nvSpPr>
-        <p:spPr>
-          <a:xfrm>
-            <a:off x="685800" y="228600"/>
-            <a:ext cx="7772400" cy="685800"/>
-          </a:xfrm>
-        </p:spPr>
-        <p:txBody>
-          <a:bodyPr/>
-          <a:lstStyle/>
-          <a:p>
-            <a:pPr algn="l"/>
-            <a:r>
-              <a:rPr lang="en-US" sz="4000" dirty="0" smtClean="0"/>
-              <a:t>Downloading Jasmine?</a:t>
-            </a:r>
-            <a:endParaRPr lang="en-US" sz="4000" dirty="0"/>
-          </a:p>
-        </p:txBody>
-      </p:sp>
-      <p:sp>
-        <p:nvSpPr>
-          <p:cNvPr id="4" name="Date Placeholder 3"/>
-          <p:cNvSpPr>
-            <a:spLocks noGrp="1"/>
-          </p:cNvSpPr>
-          <p:nvPr>
-            <p:ph type="dt" sz="half" idx="10"/>
-          </p:nvPr>
-        </p:nvSpPr>
-        <p:spPr/>
-        <p:txBody>
-          <a:bodyPr/>
-          <a:lstStyle/>
-          <a:p>
-            <a:fld id="{216C5678-EE20-4FA5-88E2-6E0BD67A2E26}" type="datetime1">
-              <a:rPr lang="en-US" smtClean="0"/>
-              <a:t>11/23/2015</a:t>
-            </a:fld>
-            <a:endParaRPr lang="en-US" dirty="0"/>
-          </a:p>
-        </p:txBody>
-      </p:sp>
-      <p:sp>
-        <p:nvSpPr>
-          <p:cNvPr id="5" name="Slide Number Placeholder 4"/>
-          <p:cNvSpPr>
-            <a:spLocks noGrp="1"/>
-          </p:cNvSpPr>
-          <p:nvPr>
-            <p:ph type="sldNum" sz="quarter" idx="11"/>
-          </p:nvPr>
-        </p:nvSpPr>
-        <p:spPr/>
-        <p:txBody>
-          <a:bodyPr/>
-          <a:lstStyle/>
-          <a:p>
-            <a:fld id="{BA9B540C-44DA-4F69-89C9-7C84606640D3}" type="slidenum">
-              <a:rPr lang="en-US" smtClean="0"/>
-              <a:pPr/>
-              <a:t>4</a:t>
-            </a:fld>
-            <a:endParaRPr lang="en-US" dirty="0"/>
-          </a:p>
-        </p:txBody>
-      </p:sp>
-      <p:sp>
-        <p:nvSpPr>
-          <p:cNvPr id="6" name="Footer Placeholder 5"/>
-          <p:cNvSpPr>
-            <a:spLocks noGrp="1"/>
-          </p:cNvSpPr>
-          <p:nvPr>
-            <p:ph type="ftr" sz="quarter" idx="12"/>
-          </p:nvPr>
-        </p:nvSpPr>
-        <p:spPr/>
-        <p:txBody>
-          <a:bodyPr/>
-          <a:lstStyle/>
-          <a:p>
-            <a:r>
-              <a:rPr lang="en-US" smtClean="0"/>
-              <a:t>Footer Text</a:t>
-            </a:r>
-            <a:endParaRPr lang="en-US" dirty="0"/>
-          </a:p>
-        </p:txBody>
-      </p:sp>
-      <p:sp>
-        <p:nvSpPr>
-          <p:cNvPr id="7" name="Subtitle 2"/>
-          <p:cNvSpPr>
-            <a:spLocks noGrp="1"/>
-          </p:cNvSpPr>
-          <p:nvPr>
-            <p:ph type="subTitle" idx="1"/>
-          </p:nvPr>
-        </p:nvSpPr>
-        <p:spPr>
-          <a:xfrm>
-            <a:off x="381000" y="1219200"/>
-            <a:ext cx="8153400" cy="1066800"/>
-          </a:xfrm>
-        </p:spPr>
-        <p:txBody>
-          <a:bodyPr>
-            <a:noAutofit/>
-          </a:bodyPr>
-          <a:lstStyle/>
-          <a:p>
-            <a:pPr marL="342900" indent="-342900" algn="l">
-              <a:buFont typeface="Arial" panose="020B0604020202020204" pitchFamily="34" charset="0"/>
-              <a:buChar char="•"/>
-            </a:pPr>
-            <a:r>
-              <a:rPr lang="en-US" dirty="0" smtClean="0"/>
-              <a:t>Opened </a:t>
-            </a:r>
-            <a:r>
-              <a:rPr lang="en-US" dirty="0"/>
-              <a:t>source http://jasmine.github.io/2.3/introduction.html</a:t>
-            </a:r>
-            <a:endParaRPr lang="en-US" dirty="0" smtClean="0"/>
           </a:p>
         </p:txBody>
       </p:sp>
@@ -8219,8 +4257,62 @@
         </p:blipFill>
         <p:spPr bwMode="auto">
           <a:xfrm>
-            <a:off x="1066800" y="2209800"/>
-            <a:ext cx="2652713" cy="3352800"/>
+            <a:off x="762000" y="990601"/>
+            <a:ext cx="4485511" cy="2209800"/>
+          </a:xfrm>
+          <a:prstGeom prst="rect">
+            <a:avLst/>
+          </a:prstGeom>
+          <a:noFill/>
+          <a:ln>
+            <a:noFill/>
+          </a:ln>
+          <a:extLst>
+            <a:ext uri="{909E8E84-426E-40DD-AFC4-6F175D3DCCD1}">
+              <a14:hiddenFill xmlns:a14="http://schemas.microsoft.com/office/drawing/2010/main">
+                <a:solidFill>
+                  <a:schemeClr val="accent1"/>
+                </a:solidFill>
+              </a14:hiddenFill>
+            </a:ext>
+            <a:ext uri="{91240B29-F687-4F45-9708-019B960494DF}">
+              <a14:hiddenLine xmlns:a14="http://schemas.microsoft.com/office/drawing/2010/main" w="9525">
+                <a:solidFill>
+                  <a:schemeClr val="tx1"/>
+                </a:solidFill>
+                <a:miter lim="800000"/>
+                <a:headEnd/>
+                <a:tailEnd/>
+              </a14:hiddenLine>
+            </a:ext>
+          </a:extLst>
+        </p:spPr>
+      </p:pic>
+      <p:pic>
+        <p:nvPicPr>
+          <p:cNvPr id="1027" name="Picture 3"/>
+          <p:cNvPicPr>
+            <a:picLocks noChangeAspect="1" noChangeArrowheads="1"/>
+          </p:cNvPicPr>
+          <p:nvPr/>
+        </p:nvPicPr>
+        <p:blipFill>
+          <a:blip r:embed="rId3">
+            <a:extLst>
+              <a:ext uri="{28A0092B-C50C-407E-A947-70E740481C1C}">
+                <a14:useLocalDpi xmlns:a14="http://schemas.microsoft.com/office/drawing/2010/main" val="0"/>
+              </a:ext>
+            </a:extLst>
+          </a:blip>
+          <a:srcRect/>
+          <a:stretch>
+            <a:fillRect/>
+          </a:stretch>
+        </p:blipFill>
+        <p:spPr bwMode="auto">
+          <a:xfrm>
+            <a:off x="802351" y="3429000"/>
+            <a:ext cx="4503738" cy="2412631"/>
           </a:xfrm>
           <a:prstGeom prst="rect">
             <a:avLst/>
@@ -8253,7 +4345,200 @@
     </p:spTree>
     <p:extLst>
       <p:ext uri="{BB962C8B-B14F-4D97-AF65-F5344CB8AC3E}">
-        <p14:creationId xmlns:p14="http://schemas.microsoft.com/office/powerpoint/2010/main" val="2118367886"/>
+        <p14:creationId xmlns:p14="http://schemas.microsoft.com/office/powerpoint/2010/main" val="2586824754"/>
+      </p:ext>
+    </p:extLst>
+  </p:cSld>
+  <p:clrMapOvr>
+    <a:masterClrMapping/>
+  </p:clrMapOvr>
+</p:sld>
+</file>
+
+<file path=ppt/slides/slide4.xml><?xml version="1.0" encoding="utf-8"?>
+<p:sld xmlns:a="http://schemas.openxmlformats.org/drawingml/2006/main" xmlns:r="http://schemas.openxmlformats.org/officeDocument/2006/relationships" xmlns:p="http://schemas.openxmlformats.org/presentationml/2006/main">
+  <p:cSld>
+    <p:spTree>
+      <p:nvGrpSpPr>
+        <p:cNvPr id="1" name=""/>
+        <p:cNvGrpSpPr/>
+        <p:nvPr/>
+      </p:nvGrpSpPr>
+      <p:grpSpPr>
+        <a:xfrm>
+          <a:off x="0" y="0"/>
+          <a:ext cx="0" cy="0"/>
+          <a:chOff x="0" y="0"/>
+          <a:chExt cx="0" cy="0"/>
+        </a:xfrm>
+      </p:grpSpPr>
+      <p:sp>
+        <p:nvSpPr>
+          <p:cNvPr id="2" name="Title 1"/>
+          <p:cNvSpPr>
+            <a:spLocks noGrp="1"/>
+          </p:cNvSpPr>
+          <p:nvPr>
+            <p:ph type="ctrTitle"/>
+          </p:nvPr>
+        </p:nvSpPr>
+        <p:spPr>
+          <a:xfrm>
+            <a:off x="685800" y="228600"/>
+            <a:ext cx="7772400" cy="685800"/>
+          </a:xfrm>
+        </p:spPr>
+        <p:txBody>
+          <a:bodyPr/>
+          <a:lstStyle/>
+          <a:p>
+            <a:pPr algn="l"/>
+            <a:r>
+              <a:rPr lang="en-US" sz="4000" dirty="0" smtClean="0"/>
+              <a:t>CSS Pain</a:t>
+            </a:r>
+            <a:endParaRPr lang="en-US" sz="4000" dirty="0"/>
+          </a:p>
+        </p:txBody>
+      </p:sp>
+      <p:sp>
+        <p:nvSpPr>
+          <p:cNvPr id="4" name="Date Placeholder 3"/>
+          <p:cNvSpPr>
+            <a:spLocks noGrp="1"/>
+          </p:cNvSpPr>
+          <p:nvPr>
+            <p:ph type="dt" sz="half" idx="10"/>
+          </p:nvPr>
+        </p:nvSpPr>
+        <p:spPr/>
+        <p:txBody>
+          <a:bodyPr/>
+          <a:lstStyle/>
+          <a:p>
+            <a:fld id="{216C5678-EE20-4FA5-88E2-6E0BD67A2E26}" type="datetime1">
+              <a:rPr lang="en-US" smtClean="0"/>
+              <a:t>11/23/2015</a:t>
+            </a:fld>
+            <a:endParaRPr lang="en-US" dirty="0"/>
+          </a:p>
+        </p:txBody>
+      </p:sp>
+      <p:sp>
+        <p:nvSpPr>
+          <p:cNvPr id="5" name="Slide Number Placeholder 4"/>
+          <p:cNvSpPr>
+            <a:spLocks noGrp="1"/>
+          </p:cNvSpPr>
+          <p:nvPr>
+            <p:ph type="sldNum" sz="quarter" idx="11"/>
+          </p:nvPr>
+        </p:nvSpPr>
+        <p:spPr/>
+        <p:txBody>
+          <a:bodyPr/>
+          <a:lstStyle/>
+          <a:p>
+            <a:fld id="{BA9B540C-44DA-4F69-89C9-7C84606640D3}" type="slidenum">
+              <a:rPr lang="en-US" smtClean="0"/>
+              <a:pPr/>
+              <a:t>4</a:t>
+            </a:fld>
+            <a:endParaRPr lang="en-US" dirty="0"/>
+          </a:p>
+        </p:txBody>
+      </p:sp>
+      <p:sp>
+        <p:nvSpPr>
+          <p:cNvPr id="6" name="Footer Placeholder 5"/>
+          <p:cNvSpPr>
+            <a:spLocks noGrp="1"/>
+          </p:cNvSpPr>
+          <p:nvPr>
+            <p:ph type="ftr" sz="quarter" idx="12"/>
+          </p:nvPr>
+        </p:nvSpPr>
+        <p:spPr/>
+        <p:txBody>
+          <a:bodyPr/>
+          <a:lstStyle/>
+          <a:p>
+            <a:r>
+              <a:rPr lang="en-US" smtClean="0"/>
+              <a:t>Footer Text</a:t>
+            </a:r>
+            <a:endParaRPr lang="en-US" dirty="0"/>
+          </a:p>
+        </p:txBody>
+      </p:sp>
+      <p:sp>
+        <p:nvSpPr>
+          <p:cNvPr id="7" name="Subtitle 2"/>
+          <p:cNvSpPr>
+            <a:spLocks noGrp="1"/>
+          </p:cNvSpPr>
+          <p:nvPr>
+            <p:ph type="subTitle" idx="1"/>
+          </p:nvPr>
+        </p:nvSpPr>
+        <p:spPr>
+          <a:xfrm>
+            <a:off x="381000" y="1219200"/>
+            <a:ext cx="8153400" cy="4343400"/>
+          </a:xfrm>
+        </p:spPr>
+        <p:txBody>
+          <a:bodyPr>
+            <a:noAutofit/>
+          </a:bodyPr>
+          <a:lstStyle/>
+          <a:p>
+            <a:pPr marL="342900" indent="-342900" algn="l">
+              <a:buFont typeface="Arial" panose="020B0604020202020204" pitchFamily="34" charset="0"/>
+              <a:buChar char="•"/>
+            </a:pPr>
+            <a:r>
+              <a:rPr lang="en-US" dirty="0" smtClean="0"/>
+              <a:t>Style duplication – violation of DRY principle.</a:t>
+            </a:r>
+          </a:p>
+          <a:p>
+            <a:pPr marL="342900" indent="-342900" algn="l">
+              <a:buFont typeface="Arial" panose="020B0604020202020204" pitchFamily="34" charset="0"/>
+              <a:buChar char="•"/>
+            </a:pPr>
+            <a:r>
+              <a:rPr lang="en-US" dirty="0" smtClean="0"/>
+              <a:t>Magic number &amp; lack of color names.</a:t>
+            </a:r>
+          </a:p>
+          <a:p>
+            <a:pPr marL="342900" indent="-342900" algn="l">
+              <a:buFont typeface="Arial" panose="020B0604020202020204" pitchFamily="34" charset="0"/>
+              <a:buChar char="•"/>
+            </a:pPr>
+            <a:r>
+              <a:rPr lang="en-US" dirty="0" smtClean="0"/>
+              <a:t>No support for mathematic calculation.</a:t>
+            </a:r>
+          </a:p>
+          <a:p>
+            <a:pPr marL="342900" indent="-342900" algn="l">
+              <a:buFont typeface="Arial" panose="020B0604020202020204" pitchFamily="34" charset="0"/>
+              <a:buChar char="•"/>
+            </a:pPr>
+            <a:r>
+              <a:rPr lang="en-US" dirty="0" smtClean="0"/>
+              <a:t>Cascading issues</a:t>
+            </a:r>
+            <a:endParaRPr lang="en-US" dirty="0" smtClean="0"/>
+          </a:p>
+        </p:txBody>
+      </p:sp>
+    </p:spTree>
+    <p:extLst>
+      <p:ext uri="{BB962C8B-B14F-4D97-AF65-F5344CB8AC3E}">
+        <p14:creationId xmlns:p14="http://schemas.microsoft.com/office/powerpoint/2010/main" val="126964352"/>
       </p:ext>
     </p:extLst>
   </p:cSld>
@@ -8292,7 +4577,7 @@
         </p:nvSpPr>
         <p:spPr>
           <a:xfrm>
-            <a:off x="381000" y="228600"/>
+            <a:off x="685800" y="228600"/>
             <a:ext cx="7772400" cy="685800"/>
           </a:xfrm>
         </p:spPr>
@@ -8303,7 +4588,7 @@
             <a:pPr algn="l"/>
             <a:r>
               <a:rPr lang="en-US" sz="4000" dirty="0" smtClean="0"/>
-              <a:t>Jasmine Syntax</a:t>
+              <a:t>Style duplication</a:t>
             </a:r>
             <a:endParaRPr lang="en-US" sz="4000" dirty="0"/>
           </a:p>
@@ -8391,8 +4676,8 @@
         </p:nvSpPr>
         <p:spPr>
           <a:xfrm>
-            <a:off x="381000" y="1219200"/>
-            <a:ext cx="8153400" cy="4800600"/>
+            <a:off x="381000" y="990600"/>
+            <a:ext cx="8153400" cy="5334000"/>
           </a:xfrm>
         </p:spPr>
         <p:txBody>
@@ -8403,12 +4688,26 @@
           <a:p>
             <a:pPr algn="l"/>
             <a:r>
+              <a:rPr lang="en-US" dirty="0" smtClean="0"/>
+              <a:t>#my-ok-button {</a:t>
+            </a:r>
+          </a:p>
+          <a:p>
+            <a:pPr algn="l"/>
+            <a:r>
+              <a:rPr lang="en-US" dirty="0" smtClean="0"/>
+              <a:t>   background: #FEFEFE;</a:t>
+            </a:r>
+          </a:p>
+          <a:p>
+            <a:pPr algn="l"/>
+            <a:r>
               <a:rPr lang="en-US" dirty="0"/>
-              <a:t>d</a:t>
+              <a:t>   font-size: </a:t>
             </a:r>
             <a:r>
               <a:rPr lang="en-US" dirty="0" smtClean="0"/>
-              <a:t>escribe( &lt;JS module&gt; )</a:t>
+              <a:t>		18px;</a:t>
             </a:r>
           </a:p>
           <a:p>
@@ -8419,31 +4718,12 @@
             </a:r>
             <a:r>
               <a:rPr lang="en-US" dirty="0" smtClean="0"/>
-              <a:t>    </a:t>
-            </a:r>
-            <a:r>
-              <a:rPr lang="en-US" dirty="0" err="1" smtClean="0"/>
-              <a:t>beforeEach</a:t>
-            </a:r>
-            <a:r>
-              <a:rPr lang="en-US" dirty="0"/>
-              <a:t>() {   }</a:t>
-            </a:r>
-          </a:p>
-          <a:p>
-            <a:pPr algn="l"/>
-            <a:r>
-              <a:rPr lang="en-US" dirty="0"/>
-              <a:t>     </a:t>
-            </a:r>
-            <a:r>
-              <a:rPr lang="en-US" dirty="0" err="1" smtClean="0"/>
-              <a:t>afterEach</a:t>
-            </a:r>
-            <a:r>
-              <a:rPr lang="en-US" dirty="0"/>
-              <a:t>()    {   </a:t>
-            </a:r>
+              <a:t>  width:		20px;</a:t>
+            </a:r>
+            <a:endParaRPr lang="en-US" dirty="0"/>
+          </a:p>
+          <a:p>
+            <a:pPr algn="l"/>
             <a:r>
               <a:rPr lang="en-US" dirty="0" smtClean="0"/>
               <a:t>}</a:t>
@@ -8451,90 +4731,66 @@
           </a:p>
           <a:p>
             <a:pPr algn="l"/>
-            <a:endParaRPr lang="en-US" dirty="0" smtClean="0"/>
+            <a:endParaRPr lang="en-US" dirty="0"/>
           </a:p>
           <a:p>
             <a:pPr algn="l"/>
             <a:r>
               <a:rPr lang="en-US" dirty="0"/>
-              <a:t> </a:t>
+              <a:t>#</a:t>
             </a:r>
             <a:r>
               <a:rPr lang="en-US" dirty="0" smtClean="0"/>
-              <a:t>    describe ( &lt;JS function &gt; )</a:t>
-            </a:r>
-          </a:p>
-          <a:p>
-            <a:pPr algn="l"/>
+              <a:t>my-cancel-button </a:t>
+            </a:r>
             <a:r>
               <a:rPr lang="en-US" dirty="0"/>
-              <a:t> </a:t>
+              <a:t>{</a:t>
+            </a:r>
+          </a:p>
+          <a:p>
+            <a:pPr algn="l"/>
+            <a:r>
+              <a:rPr lang="en-US" dirty="0"/>
+              <a:t>   background: #FEFEFE;</a:t>
+            </a:r>
+          </a:p>
+          <a:p>
+            <a:pPr algn="l"/>
+            <a:r>
+              <a:rPr lang="en-US" dirty="0"/>
+              <a:t>   font-size: 		18px</a:t>
             </a:r>
             <a:r>
               <a:rPr lang="en-US" dirty="0" smtClean="0"/>
-              <a:t>        </a:t>
-            </a:r>
-            <a:r>
-              <a:rPr lang="en-US" dirty="0" err="1" smtClean="0"/>
-              <a:t>beforeEach</a:t>
+              <a:t>;</a:t>
+            </a:r>
+            <a:endParaRPr lang="en-US" dirty="0"/>
+          </a:p>
+          <a:p>
+            <a:pPr algn="l"/>
+            <a:r>
+              <a:rPr lang="en-US" dirty="0"/>
+              <a:t>   width:		</a:t>
             </a:r>
             <a:r>
               <a:rPr lang="en-US" dirty="0" smtClean="0"/>
-              <a:t>() {   }</a:t>
-            </a:r>
-          </a:p>
-          <a:p>
-            <a:pPr algn="l"/>
-            <a:r>
-              <a:rPr lang="en-US" dirty="0" smtClean="0"/>
-              <a:t>         </a:t>
-            </a:r>
-            <a:r>
-              <a:rPr lang="en-US" dirty="0" err="1" smtClean="0"/>
-              <a:t>afterEach</a:t>
+              <a:t>30px</a:t>
             </a:r>
             <a:r>
               <a:rPr lang="en-US" dirty="0"/>
-              <a:t>() </a:t>
-            </a:r>
-            <a:r>
-              <a:rPr lang="en-US" dirty="0" smtClean="0"/>
-              <a:t>   {   }</a:t>
-            </a:r>
-          </a:p>
-          <a:p>
-            <a:pPr algn="l"/>
-            <a:endParaRPr lang="en-US" dirty="0" smtClean="0"/>
+              <a:t>;</a:t>
+            </a:r>
           </a:p>
           <a:p>
             <a:pPr algn="l"/>
             <a:r>
               <a:rPr lang="en-US" dirty="0"/>
-              <a:t> </a:t>
-            </a:r>
-            <a:r>
-              <a:rPr lang="en-US" dirty="0" smtClean="0"/>
-              <a:t>        it( “should do something         ) { // test logic }</a:t>
-            </a:r>
-          </a:p>
-          <a:p>
-            <a:pPr algn="l"/>
-            <a:r>
-              <a:rPr lang="en-US" dirty="0" smtClean="0"/>
-              <a:t>         </a:t>
-            </a:r>
-            <a:r>
-              <a:rPr lang="en-US" dirty="0"/>
-              <a:t>it( “should do </a:t>
-            </a:r>
-            <a:r>
-              <a:rPr lang="en-US" dirty="0" smtClean="0"/>
-              <a:t>something else </a:t>
-            </a:r>
-            <a:r>
-              <a:rPr lang="en-US" dirty="0"/>
-              <a:t>) { // test logic }</a:t>
-            </a:r>
+              <a:t>}</a:t>
+            </a:r>
+          </a:p>
+          <a:p>
+            <a:pPr algn="l"/>
             <a:endParaRPr lang="en-US" dirty="0" smtClean="0"/>
           </a:p>
         </p:txBody>
@@ -8542,7 +4798,7 @@
     </p:spTree>
     <p:extLst>
       <p:ext uri="{BB962C8B-B14F-4D97-AF65-F5344CB8AC3E}">
-        <p14:creationId xmlns:p14="http://schemas.microsoft.com/office/powerpoint/2010/main" val="868323428"/>
+        <p14:creationId xmlns:p14="http://schemas.microsoft.com/office/powerpoint/2010/main" val="3892545660"/>
       </p:ext>
     </p:extLst>
   </p:cSld>
@@ -8581,7 +4837,7 @@
         </p:nvSpPr>
         <p:spPr>
           <a:xfrm>
-            <a:off x="381000" y="228600"/>
+            <a:off x="685800" y="228600"/>
             <a:ext cx="7772400" cy="685800"/>
           </a:xfrm>
         </p:spPr>
@@ -8592,7 +4848,11 @@
             <a:pPr algn="l"/>
             <a:r>
               <a:rPr lang="en-US" sz="4000" dirty="0" smtClean="0"/>
-              <a:t>Jasmine “asserts”</a:t>
+              <a:t>Magic number &amp; color name</a:t>
+            </a:r>
+            <a:r>
+              <a:rPr lang="en-US" sz="4000" dirty="0" smtClean="0"/>
+              <a:t>?</a:t>
             </a:r>
             <a:endParaRPr lang="en-US" sz="4000" dirty="0"/>
           </a:p>
@@ -8680,8 +4940,8 @@
         </p:nvSpPr>
         <p:spPr>
           <a:xfrm>
-            <a:off x="381000" y="1219200"/>
-            <a:ext cx="8153400" cy="2209800"/>
+            <a:off x="381000" y="990600"/>
+            <a:ext cx="8153400" cy="5334000"/>
           </a:xfrm>
         </p:spPr>
         <p:txBody>
@@ -8693,192 +4953,25 @@
             <a:pPr algn="l"/>
             <a:r>
               <a:rPr lang="en-US" dirty="0" smtClean="0"/>
-              <a:t> </a:t>
-            </a:r>
-          </a:p>
-        </p:txBody>
-      </p:sp>
-      <p:sp>
-        <p:nvSpPr>
-          <p:cNvPr id="8" name="Subtitle 2"/>
-          <p:cNvSpPr txBox="1">
-            <a:spLocks/>
-          </p:cNvSpPr>
-          <p:nvPr/>
-        </p:nvSpPr>
-        <p:spPr>
-          <a:xfrm>
-            <a:off x="533400" y="1371600"/>
-            <a:ext cx="8153400" cy="2209800"/>
-          </a:xfrm>
-          <a:prstGeom prst="rect">
-            <a:avLst/>
-          </a:prstGeom>
-        </p:spPr>
-        <p:txBody>
-          <a:bodyPr vert="horz" lIns="91440" tIns="45720" rIns="91440" bIns="45720" rtlCol="0">
-            <a:noAutofit/>
-          </a:bodyPr>
-          <a:lstStyle>
-            <a:lvl1pPr marL="0" indent="0" algn="ctr" defTabSz="914400" rtl="0" eaLnBrk="1" latinLnBrk="0" hangingPunct="1">
-              <a:spcBef>
-                <a:spcPct val="20000"/>
-              </a:spcBef>
-              <a:buFont typeface="Arial" pitchFamily="34" charset="0"/>
-              <a:buNone/>
-              <a:defRPr sz="2400" kern="1200">
-                <a:solidFill>
-                  <a:schemeClr val="tx1">
-                    <a:tint val="75000"/>
-                  </a:schemeClr>
-                </a:solidFill>
-                <a:latin typeface="+mj-lt"/>
-                <a:ea typeface="+mn-ea"/>
-                <a:cs typeface="+mn-cs"/>
-              </a:defRPr>
-            </a:lvl1pPr>
-            <a:lvl2pPr marL="457200" indent="0" algn="ctr" defTabSz="914400" rtl="0" eaLnBrk="1" latinLnBrk="0" hangingPunct="1">
-              <a:spcBef>
-                <a:spcPct val="20000"/>
-              </a:spcBef>
-              <a:buFont typeface="Courier New" pitchFamily="49" charset="0"/>
-              <a:buNone/>
-              <a:defRPr sz="1600" kern="1200">
-                <a:solidFill>
-                  <a:schemeClr val="tx1">
-                    <a:tint val="75000"/>
-                  </a:schemeClr>
-                </a:solidFill>
-                <a:latin typeface="+mj-lt"/>
-                <a:ea typeface="+mn-ea"/>
-                <a:cs typeface="+mn-cs"/>
-              </a:defRPr>
-            </a:lvl2pPr>
-            <a:lvl3pPr marL="914400" indent="0" algn="ctr" defTabSz="914400" rtl="0" eaLnBrk="1" latinLnBrk="0" hangingPunct="1">
-              <a:spcBef>
-                <a:spcPct val="20000"/>
-              </a:spcBef>
-              <a:buFont typeface="Arial" pitchFamily="34" charset="0"/>
-              <a:buNone/>
-              <a:defRPr sz="1600" kern="1200">
-                <a:solidFill>
-                  <a:schemeClr val="tx1">
-                    <a:tint val="75000"/>
-                  </a:schemeClr>
-                </a:solidFill>
-                <a:latin typeface="+mj-lt"/>
-                <a:ea typeface="+mn-ea"/>
-                <a:cs typeface="+mn-cs"/>
-              </a:defRPr>
-            </a:lvl3pPr>
-            <a:lvl4pPr marL="1371600" indent="0" algn="ctr" defTabSz="914400" rtl="0" eaLnBrk="1" latinLnBrk="0" hangingPunct="1">
-              <a:spcBef>
-                <a:spcPct val="20000"/>
-              </a:spcBef>
-              <a:buFont typeface="Courier New" pitchFamily="49" charset="0"/>
-              <a:buNone/>
-              <a:defRPr sz="1600" kern="1200">
-                <a:solidFill>
-                  <a:schemeClr val="tx1">
-                    <a:tint val="75000"/>
-                  </a:schemeClr>
-                </a:solidFill>
-                <a:latin typeface="+mj-lt"/>
-                <a:ea typeface="+mn-ea"/>
-                <a:cs typeface="+mn-cs"/>
-              </a:defRPr>
-            </a:lvl4pPr>
-            <a:lvl5pPr marL="1828800" indent="0" algn="ctr" defTabSz="914400" rtl="0" eaLnBrk="1" latinLnBrk="0" hangingPunct="1">
-              <a:spcBef>
-                <a:spcPct val="20000"/>
-              </a:spcBef>
-              <a:buFont typeface="Arial" pitchFamily="34" charset="0"/>
-              <a:buNone/>
-              <a:defRPr sz="1600" kern="1200">
-                <a:solidFill>
-                  <a:schemeClr val="tx1">
-                    <a:tint val="75000"/>
-                  </a:schemeClr>
-                </a:solidFill>
-                <a:latin typeface="+mj-lt"/>
-                <a:ea typeface="+mn-ea"/>
-                <a:cs typeface="+mn-cs"/>
-              </a:defRPr>
-            </a:lvl5pPr>
-            <a:lvl6pPr marL="2286000" indent="0" algn="ctr" defTabSz="914400" rtl="0" eaLnBrk="1" latinLnBrk="0" hangingPunct="1">
-              <a:spcBef>
-                <a:spcPct val="20000"/>
-              </a:spcBef>
-              <a:buFont typeface="Courier New" pitchFamily="49" charset="0"/>
-              <a:buNone/>
-              <a:defRPr sz="1600" kern="1200">
-                <a:solidFill>
-                  <a:schemeClr val="tx1">
-                    <a:tint val="75000"/>
-                  </a:schemeClr>
-                </a:solidFill>
-                <a:latin typeface="+mj-lt"/>
-                <a:ea typeface="+mn-ea"/>
-                <a:cs typeface="+mn-cs"/>
-              </a:defRPr>
-            </a:lvl6pPr>
-            <a:lvl7pPr marL="2743200" indent="0" algn="ctr" defTabSz="914400" rtl="0" eaLnBrk="1" latinLnBrk="0" hangingPunct="1">
-              <a:spcBef>
-                <a:spcPct val="20000"/>
-              </a:spcBef>
-              <a:buFont typeface="Arial" pitchFamily="34" charset="0"/>
-              <a:buNone/>
-              <a:defRPr sz="1600" kern="1200">
-                <a:solidFill>
-                  <a:schemeClr val="tx1">
-                    <a:tint val="75000"/>
-                  </a:schemeClr>
-                </a:solidFill>
-                <a:latin typeface="+mj-lt"/>
-                <a:ea typeface="+mn-ea"/>
-                <a:cs typeface="+mn-cs"/>
-              </a:defRPr>
-            </a:lvl7pPr>
-            <a:lvl8pPr marL="3200400" indent="0" algn="ctr" defTabSz="914400" rtl="0" eaLnBrk="1" latinLnBrk="0" hangingPunct="1">
-              <a:spcBef>
-                <a:spcPct val="20000"/>
-              </a:spcBef>
-              <a:buFont typeface="Courier New" pitchFamily="49" charset="0"/>
-              <a:buNone/>
-              <a:defRPr sz="1600" kern="1200">
-                <a:solidFill>
-                  <a:schemeClr val="tx1">
-                    <a:tint val="75000"/>
-                  </a:schemeClr>
-                </a:solidFill>
-                <a:latin typeface="+mj-lt"/>
-                <a:ea typeface="+mn-ea"/>
-                <a:cs typeface="+mn-cs"/>
-              </a:defRPr>
-            </a:lvl8pPr>
-            <a:lvl9pPr marL="3657600" indent="0" algn="ctr" defTabSz="914400" rtl="0" eaLnBrk="1" latinLnBrk="0" hangingPunct="1">
-              <a:spcBef>
-                <a:spcPct val="20000"/>
-              </a:spcBef>
-              <a:buFont typeface="Arial" pitchFamily="34" charset="0"/>
-              <a:buNone/>
-              <a:defRPr sz="1600" kern="1200">
-                <a:solidFill>
-                  <a:schemeClr val="tx1">
-                    <a:tint val="75000"/>
-                  </a:schemeClr>
-                </a:solidFill>
-                <a:latin typeface="+mj-lt"/>
-                <a:ea typeface="+mn-ea"/>
-                <a:cs typeface="+mn-cs"/>
-              </a:defRPr>
-            </a:lvl9pPr>
-          </a:lstStyle>
+              <a:t>#my-ok-button {</a:t>
+            </a:r>
+          </a:p>
           <a:p>
             <a:pPr algn="l"/>
             <a:r>
               <a:rPr lang="en-US" dirty="0" smtClean="0"/>
-              <a:t>Uses “fluent language” syntax to describe test expectation.</a:t>
+              <a:t>   background: #FEFEFE;   /* important color */</a:t>
+            </a:r>
+          </a:p>
+          <a:p>
+            <a:pPr algn="l"/>
+            <a:r>
+              <a:rPr lang="en-US" dirty="0"/>
+              <a:t>   font-size: </a:t>
+            </a:r>
+            <a:r>
+              <a:rPr lang="en-US" dirty="0" smtClean="0"/>
+              <a:t>		18px;   /* important font */</a:t>
             </a:r>
           </a:p>
           <a:p>
@@ -8889,71 +4982,58 @@
             <a:pPr algn="l"/>
             <a:r>
               <a:rPr lang="en-US" dirty="0" smtClean="0"/>
-              <a:t>expect( </a:t>
-            </a:r>
-            <a:r>
-              <a:rPr lang="en-US" dirty="0" err="1" smtClean="0"/>
-              <a:t>testResult</a:t>
+              <a:t>}</a:t>
+            </a:r>
+          </a:p>
+          <a:p>
+            <a:pPr algn="l"/>
+            <a:endParaRPr lang="en-US" dirty="0"/>
+          </a:p>
+          <a:p>
+            <a:pPr algn="l"/>
+            <a:r>
+              <a:rPr lang="en-US" dirty="0"/>
+              <a:t>#</a:t>
             </a:r>
             <a:r>
               <a:rPr lang="en-US" dirty="0" smtClean="0"/>
-              <a:t> ).</a:t>
-            </a:r>
-            <a:r>
-              <a:rPr lang="en-US" dirty="0" err="1" smtClean="0"/>
-              <a:t>toBe</a:t>
+              <a:t>my-cancel-button </a:t>
+            </a:r>
+            <a:r>
+              <a:rPr lang="en-US" dirty="0"/>
+              <a:t>{</a:t>
+            </a:r>
+          </a:p>
+          <a:p>
+            <a:pPr algn="l"/>
+            <a:r>
+              <a:rPr lang="en-US" dirty="0"/>
+              <a:t>   background: </a:t>
             </a:r>
             <a:r>
               <a:rPr lang="en-US" dirty="0" smtClean="0"/>
-              <a:t>( </a:t>
-            </a:r>
-            <a:r>
-              <a:rPr lang="en-US" dirty="0" err="1" smtClean="0"/>
-              <a:t>expectedResult</a:t>
+              <a:t>#EEEEEE; /* unimportant color */</a:t>
+            </a:r>
+            <a:endParaRPr lang="en-US" dirty="0"/>
+          </a:p>
+          <a:p>
+            <a:pPr algn="l"/>
+            <a:r>
+              <a:rPr lang="en-US" dirty="0"/>
+              <a:t>   font-size: 		</a:t>
             </a:r>
             <a:r>
               <a:rPr lang="en-US" dirty="0" smtClean="0"/>
-              <a:t>)</a:t>
-            </a:r>
-          </a:p>
-          <a:p>
-            <a:pPr algn="l"/>
-            <a:r>
-              <a:rPr lang="en-US" dirty="0"/>
-              <a:t>expect( </a:t>
-            </a:r>
-            <a:r>
-              <a:rPr lang="en-US" dirty="0" err="1"/>
-              <a:t>testResult</a:t>
-            </a:r>
-            <a:r>
-              <a:rPr lang="en-US" dirty="0"/>
-              <a:t> </a:t>
-            </a:r>
+              <a:t>15px; /* unimportant font */</a:t>
+            </a:r>
+          </a:p>
+          <a:p>
+            <a:pPr algn="l"/>
             <a:r>
               <a:rPr lang="en-US" dirty="0" smtClean="0"/>
-              <a:t>).</a:t>
-            </a:r>
-            <a:r>
-              <a:rPr lang="en-US" dirty="0" err="1" smtClean="0"/>
-              <a:t>not.toBe</a:t>
-            </a:r>
-            <a:r>
-              <a:rPr lang="en-US" dirty="0"/>
-              <a:t>( </a:t>
-            </a:r>
-            <a:r>
-              <a:rPr lang="en-US" dirty="0" err="1"/>
-              <a:t>expectedResult</a:t>
-            </a:r>
-            <a:r>
-              <a:rPr lang="en-US" dirty="0"/>
-              <a:t>)</a:t>
-            </a:r>
-          </a:p>
-          <a:p>
-            <a:pPr algn="l"/>
-            <a:endParaRPr lang="en-US" dirty="0" smtClean="0"/>
+              <a:t>}</a:t>
+            </a:r>
+            <a:endParaRPr lang="en-US" dirty="0"/>
           </a:p>
           <a:p>
             <a:pPr algn="l"/>
@@ -8964,7 +5044,7 @@
     </p:spTree>
     <p:extLst>
       <p:ext uri="{BB962C8B-B14F-4D97-AF65-F5344CB8AC3E}">
-        <p14:creationId xmlns:p14="http://schemas.microsoft.com/office/powerpoint/2010/main" val="4174390469"/>
+        <p14:creationId xmlns:p14="http://schemas.microsoft.com/office/powerpoint/2010/main" val="2717759030"/>
       </p:ext>
     </p:extLst>
   </p:cSld>
@@ -9003,7 +5083,7 @@
         </p:nvSpPr>
         <p:spPr>
           <a:xfrm>
-            <a:off x="381000" y="228600"/>
+            <a:off x="685800" y="228600"/>
             <a:ext cx="7772400" cy="685800"/>
           </a:xfrm>
         </p:spPr>
@@ -9014,7 +5094,7 @@
             <a:pPr algn="l"/>
             <a:r>
               <a:rPr lang="en-US" sz="4000" dirty="0" smtClean="0"/>
-              <a:t>Jasmine matchers</a:t>
+              <a:t>No Support for Calculation</a:t>
             </a:r>
             <a:endParaRPr lang="en-US" sz="4000" dirty="0"/>
           </a:p>
@@ -9092,36 +5172,6 @@
       </p:sp>
       <p:sp>
         <p:nvSpPr>
-          <p:cNvPr id="7" name="Subtitle 2"/>
-          <p:cNvSpPr>
-            <a:spLocks noGrp="1"/>
-          </p:cNvSpPr>
-          <p:nvPr>
-            <p:ph type="subTitle" idx="1"/>
-          </p:nvPr>
-        </p:nvSpPr>
-        <p:spPr>
-          <a:xfrm>
-            <a:off x="381000" y="1219200"/>
-            <a:ext cx="8153400" cy="2209800"/>
-          </a:xfrm>
-        </p:spPr>
-        <p:txBody>
-          <a:bodyPr>
-            <a:noAutofit/>
-          </a:bodyPr>
-          <a:lstStyle/>
-          <a:p>
-            <a:pPr algn="l"/>
-            <a:r>
-              <a:rPr lang="en-US" dirty="0" smtClean="0"/>
-              <a:t> </a:t>
-            </a:r>
-          </a:p>
-        </p:txBody>
-      </p:sp>
-      <p:sp>
-        <p:nvSpPr>
           <p:cNvPr id="8" name="Subtitle 2"/>
           <p:cNvSpPr txBox="1">
             <a:spLocks/>
@@ -9130,8 +5180,8 @@
         </p:nvSpPr>
         <p:spPr>
           <a:xfrm>
-            <a:off x="533400" y="1143000"/>
-            <a:ext cx="2895600" cy="4876800"/>
+            <a:off x="381000" y="990600"/>
+            <a:ext cx="8153400" cy="5334000"/>
           </a:xfrm>
           <a:prstGeom prst="rect">
             <a:avLst/>
@@ -9299,542 +5349,111 @@
           <a:p>
             <a:pPr algn="l"/>
             <a:r>
-              <a:rPr lang="en-US" sz="1800" dirty="0" err="1"/>
-              <a:t>toBe</a:t>
-            </a:r>
-            <a:r>
-              <a:rPr lang="en-US" sz="1800" dirty="0"/>
-              <a:t>()</a:t>
-            </a:r>
-          </a:p>
-          <a:p>
-            <a:pPr algn="l"/>
-            <a:r>
-              <a:rPr lang="en-US" sz="1800" dirty="0" err="1"/>
-              <a:t>toThrowError</a:t>
-            </a:r>
-            <a:r>
-              <a:rPr lang="en-US" sz="1800" dirty="0"/>
-              <a:t>()</a:t>
-            </a:r>
-          </a:p>
-          <a:p>
-            <a:pPr algn="l"/>
-            <a:r>
-              <a:rPr lang="en-US" sz="1800" dirty="0" err="1"/>
-              <a:t>toMatch</a:t>
-            </a:r>
-            <a:r>
-              <a:rPr lang="en-US" sz="1800" dirty="0"/>
-              <a:t>()</a:t>
-            </a:r>
-          </a:p>
-          <a:p>
-            <a:pPr algn="l"/>
-            <a:r>
-              <a:rPr lang="en-US" sz="1800" dirty="0" err="1"/>
-              <a:t>toBeDefined</a:t>
-            </a:r>
-            <a:r>
-              <a:rPr lang="en-US" sz="1800" dirty="0"/>
-              <a:t>()</a:t>
-            </a:r>
-          </a:p>
-          <a:p>
-            <a:pPr algn="l"/>
-            <a:r>
-              <a:rPr lang="en-US" sz="1800" dirty="0" err="1"/>
-              <a:t>toBeUndefined</a:t>
-            </a:r>
-            <a:r>
-              <a:rPr lang="en-US" sz="1800" dirty="0"/>
-              <a:t>()</a:t>
-            </a:r>
-          </a:p>
-          <a:p>
-            <a:pPr algn="l"/>
-            <a:r>
-              <a:rPr lang="en-US" sz="1800" dirty="0" err="1"/>
-              <a:t>toBeNull</a:t>
-            </a:r>
-            <a:r>
-              <a:rPr lang="en-US" sz="1800" dirty="0"/>
-              <a:t>()</a:t>
-            </a:r>
-          </a:p>
-          <a:p>
-            <a:pPr algn="l"/>
-            <a:r>
-              <a:rPr lang="en-US" sz="1800" dirty="0" err="1"/>
-              <a:t>toBeTruthy</a:t>
-            </a:r>
-            <a:r>
-              <a:rPr lang="en-US" sz="1800" dirty="0"/>
-              <a:t>()</a:t>
-            </a:r>
-          </a:p>
-          <a:p>
-            <a:pPr algn="l"/>
-            <a:r>
-              <a:rPr lang="en-US" sz="1800" dirty="0" err="1"/>
-              <a:t>toEqual</a:t>
-            </a:r>
-            <a:r>
-              <a:rPr lang="en-US" sz="1800" dirty="0"/>
-              <a:t>()</a:t>
-            </a:r>
-          </a:p>
-          <a:p>
-            <a:pPr algn="l"/>
-            <a:r>
-              <a:rPr lang="en-US" sz="1800" dirty="0" err="1"/>
-              <a:t>toContain</a:t>
-            </a:r>
-            <a:r>
-              <a:rPr lang="en-US" sz="1800" dirty="0"/>
-              <a:t>()</a:t>
-            </a:r>
-          </a:p>
-          <a:p>
-            <a:pPr algn="l"/>
-            <a:r>
-              <a:rPr lang="en-US" sz="1800" dirty="0" err="1"/>
-              <a:t>toBeLessThan</a:t>
-            </a:r>
-            <a:r>
-              <a:rPr lang="en-US" sz="1800" dirty="0"/>
-              <a:t>()</a:t>
-            </a:r>
-          </a:p>
-          <a:p>
-            <a:pPr algn="l"/>
-            <a:r>
-              <a:rPr lang="en-US" sz="1800" dirty="0" err="1"/>
-              <a:t>toBeGreaterThan</a:t>
-            </a:r>
-            <a:r>
-              <a:rPr lang="en-US" sz="1800" dirty="0"/>
-              <a:t>()</a:t>
-            </a:r>
-          </a:p>
-          <a:p>
-            <a:pPr algn="l"/>
-            <a:r>
-              <a:rPr lang="en-US" sz="1800" dirty="0" err="1"/>
-              <a:t>toBeCloseTo</a:t>
-            </a:r>
-            <a:r>
-              <a:rPr lang="en-US" sz="1800" dirty="0"/>
-              <a:t>()</a:t>
-            </a:r>
-          </a:p>
-          <a:p>
-            <a:pPr algn="l"/>
-            <a:r>
-              <a:rPr lang="en-US" sz="1800" dirty="0" err="1"/>
-              <a:t>toThrow</a:t>
-            </a:r>
-            <a:r>
-              <a:rPr lang="en-US" sz="1800" dirty="0"/>
-              <a:t>()</a:t>
-            </a:r>
-          </a:p>
-          <a:p>
-            <a:pPr algn="l"/>
-            <a:r>
-              <a:rPr lang="en-US" sz="1800" dirty="0" err="1"/>
-              <a:t>toBeFalsy</a:t>
-            </a:r>
-            <a:r>
-              <a:rPr lang="en-US" sz="1800" dirty="0"/>
-              <a:t>()</a:t>
-            </a:r>
-            <a:endParaRPr lang="en-US" sz="1800" dirty="0" smtClean="0"/>
+              <a:rPr lang="en-US" dirty="0" smtClean="0"/>
+              <a:t>#my-ok-button {</a:t>
+            </a:r>
+          </a:p>
+          <a:p>
+            <a:pPr algn="l"/>
+            <a:r>
+              <a:rPr lang="en-US" dirty="0" smtClean="0"/>
+              <a:t>   background: #FEFEFE;</a:t>
+            </a:r>
+          </a:p>
+          <a:p>
+            <a:pPr algn="l"/>
+            <a:r>
+              <a:rPr lang="en-US" dirty="0" smtClean="0"/>
+              <a:t>   font-size: 		18px;</a:t>
+            </a:r>
+          </a:p>
+          <a:p>
+            <a:pPr algn="l"/>
+            <a:r>
+              <a:rPr lang="en-US" dirty="0" smtClean="0"/>
+              <a:t>   width:		20px;</a:t>
+            </a:r>
+          </a:p>
+          <a:p>
+            <a:pPr algn="l"/>
+            <a:r>
+              <a:rPr lang="en-US" dirty="0" smtClean="0"/>
+              <a:t>}</a:t>
+            </a:r>
           </a:p>
           <a:p>
             <a:pPr algn="l"/>
             <a:endParaRPr lang="en-US" dirty="0" smtClean="0"/>
           </a:p>
-        </p:txBody>
-      </p:sp>
-      <p:sp>
-        <p:nvSpPr>
-          <p:cNvPr id="9" name="Subtitle 2"/>
-          <p:cNvSpPr txBox="1">
-            <a:spLocks/>
-          </p:cNvSpPr>
-          <p:nvPr/>
-        </p:nvSpPr>
-        <p:spPr>
-          <a:xfrm>
-            <a:off x="3429000" y="1143000"/>
-            <a:ext cx="2895600" cy="4876800"/>
-          </a:xfrm>
-          <a:prstGeom prst="rect">
-            <a:avLst/>
-          </a:prstGeom>
-        </p:spPr>
-        <p:txBody>
-          <a:bodyPr vert="horz" lIns="91440" tIns="45720" rIns="91440" bIns="45720" rtlCol="0">
-            <a:noAutofit/>
-          </a:bodyPr>
-          <a:lstStyle>
-            <a:lvl1pPr marL="0" indent="0" algn="ctr" defTabSz="914400" rtl="0" eaLnBrk="1" latinLnBrk="0" hangingPunct="1">
-              <a:spcBef>
-                <a:spcPct val="20000"/>
-              </a:spcBef>
-              <a:buFont typeface="Arial" pitchFamily="34" charset="0"/>
-              <a:buNone/>
-              <a:defRPr sz="2400" kern="1200">
-                <a:solidFill>
-                  <a:schemeClr val="tx1">
-                    <a:tint val="75000"/>
-                  </a:schemeClr>
-                </a:solidFill>
-                <a:latin typeface="+mj-lt"/>
-                <a:ea typeface="+mn-ea"/>
-                <a:cs typeface="+mn-cs"/>
-              </a:defRPr>
-            </a:lvl1pPr>
-            <a:lvl2pPr marL="457200" indent="0" algn="ctr" defTabSz="914400" rtl="0" eaLnBrk="1" latinLnBrk="0" hangingPunct="1">
-              <a:spcBef>
-                <a:spcPct val="20000"/>
-              </a:spcBef>
-              <a:buFont typeface="Courier New" pitchFamily="49" charset="0"/>
-              <a:buNone/>
-              <a:defRPr sz="1600" kern="1200">
-                <a:solidFill>
-                  <a:schemeClr val="tx1">
-                    <a:tint val="75000"/>
-                  </a:schemeClr>
-                </a:solidFill>
-                <a:latin typeface="+mj-lt"/>
-                <a:ea typeface="+mn-ea"/>
-                <a:cs typeface="+mn-cs"/>
-              </a:defRPr>
-            </a:lvl2pPr>
-            <a:lvl3pPr marL="914400" indent="0" algn="ctr" defTabSz="914400" rtl="0" eaLnBrk="1" latinLnBrk="0" hangingPunct="1">
-              <a:spcBef>
-                <a:spcPct val="20000"/>
-              </a:spcBef>
-              <a:buFont typeface="Arial" pitchFamily="34" charset="0"/>
-              <a:buNone/>
-              <a:defRPr sz="1600" kern="1200">
-                <a:solidFill>
-                  <a:schemeClr val="tx1">
-                    <a:tint val="75000"/>
-                  </a:schemeClr>
-                </a:solidFill>
-                <a:latin typeface="+mj-lt"/>
-                <a:ea typeface="+mn-ea"/>
-                <a:cs typeface="+mn-cs"/>
-              </a:defRPr>
-            </a:lvl3pPr>
-            <a:lvl4pPr marL="1371600" indent="0" algn="ctr" defTabSz="914400" rtl="0" eaLnBrk="1" latinLnBrk="0" hangingPunct="1">
-              <a:spcBef>
-                <a:spcPct val="20000"/>
-              </a:spcBef>
-              <a:buFont typeface="Courier New" pitchFamily="49" charset="0"/>
-              <a:buNone/>
-              <a:defRPr sz="1600" kern="1200">
-                <a:solidFill>
-                  <a:schemeClr val="tx1">
-                    <a:tint val="75000"/>
-                  </a:schemeClr>
-                </a:solidFill>
-                <a:latin typeface="+mj-lt"/>
-                <a:ea typeface="+mn-ea"/>
-                <a:cs typeface="+mn-cs"/>
-              </a:defRPr>
-            </a:lvl4pPr>
-            <a:lvl5pPr marL="1828800" indent="0" algn="ctr" defTabSz="914400" rtl="0" eaLnBrk="1" latinLnBrk="0" hangingPunct="1">
-              <a:spcBef>
-                <a:spcPct val="20000"/>
-              </a:spcBef>
-              <a:buFont typeface="Arial" pitchFamily="34" charset="0"/>
-              <a:buNone/>
-              <a:defRPr sz="1600" kern="1200">
-                <a:solidFill>
-                  <a:schemeClr val="tx1">
-                    <a:tint val="75000"/>
-                  </a:schemeClr>
-                </a:solidFill>
-                <a:latin typeface="+mj-lt"/>
-                <a:ea typeface="+mn-ea"/>
-                <a:cs typeface="+mn-cs"/>
-              </a:defRPr>
-            </a:lvl5pPr>
-            <a:lvl6pPr marL="2286000" indent="0" algn="ctr" defTabSz="914400" rtl="0" eaLnBrk="1" latinLnBrk="0" hangingPunct="1">
-              <a:spcBef>
-                <a:spcPct val="20000"/>
-              </a:spcBef>
-              <a:buFont typeface="Courier New" pitchFamily="49" charset="0"/>
-              <a:buNone/>
-              <a:defRPr sz="1600" kern="1200">
-                <a:solidFill>
-                  <a:schemeClr val="tx1">
-                    <a:tint val="75000"/>
-                  </a:schemeClr>
-                </a:solidFill>
-                <a:latin typeface="+mj-lt"/>
-                <a:ea typeface="+mn-ea"/>
-                <a:cs typeface="+mn-cs"/>
-              </a:defRPr>
-            </a:lvl6pPr>
-            <a:lvl7pPr marL="2743200" indent="0" algn="ctr" defTabSz="914400" rtl="0" eaLnBrk="1" latinLnBrk="0" hangingPunct="1">
-              <a:spcBef>
-                <a:spcPct val="20000"/>
-              </a:spcBef>
-              <a:buFont typeface="Arial" pitchFamily="34" charset="0"/>
-              <a:buNone/>
-              <a:defRPr sz="1600" kern="1200">
-                <a:solidFill>
-                  <a:schemeClr val="tx1">
-                    <a:tint val="75000"/>
-                  </a:schemeClr>
-                </a:solidFill>
-                <a:latin typeface="+mj-lt"/>
-                <a:ea typeface="+mn-ea"/>
-                <a:cs typeface="+mn-cs"/>
-              </a:defRPr>
-            </a:lvl7pPr>
-            <a:lvl8pPr marL="3200400" indent="0" algn="ctr" defTabSz="914400" rtl="0" eaLnBrk="1" latinLnBrk="0" hangingPunct="1">
-              <a:spcBef>
-                <a:spcPct val="20000"/>
-              </a:spcBef>
-              <a:buFont typeface="Courier New" pitchFamily="49" charset="0"/>
-              <a:buNone/>
-              <a:defRPr sz="1600" kern="1200">
-                <a:solidFill>
-                  <a:schemeClr val="tx1">
-                    <a:tint val="75000"/>
-                  </a:schemeClr>
-                </a:solidFill>
-                <a:latin typeface="+mj-lt"/>
-                <a:ea typeface="+mn-ea"/>
-                <a:cs typeface="+mn-cs"/>
-              </a:defRPr>
-            </a:lvl8pPr>
-            <a:lvl9pPr marL="3657600" indent="0" algn="ctr" defTabSz="914400" rtl="0" eaLnBrk="1" latinLnBrk="0" hangingPunct="1">
-              <a:spcBef>
-                <a:spcPct val="20000"/>
-              </a:spcBef>
-              <a:buFont typeface="Arial" pitchFamily="34" charset="0"/>
-              <a:buNone/>
-              <a:defRPr sz="1600" kern="1200">
-                <a:solidFill>
-                  <a:schemeClr val="tx1">
-                    <a:tint val="75000"/>
-                  </a:schemeClr>
-                </a:solidFill>
-                <a:latin typeface="+mj-lt"/>
-                <a:ea typeface="+mn-ea"/>
-                <a:cs typeface="+mn-cs"/>
-              </a:defRPr>
-            </a:lvl9pPr>
-          </a:lstStyle>
-          <a:p>
-            <a:pPr algn="l"/>
-            <a:r>
-              <a:rPr lang="en-US" sz="1800" dirty="0" err="1" smtClean="0"/>
-              <a:t>not.toBe</a:t>
-            </a:r>
-            <a:r>
-              <a:rPr lang="en-US" sz="1800" dirty="0"/>
-              <a:t>()</a:t>
-            </a:r>
-          </a:p>
-          <a:p>
-            <a:pPr algn="l"/>
-            <a:r>
-              <a:rPr lang="en-US" sz="1800" dirty="0" err="1"/>
-              <a:t>not.</a:t>
-            </a:r>
-            <a:r>
-              <a:rPr lang="en-US" sz="1800" dirty="0" err="1" smtClean="0"/>
-              <a:t>toThrowError</a:t>
-            </a:r>
-            <a:r>
-              <a:rPr lang="en-US" sz="1800" dirty="0"/>
-              <a:t>()</a:t>
-            </a:r>
-          </a:p>
-          <a:p>
-            <a:pPr algn="l"/>
-            <a:r>
-              <a:rPr lang="en-US" sz="1800" dirty="0" err="1"/>
-              <a:t>not.</a:t>
-            </a:r>
-            <a:r>
-              <a:rPr lang="en-US" sz="1800" dirty="0" err="1" smtClean="0"/>
-              <a:t>toMatch</a:t>
-            </a:r>
-            <a:r>
-              <a:rPr lang="en-US" sz="1800" dirty="0"/>
-              <a:t>()</a:t>
-            </a:r>
-          </a:p>
-          <a:p>
-            <a:pPr algn="l"/>
-            <a:r>
-              <a:rPr lang="en-US" sz="1800" dirty="0" err="1"/>
-              <a:t>not.</a:t>
-            </a:r>
-            <a:r>
-              <a:rPr lang="en-US" sz="1800" dirty="0" err="1" smtClean="0"/>
-              <a:t>toBeDefined</a:t>
-            </a:r>
-            <a:r>
-              <a:rPr lang="en-US" sz="1800" dirty="0"/>
-              <a:t>()</a:t>
-            </a:r>
-          </a:p>
-          <a:p>
-            <a:pPr algn="l"/>
-            <a:r>
-              <a:rPr lang="en-US" sz="1800" dirty="0" err="1"/>
-              <a:t>not.</a:t>
-            </a:r>
-            <a:r>
-              <a:rPr lang="en-US" sz="1800" dirty="0" err="1" smtClean="0"/>
-              <a:t>toBeUndefined</a:t>
-            </a:r>
-            <a:r>
-              <a:rPr lang="en-US" sz="1800" dirty="0"/>
-              <a:t>()</a:t>
-            </a:r>
-          </a:p>
-          <a:p>
-            <a:pPr algn="l"/>
-            <a:r>
-              <a:rPr lang="en-US" sz="1800" dirty="0" err="1"/>
-              <a:t>not.</a:t>
-            </a:r>
-            <a:r>
-              <a:rPr lang="en-US" sz="1800" dirty="0" err="1" smtClean="0"/>
-              <a:t>toBeNull</a:t>
-            </a:r>
-            <a:r>
-              <a:rPr lang="en-US" sz="1800" dirty="0"/>
-              <a:t>()</a:t>
-            </a:r>
-          </a:p>
-          <a:p>
-            <a:pPr algn="l"/>
-            <a:r>
-              <a:rPr lang="en-US" sz="1800" dirty="0" err="1"/>
-              <a:t>not.</a:t>
-            </a:r>
-            <a:r>
-              <a:rPr lang="en-US" sz="1800" dirty="0" err="1" smtClean="0"/>
-              <a:t>toBeTruthy</a:t>
-            </a:r>
-            <a:r>
-              <a:rPr lang="en-US" sz="1800" dirty="0"/>
-              <a:t>()</a:t>
-            </a:r>
-          </a:p>
-          <a:p>
-            <a:pPr algn="l"/>
-            <a:r>
-              <a:rPr lang="en-US" sz="1800" dirty="0" err="1"/>
-              <a:t>not.</a:t>
-            </a:r>
-            <a:r>
-              <a:rPr lang="en-US" sz="1800" dirty="0" err="1" smtClean="0"/>
-              <a:t>toEqual</a:t>
-            </a:r>
-            <a:r>
-              <a:rPr lang="en-US" sz="1800" dirty="0"/>
-              <a:t>()</a:t>
-            </a:r>
-          </a:p>
-          <a:p>
-            <a:pPr algn="l"/>
-            <a:r>
-              <a:rPr lang="en-US" sz="1800" dirty="0" err="1"/>
-              <a:t>not.</a:t>
-            </a:r>
-            <a:r>
-              <a:rPr lang="en-US" sz="1800" dirty="0" err="1" smtClean="0"/>
-              <a:t>toContain</a:t>
-            </a:r>
-            <a:r>
-              <a:rPr lang="en-US" sz="1800" dirty="0"/>
-              <a:t>()</a:t>
-            </a:r>
-          </a:p>
-          <a:p>
-            <a:pPr algn="l"/>
-            <a:r>
-              <a:rPr lang="en-US" sz="1800" dirty="0" err="1"/>
-              <a:t>not.</a:t>
-            </a:r>
-            <a:r>
-              <a:rPr lang="en-US" sz="1800" dirty="0" err="1" smtClean="0"/>
-              <a:t>toBeLessThan</a:t>
-            </a:r>
-            <a:r>
-              <a:rPr lang="en-US" sz="1800" dirty="0"/>
-              <a:t>()</a:t>
-            </a:r>
-          </a:p>
-          <a:p>
-            <a:pPr algn="l"/>
-            <a:r>
-              <a:rPr lang="en-US" sz="1800" dirty="0" err="1"/>
-              <a:t>not.toBeGreaterThan</a:t>
-            </a:r>
-            <a:r>
-              <a:rPr lang="en-US" sz="1800" dirty="0"/>
-              <a:t>()</a:t>
-            </a:r>
-          </a:p>
-          <a:p>
-            <a:pPr algn="l"/>
-            <a:r>
-              <a:rPr lang="en-US" sz="1800" dirty="0" err="1"/>
-              <a:t>not.</a:t>
-            </a:r>
-            <a:r>
-              <a:rPr lang="en-US" sz="1800" dirty="0" err="1" smtClean="0"/>
-              <a:t>toBeCloseTo</a:t>
-            </a:r>
-            <a:r>
-              <a:rPr lang="en-US" sz="1800" dirty="0"/>
-              <a:t>()</a:t>
-            </a:r>
-          </a:p>
-          <a:p>
-            <a:pPr algn="l"/>
-            <a:r>
-              <a:rPr lang="en-US" sz="1800" dirty="0" err="1"/>
-              <a:t>not.</a:t>
-            </a:r>
-            <a:r>
-              <a:rPr lang="en-US" sz="1800" dirty="0" err="1" smtClean="0"/>
-              <a:t>toThrow</a:t>
-            </a:r>
-            <a:r>
-              <a:rPr lang="en-US" sz="1800" dirty="0"/>
-              <a:t>()</a:t>
-            </a:r>
-          </a:p>
-          <a:p>
-            <a:pPr algn="l"/>
-            <a:r>
-              <a:rPr lang="en-US" sz="1800" dirty="0" err="1"/>
-              <a:t>not.</a:t>
-            </a:r>
-            <a:r>
-              <a:rPr lang="en-US" sz="1800" dirty="0" err="1" smtClean="0"/>
-              <a:t>toBeFalsy</a:t>
-            </a:r>
-            <a:r>
-              <a:rPr lang="en-US" sz="1800" dirty="0"/>
-              <a:t>()</a:t>
-            </a:r>
-            <a:endParaRPr lang="en-US" sz="1800" dirty="0" smtClean="0"/>
+          <a:p>
+            <a:pPr algn="l"/>
+            <a:r>
+              <a:rPr lang="en-US" dirty="0" smtClean="0"/>
+              <a:t>#my-cancel-button {</a:t>
+            </a:r>
+          </a:p>
+          <a:p>
+            <a:pPr algn="l"/>
+            <a:r>
+              <a:rPr lang="en-US" dirty="0" smtClean="0"/>
+              <a:t>   background: #FEFEFE;</a:t>
+            </a:r>
+          </a:p>
+          <a:p>
+            <a:pPr algn="l"/>
+            <a:r>
+              <a:rPr lang="en-US" dirty="0" smtClean="0"/>
+              <a:t>   font-size: 		12px; /* must be 2/3 that of ok- </a:t>
+            </a:r>
+          </a:p>
+          <a:p>
+            <a:pPr algn="l"/>
+            <a:r>
+              <a:rPr lang="en-US" dirty="0"/>
+              <a:t> </a:t>
+            </a:r>
+            <a:r>
+              <a:rPr lang="en-US" dirty="0" smtClean="0"/>
+              <a:t>                                              button */</a:t>
+            </a:r>
+          </a:p>
+          <a:p>
+            <a:pPr algn="l"/>
+            <a:r>
+              <a:rPr lang="en-US" dirty="0" smtClean="0"/>
+              <a:t>   width:		30px; </a:t>
+            </a:r>
+            <a:r>
+              <a:rPr lang="en-US" dirty="0"/>
+              <a:t>/* must be </a:t>
+            </a:r>
+            <a:r>
+              <a:rPr lang="en-US" dirty="0" smtClean="0"/>
+              <a:t>1.5 that of ok-</a:t>
+            </a:r>
+          </a:p>
+          <a:p>
+            <a:pPr algn="l"/>
+            <a:r>
+              <a:rPr lang="en-US" dirty="0"/>
+              <a:t>	</a:t>
+            </a:r>
+            <a:r>
+              <a:rPr lang="en-US" dirty="0" smtClean="0"/>
+              <a:t>			    button </a:t>
+            </a:r>
+            <a:r>
+              <a:rPr lang="en-US" dirty="0"/>
+              <a:t>*/</a:t>
+            </a:r>
+            <a:endParaRPr lang="en-US" dirty="0" smtClean="0"/>
+          </a:p>
+          <a:p>
+            <a:pPr algn="l"/>
+            <a:r>
+              <a:rPr lang="en-US" dirty="0" smtClean="0"/>
+              <a:t>}</a:t>
+            </a:r>
           </a:p>
           <a:p>
             <a:pPr algn="l"/>
@@ -9845,7 +5464,7 @@
     </p:spTree>
     <p:extLst>
       <p:ext uri="{BB962C8B-B14F-4D97-AF65-F5344CB8AC3E}">
-        <p14:creationId xmlns:p14="http://schemas.microsoft.com/office/powerpoint/2010/main" val="1296186928"/>
+        <p14:creationId xmlns:p14="http://schemas.microsoft.com/office/powerpoint/2010/main" val="3749187616"/>
       </p:ext>
     </p:extLst>
   </p:cSld>
@@ -9884,7 +5503,7 @@
         </p:nvSpPr>
         <p:spPr>
           <a:xfrm>
-            <a:off x="381000" y="228600"/>
+            <a:off x="685800" y="228600"/>
             <a:ext cx="7772400" cy="685800"/>
           </a:xfrm>
         </p:spPr>
@@ -9895,7 +5514,7 @@
             <a:pPr algn="l"/>
             <a:r>
               <a:rPr lang="en-US" sz="4000" dirty="0" smtClean="0"/>
-              <a:t>Jasmine Spies</a:t>
+              <a:t>Cascading Issues</a:t>
             </a:r>
             <a:endParaRPr lang="en-US" sz="4000" dirty="0"/>
           </a:p>
@@ -9983,8 +5602,8 @@
         </p:nvSpPr>
         <p:spPr>
           <a:xfrm>
-            <a:off x="381000" y="1219200"/>
-            <a:ext cx="8153400" cy="2209800"/>
+            <a:off x="4953000" y="1371600"/>
+            <a:ext cx="4114800" cy="4343400"/>
           </a:xfrm>
         </p:spPr>
         <p:txBody>
@@ -9995,9 +5614,154 @@
           <a:p>
             <a:pPr algn="l"/>
             <a:r>
-              <a:rPr lang="en-US" dirty="0" smtClean="0"/>
+              <a:rPr lang="en-US" sz="1800" dirty="0" smtClean="0"/>
+              <a:t>#my-form {</a:t>
+            </a:r>
+          </a:p>
+          <a:p>
+            <a:pPr algn="l"/>
+            <a:r>
+              <a:rPr lang="en-US" sz="1800" dirty="0" smtClean="0"/>
+              <a:t>     width: 		200px;</a:t>
+            </a:r>
+          </a:p>
+          <a:p>
+            <a:pPr algn="l"/>
+            <a:r>
+              <a:rPr lang="en-US" sz="1800" dirty="0"/>
               <a:t> </a:t>
             </a:r>
+            <a:r>
+              <a:rPr lang="en-US" sz="1800" dirty="0" smtClean="0"/>
+              <a:t>    background: 	#00FFFF;</a:t>
+            </a:r>
+          </a:p>
+          <a:p>
+            <a:pPr algn="l"/>
+            <a:r>
+              <a:rPr lang="en-US" sz="1800" dirty="0"/>
+              <a:t> </a:t>
+            </a:r>
+            <a:r>
+              <a:rPr lang="en-US" sz="1800" dirty="0" smtClean="0"/>
+              <a:t>    margin: 		5px;</a:t>
+            </a:r>
+            <a:endParaRPr lang="en-US" sz="1800" dirty="0"/>
+          </a:p>
+          <a:p>
+            <a:pPr algn="l"/>
+            <a:r>
+              <a:rPr lang="en-US" sz="1800" dirty="0" smtClean="0"/>
+              <a:t>}</a:t>
+            </a:r>
+            <a:endParaRPr lang="en-US" sz="1800" dirty="0"/>
+          </a:p>
+          <a:p>
+            <a:pPr algn="l"/>
+            <a:r>
+              <a:rPr lang="en-US" sz="1800" dirty="0" smtClean="0"/>
+              <a:t>#my-form input {</a:t>
+            </a:r>
+          </a:p>
+          <a:p>
+            <a:pPr algn="l"/>
+            <a:r>
+              <a:rPr lang="en-US" sz="1800" dirty="0" smtClean="0"/>
+              <a:t>     </a:t>
+            </a:r>
+            <a:r>
+              <a:rPr lang="en-US" sz="1800" dirty="0"/>
+              <a:t>border-radius	5px</a:t>
+            </a:r>
+            <a:r>
+              <a:rPr lang="en-US" sz="1800" dirty="0" smtClean="0"/>
+              <a:t>;</a:t>
+            </a:r>
+          </a:p>
+          <a:p>
+            <a:pPr algn="l"/>
+            <a:r>
+              <a:rPr lang="en-US" sz="1800" dirty="0" smtClean="0"/>
+              <a:t>}</a:t>
+            </a:r>
+            <a:endParaRPr lang="en-US" sz="1800" dirty="0"/>
+          </a:p>
+          <a:p>
+            <a:pPr algn="l"/>
+            <a:r>
+              <a:rPr lang="en-US" sz="1800" dirty="0"/>
+              <a:t>#my-form </a:t>
+            </a:r>
+            <a:r>
+              <a:rPr lang="en-US" sz="1800" dirty="0" smtClean="0"/>
+              <a:t>div {</a:t>
+            </a:r>
+          </a:p>
+          <a:p>
+            <a:pPr algn="l"/>
+            <a:r>
+              <a:rPr lang="en-US" sz="1800" dirty="0"/>
+              <a:t> </a:t>
+            </a:r>
+            <a:r>
+              <a:rPr lang="en-US" sz="1800" dirty="0" smtClean="0"/>
+              <a:t>    border: 		1px;</a:t>
+            </a:r>
+            <a:endParaRPr lang="en-US" sz="1800" dirty="0"/>
+          </a:p>
+          <a:p>
+            <a:pPr algn="l"/>
+            <a:r>
+              <a:rPr lang="en-US" sz="1800" dirty="0" smtClean="0"/>
+              <a:t>}</a:t>
+            </a:r>
+            <a:endParaRPr lang="en-US" sz="1800" dirty="0" smtClean="0"/>
+          </a:p>
+          <a:p>
+            <a:pPr algn="l"/>
+            <a:r>
+              <a:rPr lang="en-US" sz="1800" dirty="0"/>
+              <a:t>#my-form </a:t>
+            </a:r>
+            <a:r>
+              <a:rPr lang="en-US" sz="1800" dirty="0" smtClean="0"/>
+              <a:t>label {</a:t>
+            </a:r>
+          </a:p>
+          <a:p>
+            <a:pPr algn="l"/>
+            <a:r>
+              <a:rPr lang="en-US" sz="1800" dirty="0"/>
+              <a:t> </a:t>
+            </a:r>
+            <a:r>
+              <a:rPr lang="en-US" sz="1800" dirty="0" smtClean="0"/>
+              <a:t>     padding</a:t>
+            </a:r>
+            <a:r>
+              <a:rPr lang="en-US" sz="1800" dirty="0"/>
+              <a:t>:	</a:t>
+            </a:r>
+            <a:r>
+              <a:rPr lang="en-US" sz="1800" dirty="0" smtClean="0"/>
+              <a:t>10px</a:t>
+            </a:r>
+            <a:r>
+              <a:rPr lang="en-US" sz="1800" dirty="0"/>
+              <a:t>;</a:t>
+            </a:r>
+          </a:p>
+          <a:p>
+            <a:pPr algn="l"/>
+            <a:r>
+              <a:rPr lang="en-US" sz="1800" dirty="0" smtClean="0"/>
+              <a:t>}</a:t>
+            </a:r>
+            <a:endParaRPr lang="en-US" sz="1800" dirty="0"/>
+          </a:p>
+          <a:p>
+            <a:pPr algn="l"/>
+            <a:endParaRPr lang="en-US" dirty="0" smtClean="0"/>
           </a:p>
         </p:txBody>
       </p:sp>
@@ -10011,8 +5775,8 @@
         </p:nvSpPr>
         <p:spPr>
           <a:xfrm>
-            <a:off x="533400" y="1143000"/>
-            <a:ext cx="7924800" cy="4876800"/>
+            <a:off x="381000" y="1295400"/>
+            <a:ext cx="4114800" cy="4343400"/>
           </a:xfrm>
           <a:prstGeom prst="rect">
             <a:avLst/>
@@ -10178,77 +5942,126 @@
             </a:lvl9pPr>
           </a:lstStyle>
           <a:p>
-            <a:pPr marL="342900" indent="-342900" algn="l">
-              <a:buFont typeface="Arial" panose="020B0604020202020204" pitchFamily="34" charset="0"/>
-              <a:buChar char="•"/>
-            </a:pPr>
-            <a:r>
-              <a:rPr lang="en-US" dirty="0" smtClean="0"/>
-              <a:t>Use to replace actual calls with fakes.</a:t>
-            </a:r>
-          </a:p>
-          <a:p>
-            <a:pPr marL="342900" indent="-342900" algn="l">
-              <a:buFont typeface="Arial" panose="020B0604020202020204" pitchFamily="34" charset="0"/>
-              <a:buChar char="•"/>
-            </a:pPr>
-            <a:r>
-              <a:rPr lang="en-US" dirty="0" smtClean="0"/>
-              <a:t>Similar to various mocking libraries such as </a:t>
-            </a:r>
-            <a:r>
-              <a:rPr lang="en-US" dirty="0" err="1" smtClean="0"/>
-              <a:t>JMockit</a:t>
-            </a:r>
-            <a:r>
-              <a:rPr lang="en-US" dirty="0" smtClean="0"/>
-              <a:t>, </a:t>
-            </a:r>
-            <a:r>
-              <a:rPr lang="en-US" dirty="0" err="1" smtClean="0"/>
-              <a:t>RhinoMock</a:t>
-            </a:r>
-            <a:r>
-              <a:rPr lang="en-US" dirty="0" smtClean="0"/>
-              <a:t>, </a:t>
-            </a:r>
-            <a:r>
-              <a:rPr lang="en-US" dirty="0" err="1" smtClean="0"/>
-              <a:t>Moq</a:t>
-            </a:r>
-            <a:r>
-              <a:rPr lang="en-US" dirty="0" smtClean="0"/>
-              <a:t>.</a:t>
-            </a:r>
-          </a:p>
-          <a:p>
-            <a:pPr marL="342900" indent="-342900" algn="l">
-              <a:buFont typeface="Arial" panose="020B0604020202020204" pitchFamily="34" charset="0"/>
-              <a:buChar char="•"/>
-            </a:pPr>
-            <a:r>
-              <a:rPr lang="en-US" dirty="0" err="1" smtClean="0"/>
-              <a:t>spyOn</a:t>
-            </a:r>
-            <a:r>
-              <a:rPr lang="en-US" dirty="0" smtClean="0"/>
-              <a:t>(), </a:t>
-            </a:r>
-            <a:r>
-              <a:rPr lang="en-US" dirty="0" err="1" smtClean="0"/>
-              <a:t>jasmine.createSpy</a:t>
-            </a:r>
-            <a:r>
-              <a:rPr lang="en-US" dirty="0" smtClean="0"/>
-              <a:t>().</a:t>
-            </a:r>
+            <a:pPr algn="l"/>
+            <a:r>
+              <a:rPr lang="en-US" sz="1800" dirty="0" smtClean="0"/>
+              <a:t>&lt;form id=“my-form”&gt;</a:t>
+            </a:r>
+          </a:p>
+          <a:p>
+            <a:pPr algn="l"/>
+            <a:r>
+              <a:rPr lang="en-US" sz="1800" dirty="0"/>
+              <a:t> </a:t>
+            </a:r>
+            <a:r>
+              <a:rPr lang="en-US" sz="1800" dirty="0" smtClean="0"/>
+              <a:t> &lt;div&gt;</a:t>
+            </a:r>
+          </a:p>
+          <a:p>
+            <a:pPr algn="l"/>
+            <a:r>
+              <a:rPr lang="en-US" sz="1800" dirty="0" smtClean="0"/>
+              <a:t>       &lt;label&gt;Name&lt;/label&gt;</a:t>
+            </a:r>
+          </a:p>
+          <a:p>
+            <a:pPr algn="l"/>
+            <a:r>
+              <a:rPr lang="en-US" sz="1800" dirty="0"/>
+              <a:t> </a:t>
+            </a:r>
+            <a:r>
+              <a:rPr lang="en-US" sz="1800" dirty="0" smtClean="0"/>
+              <a:t>      &lt;input type=text&gt;&lt;/input&gt;</a:t>
+            </a:r>
+            <a:endParaRPr lang="en-US" sz="1800" dirty="0"/>
+          </a:p>
+          <a:p>
+            <a:pPr algn="l"/>
+            <a:r>
+              <a:rPr lang="en-US" sz="1800" dirty="0" smtClean="0"/>
+              <a:t> &lt;/div&gt;</a:t>
+            </a:r>
+          </a:p>
+          <a:p>
+            <a:pPr algn="l"/>
+            <a:endParaRPr lang="en-US" sz="1800" dirty="0"/>
+          </a:p>
+          <a:p>
+            <a:pPr algn="l"/>
+            <a:r>
+              <a:rPr lang="en-US" sz="1800" dirty="0"/>
+              <a:t> </a:t>
+            </a:r>
+            <a:r>
+              <a:rPr lang="en-US" sz="1800" dirty="0" smtClean="0"/>
+              <a:t> &lt;</a:t>
+            </a:r>
+            <a:r>
+              <a:rPr lang="en-US" sz="1800" dirty="0"/>
+              <a:t>div&gt;</a:t>
+            </a:r>
+          </a:p>
+          <a:p>
+            <a:pPr algn="l"/>
+            <a:r>
+              <a:rPr lang="en-US" sz="1800" dirty="0"/>
+              <a:t>       &lt;</a:t>
+            </a:r>
+            <a:r>
+              <a:rPr lang="en-US" sz="1800" dirty="0" smtClean="0"/>
+              <a:t>label&gt;Age&lt;/</a:t>
+            </a:r>
+            <a:r>
+              <a:rPr lang="en-US" sz="1800" dirty="0"/>
+              <a:t>label&gt;</a:t>
+            </a:r>
+          </a:p>
+          <a:p>
+            <a:pPr algn="l"/>
+            <a:r>
+              <a:rPr lang="en-US" sz="1800" dirty="0"/>
+              <a:t>       &lt;input type=text&gt;&lt;/input&gt;</a:t>
+            </a:r>
+          </a:p>
+          <a:p>
+            <a:pPr algn="l"/>
+            <a:r>
+              <a:rPr lang="en-US" sz="1800" dirty="0"/>
+              <a:t> </a:t>
+            </a:r>
+            <a:r>
+              <a:rPr lang="en-US" sz="1800" dirty="0" smtClean="0"/>
+              <a:t> &lt;/</a:t>
+            </a:r>
+            <a:r>
+              <a:rPr lang="en-US" sz="1800" dirty="0"/>
+              <a:t>div&gt;</a:t>
+            </a:r>
+          </a:p>
+          <a:p>
+            <a:pPr algn="l"/>
+            <a:endParaRPr lang="en-US" sz="1800" dirty="0" smtClean="0"/>
+          </a:p>
+          <a:p>
+            <a:pPr algn="l"/>
+            <a:r>
+              <a:rPr lang="en-US" sz="1800" dirty="0" smtClean="0"/>
+              <a:t>&lt;/form&gt;</a:t>
+            </a:r>
+          </a:p>
+          <a:p>
+            <a:pPr algn="l"/>
+            <a:endParaRPr lang="en-US" dirty="0" smtClean="0"/>
           </a:p>
         </p:txBody>
       </p:sp>
     </p:spTree>
     <p:extLst>
       <p:ext uri="{BB962C8B-B14F-4D97-AF65-F5344CB8AC3E}">
-        <p14:creationId xmlns:p14="http://schemas.microsoft.com/office/powerpoint/2010/main" val="2923060164"/>
+        <p14:creationId xmlns:p14="http://schemas.microsoft.com/office/powerpoint/2010/main" val="4019143189"/>
       </p:ext>
     </p:extLst>
   </p:cSld>
@@ -10298,7 +6111,11 @@
             <a:pPr algn="l"/>
             <a:r>
               <a:rPr lang="en-US" sz="4000" dirty="0" smtClean="0"/>
-              <a:t>JS Module Under Test</a:t>
+              <a:t>xx</a:t>
+            </a:r>
+            <a:r>
+              <a:rPr lang="en-US" sz="4000" dirty="0" smtClean="0"/>
+              <a:t>?</a:t>
             </a:r>
             <a:endParaRPr lang="en-US" sz="4000" dirty="0"/>
           </a:p>
@@ -10386,166 +6203,32 @@
         </p:nvSpPr>
         <p:spPr>
           <a:xfrm>
-            <a:off x="533400" y="1066800"/>
-            <a:ext cx="8382000" cy="4800600"/>
+            <a:off x="381000" y="1219200"/>
+            <a:ext cx="8153400" cy="4343400"/>
           </a:xfrm>
         </p:spPr>
         <p:txBody>
           <a:bodyPr>
-            <a:normAutofit/>
+            <a:noAutofit/>
           </a:bodyPr>
           <a:lstStyle/>
           <a:p>
-            <a:pPr algn="l"/>
-            <a:r>
-              <a:rPr lang="en-US" b="1" dirty="0" smtClean="0"/>
-              <a:t>Calculator module</a:t>
-            </a:r>
-          </a:p>
-          <a:p>
-            <a:pPr algn="l"/>
-            <a:r>
-              <a:rPr lang="en-US" sz="2000" dirty="0" err="1"/>
-              <a:t>Calculator.prototype.configure</a:t>
-            </a:r>
-            <a:r>
-              <a:rPr lang="en-US" sz="2000" dirty="0"/>
-              <a:t> 	= function(</a:t>
-            </a:r>
-            <a:r>
-              <a:rPr lang="en-US" sz="2000" dirty="0" err="1"/>
-              <a:t>successCallback</a:t>
-            </a:r>
-            <a:r>
-              <a:rPr lang="en-US" sz="2000" dirty="0"/>
-              <a:t>, </a:t>
-            </a:r>
-            <a:r>
-              <a:rPr lang="en-US" sz="2000" dirty="0" smtClean="0"/>
-              <a:t> </a:t>
-            </a:r>
-          </a:p>
-          <a:p>
-            <a:pPr algn="l"/>
-            <a:r>
-              <a:rPr lang="en-US" sz="2000" dirty="0"/>
-              <a:t> </a:t>
-            </a:r>
-            <a:r>
-              <a:rPr lang="en-US" sz="2000" dirty="0" smtClean="0"/>
-              <a:t>                                                                                    </a:t>
-            </a:r>
-            <a:r>
-              <a:rPr lang="en-US" sz="2000" dirty="0" err="1" smtClean="0"/>
-              <a:t>errorCallback</a:t>
-            </a:r>
-            <a:r>
-              <a:rPr lang="en-US" sz="2000" dirty="0" smtClean="0"/>
-              <a:t>)  </a:t>
-            </a:r>
-            <a:endParaRPr lang="en-US" sz="2000" dirty="0"/>
-          </a:p>
-          <a:p>
-            <a:pPr algn="l"/>
-            <a:r>
-              <a:rPr lang="en-US" sz="2000" dirty="0" err="1"/>
-              <a:t>Calculator.prototype.add</a:t>
-            </a:r>
-            <a:r>
-              <a:rPr lang="en-US" sz="2000" dirty="0"/>
-              <a:t> 	</a:t>
-            </a:r>
-            <a:r>
-              <a:rPr lang="en-US" sz="2000" dirty="0" smtClean="0"/>
-              <a:t>             = </a:t>
-            </a:r>
-            <a:r>
-              <a:rPr lang="en-US" sz="2000" dirty="0"/>
-              <a:t>function(x, y) </a:t>
-            </a:r>
-          </a:p>
-          <a:p>
-            <a:pPr algn="l"/>
-            <a:r>
-              <a:rPr lang="en-US" sz="2000" dirty="0" err="1" smtClean="0"/>
-              <a:t>Calculator.prototype.asyncAdd</a:t>
-            </a:r>
-            <a:r>
-              <a:rPr lang="en-US" sz="2000" dirty="0" smtClean="0"/>
-              <a:t> </a:t>
-            </a:r>
-            <a:r>
-              <a:rPr lang="en-US" sz="2000" dirty="0"/>
-              <a:t>	= function(x, y) </a:t>
-            </a:r>
-          </a:p>
-          <a:p>
-            <a:pPr algn="l"/>
-            <a:r>
-              <a:rPr lang="en-US" sz="2000" dirty="0" err="1"/>
-              <a:t>Calculator.prototype.addAndDisplay</a:t>
-            </a:r>
-            <a:r>
-              <a:rPr lang="en-US" sz="2000" dirty="0"/>
-              <a:t> = function(x, y, </a:t>
-            </a:r>
-            <a:r>
-              <a:rPr lang="en-US" sz="2000" dirty="0" err="1"/>
-              <a:t>domEle</a:t>
-            </a:r>
-            <a:r>
-              <a:rPr lang="en-US" sz="2000" dirty="0"/>
-              <a:t>) </a:t>
-            </a:r>
-          </a:p>
-          <a:p>
-            <a:pPr algn="l"/>
-            <a:r>
-              <a:rPr lang="en-US" sz="2000" dirty="0" err="1"/>
-              <a:t>Calculator.prototype.substract</a:t>
-            </a:r>
-            <a:r>
-              <a:rPr lang="en-US" sz="2000" dirty="0"/>
-              <a:t> 	= function(x, y) </a:t>
-            </a:r>
-          </a:p>
-          <a:p>
-            <a:pPr algn="l"/>
-            <a:r>
-              <a:rPr lang="en-US" sz="2000" dirty="0" err="1"/>
-              <a:t>Calculator.prototype.multiply</a:t>
-            </a:r>
-            <a:r>
-              <a:rPr lang="en-US" sz="2000" dirty="0"/>
-              <a:t> 	= function(x, y) </a:t>
-            </a:r>
-            <a:endParaRPr lang="en-US" sz="2000" dirty="0" smtClean="0"/>
-          </a:p>
-          <a:p>
-            <a:pPr algn="l"/>
-            <a:r>
-              <a:rPr lang="en-US" sz="2000" dirty="0" err="1" smtClean="0"/>
-              <a:t>Calculator.prototype.divide</a:t>
-            </a:r>
-            <a:r>
-              <a:rPr lang="en-US" sz="2000" dirty="0" smtClean="0"/>
-              <a:t>                 </a:t>
-            </a:r>
-            <a:r>
-              <a:rPr lang="en-US" sz="2000" dirty="0"/>
-              <a:t>= function(x, y) </a:t>
-            </a:r>
-          </a:p>
-          <a:p>
-            <a:pPr algn="l"/>
-            <a:endParaRPr lang="en-US" sz="2000" dirty="0"/>
+            <a:pPr marL="342900" indent="-342900" algn="l">
+              <a:buFont typeface="Arial" panose="020B0604020202020204" pitchFamily="34" charset="0"/>
+              <a:buChar char="•"/>
+            </a:pPr>
+            <a:r>
+              <a:rPr lang="en-US" dirty="0" smtClean="0"/>
+              <a:t>xx</a:t>
+            </a:r>
+            <a:endParaRPr lang="en-US" dirty="0" smtClean="0"/>
           </a:p>
         </p:txBody>
       </p:sp>
     </p:spTree>
     <p:extLst>
       <p:ext uri="{BB962C8B-B14F-4D97-AF65-F5344CB8AC3E}">
-        <p14:creationId xmlns:p14="http://schemas.microsoft.com/office/powerpoint/2010/main" val="2935351792"/>
+        <p14:creationId xmlns:p14="http://schemas.microsoft.com/office/powerpoint/2010/main" val="4019143189"/>
       </p:ext>
     </p:extLst>
   </p:cSld>

--- a/brownbag/less/tech-presentation-less.pptx
+++ b/brownbag/less/tech-presentation-less.pptx
@@ -5,7 +5,7 @@
     <p:sldMasterId id="2147483648" r:id="rId1"/>
   </p:sldMasterIdLst>
   <p:notesMasterIdLst>
-    <p:notesMasterId r:id="rId11"/>
+    <p:notesMasterId r:id="rId19"/>
   </p:notesMasterIdLst>
   <p:sldIdLst>
     <p:sldId id="256" r:id="rId2"/>
@@ -16,7 +16,15 @@
     <p:sldId id="261" r:id="rId7"/>
     <p:sldId id="260" r:id="rId8"/>
     <p:sldId id="263" r:id="rId9"/>
-    <p:sldId id="264" r:id="rId10"/>
+    <p:sldId id="266" r:id="rId10"/>
+    <p:sldId id="264" r:id="rId11"/>
+    <p:sldId id="265" r:id="rId12"/>
+    <p:sldId id="268" r:id="rId13"/>
+    <p:sldId id="269" r:id="rId14"/>
+    <p:sldId id="270" r:id="rId15"/>
+    <p:sldId id="271" r:id="rId16"/>
+    <p:sldId id="272" r:id="rId17"/>
+    <p:sldId id="267" r:id="rId18"/>
   </p:sldIdLst>
   <p:sldSz cx="9144000" cy="6858000" type="screen4x3"/>
   <p:notesSz cx="6858000" cy="9144000"/>
@@ -3929,7 +3937,7 @@
 </p:sld>
 </file>
 
-<file path=ppt/slides/slide2.xml><?xml version="1.0" encoding="utf-8"?>
+<file path=ppt/slides/slide10.xml><?xml version="1.0" encoding="utf-8"?>
 <p:sld xmlns:a="http://schemas.openxmlformats.org/drawingml/2006/main" xmlns:r="http://schemas.openxmlformats.org/officeDocument/2006/relationships" xmlns:p="http://schemas.openxmlformats.org/presentationml/2006/main">
   <p:cSld>
     <p:spTree>
@@ -3969,69 +3977,9 @@
             <a:pPr algn="l"/>
             <a:r>
               <a:rPr lang="en-US" sz="4000" dirty="0" smtClean="0"/>
-              <a:t>Agenda</a:t>
+              <a:t>LESS to the rescue.</a:t>
             </a:r>
             <a:endParaRPr lang="en-US" sz="4000" dirty="0"/>
-          </a:p>
-        </p:txBody>
-      </p:sp>
-      <p:sp>
-        <p:nvSpPr>
-          <p:cNvPr id="3" name="Subtitle 2"/>
-          <p:cNvSpPr>
-            <a:spLocks noGrp="1"/>
-          </p:cNvSpPr>
-          <p:nvPr>
-            <p:ph type="subTitle" idx="1"/>
-          </p:nvPr>
-        </p:nvSpPr>
-        <p:spPr>
-          <a:xfrm>
-            <a:off x="762000" y="1219200"/>
-            <a:ext cx="7315200" cy="4343400"/>
-          </a:xfrm>
-        </p:spPr>
-        <p:txBody>
-          <a:bodyPr>
-            <a:noAutofit/>
-          </a:bodyPr>
-          <a:lstStyle/>
-          <a:p>
-            <a:pPr marL="342900" indent="-342900" algn="l">
-              <a:buFont typeface="Arial" panose="020B0604020202020204" pitchFamily="34" charset="0"/>
-              <a:buChar char="•"/>
-            </a:pPr>
-            <a:r>
-              <a:rPr lang="en-US" sz="3200" dirty="0" smtClean="0"/>
-              <a:t>CSS Pain.</a:t>
-            </a:r>
-          </a:p>
-          <a:p>
-            <a:pPr marL="342900" indent="-342900" algn="l">
-              <a:buFont typeface="Arial" panose="020B0604020202020204" pitchFamily="34" charset="0"/>
-              <a:buChar char="•"/>
-            </a:pPr>
-            <a:r>
-              <a:rPr lang="en-US" sz="3200" dirty="0"/>
-              <a:t>Why LESS?</a:t>
-            </a:r>
-          </a:p>
-          <a:p>
-            <a:pPr marL="342900" indent="-342900" algn="l">
-              <a:buFont typeface="Arial" panose="020B0604020202020204" pitchFamily="34" charset="0"/>
-              <a:buChar char="•"/>
-            </a:pPr>
-            <a:r>
-              <a:rPr lang="en-US" sz="3200" dirty="0" smtClean="0"/>
-              <a:t>Grunt &amp; LESS compiler</a:t>
-            </a:r>
-          </a:p>
-          <a:p>
-            <a:pPr marL="342900" indent="-342900" algn="l">
-              <a:buFont typeface="Arial" panose="020B0604020202020204" pitchFamily="34" charset="0"/>
-              <a:buChar char="•"/>
-            </a:pPr>
-            <a:endParaRPr lang="en-US" sz="3200" dirty="0" smtClean="0"/>
           </a:p>
         </p:txBody>
       </p:sp>
@@ -4076,7 +4024,7 @@
             <a:fld id="{BA9B540C-44DA-4F69-89C9-7C84606640D3}" type="slidenum">
               <a:rPr lang="en-US" smtClean="0"/>
               <a:pPr/>
-              <a:t>2</a:t>
+              <a:t>10</a:t>
             </a:fld>
             <a:endParaRPr lang="en-US" dirty="0"/>
           </a:p>
@@ -4105,10 +4053,2190 @@
           </a:p>
         </p:txBody>
       </p:sp>
+      <p:sp>
+        <p:nvSpPr>
+          <p:cNvPr id="3" name="Document"/>
+          <p:cNvSpPr>
+            <a:spLocks noEditPoints="1" noChangeArrowheads="1"/>
+          </p:cNvSpPr>
+          <p:nvPr/>
+        </p:nvSpPr>
+        <p:spPr bwMode="auto">
+          <a:xfrm>
+            <a:off x="2458116" y="2101334"/>
+            <a:ext cx="676275" cy="452437"/>
+          </a:xfrm>
+          <a:custGeom>
+            <a:avLst/>
+            <a:gdLst>
+              <a:gd name="T0" fmla="*/ 10757 w 21600"/>
+              <a:gd name="T1" fmla="*/ 21632 h 21600"/>
+              <a:gd name="T2" fmla="*/ 85 w 21600"/>
+              <a:gd name="T3" fmla="*/ 10849 h 21600"/>
+              <a:gd name="T4" fmla="*/ 10757 w 21600"/>
+              <a:gd name="T5" fmla="*/ 81 h 21600"/>
+              <a:gd name="T6" fmla="*/ 21706 w 21600"/>
+              <a:gd name="T7" fmla="*/ 10652 h 21600"/>
+              <a:gd name="T8" fmla="*/ 10757 w 21600"/>
+              <a:gd name="T9" fmla="*/ 21632 h 21600"/>
+              <a:gd name="T10" fmla="*/ 0 w 21600"/>
+              <a:gd name="T11" fmla="*/ 0 h 21600"/>
+              <a:gd name="T12" fmla="*/ 21600 w 21600"/>
+              <a:gd name="T13" fmla="*/ 0 h 21600"/>
+              <a:gd name="T14" fmla="*/ 21600 w 21600"/>
+              <a:gd name="T15" fmla="*/ 21600 h 21600"/>
+              <a:gd name="T16" fmla="*/ 977 w 21600"/>
+              <a:gd name="T17" fmla="*/ 818 h 21600"/>
+              <a:gd name="T18" fmla="*/ 20622 w 21600"/>
+              <a:gd name="T19" fmla="*/ 16429 h 21600"/>
+            </a:gdLst>
+            <a:ahLst/>
+            <a:cxnLst>
+              <a:cxn ang="0">
+                <a:pos x="T0" y="T1"/>
+              </a:cxn>
+              <a:cxn ang="0">
+                <a:pos x="T2" y="T3"/>
+              </a:cxn>
+              <a:cxn ang="0">
+                <a:pos x="T4" y="T5"/>
+              </a:cxn>
+              <a:cxn ang="0">
+                <a:pos x="T6" y="T7"/>
+              </a:cxn>
+              <a:cxn ang="0">
+                <a:pos x="T8" y="T9"/>
+              </a:cxn>
+              <a:cxn ang="0">
+                <a:pos x="T10" y="T11"/>
+              </a:cxn>
+              <a:cxn ang="0">
+                <a:pos x="T12" y="T13"/>
+              </a:cxn>
+              <a:cxn ang="0">
+                <a:pos x="T14" y="T15"/>
+              </a:cxn>
+            </a:cxnLst>
+            <a:rect l="T16" t="T17" r="T18" b="T19"/>
+            <a:pathLst>
+              <a:path w="21600" h="21600">
+                <a:moveTo>
+                  <a:pt x="10757" y="21632"/>
+                </a:moveTo>
+                <a:lnTo>
+                  <a:pt x="5187" y="21632"/>
+                </a:lnTo>
+                <a:lnTo>
+                  <a:pt x="85" y="17509"/>
+                </a:lnTo>
+                <a:lnTo>
+                  <a:pt x="85" y="10849"/>
+                </a:lnTo>
+                <a:lnTo>
+                  <a:pt x="85" y="81"/>
+                </a:lnTo>
+                <a:lnTo>
+                  <a:pt x="10757" y="81"/>
+                </a:lnTo>
+                <a:lnTo>
+                  <a:pt x="21706" y="81"/>
+                </a:lnTo>
+                <a:lnTo>
+                  <a:pt x="21706" y="10652"/>
+                </a:lnTo>
+                <a:lnTo>
+                  <a:pt x="21706" y="21632"/>
+                </a:lnTo>
+                <a:lnTo>
+                  <a:pt x="10757" y="21632"/>
+                </a:lnTo>
+                <a:close/>
+              </a:path>
+              <a:path w="21600" h="21600">
+                <a:moveTo>
+                  <a:pt x="85" y="17509"/>
+                </a:moveTo>
+                <a:lnTo>
+                  <a:pt x="5187" y="17509"/>
+                </a:lnTo>
+                <a:lnTo>
+                  <a:pt x="5187" y="21632"/>
+                </a:lnTo>
+                <a:lnTo>
+                  <a:pt x="85" y="17509"/>
+                </a:lnTo>
+                <a:close/>
+              </a:path>
+            </a:pathLst>
+          </a:custGeom>
+          <a:solidFill>
+            <a:srgbClr val="D8EBB3"/>
+          </a:solidFill>
+          <a:ln w="9525">
+            <a:solidFill>
+              <a:srgbClr val="000000"/>
+            </a:solidFill>
+            <a:miter lim="800000"/>
+            <a:headEnd/>
+            <a:tailEnd/>
+          </a:ln>
+          <a:effectLst>
+            <a:outerShdw dist="107763" dir="2700000" algn="ctr" rotWithShape="0">
+              <a:srgbClr val="808080"/>
+            </a:outerShdw>
+          </a:effectLst>
+        </p:spPr>
+        <p:txBody>
+          <a:bodyPr vert="horz" wrap="square" lIns="91440" tIns="45720" rIns="91440" bIns="45720" numCol="1" anchor="t" anchorCtr="0" compatLnSpc="1">
+            <a:prstTxWarp prst="textNoShape">
+              <a:avLst/>
+            </a:prstTxWarp>
+          </a:bodyPr>
+          <a:lstStyle/>
+          <a:p>
+            <a:r>
+              <a:rPr lang="en-US" dirty="0" smtClean="0"/>
+              <a:t>.less</a:t>
+            </a:r>
+            <a:endParaRPr lang="en-US" dirty="0"/>
+          </a:p>
+        </p:txBody>
+      </p:sp>
+      <p:grpSp>
+        <p:nvGrpSpPr>
+          <p:cNvPr id="9" name="Group 3"/>
+          <p:cNvGrpSpPr>
+            <a:grpSpLocks/>
+          </p:cNvGrpSpPr>
+          <p:nvPr/>
+        </p:nvGrpSpPr>
+        <p:grpSpPr bwMode="auto">
+          <a:xfrm>
+            <a:off x="3917275" y="2444737"/>
+            <a:ext cx="1563955" cy="1221582"/>
+            <a:chOff x="1632" y="1248"/>
+            <a:chExt cx="2682" cy="2286"/>
+          </a:xfrm>
+        </p:grpSpPr>
+        <p:sp>
+          <p:nvSpPr>
+            <p:cNvPr id="10" name="Gear"/>
+            <p:cNvSpPr>
+              <a:spLocks noEditPoints="1" noChangeArrowheads="1"/>
+            </p:cNvSpPr>
+            <p:nvPr/>
+          </p:nvSpPr>
+          <p:spPr bwMode="auto">
+            <a:xfrm>
+              <a:off x="3119" y="1248"/>
+              <a:ext cx="1195" cy="1048"/>
+            </a:xfrm>
+            <a:custGeom>
+              <a:avLst/>
+              <a:gdLst>
+                <a:gd name="T0" fmla="*/ 10800 w 21600"/>
+                <a:gd name="T1" fmla="*/ 0 h 21600"/>
+                <a:gd name="T2" fmla="*/ 21600 w 21600"/>
+                <a:gd name="T3" fmla="*/ 10800 h 21600"/>
+                <a:gd name="T4" fmla="*/ 10800 w 21600"/>
+                <a:gd name="T5" fmla="*/ 21600 h 21600"/>
+                <a:gd name="T6" fmla="*/ 0 w 21600"/>
+                <a:gd name="T7" fmla="*/ 10800 h 21600"/>
+                <a:gd name="T8" fmla="*/ 4374 w 21600"/>
+                <a:gd name="T9" fmla="*/ 3964 h 21600"/>
+                <a:gd name="T10" fmla="*/ 17841 w 21600"/>
+                <a:gd name="T11" fmla="*/ 17635 h 21600"/>
+              </a:gdLst>
+              <a:ahLst/>
+              <a:cxnLst>
+                <a:cxn ang="0">
+                  <a:pos x="T0" y="T1"/>
+                </a:cxn>
+                <a:cxn ang="0">
+                  <a:pos x="T2" y="T3"/>
+                </a:cxn>
+                <a:cxn ang="0">
+                  <a:pos x="T4" y="T5"/>
+                </a:cxn>
+                <a:cxn ang="0">
+                  <a:pos x="T6" y="T7"/>
+                </a:cxn>
+              </a:cxnLst>
+              <a:rect l="T8" t="T9" r="T10" b="T11"/>
+              <a:pathLst>
+                <a:path w="21600" h="21600">
+                  <a:moveTo>
+                    <a:pt x="9689" y="1725"/>
+                  </a:moveTo>
+                  <a:lnTo>
+                    <a:pt x="10304" y="85"/>
+                  </a:lnTo>
+                  <a:lnTo>
+                    <a:pt x="11637" y="85"/>
+                  </a:lnTo>
+                  <a:lnTo>
+                    <a:pt x="12303" y="1777"/>
+                  </a:lnTo>
+                  <a:lnTo>
+                    <a:pt x="13072" y="1931"/>
+                  </a:lnTo>
+                  <a:lnTo>
+                    <a:pt x="14303" y="598"/>
+                  </a:lnTo>
+                  <a:lnTo>
+                    <a:pt x="15533" y="1110"/>
+                  </a:lnTo>
+                  <a:lnTo>
+                    <a:pt x="15584" y="2905"/>
+                  </a:lnTo>
+                  <a:lnTo>
+                    <a:pt x="16405" y="3520"/>
+                  </a:lnTo>
+                  <a:lnTo>
+                    <a:pt x="17891" y="2751"/>
+                  </a:lnTo>
+                  <a:lnTo>
+                    <a:pt x="18917" y="3674"/>
+                  </a:lnTo>
+                  <a:lnTo>
+                    <a:pt x="18199" y="5314"/>
+                  </a:lnTo>
+                  <a:lnTo>
+                    <a:pt x="18763" y="6083"/>
+                  </a:lnTo>
+                  <a:lnTo>
+                    <a:pt x="20403" y="6032"/>
+                  </a:lnTo>
+                  <a:lnTo>
+                    <a:pt x="20865" y="7211"/>
+                  </a:lnTo>
+                  <a:lnTo>
+                    <a:pt x="19737" y="8185"/>
+                  </a:lnTo>
+                  <a:lnTo>
+                    <a:pt x="20096" y="9723"/>
+                  </a:lnTo>
+                  <a:lnTo>
+                    <a:pt x="21634" y="10287"/>
+                  </a:lnTo>
+                  <a:lnTo>
+                    <a:pt x="21582" y="11620"/>
+                  </a:lnTo>
+                  <a:lnTo>
+                    <a:pt x="20147" y="12184"/>
+                  </a:lnTo>
+                  <a:lnTo>
+                    <a:pt x="19942" y="13158"/>
+                  </a:lnTo>
+                  <a:lnTo>
+                    <a:pt x="21070" y="14234"/>
+                  </a:lnTo>
+                  <a:lnTo>
+                    <a:pt x="20608" y="15362"/>
+                  </a:lnTo>
+                  <a:lnTo>
+                    <a:pt x="19019" y="15465"/>
+                  </a:lnTo>
+                  <a:lnTo>
+                    <a:pt x="18404" y="16439"/>
+                  </a:lnTo>
+                  <a:lnTo>
+                    <a:pt x="19122" y="17925"/>
+                  </a:lnTo>
+                  <a:lnTo>
+                    <a:pt x="18096" y="18797"/>
+                  </a:lnTo>
+                  <a:lnTo>
+                    <a:pt x="16763" y="18284"/>
+                  </a:lnTo>
+                  <a:lnTo>
+                    <a:pt x="15431" y="19002"/>
+                  </a:lnTo>
+                  <a:lnTo>
+                    <a:pt x="15277" y="20848"/>
+                  </a:lnTo>
+                  <a:lnTo>
+                    <a:pt x="14149" y="21155"/>
+                  </a:lnTo>
+                  <a:lnTo>
+                    <a:pt x="13021" y="19925"/>
+                  </a:lnTo>
+                  <a:lnTo>
+                    <a:pt x="12252" y="20181"/>
+                  </a:lnTo>
+                  <a:lnTo>
+                    <a:pt x="11739" y="21668"/>
+                  </a:lnTo>
+                  <a:lnTo>
+                    <a:pt x="10201" y="21668"/>
+                  </a:lnTo>
+                  <a:lnTo>
+                    <a:pt x="9740" y="20130"/>
+                  </a:lnTo>
+                  <a:lnTo>
+                    <a:pt x="8253" y="19771"/>
+                  </a:lnTo>
+                  <a:lnTo>
+                    <a:pt x="7125" y="21001"/>
+                  </a:lnTo>
+                  <a:lnTo>
+                    <a:pt x="5895" y="20489"/>
+                  </a:lnTo>
+                  <a:lnTo>
+                    <a:pt x="5946" y="18592"/>
+                  </a:lnTo>
+                  <a:lnTo>
+                    <a:pt x="5177" y="18131"/>
+                  </a:lnTo>
+                  <a:lnTo>
+                    <a:pt x="3383" y="18848"/>
+                  </a:lnTo>
+                  <a:lnTo>
+                    <a:pt x="2614" y="17874"/>
+                  </a:lnTo>
+                  <a:lnTo>
+                    <a:pt x="3383" y="16182"/>
+                  </a:lnTo>
+                  <a:lnTo>
+                    <a:pt x="2922" y="15465"/>
+                  </a:lnTo>
+                  <a:lnTo>
+                    <a:pt x="922" y="15516"/>
+                  </a:lnTo>
+                  <a:lnTo>
+                    <a:pt x="512" y="14234"/>
+                  </a:lnTo>
+                  <a:lnTo>
+                    <a:pt x="1948" y="12901"/>
+                  </a:lnTo>
+                  <a:lnTo>
+                    <a:pt x="1896" y="12184"/>
+                  </a:lnTo>
+                  <a:lnTo>
+                    <a:pt x="0" y="11415"/>
+                  </a:lnTo>
+                  <a:lnTo>
+                    <a:pt x="51" y="10031"/>
+                  </a:lnTo>
+                  <a:lnTo>
+                    <a:pt x="1948" y="9313"/>
+                  </a:lnTo>
+                  <a:lnTo>
+                    <a:pt x="2101" y="8595"/>
+                  </a:lnTo>
+                  <a:lnTo>
+                    <a:pt x="615" y="7160"/>
+                  </a:lnTo>
+                  <a:lnTo>
+                    <a:pt x="1127" y="5878"/>
+                  </a:lnTo>
+                  <a:lnTo>
+                    <a:pt x="3178" y="5981"/>
+                  </a:lnTo>
+                  <a:lnTo>
+                    <a:pt x="3588" y="5417"/>
+                  </a:lnTo>
+                  <a:lnTo>
+                    <a:pt x="2819" y="3520"/>
+                  </a:lnTo>
+                  <a:lnTo>
+                    <a:pt x="3742" y="2597"/>
+                  </a:lnTo>
+                  <a:lnTo>
+                    <a:pt x="5536" y="3417"/>
+                  </a:lnTo>
+                  <a:lnTo>
+                    <a:pt x="6049" y="3058"/>
+                  </a:lnTo>
+                  <a:lnTo>
+                    <a:pt x="6100" y="1264"/>
+                  </a:lnTo>
+                  <a:lnTo>
+                    <a:pt x="7228" y="700"/>
+                  </a:lnTo>
+                  <a:lnTo>
+                    <a:pt x="8510" y="2033"/>
+                  </a:lnTo>
+                  <a:lnTo>
+                    <a:pt x="9689" y="1725"/>
+                  </a:lnTo>
+                  <a:close/>
+                  <a:moveTo>
+                    <a:pt x="10817" y="14422"/>
+                  </a:moveTo>
+                  <a:lnTo>
+                    <a:pt x="11175" y="14388"/>
+                  </a:lnTo>
+                  <a:lnTo>
+                    <a:pt x="11534" y="14354"/>
+                  </a:lnTo>
+                  <a:lnTo>
+                    <a:pt x="11893" y="14268"/>
+                  </a:lnTo>
+                  <a:lnTo>
+                    <a:pt x="12218" y="14166"/>
+                  </a:lnTo>
+                  <a:lnTo>
+                    <a:pt x="12508" y="13995"/>
+                  </a:lnTo>
+                  <a:lnTo>
+                    <a:pt x="12816" y="13807"/>
+                  </a:lnTo>
+                  <a:lnTo>
+                    <a:pt x="13106" y="13602"/>
+                  </a:lnTo>
+                  <a:lnTo>
+                    <a:pt x="13329" y="13380"/>
+                  </a:lnTo>
+                  <a:lnTo>
+                    <a:pt x="13568" y="13106"/>
+                  </a:lnTo>
+                  <a:lnTo>
+                    <a:pt x="13790" y="12850"/>
+                  </a:lnTo>
+                  <a:lnTo>
+                    <a:pt x="13961" y="12560"/>
+                  </a:lnTo>
+                  <a:lnTo>
+                    <a:pt x="14115" y="12269"/>
+                  </a:lnTo>
+                  <a:lnTo>
+                    <a:pt x="14217" y="11927"/>
+                  </a:lnTo>
+                  <a:lnTo>
+                    <a:pt x="14320" y="11568"/>
+                  </a:lnTo>
+                  <a:lnTo>
+                    <a:pt x="14388" y="11210"/>
+                  </a:lnTo>
+                  <a:lnTo>
+                    <a:pt x="14388" y="10851"/>
+                  </a:lnTo>
+                  <a:lnTo>
+                    <a:pt x="14388" y="10492"/>
+                  </a:lnTo>
+                  <a:lnTo>
+                    <a:pt x="14320" y="10133"/>
+                  </a:lnTo>
+                  <a:lnTo>
+                    <a:pt x="14217" y="9808"/>
+                  </a:lnTo>
+                  <a:lnTo>
+                    <a:pt x="14115" y="9467"/>
+                  </a:lnTo>
+                  <a:lnTo>
+                    <a:pt x="13961" y="9142"/>
+                  </a:lnTo>
+                  <a:lnTo>
+                    <a:pt x="13790" y="8851"/>
+                  </a:lnTo>
+                  <a:lnTo>
+                    <a:pt x="13568" y="8595"/>
+                  </a:lnTo>
+                  <a:lnTo>
+                    <a:pt x="13329" y="8322"/>
+                  </a:lnTo>
+                  <a:lnTo>
+                    <a:pt x="13106" y="8100"/>
+                  </a:lnTo>
+                  <a:lnTo>
+                    <a:pt x="12816" y="7894"/>
+                  </a:lnTo>
+                  <a:lnTo>
+                    <a:pt x="12508" y="7741"/>
+                  </a:lnTo>
+                  <a:lnTo>
+                    <a:pt x="12218" y="7570"/>
+                  </a:lnTo>
+                  <a:lnTo>
+                    <a:pt x="11893" y="7433"/>
+                  </a:lnTo>
+                  <a:lnTo>
+                    <a:pt x="11534" y="7382"/>
+                  </a:lnTo>
+                  <a:lnTo>
+                    <a:pt x="11175" y="7313"/>
+                  </a:lnTo>
+                  <a:lnTo>
+                    <a:pt x="10817" y="7313"/>
+                  </a:lnTo>
+                  <a:lnTo>
+                    <a:pt x="10441" y="7313"/>
+                  </a:lnTo>
+                  <a:lnTo>
+                    <a:pt x="10082" y="7382"/>
+                  </a:lnTo>
+                  <a:lnTo>
+                    <a:pt x="9757" y="7433"/>
+                  </a:lnTo>
+                  <a:lnTo>
+                    <a:pt x="9432" y="7570"/>
+                  </a:lnTo>
+                  <a:lnTo>
+                    <a:pt x="9142" y="7741"/>
+                  </a:lnTo>
+                  <a:lnTo>
+                    <a:pt x="8834" y="7894"/>
+                  </a:lnTo>
+                  <a:lnTo>
+                    <a:pt x="8544" y="8100"/>
+                  </a:lnTo>
+                  <a:lnTo>
+                    <a:pt x="8287" y="8322"/>
+                  </a:lnTo>
+                  <a:lnTo>
+                    <a:pt x="8048" y="8595"/>
+                  </a:lnTo>
+                  <a:lnTo>
+                    <a:pt x="7860" y="8851"/>
+                  </a:lnTo>
+                  <a:lnTo>
+                    <a:pt x="7689" y="9142"/>
+                  </a:lnTo>
+                  <a:lnTo>
+                    <a:pt x="7536" y="9467"/>
+                  </a:lnTo>
+                  <a:lnTo>
+                    <a:pt x="7399" y="9808"/>
+                  </a:lnTo>
+                  <a:lnTo>
+                    <a:pt x="7331" y="10133"/>
+                  </a:lnTo>
+                  <a:lnTo>
+                    <a:pt x="7262" y="10492"/>
+                  </a:lnTo>
+                  <a:lnTo>
+                    <a:pt x="7262" y="10851"/>
+                  </a:lnTo>
+                  <a:lnTo>
+                    <a:pt x="7262" y="11210"/>
+                  </a:lnTo>
+                  <a:lnTo>
+                    <a:pt x="7331" y="11568"/>
+                  </a:lnTo>
+                  <a:lnTo>
+                    <a:pt x="7399" y="11927"/>
+                  </a:lnTo>
+                  <a:lnTo>
+                    <a:pt x="7536" y="12269"/>
+                  </a:lnTo>
+                  <a:lnTo>
+                    <a:pt x="7689" y="12560"/>
+                  </a:lnTo>
+                  <a:lnTo>
+                    <a:pt x="7860" y="12850"/>
+                  </a:lnTo>
+                  <a:lnTo>
+                    <a:pt x="8048" y="13106"/>
+                  </a:lnTo>
+                  <a:lnTo>
+                    <a:pt x="8287" y="13380"/>
+                  </a:lnTo>
+                  <a:lnTo>
+                    <a:pt x="8544" y="13602"/>
+                  </a:lnTo>
+                  <a:lnTo>
+                    <a:pt x="8834" y="13807"/>
+                  </a:lnTo>
+                  <a:lnTo>
+                    <a:pt x="9142" y="13995"/>
+                  </a:lnTo>
+                  <a:lnTo>
+                    <a:pt x="9432" y="14166"/>
+                  </a:lnTo>
+                  <a:lnTo>
+                    <a:pt x="9757" y="14268"/>
+                  </a:lnTo>
+                  <a:lnTo>
+                    <a:pt x="10082" y="14354"/>
+                  </a:lnTo>
+                  <a:lnTo>
+                    <a:pt x="10441" y="14388"/>
+                  </a:lnTo>
+                  <a:lnTo>
+                    <a:pt x="10817" y="14422"/>
+                  </a:lnTo>
+                  <a:close/>
+                </a:path>
+              </a:pathLst>
+            </a:custGeom>
+            <a:solidFill>
+              <a:srgbClr val="C0C0C0"/>
+            </a:solidFill>
+            <a:ln w="9525">
+              <a:miter lim="800000"/>
+              <a:headEnd/>
+              <a:tailEnd/>
+            </a:ln>
+            <a:effectLst/>
+            <a:scene3d>
+              <a:camera prst="legacyPerspectiveFront">
+                <a:rot lat="20099999" lon="1500000" rev="0"/>
+              </a:camera>
+              <a:lightRig rig="legacyFlat4" dir="b"/>
+            </a:scene3d>
+            <a:sp3d extrusionH="430200" prstMaterial="legacyMatte">
+              <a:bevelT w="13500" h="13500" prst="angle"/>
+              <a:bevelB w="13500" h="13500" prst="angle"/>
+              <a:extrusionClr>
+                <a:srgbClr val="C0C0C0"/>
+              </a:extrusionClr>
+            </a:sp3d>
+            <a:extLst>
+              <a:ext uri="{AF507438-7753-43E0-B8FC-AC1667EBCBE1}">
+                <a14:hiddenEffects xmlns:a14="http://schemas.microsoft.com/office/drawing/2010/main">
+                  <a:effectLst>
+                    <a:outerShdw dist="35921" dir="2700000" algn="ctr" rotWithShape="0">
+                      <a:srgbClr val="808080"/>
+                    </a:outerShdw>
+                  </a:effectLst>
+                </a14:hiddenEffects>
+              </a:ext>
+            </a:extLst>
+          </p:spPr>
+          <p:txBody>
+            <a:bodyPr vert="horz" wrap="square" lIns="91440" tIns="45720" rIns="91440" bIns="45720" numCol="1" anchor="t" anchorCtr="0" compatLnSpc="1">
+              <a:prstTxWarp prst="textNoShape">
+                <a:avLst/>
+              </a:prstTxWarp>
+              <a:flatTx/>
+            </a:bodyPr>
+            <a:lstStyle/>
+            <a:p>
+              <a:endParaRPr lang="en-US"/>
+            </a:p>
+          </p:txBody>
+        </p:sp>
+        <p:sp>
+          <p:nvSpPr>
+            <p:cNvPr id="11" name="AutoShape 5"/>
+            <p:cNvSpPr>
+              <a:spLocks noEditPoints="1" noChangeArrowheads="1"/>
+            </p:cNvSpPr>
+            <p:nvPr/>
+          </p:nvSpPr>
+          <p:spPr bwMode="auto">
+            <a:xfrm>
+              <a:off x="1632" y="1680"/>
+              <a:ext cx="1429" cy="1253"/>
+            </a:xfrm>
+            <a:custGeom>
+              <a:avLst/>
+              <a:gdLst>
+                <a:gd name="T0" fmla="*/ 10800 w 21600"/>
+                <a:gd name="T1" fmla="*/ 0 h 21600"/>
+                <a:gd name="T2" fmla="*/ 21600 w 21600"/>
+                <a:gd name="T3" fmla="*/ 10800 h 21600"/>
+                <a:gd name="T4" fmla="*/ 10800 w 21600"/>
+                <a:gd name="T5" fmla="*/ 21600 h 21600"/>
+                <a:gd name="T6" fmla="*/ 0 w 21600"/>
+                <a:gd name="T7" fmla="*/ 10800 h 21600"/>
+                <a:gd name="T8" fmla="*/ 4374 w 21600"/>
+                <a:gd name="T9" fmla="*/ 3964 h 21600"/>
+                <a:gd name="T10" fmla="*/ 17841 w 21600"/>
+                <a:gd name="T11" fmla="*/ 17635 h 21600"/>
+              </a:gdLst>
+              <a:ahLst/>
+              <a:cxnLst>
+                <a:cxn ang="0">
+                  <a:pos x="T0" y="T1"/>
+                </a:cxn>
+                <a:cxn ang="0">
+                  <a:pos x="T2" y="T3"/>
+                </a:cxn>
+                <a:cxn ang="0">
+                  <a:pos x="T4" y="T5"/>
+                </a:cxn>
+                <a:cxn ang="0">
+                  <a:pos x="T6" y="T7"/>
+                </a:cxn>
+              </a:cxnLst>
+              <a:rect l="T8" t="T9" r="T10" b="T11"/>
+              <a:pathLst>
+                <a:path w="21600" h="21600">
+                  <a:moveTo>
+                    <a:pt x="9689" y="1725"/>
+                  </a:moveTo>
+                  <a:lnTo>
+                    <a:pt x="10304" y="85"/>
+                  </a:lnTo>
+                  <a:lnTo>
+                    <a:pt x="11637" y="85"/>
+                  </a:lnTo>
+                  <a:lnTo>
+                    <a:pt x="12303" y="1777"/>
+                  </a:lnTo>
+                  <a:lnTo>
+                    <a:pt x="13072" y="1931"/>
+                  </a:lnTo>
+                  <a:lnTo>
+                    <a:pt x="14303" y="598"/>
+                  </a:lnTo>
+                  <a:lnTo>
+                    <a:pt x="15533" y="1110"/>
+                  </a:lnTo>
+                  <a:lnTo>
+                    <a:pt x="15584" y="2905"/>
+                  </a:lnTo>
+                  <a:lnTo>
+                    <a:pt x="16405" y="3520"/>
+                  </a:lnTo>
+                  <a:lnTo>
+                    <a:pt x="17891" y="2751"/>
+                  </a:lnTo>
+                  <a:lnTo>
+                    <a:pt x="18917" y="3674"/>
+                  </a:lnTo>
+                  <a:lnTo>
+                    <a:pt x="18199" y="5314"/>
+                  </a:lnTo>
+                  <a:lnTo>
+                    <a:pt x="18763" y="6083"/>
+                  </a:lnTo>
+                  <a:lnTo>
+                    <a:pt x="20403" y="6032"/>
+                  </a:lnTo>
+                  <a:lnTo>
+                    <a:pt x="20865" y="7211"/>
+                  </a:lnTo>
+                  <a:lnTo>
+                    <a:pt x="19737" y="8185"/>
+                  </a:lnTo>
+                  <a:lnTo>
+                    <a:pt x="20096" y="9723"/>
+                  </a:lnTo>
+                  <a:lnTo>
+                    <a:pt x="21634" y="10287"/>
+                  </a:lnTo>
+                  <a:lnTo>
+                    <a:pt x="21582" y="11620"/>
+                  </a:lnTo>
+                  <a:lnTo>
+                    <a:pt x="20147" y="12184"/>
+                  </a:lnTo>
+                  <a:lnTo>
+                    <a:pt x="19942" y="13158"/>
+                  </a:lnTo>
+                  <a:lnTo>
+                    <a:pt x="21070" y="14234"/>
+                  </a:lnTo>
+                  <a:lnTo>
+                    <a:pt x="20608" y="15362"/>
+                  </a:lnTo>
+                  <a:lnTo>
+                    <a:pt x="19019" y="15465"/>
+                  </a:lnTo>
+                  <a:lnTo>
+                    <a:pt x="18404" y="16439"/>
+                  </a:lnTo>
+                  <a:lnTo>
+                    <a:pt x="19122" y="17925"/>
+                  </a:lnTo>
+                  <a:lnTo>
+                    <a:pt x="18096" y="18797"/>
+                  </a:lnTo>
+                  <a:lnTo>
+                    <a:pt x="16763" y="18284"/>
+                  </a:lnTo>
+                  <a:lnTo>
+                    <a:pt x="15431" y="19002"/>
+                  </a:lnTo>
+                  <a:lnTo>
+                    <a:pt x="15277" y="20848"/>
+                  </a:lnTo>
+                  <a:lnTo>
+                    <a:pt x="14149" y="21155"/>
+                  </a:lnTo>
+                  <a:lnTo>
+                    <a:pt x="13021" y="19925"/>
+                  </a:lnTo>
+                  <a:lnTo>
+                    <a:pt x="12252" y="20181"/>
+                  </a:lnTo>
+                  <a:lnTo>
+                    <a:pt x="11739" y="21668"/>
+                  </a:lnTo>
+                  <a:lnTo>
+                    <a:pt x="10201" y="21668"/>
+                  </a:lnTo>
+                  <a:lnTo>
+                    <a:pt x="9740" y="20130"/>
+                  </a:lnTo>
+                  <a:lnTo>
+                    <a:pt x="8253" y="19771"/>
+                  </a:lnTo>
+                  <a:lnTo>
+                    <a:pt x="7125" y="21001"/>
+                  </a:lnTo>
+                  <a:lnTo>
+                    <a:pt x="5895" y="20489"/>
+                  </a:lnTo>
+                  <a:lnTo>
+                    <a:pt x="5946" y="18592"/>
+                  </a:lnTo>
+                  <a:lnTo>
+                    <a:pt x="5177" y="18131"/>
+                  </a:lnTo>
+                  <a:lnTo>
+                    <a:pt x="3383" y="18848"/>
+                  </a:lnTo>
+                  <a:lnTo>
+                    <a:pt x="2614" y="17874"/>
+                  </a:lnTo>
+                  <a:lnTo>
+                    <a:pt x="3383" y="16182"/>
+                  </a:lnTo>
+                  <a:lnTo>
+                    <a:pt x="2922" y="15465"/>
+                  </a:lnTo>
+                  <a:lnTo>
+                    <a:pt x="922" y="15516"/>
+                  </a:lnTo>
+                  <a:lnTo>
+                    <a:pt x="512" y="14234"/>
+                  </a:lnTo>
+                  <a:lnTo>
+                    <a:pt x="1948" y="12901"/>
+                  </a:lnTo>
+                  <a:lnTo>
+                    <a:pt x="1896" y="12184"/>
+                  </a:lnTo>
+                  <a:lnTo>
+                    <a:pt x="0" y="11415"/>
+                  </a:lnTo>
+                  <a:lnTo>
+                    <a:pt x="51" y="10031"/>
+                  </a:lnTo>
+                  <a:lnTo>
+                    <a:pt x="1948" y="9313"/>
+                  </a:lnTo>
+                  <a:lnTo>
+                    <a:pt x="2101" y="8595"/>
+                  </a:lnTo>
+                  <a:lnTo>
+                    <a:pt x="615" y="7160"/>
+                  </a:lnTo>
+                  <a:lnTo>
+                    <a:pt x="1127" y="5878"/>
+                  </a:lnTo>
+                  <a:lnTo>
+                    <a:pt x="3178" y="5981"/>
+                  </a:lnTo>
+                  <a:lnTo>
+                    <a:pt x="3588" y="5417"/>
+                  </a:lnTo>
+                  <a:lnTo>
+                    <a:pt x="2819" y="3520"/>
+                  </a:lnTo>
+                  <a:lnTo>
+                    <a:pt x="3742" y="2597"/>
+                  </a:lnTo>
+                  <a:lnTo>
+                    <a:pt x="5536" y="3417"/>
+                  </a:lnTo>
+                  <a:lnTo>
+                    <a:pt x="6049" y="3058"/>
+                  </a:lnTo>
+                  <a:lnTo>
+                    <a:pt x="6100" y="1264"/>
+                  </a:lnTo>
+                  <a:lnTo>
+                    <a:pt x="7228" y="700"/>
+                  </a:lnTo>
+                  <a:lnTo>
+                    <a:pt x="8510" y="2033"/>
+                  </a:lnTo>
+                  <a:lnTo>
+                    <a:pt x="9689" y="1725"/>
+                  </a:lnTo>
+                  <a:close/>
+                  <a:moveTo>
+                    <a:pt x="10817" y="14422"/>
+                  </a:moveTo>
+                  <a:lnTo>
+                    <a:pt x="11175" y="14388"/>
+                  </a:lnTo>
+                  <a:lnTo>
+                    <a:pt x="11534" y="14354"/>
+                  </a:lnTo>
+                  <a:lnTo>
+                    <a:pt x="11893" y="14268"/>
+                  </a:lnTo>
+                  <a:lnTo>
+                    <a:pt x="12218" y="14166"/>
+                  </a:lnTo>
+                  <a:lnTo>
+                    <a:pt x="12508" y="13995"/>
+                  </a:lnTo>
+                  <a:lnTo>
+                    <a:pt x="12816" y="13807"/>
+                  </a:lnTo>
+                  <a:lnTo>
+                    <a:pt x="13106" y="13602"/>
+                  </a:lnTo>
+                  <a:lnTo>
+                    <a:pt x="13329" y="13380"/>
+                  </a:lnTo>
+                  <a:lnTo>
+                    <a:pt x="13568" y="13106"/>
+                  </a:lnTo>
+                  <a:lnTo>
+                    <a:pt x="13790" y="12850"/>
+                  </a:lnTo>
+                  <a:lnTo>
+                    <a:pt x="13961" y="12560"/>
+                  </a:lnTo>
+                  <a:lnTo>
+                    <a:pt x="14115" y="12269"/>
+                  </a:lnTo>
+                  <a:lnTo>
+                    <a:pt x="14217" y="11927"/>
+                  </a:lnTo>
+                  <a:lnTo>
+                    <a:pt x="14320" y="11568"/>
+                  </a:lnTo>
+                  <a:lnTo>
+                    <a:pt x="14388" y="11210"/>
+                  </a:lnTo>
+                  <a:lnTo>
+                    <a:pt x="14388" y="10851"/>
+                  </a:lnTo>
+                  <a:lnTo>
+                    <a:pt x="14388" y="10492"/>
+                  </a:lnTo>
+                  <a:lnTo>
+                    <a:pt x="14320" y="10133"/>
+                  </a:lnTo>
+                  <a:lnTo>
+                    <a:pt x="14217" y="9808"/>
+                  </a:lnTo>
+                  <a:lnTo>
+                    <a:pt x="14115" y="9467"/>
+                  </a:lnTo>
+                  <a:lnTo>
+                    <a:pt x="13961" y="9142"/>
+                  </a:lnTo>
+                  <a:lnTo>
+                    <a:pt x="13790" y="8851"/>
+                  </a:lnTo>
+                  <a:lnTo>
+                    <a:pt x="13568" y="8595"/>
+                  </a:lnTo>
+                  <a:lnTo>
+                    <a:pt x="13329" y="8322"/>
+                  </a:lnTo>
+                  <a:lnTo>
+                    <a:pt x="13106" y="8100"/>
+                  </a:lnTo>
+                  <a:lnTo>
+                    <a:pt x="12816" y="7894"/>
+                  </a:lnTo>
+                  <a:lnTo>
+                    <a:pt x="12508" y="7741"/>
+                  </a:lnTo>
+                  <a:lnTo>
+                    <a:pt x="12218" y="7570"/>
+                  </a:lnTo>
+                  <a:lnTo>
+                    <a:pt x="11893" y="7433"/>
+                  </a:lnTo>
+                  <a:lnTo>
+                    <a:pt x="11534" y="7382"/>
+                  </a:lnTo>
+                  <a:lnTo>
+                    <a:pt x="11175" y="7313"/>
+                  </a:lnTo>
+                  <a:lnTo>
+                    <a:pt x="10817" y="7313"/>
+                  </a:lnTo>
+                  <a:lnTo>
+                    <a:pt x="10441" y="7313"/>
+                  </a:lnTo>
+                  <a:lnTo>
+                    <a:pt x="10082" y="7382"/>
+                  </a:lnTo>
+                  <a:lnTo>
+                    <a:pt x="9757" y="7433"/>
+                  </a:lnTo>
+                  <a:lnTo>
+                    <a:pt x="9432" y="7570"/>
+                  </a:lnTo>
+                  <a:lnTo>
+                    <a:pt x="9142" y="7741"/>
+                  </a:lnTo>
+                  <a:lnTo>
+                    <a:pt x="8834" y="7894"/>
+                  </a:lnTo>
+                  <a:lnTo>
+                    <a:pt x="8544" y="8100"/>
+                  </a:lnTo>
+                  <a:lnTo>
+                    <a:pt x="8287" y="8322"/>
+                  </a:lnTo>
+                  <a:lnTo>
+                    <a:pt x="8048" y="8595"/>
+                  </a:lnTo>
+                  <a:lnTo>
+                    <a:pt x="7860" y="8851"/>
+                  </a:lnTo>
+                  <a:lnTo>
+                    <a:pt x="7689" y="9142"/>
+                  </a:lnTo>
+                  <a:lnTo>
+                    <a:pt x="7536" y="9467"/>
+                  </a:lnTo>
+                  <a:lnTo>
+                    <a:pt x="7399" y="9808"/>
+                  </a:lnTo>
+                  <a:lnTo>
+                    <a:pt x="7331" y="10133"/>
+                  </a:lnTo>
+                  <a:lnTo>
+                    <a:pt x="7262" y="10492"/>
+                  </a:lnTo>
+                  <a:lnTo>
+                    <a:pt x="7262" y="10851"/>
+                  </a:lnTo>
+                  <a:lnTo>
+                    <a:pt x="7262" y="11210"/>
+                  </a:lnTo>
+                  <a:lnTo>
+                    <a:pt x="7331" y="11568"/>
+                  </a:lnTo>
+                  <a:lnTo>
+                    <a:pt x="7399" y="11927"/>
+                  </a:lnTo>
+                  <a:lnTo>
+                    <a:pt x="7536" y="12269"/>
+                  </a:lnTo>
+                  <a:lnTo>
+                    <a:pt x="7689" y="12560"/>
+                  </a:lnTo>
+                  <a:lnTo>
+                    <a:pt x="7860" y="12850"/>
+                  </a:lnTo>
+                  <a:lnTo>
+                    <a:pt x="8048" y="13106"/>
+                  </a:lnTo>
+                  <a:lnTo>
+                    <a:pt x="8287" y="13380"/>
+                  </a:lnTo>
+                  <a:lnTo>
+                    <a:pt x="8544" y="13602"/>
+                  </a:lnTo>
+                  <a:lnTo>
+                    <a:pt x="8834" y="13807"/>
+                  </a:lnTo>
+                  <a:lnTo>
+                    <a:pt x="9142" y="13995"/>
+                  </a:lnTo>
+                  <a:lnTo>
+                    <a:pt x="9432" y="14166"/>
+                  </a:lnTo>
+                  <a:lnTo>
+                    <a:pt x="9757" y="14268"/>
+                  </a:lnTo>
+                  <a:lnTo>
+                    <a:pt x="10082" y="14354"/>
+                  </a:lnTo>
+                  <a:lnTo>
+                    <a:pt x="10441" y="14388"/>
+                  </a:lnTo>
+                  <a:lnTo>
+                    <a:pt x="10817" y="14422"/>
+                  </a:lnTo>
+                  <a:close/>
+                </a:path>
+              </a:pathLst>
+            </a:custGeom>
+            <a:solidFill>
+              <a:srgbClr val="C0C0C0"/>
+            </a:solidFill>
+            <a:ln w="9525">
+              <a:miter lim="800000"/>
+              <a:headEnd/>
+              <a:tailEnd/>
+            </a:ln>
+            <a:effectLst/>
+            <a:scene3d>
+              <a:camera prst="legacyPerspectiveFront">
+                <a:rot lat="20099999" lon="1500000" rev="0"/>
+              </a:camera>
+              <a:lightRig rig="legacyFlat4" dir="b"/>
+            </a:scene3d>
+            <a:sp3d extrusionH="430200" prstMaterial="legacyMatte">
+              <a:bevelT w="13500" h="13500" prst="angle"/>
+              <a:bevelB w="13500" h="13500" prst="angle"/>
+              <a:extrusionClr>
+                <a:srgbClr val="C0C0C0"/>
+              </a:extrusionClr>
+            </a:sp3d>
+            <a:extLst>
+              <a:ext uri="{AF507438-7753-43E0-B8FC-AC1667EBCBE1}">
+                <a14:hiddenEffects xmlns:a14="http://schemas.microsoft.com/office/drawing/2010/main">
+                  <a:effectLst>
+                    <a:outerShdw dist="35921" dir="2700000" algn="ctr" rotWithShape="0">
+                      <a:srgbClr val="808080"/>
+                    </a:outerShdw>
+                  </a:effectLst>
+                </a14:hiddenEffects>
+              </a:ext>
+            </a:extLst>
+          </p:spPr>
+          <p:txBody>
+            <a:bodyPr vert="horz" wrap="square" lIns="91440" tIns="45720" rIns="91440" bIns="45720" numCol="1" anchor="t" anchorCtr="0" compatLnSpc="1">
+              <a:prstTxWarp prst="textNoShape">
+                <a:avLst/>
+              </a:prstTxWarp>
+              <a:flatTx/>
+            </a:bodyPr>
+            <a:lstStyle/>
+            <a:p>
+              <a:endParaRPr lang="en-US"/>
+            </a:p>
+          </p:txBody>
+        </p:sp>
+        <p:sp>
+          <p:nvSpPr>
+            <p:cNvPr id="12" name="AutoShape 6"/>
+            <p:cNvSpPr>
+              <a:spLocks noEditPoints="1" noChangeArrowheads="1"/>
+            </p:cNvSpPr>
+            <p:nvPr/>
+          </p:nvSpPr>
+          <p:spPr bwMode="auto">
+            <a:xfrm>
+              <a:off x="2559" y="2142"/>
+              <a:ext cx="1588" cy="1392"/>
+            </a:xfrm>
+            <a:custGeom>
+              <a:avLst/>
+              <a:gdLst>
+                <a:gd name="T0" fmla="*/ 10800 w 21600"/>
+                <a:gd name="T1" fmla="*/ 0 h 21600"/>
+                <a:gd name="T2" fmla="*/ 21600 w 21600"/>
+                <a:gd name="T3" fmla="*/ 10800 h 21600"/>
+                <a:gd name="T4" fmla="*/ 10800 w 21600"/>
+                <a:gd name="T5" fmla="*/ 21600 h 21600"/>
+                <a:gd name="T6" fmla="*/ 0 w 21600"/>
+                <a:gd name="T7" fmla="*/ 10800 h 21600"/>
+                <a:gd name="T8" fmla="*/ 4374 w 21600"/>
+                <a:gd name="T9" fmla="*/ 3964 h 21600"/>
+                <a:gd name="T10" fmla="*/ 17841 w 21600"/>
+                <a:gd name="T11" fmla="*/ 17635 h 21600"/>
+              </a:gdLst>
+              <a:ahLst/>
+              <a:cxnLst>
+                <a:cxn ang="0">
+                  <a:pos x="T0" y="T1"/>
+                </a:cxn>
+                <a:cxn ang="0">
+                  <a:pos x="T2" y="T3"/>
+                </a:cxn>
+                <a:cxn ang="0">
+                  <a:pos x="T4" y="T5"/>
+                </a:cxn>
+                <a:cxn ang="0">
+                  <a:pos x="T6" y="T7"/>
+                </a:cxn>
+              </a:cxnLst>
+              <a:rect l="T8" t="T9" r="T10" b="T11"/>
+              <a:pathLst>
+                <a:path w="21600" h="21600">
+                  <a:moveTo>
+                    <a:pt x="9689" y="1725"/>
+                  </a:moveTo>
+                  <a:lnTo>
+                    <a:pt x="10304" y="85"/>
+                  </a:lnTo>
+                  <a:lnTo>
+                    <a:pt x="11637" y="85"/>
+                  </a:lnTo>
+                  <a:lnTo>
+                    <a:pt x="12303" y="1777"/>
+                  </a:lnTo>
+                  <a:lnTo>
+                    <a:pt x="13072" y="1931"/>
+                  </a:lnTo>
+                  <a:lnTo>
+                    <a:pt x="14303" y="598"/>
+                  </a:lnTo>
+                  <a:lnTo>
+                    <a:pt x="15533" y="1110"/>
+                  </a:lnTo>
+                  <a:lnTo>
+                    <a:pt x="15584" y="2905"/>
+                  </a:lnTo>
+                  <a:lnTo>
+                    <a:pt x="16405" y="3520"/>
+                  </a:lnTo>
+                  <a:lnTo>
+                    <a:pt x="17891" y="2751"/>
+                  </a:lnTo>
+                  <a:lnTo>
+                    <a:pt x="18917" y="3674"/>
+                  </a:lnTo>
+                  <a:lnTo>
+                    <a:pt x="18199" y="5314"/>
+                  </a:lnTo>
+                  <a:lnTo>
+                    <a:pt x="18763" y="6083"/>
+                  </a:lnTo>
+                  <a:lnTo>
+                    <a:pt x="20403" y="6032"/>
+                  </a:lnTo>
+                  <a:lnTo>
+                    <a:pt x="20865" y="7211"/>
+                  </a:lnTo>
+                  <a:lnTo>
+                    <a:pt x="19737" y="8185"/>
+                  </a:lnTo>
+                  <a:lnTo>
+                    <a:pt x="20096" y="9723"/>
+                  </a:lnTo>
+                  <a:lnTo>
+                    <a:pt x="21634" y="10287"/>
+                  </a:lnTo>
+                  <a:lnTo>
+                    <a:pt x="21582" y="11620"/>
+                  </a:lnTo>
+                  <a:lnTo>
+                    <a:pt x="20147" y="12184"/>
+                  </a:lnTo>
+                  <a:lnTo>
+                    <a:pt x="19942" y="13158"/>
+                  </a:lnTo>
+                  <a:lnTo>
+                    <a:pt x="21070" y="14234"/>
+                  </a:lnTo>
+                  <a:lnTo>
+                    <a:pt x="20608" y="15362"/>
+                  </a:lnTo>
+                  <a:lnTo>
+                    <a:pt x="19019" y="15465"/>
+                  </a:lnTo>
+                  <a:lnTo>
+                    <a:pt x="18404" y="16439"/>
+                  </a:lnTo>
+                  <a:lnTo>
+                    <a:pt x="19122" y="17925"/>
+                  </a:lnTo>
+                  <a:lnTo>
+                    <a:pt x="18096" y="18797"/>
+                  </a:lnTo>
+                  <a:lnTo>
+                    <a:pt x="16763" y="18284"/>
+                  </a:lnTo>
+                  <a:lnTo>
+                    <a:pt x="15431" y="19002"/>
+                  </a:lnTo>
+                  <a:lnTo>
+                    <a:pt x="15277" y="20848"/>
+                  </a:lnTo>
+                  <a:lnTo>
+                    <a:pt x="14149" y="21155"/>
+                  </a:lnTo>
+                  <a:lnTo>
+                    <a:pt x="13021" y="19925"/>
+                  </a:lnTo>
+                  <a:lnTo>
+                    <a:pt x="12252" y="20181"/>
+                  </a:lnTo>
+                  <a:lnTo>
+                    <a:pt x="11739" y="21668"/>
+                  </a:lnTo>
+                  <a:lnTo>
+                    <a:pt x="10201" y="21668"/>
+                  </a:lnTo>
+                  <a:lnTo>
+                    <a:pt x="9740" y="20130"/>
+                  </a:lnTo>
+                  <a:lnTo>
+                    <a:pt x="8253" y="19771"/>
+                  </a:lnTo>
+                  <a:lnTo>
+                    <a:pt x="7125" y="21001"/>
+                  </a:lnTo>
+                  <a:lnTo>
+                    <a:pt x="5895" y="20489"/>
+                  </a:lnTo>
+                  <a:lnTo>
+                    <a:pt x="5946" y="18592"/>
+                  </a:lnTo>
+                  <a:lnTo>
+                    <a:pt x="5177" y="18131"/>
+                  </a:lnTo>
+                  <a:lnTo>
+                    <a:pt x="3383" y="18848"/>
+                  </a:lnTo>
+                  <a:lnTo>
+                    <a:pt x="2614" y="17874"/>
+                  </a:lnTo>
+                  <a:lnTo>
+                    <a:pt x="3383" y="16182"/>
+                  </a:lnTo>
+                  <a:lnTo>
+                    <a:pt x="2922" y="15465"/>
+                  </a:lnTo>
+                  <a:lnTo>
+                    <a:pt x="922" y="15516"/>
+                  </a:lnTo>
+                  <a:lnTo>
+                    <a:pt x="512" y="14234"/>
+                  </a:lnTo>
+                  <a:lnTo>
+                    <a:pt x="1948" y="12901"/>
+                  </a:lnTo>
+                  <a:lnTo>
+                    <a:pt x="1896" y="12184"/>
+                  </a:lnTo>
+                  <a:lnTo>
+                    <a:pt x="0" y="11415"/>
+                  </a:lnTo>
+                  <a:lnTo>
+                    <a:pt x="51" y="10031"/>
+                  </a:lnTo>
+                  <a:lnTo>
+                    <a:pt x="1948" y="9313"/>
+                  </a:lnTo>
+                  <a:lnTo>
+                    <a:pt x="2101" y="8595"/>
+                  </a:lnTo>
+                  <a:lnTo>
+                    <a:pt x="615" y="7160"/>
+                  </a:lnTo>
+                  <a:lnTo>
+                    <a:pt x="1127" y="5878"/>
+                  </a:lnTo>
+                  <a:lnTo>
+                    <a:pt x="3178" y="5981"/>
+                  </a:lnTo>
+                  <a:lnTo>
+                    <a:pt x="3588" y="5417"/>
+                  </a:lnTo>
+                  <a:lnTo>
+                    <a:pt x="2819" y="3520"/>
+                  </a:lnTo>
+                  <a:lnTo>
+                    <a:pt x="3742" y="2597"/>
+                  </a:lnTo>
+                  <a:lnTo>
+                    <a:pt x="5536" y="3417"/>
+                  </a:lnTo>
+                  <a:lnTo>
+                    <a:pt x="6049" y="3058"/>
+                  </a:lnTo>
+                  <a:lnTo>
+                    <a:pt x="6100" y="1264"/>
+                  </a:lnTo>
+                  <a:lnTo>
+                    <a:pt x="7228" y="700"/>
+                  </a:lnTo>
+                  <a:lnTo>
+                    <a:pt x="8510" y="2033"/>
+                  </a:lnTo>
+                  <a:lnTo>
+                    <a:pt x="9689" y="1725"/>
+                  </a:lnTo>
+                  <a:close/>
+                  <a:moveTo>
+                    <a:pt x="10817" y="14422"/>
+                  </a:moveTo>
+                  <a:lnTo>
+                    <a:pt x="11175" y="14388"/>
+                  </a:lnTo>
+                  <a:lnTo>
+                    <a:pt x="11534" y="14354"/>
+                  </a:lnTo>
+                  <a:lnTo>
+                    <a:pt x="11893" y="14268"/>
+                  </a:lnTo>
+                  <a:lnTo>
+                    <a:pt x="12218" y="14166"/>
+                  </a:lnTo>
+                  <a:lnTo>
+                    <a:pt x="12508" y="13995"/>
+                  </a:lnTo>
+                  <a:lnTo>
+                    <a:pt x="12816" y="13807"/>
+                  </a:lnTo>
+                  <a:lnTo>
+                    <a:pt x="13106" y="13602"/>
+                  </a:lnTo>
+                  <a:lnTo>
+                    <a:pt x="13329" y="13380"/>
+                  </a:lnTo>
+                  <a:lnTo>
+                    <a:pt x="13568" y="13106"/>
+                  </a:lnTo>
+                  <a:lnTo>
+                    <a:pt x="13790" y="12850"/>
+                  </a:lnTo>
+                  <a:lnTo>
+                    <a:pt x="13961" y="12560"/>
+                  </a:lnTo>
+                  <a:lnTo>
+                    <a:pt x="14115" y="12269"/>
+                  </a:lnTo>
+                  <a:lnTo>
+                    <a:pt x="14217" y="11927"/>
+                  </a:lnTo>
+                  <a:lnTo>
+                    <a:pt x="14320" y="11568"/>
+                  </a:lnTo>
+                  <a:lnTo>
+                    <a:pt x="14388" y="11210"/>
+                  </a:lnTo>
+                  <a:lnTo>
+                    <a:pt x="14388" y="10851"/>
+                  </a:lnTo>
+                  <a:lnTo>
+                    <a:pt x="14388" y="10492"/>
+                  </a:lnTo>
+                  <a:lnTo>
+                    <a:pt x="14320" y="10133"/>
+                  </a:lnTo>
+                  <a:lnTo>
+                    <a:pt x="14217" y="9808"/>
+                  </a:lnTo>
+                  <a:lnTo>
+                    <a:pt x="14115" y="9467"/>
+                  </a:lnTo>
+                  <a:lnTo>
+                    <a:pt x="13961" y="9142"/>
+                  </a:lnTo>
+                  <a:lnTo>
+                    <a:pt x="13790" y="8851"/>
+                  </a:lnTo>
+                  <a:lnTo>
+                    <a:pt x="13568" y="8595"/>
+                  </a:lnTo>
+                  <a:lnTo>
+                    <a:pt x="13329" y="8322"/>
+                  </a:lnTo>
+                  <a:lnTo>
+                    <a:pt x="13106" y="8100"/>
+                  </a:lnTo>
+                  <a:lnTo>
+                    <a:pt x="12816" y="7894"/>
+                  </a:lnTo>
+                  <a:lnTo>
+                    <a:pt x="12508" y="7741"/>
+                  </a:lnTo>
+                  <a:lnTo>
+                    <a:pt x="12218" y="7570"/>
+                  </a:lnTo>
+                  <a:lnTo>
+                    <a:pt x="11893" y="7433"/>
+                  </a:lnTo>
+                  <a:lnTo>
+                    <a:pt x="11534" y="7382"/>
+                  </a:lnTo>
+                  <a:lnTo>
+                    <a:pt x="11175" y="7313"/>
+                  </a:lnTo>
+                  <a:lnTo>
+                    <a:pt x="10817" y="7313"/>
+                  </a:lnTo>
+                  <a:lnTo>
+                    <a:pt x="10441" y="7313"/>
+                  </a:lnTo>
+                  <a:lnTo>
+                    <a:pt x="10082" y="7382"/>
+                  </a:lnTo>
+                  <a:lnTo>
+                    <a:pt x="9757" y="7433"/>
+                  </a:lnTo>
+                  <a:lnTo>
+                    <a:pt x="9432" y="7570"/>
+                  </a:lnTo>
+                  <a:lnTo>
+                    <a:pt x="9142" y="7741"/>
+                  </a:lnTo>
+                  <a:lnTo>
+                    <a:pt x="8834" y="7894"/>
+                  </a:lnTo>
+                  <a:lnTo>
+                    <a:pt x="8544" y="8100"/>
+                  </a:lnTo>
+                  <a:lnTo>
+                    <a:pt x="8287" y="8322"/>
+                  </a:lnTo>
+                  <a:lnTo>
+                    <a:pt x="8048" y="8595"/>
+                  </a:lnTo>
+                  <a:lnTo>
+                    <a:pt x="7860" y="8851"/>
+                  </a:lnTo>
+                  <a:lnTo>
+                    <a:pt x="7689" y="9142"/>
+                  </a:lnTo>
+                  <a:lnTo>
+                    <a:pt x="7536" y="9467"/>
+                  </a:lnTo>
+                  <a:lnTo>
+                    <a:pt x="7399" y="9808"/>
+                  </a:lnTo>
+                  <a:lnTo>
+                    <a:pt x="7331" y="10133"/>
+                  </a:lnTo>
+                  <a:lnTo>
+                    <a:pt x="7262" y="10492"/>
+                  </a:lnTo>
+                  <a:lnTo>
+                    <a:pt x="7262" y="10851"/>
+                  </a:lnTo>
+                  <a:lnTo>
+                    <a:pt x="7262" y="11210"/>
+                  </a:lnTo>
+                  <a:lnTo>
+                    <a:pt x="7331" y="11568"/>
+                  </a:lnTo>
+                  <a:lnTo>
+                    <a:pt x="7399" y="11927"/>
+                  </a:lnTo>
+                  <a:lnTo>
+                    <a:pt x="7536" y="12269"/>
+                  </a:lnTo>
+                  <a:lnTo>
+                    <a:pt x="7689" y="12560"/>
+                  </a:lnTo>
+                  <a:lnTo>
+                    <a:pt x="7860" y="12850"/>
+                  </a:lnTo>
+                  <a:lnTo>
+                    <a:pt x="8048" y="13106"/>
+                  </a:lnTo>
+                  <a:lnTo>
+                    <a:pt x="8287" y="13380"/>
+                  </a:lnTo>
+                  <a:lnTo>
+                    <a:pt x="8544" y="13602"/>
+                  </a:lnTo>
+                  <a:lnTo>
+                    <a:pt x="8834" y="13807"/>
+                  </a:lnTo>
+                  <a:lnTo>
+                    <a:pt x="9142" y="13995"/>
+                  </a:lnTo>
+                  <a:lnTo>
+                    <a:pt x="9432" y="14166"/>
+                  </a:lnTo>
+                  <a:lnTo>
+                    <a:pt x="9757" y="14268"/>
+                  </a:lnTo>
+                  <a:lnTo>
+                    <a:pt x="10082" y="14354"/>
+                  </a:lnTo>
+                  <a:lnTo>
+                    <a:pt x="10441" y="14388"/>
+                  </a:lnTo>
+                  <a:lnTo>
+                    <a:pt x="10817" y="14422"/>
+                  </a:lnTo>
+                  <a:close/>
+                </a:path>
+              </a:pathLst>
+            </a:custGeom>
+            <a:solidFill>
+              <a:srgbClr val="C0C0C0"/>
+            </a:solidFill>
+            <a:ln w="9525">
+              <a:miter lim="800000"/>
+              <a:headEnd/>
+              <a:tailEnd/>
+            </a:ln>
+            <a:effectLst/>
+            <a:scene3d>
+              <a:camera prst="legacyPerspectiveFront">
+                <a:rot lat="20099999" lon="1500000" rev="0"/>
+              </a:camera>
+              <a:lightRig rig="legacyFlat4" dir="b"/>
+            </a:scene3d>
+            <a:sp3d extrusionH="430200" prstMaterial="legacyMatte">
+              <a:bevelT w="13500" h="13500" prst="angle"/>
+              <a:bevelB w="13500" h="13500" prst="angle"/>
+              <a:extrusionClr>
+                <a:srgbClr val="C0C0C0"/>
+              </a:extrusionClr>
+            </a:sp3d>
+            <a:extLst>
+              <a:ext uri="{AF507438-7753-43E0-B8FC-AC1667EBCBE1}">
+                <a14:hiddenEffects xmlns:a14="http://schemas.microsoft.com/office/drawing/2010/main">
+                  <a:effectLst>
+                    <a:outerShdw dist="35921" dir="2700000" algn="ctr" rotWithShape="0">
+                      <a:srgbClr val="808080"/>
+                    </a:outerShdw>
+                  </a:effectLst>
+                </a14:hiddenEffects>
+              </a:ext>
+            </a:extLst>
+          </p:spPr>
+          <p:txBody>
+            <a:bodyPr vert="horz" wrap="square" lIns="91440" tIns="45720" rIns="91440" bIns="45720" numCol="1" anchor="t" anchorCtr="0" compatLnSpc="1">
+              <a:prstTxWarp prst="textNoShape">
+                <a:avLst/>
+              </a:prstTxWarp>
+              <a:flatTx/>
+            </a:bodyPr>
+            <a:lstStyle/>
+            <a:p>
+              <a:endParaRPr lang="en-US"/>
+            </a:p>
+          </p:txBody>
+        </p:sp>
+      </p:grpSp>
+      <p:sp>
+        <p:nvSpPr>
+          <p:cNvPr id="13" name="TextBox 12"/>
+          <p:cNvSpPr txBox="1"/>
+          <p:nvPr/>
+        </p:nvSpPr>
+        <p:spPr>
+          <a:xfrm>
+            <a:off x="4180309" y="3974068"/>
+            <a:ext cx="1905000" cy="369332"/>
+          </a:xfrm>
+          <a:prstGeom prst="rect">
+            <a:avLst/>
+          </a:prstGeom>
+          <a:noFill/>
+        </p:spPr>
+        <p:txBody>
+          <a:bodyPr wrap="square" rtlCol="0">
+            <a:spAutoFit/>
+          </a:bodyPr>
+          <a:lstStyle/>
+          <a:p>
+            <a:r>
+              <a:rPr lang="en-US" dirty="0" smtClean="0"/>
+              <a:t>LESS  Compiler</a:t>
+            </a:r>
+            <a:endParaRPr lang="en-US" dirty="0"/>
+          </a:p>
+        </p:txBody>
+      </p:sp>
+      <p:cxnSp>
+        <p:nvCxnSpPr>
+          <p:cNvPr id="15" name="Straight Arrow Connector 14"/>
+          <p:cNvCxnSpPr/>
+          <p:nvPr/>
+        </p:nvCxnSpPr>
+        <p:spPr>
+          <a:xfrm>
+            <a:off x="3372516" y="3055528"/>
+            <a:ext cx="457200" cy="0"/>
+          </a:xfrm>
+          <a:prstGeom prst="straightConnector1">
+            <a:avLst/>
+          </a:prstGeom>
+          <a:ln>
+            <a:tailEnd type="arrow"/>
+          </a:ln>
+        </p:spPr>
+        <p:style>
+          <a:lnRef idx="3">
+            <a:schemeClr val="accent1"/>
+          </a:lnRef>
+          <a:fillRef idx="0">
+            <a:schemeClr val="accent1"/>
+          </a:fillRef>
+          <a:effectRef idx="2">
+            <a:schemeClr val="accent1"/>
+          </a:effectRef>
+          <a:fontRef idx="minor">
+            <a:schemeClr val="tx1"/>
+          </a:fontRef>
+        </p:style>
+      </p:cxnSp>
+      <p:sp>
+        <p:nvSpPr>
+          <p:cNvPr id="16" name="Document"/>
+          <p:cNvSpPr>
+            <a:spLocks noEditPoints="1" noChangeArrowheads="1"/>
+          </p:cNvSpPr>
+          <p:nvPr/>
+        </p:nvSpPr>
+        <p:spPr bwMode="auto">
+          <a:xfrm>
+            <a:off x="6105525" y="2841957"/>
+            <a:ext cx="676275" cy="452437"/>
+          </a:xfrm>
+          <a:custGeom>
+            <a:avLst/>
+            <a:gdLst>
+              <a:gd name="T0" fmla="*/ 10757 w 21600"/>
+              <a:gd name="T1" fmla="*/ 21632 h 21600"/>
+              <a:gd name="T2" fmla="*/ 85 w 21600"/>
+              <a:gd name="T3" fmla="*/ 10849 h 21600"/>
+              <a:gd name="T4" fmla="*/ 10757 w 21600"/>
+              <a:gd name="T5" fmla="*/ 81 h 21600"/>
+              <a:gd name="T6" fmla="*/ 21706 w 21600"/>
+              <a:gd name="T7" fmla="*/ 10652 h 21600"/>
+              <a:gd name="T8" fmla="*/ 10757 w 21600"/>
+              <a:gd name="T9" fmla="*/ 21632 h 21600"/>
+              <a:gd name="T10" fmla="*/ 0 w 21600"/>
+              <a:gd name="T11" fmla="*/ 0 h 21600"/>
+              <a:gd name="T12" fmla="*/ 21600 w 21600"/>
+              <a:gd name="T13" fmla="*/ 0 h 21600"/>
+              <a:gd name="T14" fmla="*/ 21600 w 21600"/>
+              <a:gd name="T15" fmla="*/ 21600 h 21600"/>
+              <a:gd name="T16" fmla="*/ 977 w 21600"/>
+              <a:gd name="T17" fmla="*/ 818 h 21600"/>
+              <a:gd name="T18" fmla="*/ 20622 w 21600"/>
+              <a:gd name="T19" fmla="*/ 16429 h 21600"/>
+            </a:gdLst>
+            <a:ahLst/>
+            <a:cxnLst>
+              <a:cxn ang="0">
+                <a:pos x="T0" y="T1"/>
+              </a:cxn>
+              <a:cxn ang="0">
+                <a:pos x="T2" y="T3"/>
+              </a:cxn>
+              <a:cxn ang="0">
+                <a:pos x="T4" y="T5"/>
+              </a:cxn>
+              <a:cxn ang="0">
+                <a:pos x="T6" y="T7"/>
+              </a:cxn>
+              <a:cxn ang="0">
+                <a:pos x="T8" y="T9"/>
+              </a:cxn>
+              <a:cxn ang="0">
+                <a:pos x="T10" y="T11"/>
+              </a:cxn>
+              <a:cxn ang="0">
+                <a:pos x="T12" y="T13"/>
+              </a:cxn>
+              <a:cxn ang="0">
+                <a:pos x="T14" y="T15"/>
+              </a:cxn>
+            </a:cxnLst>
+            <a:rect l="T16" t="T17" r="T18" b="T19"/>
+            <a:pathLst>
+              <a:path w="21600" h="21600">
+                <a:moveTo>
+                  <a:pt x="10757" y="21632"/>
+                </a:moveTo>
+                <a:lnTo>
+                  <a:pt x="5187" y="21632"/>
+                </a:lnTo>
+                <a:lnTo>
+                  <a:pt x="85" y="17509"/>
+                </a:lnTo>
+                <a:lnTo>
+                  <a:pt x="85" y="10849"/>
+                </a:lnTo>
+                <a:lnTo>
+                  <a:pt x="85" y="81"/>
+                </a:lnTo>
+                <a:lnTo>
+                  <a:pt x="10757" y="81"/>
+                </a:lnTo>
+                <a:lnTo>
+                  <a:pt x="21706" y="81"/>
+                </a:lnTo>
+                <a:lnTo>
+                  <a:pt x="21706" y="10652"/>
+                </a:lnTo>
+                <a:lnTo>
+                  <a:pt x="21706" y="21632"/>
+                </a:lnTo>
+                <a:lnTo>
+                  <a:pt x="10757" y="21632"/>
+                </a:lnTo>
+                <a:close/>
+              </a:path>
+              <a:path w="21600" h="21600">
+                <a:moveTo>
+                  <a:pt x="85" y="17509"/>
+                </a:moveTo>
+                <a:lnTo>
+                  <a:pt x="5187" y="17509"/>
+                </a:lnTo>
+                <a:lnTo>
+                  <a:pt x="5187" y="21632"/>
+                </a:lnTo>
+                <a:lnTo>
+                  <a:pt x="85" y="17509"/>
+                </a:lnTo>
+                <a:close/>
+              </a:path>
+            </a:pathLst>
+          </a:custGeom>
+          <a:solidFill>
+            <a:srgbClr val="D8EBB3"/>
+          </a:solidFill>
+          <a:ln w="9525">
+            <a:solidFill>
+              <a:srgbClr val="000000"/>
+            </a:solidFill>
+            <a:miter lim="800000"/>
+            <a:headEnd/>
+            <a:tailEnd/>
+          </a:ln>
+          <a:effectLst>
+            <a:outerShdw dist="107763" dir="2700000" algn="ctr" rotWithShape="0">
+              <a:srgbClr val="808080"/>
+            </a:outerShdw>
+          </a:effectLst>
+        </p:spPr>
+        <p:txBody>
+          <a:bodyPr vert="horz" wrap="square" lIns="91440" tIns="45720" rIns="91440" bIns="45720" numCol="1" anchor="t" anchorCtr="0" compatLnSpc="1">
+            <a:prstTxWarp prst="textNoShape">
+              <a:avLst/>
+            </a:prstTxWarp>
+          </a:bodyPr>
+          <a:lstStyle/>
+          <a:p>
+            <a:r>
+              <a:rPr lang="en-US" dirty="0" smtClean="0"/>
+              <a:t>.</a:t>
+            </a:r>
+            <a:r>
+              <a:rPr lang="en-US" dirty="0" err="1" smtClean="0"/>
+              <a:t>css</a:t>
+            </a:r>
+            <a:endParaRPr lang="en-US" dirty="0"/>
+          </a:p>
+        </p:txBody>
+      </p:sp>
+      <p:sp>
+        <p:nvSpPr>
+          <p:cNvPr id="17" name="Document"/>
+          <p:cNvSpPr>
+            <a:spLocks noEditPoints="1" noChangeArrowheads="1"/>
+          </p:cNvSpPr>
+          <p:nvPr/>
+        </p:nvSpPr>
+        <p:spPr bwMode="auto">
+          <a:xfrm>
+            <a:off x="2458116" y="2798668"/>
+            <a:ext cx="676275" cy="452437"/>
+          </a:xfrm>
+          <a:custGeom>
+            <a:avLst/>
+            <a:gdLst>
+              <a:gd name="T0" fmla="*/ 10757 w 21600"/>
+              <a:gd name="T1" fmla="*/ 21632 h 21600"/>
+              <a:gd name="T2" fmla="*/ 85 w 21600"/>
+              <a:gd name="T3" fmla="*/ 10849 h 21600"/>
+              <a:gd name="T4" fmla="*/ 10757 w 21600"/>
+              <a:gd name="T5" fmla="*/ 81 h 21600"/>
+              <a:gd name="T6" fmla="*/ 21706 w 21600"/>
+              <a:gd name="T7" fmla="*/ 10652 h 21600"/>
+              <a:gd name="T8" fmla="*/ 10757 w 21600"/>
+              <a:gd name="T9" fmla="*/ 21632 h 21600"/>
+              <a:gd name="T10" fmla="*/ 0 w 21600"/>
+              <a:gd name="T11" fmla="*/ 0 h 21600"/>
+              <a:gd name="T12" fmla="*/ 21600 w 21600"/>
+              <a:gd name="T13" fmla="*/ 0 h 21600"/>
+              <a:gd name="T14" fmla="*/ 21600 w 21600"/>
+              <a:gd name="T15" fmla="*/ 21600 h 21600"/>
+              <a:gd name="T16" fmla="*/ 977 w 21600"/>
+              <a:gd name="T17" fmla="*/ 818 h 21600"/>
+              <a:gd name="T18" fmla="*/ 20622 w 21600"/>
+              <a:gd name="T19" fmla="*/ 16429 h 21600"/>
+            </a:gdLst>
+            <a:ahLst/>
+            <a:cxnLst>
+              <a:cxn ang="0">
+                <a:pos x="T0" y="T1"/>
+              </a:cxn>
+              <a:cxn ang="0">
+                <a:pos x="T2" y="T3"/>
+              </a:cxn>
+              <a:cxn ang="0">
+                <a:pos x="T4" y="T5"/>
+              </a:cxn>
+              <a:cxn ang="0">
+                <a:pos x="T6" y="T7"/>
+              </a:cxn>
+              <a:cxn ang="0">
+                <a:pos x="T8" y="T9"/>
+              </a:cxn>
+              <a:cxn ang="0">
+                <a:pos x="T10" y="T11"/>
+              </a:cxn>
+              <a:cxn ang="0">
+                <a:pos x="T12" y="T13"/>
+              </a:cxn>
+              <a:cxn ang="0">
+                <a:pos x="T14" y="T15"/>
+              </a:cxn>
+            </a:cxnLst>
+            <a:rect l="T16" t="T17" r="T18" b="T19"/>
+            <a:pathLst>
+              <a:path w="21600" h="21600">
+                <a:moveTo>
+                  <a:pt x="10757" y="21632"/>
+                </a:moveTo>
+                <a:lnTo>
+                  <a:pt x="5187" y="21632"/>
+                </a:lnTo>
+                <a:lnTo>
+                  <a:pt x="85" y="17509"/>
+                </a:lnTo>
+                <a:lnTo>
+                  <a:pt x="85" y="10849"/>
+                </a:lnTo>
+                <a:lnTo>
+                  <a:pt x="85" y="81"/>
+                </a:lnTo>
+                <a:lnTo>
+                  <a:pt x="10757" y="81"/>
+                </a:lnTo>
+                <a:lnTo>
+                  <a:pt x="21706" y="81"/>
+                </a:lnTo>
+                <a:lnTo>
+                  <a:pt x="21706" y="10652"/>
+                </a:lnTo>
+                <a:lnTo>
+                  <a:pt x="21706" y="21632"/>
+                </a:lnTo>
+                <a:lnTo>
+                  <a:pt x="10757" y="21632"/>
+                </a:lnTo>
+                <a:close/>
+              </a:path>
+              <a:path w="21600" h="21600">
+                <a:moveTo>
+                  <a:pt x="85" y="17509"/>
+                </a:moveTo>
+                <a:lnTo>
+                  <a:pt x="5187" y="17509"/>
+                </a:lnTo>
+                <a:lnTo>
+                  <a:pt x="5187" y="21632"/>
+                </a:lnTo>
+                <a:lnTo>
+                  <a:pt x="85" y="17509"/>
+                </a:lnTo>
+                <a:close/>
+              </a:path>
+            </a:pathLst>
+          </a:custGeom>
+          <a:solidFill>
+            <a:srgbClr val="D8EBB3"/>
+          </a:solidFill>
+          <a:ln w="9525">
+            <a:solidFill>
+              <a:srgbClr val="000000"/>
+            </a:solidFill>
+            <a:miter lim="800000"/>
+            <a:headEnd/>
+            <a:tailEnd/>
+          </a:ln>
+          <a:effectLst>
+            <a:outerShdw dist="107763" dir="2700000" algn="ctr" rotWithShape="0">
+              <a:srgbClr val="808080"/>
+            </a:outerShdw>
+          </a:effectLst>
+        </p:spPr>
+        <p:txBody>
+          <a:bodyPr vert="horz" wrap="square" lIns="91440" tIns="45720" rIns="91440" bIns="45720" numCol="1" anchor="t" anchorCtr="0" compatLnSpc="1">
+            <a:prstTxWarp prst="textNoShape">
+              <a:avLst/>
+            </a:prstTxWarp>
+          </a:bodyPr>
+          <a:lstStyle/>
+          <a:p>
+            <a:r>
+              <a:rPr lang="en-US" dirty="0" smtClean="0"/>
+              <a:t>.less</a:t>
+            </a:r>
+            <a:endParaRPr lang="en-US" dirty="0"/>
+          </a:p>
+        </p:txBody>
+      </p:sp>
+      <p:sp>
+        <p:nvSpPr>
+          <p:cNvPr id="18" name="Document"/>
+          <p:cNvSpPr>
+            <a:spLocks noEditPoints="1" noChangeArrowheads="1"/>
+          </p:cNvSpPr>
+          <p:nvPr/>
+        </p:nvSpPr>
+        <p:spPr bwMode="auto">
+          <a:xfrm>
+            <a:off x="2458116" y="3478342"/>
+            <a:ext cx="676275" cy="452437"/>
+          </a:xfrm>
+          <a:custGeom>
+            <a:avLst/>
+            <a:gdLst>
+              <a:gd name="T0" fmla="*/ 10757 w 21600"/>
+              <a:gd name="T1" fmla="*/ 21632 h 21600"/>
+              <a:gd name="T2" fmla="*/ 85 w 21600"/>
+              <a:gd name="T3" fmla="*/ 10849 h 21600"/>
+              <a:gd name="T4" fmla="*/ 10757 w 21600"/>
+              <a:gd name="T5" fmla="*/ 81 h 21600"/>
+              <a:gd name="T6" fmla="*/ 21706 w 21600"/>
+              <a:gd name="T7" fmla="*/ 10652 h 21600"/>
+              <a:gd name="T8" fmla="*/ 10757 w 21600"/>
+              <a:gd name="T9" fmla="*/ 21632 h 21600"/>
+              <a:gd name="T10" fmla="*/ 0 w 21600"/>
+              <a:gd name="T11" fmla="*/ 0 h 21600"/>
+              <a:gd name="T12" fmla="*/ 21600 w 21600"/>
+              <a:gd name="T13" fmla="*/ 0 h 21600"/>
+              <a:gd name="T14" fmla="*/ 21600 w 21600"/>
+              <a:gd name="T15" fmla="*/ 21600 h 21600"/>
+              <a:gd name="T16" fmla="*/ 977 w 21600"/>
+              <a:gd name="T17" fmla="*/ 818 h 21600"/>
+              <a:gd name="T18" fmla="*/ 20622 w 21600"/>
+              <a:gd name="T19" fmla="*/ 16429 h 21600"/>
+            </a:gdLst>
+            <a:ahLst/>
+            <a:cxnLst>
+              <a:cxn ang="0">
+                <a:pos x="T0" y="T1"/>
+              </a:cxn>
+              <a:cxn ang="0">
+                <a:pos x="T2" y="T3"/>
+              </a:cxn>
+              <a:cxn ang="0">
+                <a:pos x="T4" y="T5"/>
+              </a:cxn>
+              <a:cxn ang="0">
+                <a:pos x="T6" y="T7"/>
+              </a:cxn>
+              <a:cxn ang="0">
+                <a:pos x="T8" y="T9"/>
+              </a:cxn>
+              <a:cxn ang="0">
+                <a:pos x="T10" y="T11"/>
+              </a:cxn>
+              <a:cxn ang="0">
+                <a:pos x="T12" y="T13"/>
+              </a:cxn>
+              <a:cxn ang="0">
+                <a:pos x="T14" y="T15"/>
+              </a:cxn>
+            </a:cxnLst>
+            <a:rect l="T16" t="T17" r="T18" b="T19"/>
+            <a:pathLst>
+              <a:path w="21600" h="21600">
+                <a:moveTo>
+                  <a:pt x="10757" y="21632"/>
+                </a:moveTo>
+                <a:lnTo>
+                  <a:pt x="5187" y="21632"/>
+                </a:lnTo>
+                <a:lnTo>
+                  <a:pt x="85" y="17509"/>
+                </a:lnTo>
+                <a:lnTo>
+                  <a:pt x="85" y="10849"/>
+                </a:lnTo>
+                <a:lnTo>
+                  <a:pt x="85" y="81"/>
+                </a:lnTo>
+                <a:lnTo>
+                  <a:pt x="10757" y="81"/>
+                </a:lnTo>
+                <a:lnTo>
+                  <a:pt x="21706" y="81"/>
+                </a:lnTo>
+                <a:lnTo>
+                  <a:pt x="21706" y="10652"/>
+                </a:lnTo>
+                <a:lnTo>
+                  <a:pt x="21706" y="21632"/>
+                </a:lnTo>
+                <a:lnTo>
+                  <a:pt x="10757" y="21632"/>
+                </a:lnTo>
+                <a:close/>
+              </a:path>
+              <a:path w="21600" h="21600">
+                <a:moveTo>
+                  <a:pt x="85" y="17509"/>
+                </a:moveTo>
+                <a:lnTo>
+                  <a:pt x="5187" y="17509"/>
+                </a:lnTo>
+                <a:lnTo>
+                  <a:pt x="5187" y="21632"/>
+                </a:lnTo>
+                <a:lnTo>
+                  <a:pt x="85" y="17509"/>
+                </a:lnTo>
+                <a:close/>
+              </a:path>
+            </a:pathLst>
+          </a:custGeom>
+          <a:solidFill>
+            <a:srgbClr val="D8EBB3"/>
+          </a:solidFill>
+          <a:ln w="9525">
+            <a:solidFill>
+              <a:srgbClr val="000000"/>
+            </a:solidFill>
+            <a:miter lim="800000"/>
+            <a:headEnd/>
+            <a:tailEnd/>
+          </a:ln>
+          <a:effectLst>
+            <a:outerShdw dist="107763" dir="2700000" algn="ctr" rotWithShape="0">
+              <a:srgbClr val="808080"/>
+            </a:outerShdw>
+          </a:effectLst>
+        </p:spPr>
+        <p:txBody>
+          <a:bodyPr vert="horz" wrap="square" lIns="91440" tIns="45720" rIns="91440" bIns="45720" numCol="1" anchor="t" anchorCtr="0" compatLnSpc="1">
+            <a:prstTxWarp prst="textNoShape">
+              <a:avLst/>
+            </a:prstTxWarp>
+          </a:bodyPr>
+          <a:lstStyle/>
+          <a:p>
+            <a:r>
+              <a:rPr lang="en-US" dirty="0" smtClean="0"/>
+              <a:t>.less</a:t>
+            </a:r>
+            <a:endParaRPr lang="en-US" dirty="0"/>
+          </a:p>
+        </p:txBody>
+      </p:sp>
+      <p:cxnSp>
+        <p:nvCxnSpPr>
+          <p:cNvPr id="19" name="Straight Arrow Connector 18"/>
+          <p:cNvCxnSpPr/>
+          <p:nvPr/>
+        </p:nvCxnSpPr>
+        <p:spPr>
+          <a:xfrm>
+            <a:off x="5628109" y="3061501"/>
+            <a:ext cx="457200" cy="0"/>
+          </a:xfrm>
+          <a:prstGeom prst="straightConnector1">
+            <a:avLst/>
+          </a:prstGeom>
+          <a:ln>
+            <a:tailEnd type="arrow"/>
+          </a:ln>
+        </p:spPr>
+        <p:style>
+          <a:lnRef idx="3">
+            <a:schemeClr val="accent1"/>
+          </a:lnRef>
+          <a:fillRef idx="0">
+            <a:schemeClr val="accent1"/>
+          </a:fillRef>
+          <a:effectRef idx="2">
+            <a:schemeClr val="accent1"/>
+          </a:effectRef>
+          <a:fontRef idx="minor">
+            <a:schemeClr val="tx1"/>
+          </a:fontRef>
+        </p:style>
+      </p:cxnSp>
     </p:spTree>
     <p:extLst>
       <p:ext uri="{BB962C8B-B14F-4D97-AF65-F5344CB8AC3E}">
-        <p14:creationId xmlns:p14="http://schemas.microsoft.com/office/powerpoint/2010/main" val="1112403685"/>
+        <p14:creationId xmlns:p14="http://schemas.microsoft.com/office/powerpoint/2010/main" val="4019143189"/>
       </p:ext>
     </p:extLst>
   </p:cSld>
@@ -4118,7 +6246,7 @@
 </p:sld>
 </file>
 
-<file path=ppt/slides/slide3.xml><?xml version="1.0" encoding="utf-8"?>
+<file path=ppt/slides/slide11.xml><?xml version="1.0" encoding="utf-8"?>
 <p:sld xmlns:a="http://schemas.openxmlformats.org/drawingml/2006/main" xmlns:r="http://schemas.openxmlformats.org/officeDocument/2006/relationships" xmlns:p="http://schemas.openxmlformats.org/presentationml/2006/main">
   <p:cSld>
     <p:spTree>
@@ -4158,7 +6286,7 @@
             <a:pPr algn="l"/>
             <a:r>
               <a:rPr lang="en-US" sz="4000" dirty="0" smtClean="0"/>
-              <a:t>Demo App</a:t>
+              <a:t>LESS Variables</a:t>
             </a:r>
             <a:endParaRPr lang="en-US" sz="4000" dirty="0"/>
           </a:p>
@@ -4205,7 +6333,7 @@
             <a:fld id="{BA9B540C-44DA-4F69-89C9-7C84606640D3}" type="slidenum">
               <a:rPr lang="en-US" smtClean="0"/>
               <a:pPr/>
-              <a:t>3</a:t>
+              <a:t>11</a:t>
             </a:fld>
             <a:endParaRPr lang="en-US" dirty="0"/>
           </a:p>
@@ -4234,954 +6362,113 @@
           </a:p>
         </p:txBody>
       </p:sp>
-      <p:pic>
-        <p:nvPicPr>
-          <p:cNvPr id="1026" name="Picture 2"/>
-          <p:cNvPicPr>
-            <a:picLocks noChangeAspect="1" noChangeArrowheads="1"/>
-          </p:cNvPicPr>
+      <p:sp>
+        <p:nvSpPr>
+          <p:cNvPr id="7" name="Subtitle 2"/>
+          <p:cNvSpPr>
+            <a:spLocks noGrp="1"/>
+          </p:cNvSpPr>
+          <p:nvPr>
+            <p:ph type="subTitle" idx="1"/>
+          </p:nvPr>
+        </p:nvSpPr>
+        <p:spPr>
+          <a:xfrm>
+            <a:off x="381000" y="838200"/>
+            <a:ext cx="8153400" cy="1447800"/>
+          </a:xfrm>
+        </p:spPr>
+        <p:txBody>
+          <a:bodyPr>
+            <a:noAutofit/>
+          </a:bodyPr>
+          <a:lstStyle/>
+          <a:p>
+            <a:pPr algn="l"/>
+            <a:r>
+              <a:rPr lang="en-US" dirty="0" smtClean="0"/>
+              <a:t>	@error-color:    #FF0000;</a:t>
+            </a:r>
+          </a:p>
+          <a:p>
+            <a:pPr algn="l"/>
+            <a:r>
+              <a:rPr lang="en-US" dirty="0" smtClean="0"/>
+              <a:t>	@warn-color:    #FFFF00;</a:t>
+            </a:r>
+            <a:endParaRPr lang="en-US" dirty="0" smtClean="0"/>
+          </a:p>
+        </p:txBody>
+      </p:sp>
+      <p:sp>
+        <p:nvSpPr>
+          <p:cNvPr id="8" name="Title 1"/>
+          <p:cNvSpPr txBox="1">
+            <a:spLocks/>
+          </p:cNvSpPr>
           <p:nvPr/>
-        </p:nvPicPr>
-        <p:blipFill>
-          <a:blip r:embed="rId2">
-            <a:extLst>
-              <a:ext uri="{28A0092B-C50C-407E-A947-70E740481C1C}">
-                <a14:useLocalDpi xmlns:a14="http://schemas.microsoft.com/office/drawing/2010/main" val="0"/>
-              </a:ext>
-            </a:extLst>
-          </a:blip>
-          <a:srcRect/>
-          <a:stretch>
-            <a:fillRect/>
-          </a:stretch>
-        </p:blipFill>
-        <p:spPr bwMode="auto">
+        </p:nvSpPr>
+        <p:spPr>
           <a:xfrm>
-            <a:off x="762000" y="990601"/>
-            <a:ext cx="4485511" cy="2209800"/>
+            <a:off x="723900" y="2286000"/>
+            <a:ext cx="7772400" cy="685800"/>
           </a:xfrm>
           <a:prstGeom prst="rect">
             <a:avLst/>
           </a:prstGeom>
-          <a:noFill/>
-          <a:ln>
-            <a:noFill/>
-          </a:ln>
-          <a:extLst>
-            <a:ext uri="{909E8E84-426E-40DD-AFC4-6F175D3DCCD1}">
-              <a14:hiddenFill xmlns:a14="http://schemas.microsoft.com/office/drawing/2010/main">
+        </p:spPr>
+        <p:txBody>
+          <a:bodyPr vert="horz" lIns="91440" tIns="45720" rIns="91440" bIns="45720" rtlCol="0" anchor="b">
+            <a:noAutofit/>
+          </a:bodyPr>
+          <a:lstStyle>
+            <a:lvl1pPr algn="ctr" defTabSz="914400" rtl="0" eaLnBrk="1" latinLnBrk="0" hangingPunct="1">
+              <a:lnSpc>
+                <a:spcPct val="100000"/>
+              </a:lnSpc>
+              <a:spcBef>
+                <a:spcPct val="0"/>
+              </a:spcBef>
+              <a:buNone/>
+              <a:defRPr sz="8000" kern="1200">
                 <a:solidFill>
-                  <a:schemeClr val="accent1"/>
+                  <a:schemeClr val="tx2"/>
                 </a:solidFill>
-              </a14:hiddenFill>
-            </a:ext>
-            <a:ext uri="{91240B29-F687-4F45-9708-019B960494DF}">
-              <a14:hiddenLine xmlns:a14="http://schemas.microsoft.com/office/drawing/2010/main" w="9525">
-                <a:solidFill>
-                  <a:schemeClr val="tx1"/>
-                </a:solidFill>
-                <a:miter lim="800000"/>
-                <a:headEnd/>
-                <a:tailEnd/>
-              </a14:hiddenLine>
-            </a:ext>
-          </a:extLst>
-        </p:spPr>
-      </p:pic>
-      <p:pic>
-        <p:nvPicPr>
-          <p:cNvPr id="1027" name="Picture 3"/>
-          <p:cNvPicPr>
-            <a:picLocks noChangeAspect="1" noChangeArrowheads="1"/>
-          </p:cNvPicPr>
+                <a:effectLst>
+                  <a:outerShdw blurRad="63500" dist="38100" dir="5400000" algn="t" rotWithShape="0">
+                    <a:prstClr val="black">
+                      <a:alpha val="25000"/>
+                    </a:prstClr>
+                  </a:outerShdw>
+                </a:effectLst>
+                <a:latin typeface="+mn-lt"/>
+                <a:ea typeface="+mj-ea"/>
+                <a:cs typeface="+mj-cs"/>
+              </a:defRPr>
+            </a:lvl1pPr>
+          </a:lstStyle>
+          <a:p>
+            <a:pPr algn="l"/>
+            <a:r>
+              <a:rPr lang="en-US" sz="4000" dirty="0" smtClean="0"/>
+              <a:t>LESS Comments</a:t>
+            </a:r>
+            <a:endParaRPr lang="en-US" sz="4000" dirty="0"/>
+          </a:p>
+        </p:txBody>
+      </p:sp>
+      <p:sp>
+        <p:nvSpPr>
+          <p:cNvPr id="9" name="Subtitle 2"/>
+          <p:cNvSpPr txBox="1">
+            <a:spLocks/>
+          </p:cNvSpPr>
           <p:nvPr/>
-        </p:nvPicPr>
-        <p:blipFill>
-          <a:blip r:embed="rId3">
-            <a:extLst>
-              <a:ext uri="{28A0092B-C50C-407E-A947-70E740481C1C}">
-                <a14:useLocalDpi xmlns:a14="http://schemas.microsoft.com/office/drawing/2010/main" val="0"/>
-              </a:ext>
-            </a:extLst>
-          </a:blip>
-          <a:srcRect/>
-          <a:stretch>
-            <a:fillRect/>
-          </a:stretch>
-        </p:blipFill>
-        <p:spPr bwMode="auto">
-          <a:xfrm>
-            <a:off x="802351" y="3429000"/>
-            <a:ext cx="4503738" cy="2412631"/>
-          </a:xfrm>
-          <a:prstGeom prst="rect">
-            <a:avLst/>
-          </a:prstGeom>
-          <a:noFill/>
-          <a:ln>
-            <a:noFill/>
-          </a:ln>
-          <a:extLst>
-            <a:ext uri="{909E8E84-426E-40DD-AFC4-6F175D3DCCD1}">
-              <a14:hiddenFill xmlns:a14="http://schemas.microsoft.com/office/drawing/2010/main">
-                <a:solidFill>
-                  <a:schemeClr val="accent1"/>
-                </a:solidFill>
-              </a14:hiddenFill>
-            </a:ext>
-            <a:ext uri="{91240B29-F687-4F45-9708-019B960494DF}">
-              <a14:hiddenLine xmlns:a14="http://schemas.microsoft.com/office/drawing/2010/main" w="9525">
-                <a:solidFill>
-                  <a:schemeClr val="tx1"/>
-                </a:solidFill>
-                <a:miter lim="800000"/>
-                <a:headEnd/>
-                <a:tailEnd/>
-              </a14:hiddenLine>
-            </a:ext>
-          </a:extLst>
-        </p:spPr>
-      </p:pic>
-    </p:spTree>
-    <p:extLst>
-      <p:ext uri="{BB962C8B-B14F-4D97-AF65-F5344CB8AC3E}">
-        <p14:creationId xmlns:p14="http://schemas.microsoft.com/office/powerpoint/2010/main" val="2586824754"/>
-      </p:ext>
-    </p:extLst>
-  </p:cSld>
-  <p:clrMapOvr>
-    <a:masterClrMapping/>
-  </p:clrMapOvr>
-</p:sld>
-</file>
-
-<file path=ppt/slides/slide4.xml><?xml version="1.0" encoding="utf-8"?>
-<p:sld xmlns:a="http://schemas.openxmlformats.org/drawingml/2006/main" xmlns:r="http://schemas.openxmlformats.org/officeDocument/2006/relationships" xmlns:p="http://schemas.openxmlformats.org/presentationml/2006/main">
-  <p:cSld>
-    <p:spTree>
-      <p:nvGrpSpPr>
-        <p:cNvPr id="1" name=""/>
-        <p:cNvGrpSpPr/>
-        <p:nvPr/>
-      </p:nvGrpSpPr>
-      <p:grpSpPr>
-        <a:xfrm>
-          <a:off x="0" y="0"/>
-          <a:ext cx="0" cy="0"/>
-          <a:chOff x="0" y="0"/>
-          <a:chExt cx="0" cy="0"/>
-        </a:xfrm>
-      </p:grpSpPr>
-      <p:sp>
-        <p:nvSpPr>
-          <p:cNvPr id="2" name="Title 1"/>
-          <p:cNvSpPr>
-            <a:spLocks noGrp="1"/>
-          </p:cNvSpPr>
-          <p:nvPr>
-            <p:ph type="ctrTitle"/>
-          </p:nvPr>
         </p:nvSpPr>
         <p:spPr>
           <a:xfrm>
-            <a:off x="685800" y="228600"/>
-            <a:ext cx="7772400" cy="685800"/>
-          </a:xfrm>
-        </p:spPr>
-        <p:txBody>
-          <a:bodyPr/>
-          <a:lstStyle/>
-          <a:p>
-            <a:pPr algn="l"/>
-            <a:r>
-              <a:rPr lang="en-US" sz="4000" dirty="0" smtClean="0"/>
-              <a:t>CSS Pain</a:t>
-            </a:r>
-            <a:endParaRPr lang="en-US" sz="4000" dirty="0"/>
-          </a:p>
-        </p:txBody>
-      </p:sp>
-      <p:sp>
-        <p:nvSpPr>
-          <p:cNvPr id="4" name="Date Placeholder 3"/>
-          <p:cNvSpPr>
-            <a:spLocks noGrp="1"/>
-          </p:cNvSpPr>
-          <p:nvPr>
-            <p:ph type="dt" sz="half" idx="10"/>
-          </p:nvPr>
-        </p:nvSpPr>
-        <p:spPr/>
-        <p:txBody>
-          <a:bodyPr/>
-          <a:lstStyle/>
-          <a:p>
-            <a:fld id="{216C5678-EE20-4FA5-88E2-6E0BD67A2E26}" type="datetime1">
-              <a:rPr lang="en-US" smtClean="0"/>
-              <a:t>11/23/2015</a:t>
-            </a:fld>
-            <a:endParaRPr lang="en-US" dirty="0"/>
-          </a:p>
-        </p:txBody>
-      </p:sp>
-      <p:sp>
-        <p:nvSpPr>
-          <p:cNvPr id="5" name="Slide Number Placeholder 4"/>
-          <p:cNvSpPr>
-            <a:spLocks noGrp="1"/>
-          </p:cNvSpPr>
-          <p:nvPr>
-            <p:ph type="sldNum" sz="quarter" idx="11"/>
-          </p:nvPr>
-        </p:nvSpPr>
-        <p:spPr/>
-        <p:txBody>
-          <a:bodyPr/>
-          <a:lstStyle/>
-          <a:p>
-            <a:fld id="{BA9B540C-44DA-4F69-89C9-7C84606640D3}" type="slidenum">
-              <a:rPr lang="en-US" smtClean="0"/>
-              <a:pPr/>
-              <a:t>4</a:t>
-            </a:fld>
-            <a:endParaRPr lang="en-US" dirty="0"/>
-          </a:p>
-        </p:txBody>
-      </p:sp>
-      <p:sp>
-        <p:nvSpPr>
-          <p:cNvPr id="6" name="Footer Placeholder 5"/>
-          <p:cNvSpPr>
-            <a:spLocks noGrp="1"/>
-          </p:cNvSpPr>
-          <p:nvPr>
-            <p:ph type="ftr" sz="quarter" idx="12"/>
-          </p:nvPr>
-        </p:nvSpPr>
-        <p:spPr/>
-        <p:txBody>
-          <a:bodyPr/>
-          <a:lstStyle/>
-          <a:p>
-            <a:r>
-              <a:rPr lang="en-US" smtClean="0"/>
-              <a:t>Footer Text</a:t>
-            </a:r>
-            <a:endParaRPr lang="en-US" dirty="0"/>
-          </a:p>
-        </p:txBody>
-      </p:sp>
-      <p:sp>
-        <p:nvSpPr>
-          <p:cNvPr id="7" name="Subtitle 2"/>
-          <p:cNvSpPr>
-            <a:spLocks noGrp="1"/>
-          </p:cNvSpPr>
-          <p:nvPr>
-            <p:ph type="subTitle" idx="1"/>
-          </p:nvPr>
-        </p:nvSpPr>
-        <p:spPr>
-          <a:xfrm>
-            <a:off x="381000" y="1219200"/>
-            <a:ext cx="8153400" cy="4343400"/>
-          </a:xfrm>
-        </p:spPr>
-        <p:txBody>
-          <a:bodyPr>
-            <a:noAutofit/>
-          </a:bodyPr>
-          <a:lstStyle/>
-          <a:p>
-            <a:pPr marL="342900" indent="-342900" algn="l">
-              <a:buFont typeface="Arial" panose="020B0604020202020204" pitchFamily="34" charset="0"/>
-              <a:buChar char="•"/>
-            </a:pPr>
-            <a:r>
-              <a:rPr lang="en-US" dirty="0" smtClean="0"/>
-              <a:t>Style duplication – violation of DRY principle.</a:t>
-            </a:r>
-          </a:p>
-          <a:p>
-            <a:pPr marL="342900" indent="-342900" algn="l">
-              <a:buFont typeface="Arial" panose="020B0604020202020204" pitchFamily="34" charset="0"/>
-              <a:buChar char="•"/>
-            </a:pPr>
-            <a:r>
-              <a:rPr lang="en-US" dirty="0" smtClean="0"/>
-              <a:t>Magic number &amp; lack of color names.</a:t>
-            </a:r>
-          </a:p>
-          <a:p>
-            <a:pPr marL="342900" indent="-342900" algn="l">
-              <a:buFont typeface="Arial" panose="020B0604020202020204" pitchFamily="34" charset="0"/>
-              <a:buChar char="•"/>
-            </a:pPr>
-            <a:r>
-              <a:rPr lang="en-US" dirty="0" smtClean="0"/>
-              <a:t>No support for mathematic calculation.</a:t>
-            </a:r>
-          </a:p>
-          <a:p>
-            <a:pPr marL="342900" indent="-342900" algn="l">
-              <a:buFont typeface="Arial" panose="020B0604020202020204" pitchFamily="34" charset="0"/>
-              <a:buChar char="•"/>
-            </a:pPr>
-            <a:r>
-              <a:rPr lang="en-US" dirty="0" smtClean="0"/>
-              <a:t>Cascading issues</a:t>
-            </a:r>
-            <a:endParaRPr lang="en-US" dirty="0" smtClean="0"/>
-          </a:p>
-        </p:txBody>
-      </p:sp>
-    </p:spTree>
-    <p:extLst>
-      <p:ext uri="{BB962C8B-B14F-4D97-AF65-F5344CB8AC3E}">
-        <p14:creationId xmlns:p14="http://schemas.microsoft.com/office/powerpoint/2010/main" val="126964352"/>
-      </p:ext>
-    </p:extLst>
-  </p:cSld>
-  <p:clrMapOvr>
-    <a:masterClrMapping/>
-  </p:clrMapOvr>
-</p:sld>
-</file>
-
-<file path=ppt/slides/slide5.xml><?xml version="1.0" encoding="utf-8"?>
-<p:sld xmlns:a="http://schemas.openxmlformats.org/drawingml/2006/main" xmlns:r="http://schemas.openxmlformats.org/officeDocument/2006/relationships" xmlns:p="http://schemas.openxmlformats.org/presentationml/2006/main">
-  <p:cSld>
-    <p:spTree>
-      <p:nvGrpSpPr>
-        <p:cNvPr id="1" name=""/>
-        <p:cNvGrpSpPr/>
-        <p:nvPr/>
-      </p:nvGrpSpPr>
-      <p:grpSpPr>
-        <a:xfrm>
-          <a:off x="0" y="0"/>
-          <a:ext cx="0" cy="0"/>
-          <a:chOff x="0" y="0"/>
-          <a:chExt cx="0" cy="0"/>
-        </a:xfrm>
-      </p:grpSpPr>
-      <p:sp>
-        <p:nvSpPr>
-          <p:cNvPr id="2" name="Title 1"/>
-          <p:cNvSpPr>
-            <a:spLocks noGrp="1"/>
-          </p:cNvSpPr>
-          <p:nvPr>
-            <p:ph type="ctrTitle"/>
-          </p:nvPr>
-        </p:nvSpPr>
-        <p:spPr>
-          <a:xfrm>
-            <a:off x="685800" y="228600"/>
-            <a:ext cx="7772400" cy="685800"/>
-          </a:xfrm>
-        </p:spPr>
-        <p:txBody>
-          <a:bodyPr/>
-          <a:lstStyle/>
-          <a:p>
-            <a:pPr algn="l"/>
-            <a:r>
-              <a:rPr lang="en-US" sz="4000" dirty="0" smtClean="0"/>
-              <a:t>Style duplication</a:t>
-            </a:r>
-            <a:endParaRPr lang="en-US" sz="4000" dirty="0"/>
-          </a:p>
-        </p:txBody>
-      </p:sp>
-      <p:sp>
-        <p:nvSpPr>
-          <p:cNvPr id="4" name="Date Placeholder 3"/>
-          <p:cNvSpPr>
-            <a:spLocks noGrp="1"/>
-          </p:cNvSpPr>
-          <p:nvPr>
-            <p:ph type="dt" sz="half" idx="10"/>
-          </p:nvPr>
-        </p:nvSpPr>
-        <p:spPr/>
-        <p:txBody>
-          <a:bodyPr/>
-          <a:lstStyle/>
-          <a:p>
-            <a:fld id="{216C5678-EE20-4FA5-88E2-6E0BD67A2E26}" type="datetime1">
-              <a:rPr lang="en-US" smtClean="0"/>
-              <a:t>11/23/2015</a:t>
-            </a:fld>
-            <a:endParaRPr lang="en-US" dirty="0"/>
-          </a:p>
-        </p:txBody>
-      </p:sp>
-      <p:sp>
-        <p:nvSpPr>
-          <p:cNvPr id="5" name="Slide Number Placeholder 4"/>
-          <p:cNvSpPr>
-            <a:spLocks noGrp="1"/>
-          </p:cNvSpPr>
-          <p:nvPr>
-            <p:ph type="sldNum" sz="quarter" idx="11"/>
-          </p:nvPr>
-        </p:nvSpPr>
-        <p:spPr/>
-        <p:txBody>
-          <a:bodyPr/>
-          <a:lstStyle/>
-          <a:p>
-            <a:fld id="{BA9B540C-44DA-4F69-89C9-7C84606640D3}" type="slidenum">
-              <a:rPr lang="en-US" smtClean="0"/>
-              <a:pPr/>
-              <a:t>5</a:t>
-            </a:fld>
-            <a:endParaRPr lang="en-US" dirty="0"/>
-          </a:p>
-        </p:txBody>
-      </p:sp>
-      <p:sp>
-        <p:nvSpPr>
-          <p:cNvPr id="6" name="Footer Placeholder 5"/>
-          <p:cNvSpPr>
-            <a:spLocks noGrp="1"/>
-          </p:cNvSpPr>
-          <p:nvPr>
-            <p:ph type="ftr" sz="quarter" idx="12"/>
-          </p:nvPr>
-        </p:nvSpPr>
-        <p:spPr/>
-        <p:txBody>
-          <a:bodyPr/>
-          <a:lstStyle/>
-          <a:p>
-            <a:r>
-              <a:rPr lang="en-US" smtClean="0"/>
-              <a:t>Footer Text</a:t>
-            </a:r>
-            <a:endParaRPr lang="en-US" dirty="0"/>
-          </a:p>
-        </p:txBody>
-      </p:sp>
-      <p:sp>
-        <p:nvSpPr>
-          <p:cNvPr id="7" name="Subtitle 2"/>
-          <p:cNvSpPr>
-            <a:spLocks noGrp="1"/>
-          </p:cNvSpPr>
-          <p:nvPr>
-            <p:ph type="subTitle" idx="1"/>
-          </p:nvPr>
-        </p:nvSpPr>
-        <p:spPr>
-          <a:xfrm>
-            <a:off x="381000" y="990600"/>
-            <a:ext cx="8153400" cy="5334000"/>
-          </a:xfrm>
-        </p:spPr>
-        <p:txBody>
-          <a:bodyPr>
-            <a:noAutofit/>
-          </a:bodyPr>
-          <a:lstStyle/>
-          <a:p>
-            <a:pPr algn="l"/>
-            <a:r>
-              <a:rPr lang="en-US" dirty="0" smtClean="0"/>
-              <a:t>#my-ok-button {</a:t>
-            </a:r>
-          </a:p>
-          <a:p>
-            <a:pPr algn="l"/>
-            <a:r>
-              <a:rPr lang="en-US" dirty="0" smtClean="0"/>
-              <a:t>   background: #FEFEFE;</a:t>
-            </a:r>
-          </a:p>
-          <a:p>
-            <a:pPr algn="l"/>
-            <a:r>
-              <a:rPr lang="en-US" dirty="0"/>
-              <a:t>   font-size: </a:t>
-            </a:r>
-            <a:r>
-              <a:rPr lang="en-US" dirty="0" smtClean="0"/>
-              <a:t>		18px;</a:t>
-            </a:r>
-          </a:p>
-          <a:p>
-            <a:pPr algn="l"/>
-            <a:r>
-              <a:rPr lang="en-US" dirty="0"/>
-              <a:t> </a:t>
-            </a:r>
-            <a:r>
-              <a:rPr lang="en-US" dirty="0" smtClean="0"/>
-              <a:t>  width:		20px;</a:t>
-            </a:r>
-            <a:endParaRPr lang="en-US" dirty="0"/>
-          </a:p>
-          <a:p>
-            <a:pPr algn="l"/>
-            <a:r>
-              <a:rPr lang="en-US" dirty="0" smtClean="0"/>
-              <a:t>}</a:t>
-            </a:r>
-          </a:p>
-          <a:p>
-            <a:pPr algn="l"/>
-            <a:endParaRPr lang="en-US" dirty="0"/>
-          </a:p>
-          <a:p>
-            <a:pPr algn="l"/>
-            <a:r>
-              <a:rPr lang="en-US" dirty="0"/>
-              <a:t>#</a:t>
-            </a:r>
-            <a:r>
-              <a:rPr lang="en-US" dirty="0" smtClean="0"/>
-              <a:t>my-cancel-button </a:t>
-            </a:r>
-            <a:r>
-              <a:rPr lang="en-US" dirty="0"/>
-              <a:t>{</a:t>
-            </a:r>
-          </a:p>
-          <a:p>
-            <a:pPr algn="l"/>
-            <a:r>
-              <a:rPr lang="en-US" dirty="0"/>
-              <a:t>   background: #FEFEFE;</a:t>
-            </a:r>
-          </a:p>
-          <a:p>
-            <a:pPr algn="l"/>
-            <a:r>
-              <a:rPr lang="en-US" dirty="0"/>
-              <a:t>   font-size: 		18px</a:t>
-            </a:r>
-            <a:r>
-              <a:rPr lang="en-US" dirty="0" smtClean="0"/>
-              <a:t>;</a:t>
-            </a:r>
-            <a:endParaRPr lang="en-US" dirty="0"/>
-          </a:p>
-          <a:p>
-            <a:pPr algn="l"/>
-            <a:r>
-              <a:rPr lang="en-US" dirty="0"/>
-              <a:t>   width:		</a:t>
-            </a:r>
-            <a:r>
-              <a:rPr lang="en-US" dirty="0" smtClean="0"/>
-              <a:t>30px</a:t>
-            </a:r>
-            <a:r>
-              <a:rPr lang="en-US" dirty="0"/>
-              <a:t>;</a:t>
-            </a:r>
-          </a:p>
-          <a:p>
-            <a:pPr algn="l"/>
-            <a:r>
-              <a:rPr lang="en-US" dirty="0"/>
-              <a:t>}</a:t>
-            </a:r>
-          </a:p>
-          <a:p>
-            <a:pPr algn="l"/>
-            <a:endParaRPr lang="en-US" dirty="0" smtClean="0"/>
-          </a:p>
-        </p:txBody>
-      </p:sp>
-    </p:spTree>
-    <p:extLst>
-      <p:ext uri="{BB962C8B-B14F-4D97-AF65-F5344CB8AC3E}">
-        <p14:creationId xmlns:p14="http://schemas.microsoft.com/office/powerpoint/2010/main" val="3892545660"/>
-      </p:ext>
-    </p:extLst>
-  </p:cSld>
-  <p:clrMapOvr>
-    <a:masterClrMapping/>
-  </p:clrMapOvr>
-</p:sld>
-</file>
-
-<file path=ppt/slides/slide6.xml><?xml version="1.0" encoding="utf-8"?>
-<p:sld xmlns:a="http://schemas.openxmlformats.org/drawingml/2006/main" xmlns:r="http://schemas.openxmlformats.org/officeDocument/2006/relationships" xmlns:p="http://schemas.openxmlformats.org/presentationml/2006/main">
-  <p:cSld>
-    <p:spTree>
-      <p:nvGrpSpPr>
-        <p:cNvPr id="1" name=""/>
-        <p:cNvGrpSpPr/>
-        <p:nvPr/>
-      </p:nvGrpSpPr>
-      <p:grpSpPr>
-        <a:xfrm>
-          <a:off x="0" y="0"/>
-          <a:ext cx="0" cy="0"/>
-          <a:chOff x="0" y="0"/>
-          <a:chExt cx="0" cy="0"/>
-        </a:xfrm>
-      </p:grpSpPr>
-      <p:sp>
-        <p:nvSpPr>
-          <p:cNvPr id="2" name="Title 1"/>
-          <p:cNvSpPr>
-            <a:spLocks noGrp="1"/>
-          </p:cNvSpPr>
-          <p:nvPr>
-            <p:ph type="ctrTitle"/>
-          </p:nvPr>
-        </p:nvSpPr>
-        <p:spPr>
-          <a:xfrm>
-            <a:off x="685800" y="228600"/>
-            <a:ext cx="7772400" cy="685800"/>
-          </a:xfrm>
-        </p:spPr>
-        <p:txBody>
-          <a:bodyPr/>
-          <a:lstStyle/>
-          <a:p>
-            <a:pPr algn="l"/>
-            <a:r>
-              <a:rPr lang="en-US" sz="4000" dirty="0" smtClean="0"/>
-              <a:t>Magic number &amp; color name</a:t>
-            </a:r>
-            <a:r>
-              <a:rPr lang="en-US" sz="4000" dirty="0" smtClean="0"/>
-              <a:t>?</a:t>
-            </a:r>
-            <a:endParaRPr lang="en-US" sz="4000" dirty="0"/>
-          </a:p>
-        </p:txBody>
-      </p:sp>
-      <p:sp>
-        <p:nvSpPr>
-          <p:cNvPr id="4" name="Date Placeholder 3"/>
-          <p:cNvSpPr>
-            <a:spLocks noGrp="1"/>
-          </p:cNvSpPr>
-          <p:nvPr>
-            <p:ph type="dt" sz="half" idx="10"/>
-          </p:nvPr>
-        </p:nvSpPr>
-        <p:spPr/>
-        <p:txBody>
-          <a:bodyPr/>
-          <a:lstStyle/>
-          <a:p>
-            <a:fld id="{216C5678-EE20-4FA5-88E2-6E0BD67A2E26}" type="datetime1">
-              <a:rPr lang="en-US" smtClean="0"/>
-              <a:t>11/23/2015</a:t>
-            </a:fld>
-            <a:endParaRPr lang="en-US" dirty="0"/>
-          </a:p>
-        </p:txBody>
-      </p:sp>
-      <p:sp>
-        <p:nvSpPr>
-          <p:cNvPr id="5" name="Slide Number Placeholder 4"/>
-          <p:cNvSpPr>
-            <a:spLocks noGrp="1"/>
-          </p:cNvSpPr>
-          <p:nvPr>
-            <p:ph type="sldNum" sz="quarter" idx="11"/>
-          </p:nvPr>
-        </p:nvSpPr>
-        <p:spPr/>
-        <p:txBody>
-          <a:bodyPr/>
-          <a:lstStyle/>
-          <a:p>
-            <a:fld id="{BA9B540C-44DA-4F69-89C9-7C84606640D3}" type="slidenum">
-              <a:rPr lang="en-US" smtClean="0"/>
-              <a:pPr/>
-              <a:t>6</a:t>
-            </a:fld>
-            <a:endParaRPr lang="en-US" dirty="0"/>
-          </a:p>
-        </p:txBody>
-      </p:sp>
-      <p:sp>
-        <p:nvSpPr>
-          <p:cNvPr id="6" name="Footer Placeholder 5"/>
-          <p:cNvSpPr>
-            <a:spLocks noGrp="1"/>
-          </p:cNvSpPr>
-          <p:nvPr>
-            <p:ph type="ftr" sz="quarter" idx="12"/>
-          </p:nvPr>
-        </p:nvSpPr>
-        <p:spPr/>
-        <p:txBody>
-          <a:bodyPr/>
-          <a:lstStyle/>
-          <a:p>
-            <a:r>
-              <a:rPr lang="en-US" smtClean="0"/>
-              <a:t>Footer Text</a:t>
-            </a:r>
-            <a:endParaRPr lang="en-US" dirty="0"/>
-          </a:p>
-        </p:txBody>
-      </p:sp>
-      <p:sp>
-        <p:nvSpPr>
-          <p:cNvPr id="7" name="Subtitle 2"/>
-          <p:cNvSpPr>
-            <a:spLocks noGrp="1"/>
-          </p:cNvSpPr>
-          <p:nvPr>
-            <p:ph type="subTitle" idx="1"/>
-          </p:nvPr>
-        </p:nvSpPr>
-        <p:spPr>
-          <a:xfrm>
-            <a:off x="381000" y="990600"/>
-            <a:ext cx="8153400" cy="5334000"/>
-          </a:xfrm>
-        </p:spPr>
-        <p:txBody>
-          <a:bodyPr>
-            <a:noAutofit/>
-          </a:bodyPr>
-          <a:lstStyle/>
-          <a:p>
-            <a:pPr algn="l"/>
-            <a:r>
-              <a:rPr lang="en-US" dirty="0" smtClean="0"/>
-              <a:t>#my-ok-button {</a:t>
-            </a:r>
-          </a:p>
-          <a:p>
-            <a:pPr algn="l"/>
-            <a:r>
-              <a:rPr lang="en-US" dirty="0" smtClean="0"/>
-              <a:t>   background: #FEFEFE;   /* important color */</a:t>
-            </a:r>
-          </a:p>
-          <a:p>
-            <a:pPr algn="l"/>
-            <a:r>
-              <a:rPr lang="en-US" dirty="0"/>
-              <a:t>   font-size: </a:t>
-            </a:r>
-            <a:r>
-              <a:rPr lang="en-US" dirty="0" smtClean="0"/>
-              <a:t>		18px;   /* important font */</a:t>
-            </a:r>
-          </a:p>
-          <a:p>
-            <a:pPr algn="l"/>
-            <a:endParaRPr lang="en-US" dirty="0"/>
-          </a:p>
-          <a:p>
-            <a:pPr algn="l"/>
-            <a:r>
-              <a:rPr lang="en-US" dirty="0" smtClean="0"/>
-              <a:t>}</a:t>
-            </a:r>
-          </a:p>
-          <a:p>
-            <a:pPr algn="l"/>
-            <a:endParaRPr lang="en-US" dirty="0"/>
-          </a:p>
-          <a:p>
-            <a:pPr algn="l"/>
-            <a:r>
-              <a:rPr lang="en-US" dirty="0"/>
-              <a:t>#</a:t>
-            </a:r>
-            <a:r>
-              <a:rPr lang="en-US" dirty="0" smtClean="0"/>
-              <a:t>my-cancel-button </a:t>
-            </a:r>
-            <a:r>
-              <a:rPr lang="en-US" dirty="0"/>
-              <a:t>{</a:t>
-            </a:r>
-          </a:p>
-          <a:p>
-            <a:pPr algn="l"/>
-            <a:r>
-              <a:rPr lang="en-US" dirty="0"/>
-              <a:t>   background: </a:t>
-            </a:r>
-            <a:r>
-              <a:rPr lang="en-US" dirty="0" smtClean="0"/>
-              <a:t>#EEEEEE; /* unimportant color */</a:t>
-            </a:r>
-            <a:endParaRPr lang="en-US" dirty="0"/>
-          </a:p>
-          <a:p>
-            <a:pPr algn="l"/>
-            <a:r>
-              <a:rPr lang="en-US" dirty="0"/>
-              <a:t>   font-size: 		</a:t>
-            </a:r>
-            <a:r>
-              <a:rPr lang="en-US" dirty="0" smtClean="0"/>
-              <a:t>15px; /* unimportant font */</a:t>
-            </a:r>
-          </a:p>
-          <a:p>
-            <a:pPr algn="l"/>
-            <a:r>
-              <a:rPr lang="en-US" dirty="0" smtClean="0"/>
-              <a:t>}</a:t>
-            </a:r>
-            <a:endParaRPr lang="en-US" dirty="0"/>
-          </a:p>
-          <a:p>
-            <a:pPr algn="l"/>
-            <a:endParaRPr lang="en-US" dirty="0" smtClean="0"/>
-          </a:p>
-        </p:txBody>
-      </p:sp>
-    </p:spTree>
-    <p:extLst>
-      <p:ext uri="{BB962C8B-B14F-4D97-AF65-F5344CB8AC3E}">
-        <p14:creationId xmlns:p14="http://schemas.microsoft.com/office/powerpoint/2010/main" val="2717759030"/>
-      </p:ext>
-    </p:extLst>
-  </p:cSld>
-  <p:clrMapOvr>
-    <a:masterClrMapping/>
-  </p:clrMapOvr>
-</p:sld>
-</file>
-
-<file path=ppt/slides/slide7.xml><?xml version="1.0" encoding="utf-8"?>
-<p:sld xmlns:a="http://schemas.openxmlformats.org/drawingml/2006/main" xmlns:r="http://schemas.openxmlformats.org/officeDocument/2006/relationships" xmlns:p="http://schemas.openxmlformats.org/presentationml/2006/main">
-  <p:cSld>
-    <p:spTree>
-      <p:nvGrpSpPr>
-        <p:cNvPr id="1" name=""/>
-        <p:cNvGrpSpPr/>
-        <p:nvPr/>
-      </p:nvGrpSpPr>
-      <p:grpSpPr>
-        <a:xfrm>
-          <a:off x="0" y="0"/>
-          <a:ext cx="0" cy="0"/>
-          <a:chOff x="0" y="0"/>
-          <a:chExt cx="0" cy="0"/>
-        </a:xfrm>
-      </p:grpSpPr>
-      <p:sp>
-        <p:nvSpPr>
-          <p:cNvPr id="2" name="Title 1"/>
-          <p:cNvSpPr>
-            <a:spLocks noGrp="1"/>
-          </p:cNvSpPr>
-          <p:nvPr>
-            <p:ph type="ctrTitle"/>
-          </p:nvPr>
-        </p:nvSpPr>
-        <p:spPr>
-          <a:xfrm>
-            <a:off x="685800" y="228600"/>
-            <a:ext cx="7772400" cy="685800"/>
-          </a:xfrm>
-        </p:spPr>
-        <p:txBody>
-          <a:bodyPr/>
-          <a:lstStyle/>
-          <a:p>
-            <a:pPr algn="l"/>
-            <a:r>
-              <a:rPr lang="en-US" sz="4000" dirty="0" smtClean="0"/>
-              <a:t>No Support for Calculation</a:t>
-            </a:r>
-            <a:endParaRPr lang="en-US" sz="4000" dirty="0"/>
-          </a:p>
-        </p:txBody>
-      </p:sp>
-      <p:sp>
-        <p:nvSpPr>
-          <p:cNvPr id="4" name="Date Placeholder 3"/>
-          <p:cNvSpPr>
-            <a:spLocks noGrp="1"/>
-          </p:cNvSpPr>
-          <p:nvPr>
-            <p:ph type="dt" sz="half" idx="10"/>
-          </p:nvPr>
-        </p:nvSpPr>
-        <p:spPr/>
-        <p:txBody>
-          <a:bodyPr/>
-          <a:lstStyle/>
-          <a:p>
-            <a:fld id="{216C5678-EE20-4FA5-88E2-6E0BD67A2E26}" type="datetime1">
-              <a:rPr lang="en-US" smtClean="0"/>
-              <a:t>11/23/2015</a:t>
-            </a:fld>
-            <a:endParaRPr lang="en-US" dirty="0"/>
-          </a:p>
-        </p:txBody>
-      </p:sp>
-      <p:sp>
-        <p:nvSpPr>
-          <p:cNvPr id="5" name="Slide Number Placeholder 4"/>
-          <p:cNvSpPr>
-            <a:spLocks noGrp="1"/>
-          </p:cNvSpPr>
-          <p:nvPr>
-            <p:ph type="sldNum" sz="quarter" idx="11"/>
-          </p:nvPr>
-        </p:nvSpPr>
-        <p:spPr/>
-        <p:txBody>
-          <a:bodyPr/>
-          <a:lstStyle/>
-          <a:p>
-            <a:fld id="{BA9B540C-44DA-4F69-89C9-7C84606640D3}" type="slidenum">
-              <a:rPr lang="en-US" smtClean="0"/>
-              <a:pPr/>
-              <a:t>7</a:t>
-            </a:fld>
-            <a:endParaRPr lang="en-US" dirty="0"/>
-          </a:p>
-        </p:txBody>
-      </p:sp>
-      <p:sp>
-        <p:nvSpPr>
-          <p:cNvPr id="6" name="Footer Placeholder 5"/>
-          <p:cNvSpPr>
-            <a:spLocks noGrp="1"/>
-          </p:cNvSpPr>
-          <p:nvPr>
-            <p:ph type="ftr" sz="quarter" idx="12"/>
-          </p:nvPr>
-        </p:nvSpPr>
-        <p:spPr/>
-        <p:txBody>
-          <a:bodyPr/>
-          <a:lstStyle/>
-          <a:p>
-            <a:r>
-              <a:rPr lang="en-US" smtClean="0"/>
-              <a:t>Footer Text</a:t>
-            </a:r>
-            <a:endParaRPr lang="en-US" dirty="0"/>
-          </a:p>
-        </p:txBody>
-      </p:sp>
-      <p:sp>
-        <p:nvSpPr>
-          <p:cNvPr id="8" name="Subtitle 2"/>
-          <p:cNvSpPr txBox="1">
-            <a:spLocks/>
-          </p:cNvSpPr>
-          <p:nvPr/>
-        </p:nvSpPr>
-        <p:spPr>
-          <a:xfrm>
-            <a:off x="381000" y="990600"/>
-            <a:ext cx="8153400" cy="5334000"/>
+            <a:off x="495300" y="2895600"/>
+            <a:ext cx="8153400" cy="1447800"/>
           </a:xfrm>
           <a:prstGeom prst="rect">
             <a:avLst/>
@@ -5350,60 +6637,7 @@
             <a:pPr algn="l"/>
             <a:r>
               <a:rPr lang="en-US" dirty="0" smtClean="0"/>
-              <a:t>#my-ok-button {</a:t>
-            </a:r>
-          </a:p>
-          <a:p>
-            <a:pPr algn="l"/>
-            <a:r>
-              <a:rPr lang="en-US" dirty="0" smtClean="0"/>
-              <a:t>   background: #FEFEFE;</a:t>
-            </a:r>
-          </a:p>
-          <a:p>
-            <a:pPr algn="l"/>
-            <a:r>
-              <a:rPr lang="en-US" dirty="0" smtClean="0"/>
-              <a:t>   font-size: 		18px;</a:t>
-            </a:r>
-          </a:p>
-          <a:p>
-            <a:pPr algn="l"/>
-            <a:r>
-              <a:rPr lang="en-US" dirty="0" smtClean="0"/>
-              <a:t>   width:		20px;</a:t>
-            </a:r>
-          </a:p>
-          <a:p>
-            <a:pPr algn="l"/>
-            <a:r>
-              <a:rPr lang="en-US" dirty="0" smtClean="0"/>
-              <a:t>}</a:t>
-            </a:r>
-          </a:p>
-          <a:p>
-            <a:pPr algn="l"/>
-            <a:endParaRPr lang="en-US" dirty="0" smtClean="0"/>
-          </a:p>
-          <a:p>
-            <a:pPr algn="l"/>
-            <a:r>
-              <a:rPr lang="en-US" dirty="0" smtClean="0"/>
-              <a:t>#my-cancel-button {</a:t>
-            </a:r>
-          </a:p>
-          <a:p>
-            <a:pPr algn="l"/>
-            <a:r>
-              <a:rPr lang="en-US" dirty="0" smtClean="0"/>
-              <a:t>   background: #FEFEFE;</a:t>
-            </a:r>
-          </a:p>
-          <a:p>
-            <a:pPr algn="l"/>
-            <a:r>
-              <a:rPr lang="en-US" dirty="0" smtClean="0"/>
-              <a:t>   font-size: 		12px; /* must be 2/3 that of ok- </a:t>
+              <a:t>	/*  */</a:t>
             </a:r>
           </a:p>
           <a:p>
@@ -5414,57 +6648,201 @@
             </a:r>
             <a:r>
               <a:rPr lang="en-US" dirty="0" smtClean="0"/>
-              <a:t>                                              button */</a:t>
-            </a:r>
-          </a:p>
-          <a:p>
-            <a:pPr algn="l"/>
-            <a:r>
-              <a:rPr lang="en-US" dirty="0" smtClean="0"/>
-              <a:t>   width:		30px; </a:t>
-            </a:r>
-            <a:r>
-              <a:rPr lang="en-US" dirty="0"/>
-              <a:t>/* must be </a:t>
-            </a:r>
-            <a:r>
-              <a:rPr lang="en-US" dirty="0" smtClean="0"/>
-              <a:t>1.5 that of ok-</a:t>
-            </a:r>
-          </a:p>
-          <a:p>
-            <a:pPr algn="l"/>
-            <a:r>
-              <a:rPr lang="en-US" dirty="0"/>
-              <a:t>	</a:t>
-            </a:r>
-            <a:r>
-              <a:rPr lang="en-US" dirty="0" smtClean="0"/>
-              <a:t>			    button </a:t>
-            </a:r>
-            <a:r>
-              <a:rPr lang="en-US" dirty="0"/>
-              <a:t>*/</a:t>
+              <a:t>	//</a:t>
             </a:r>
             <a:endParaRPr lang="en-US" dirty="0" smtClean="0"/>
           </a:p>
-          <a:p>
-            <a:pPr algn="l"/>
-            <a:r>
-              <a:rPr lang="en-US" dirty="0" smtClean="0"/>
-              <a:t>}</a:t>
-            </a:r>
-          </a:p>
-          <a:p>
-            <a:pPr algn="l"/>
-            <a:endParaRPr lang="en-US" dirty="0" smtClean="0"/>
+        </p:txBody>
+      </p:sp>
+      <p:sp>
+        <p:nvSpPr>
+          <p:cNvPr id="10" name="Subtitle 2"/>
+          <p:cNvSpPr txBox="1">
+            <a:spLocks/>
+          </p:cNvSpPr>
+          <p:nvPr/>
+        </p:nvSpPr>
+        <p:spPr>
+          <a:xfrm>
+            <a:off x="1561322" y="4648200"/>
+            <a:ext cx="6400800" cy="1219200"/>
+          </a:xfrm>
+          <a:prstGeom prst="rect">
+            <a:avLst/>
+          </a:prstGeom>
+        </p:spPr>
+        <p:txBody>
+          <a:bodyPr vert="horz" lIns="91440" tIns="45720" rIns="91440" bIns="45720" rtlCol="0">
+            <a:normAutofit/>
+          </a:bodyPr>
+          <a:lstStyle>
+            <a:lvl1pPr marL="0" indent="0" algn="ctr" defTabSz="914400" rtl="0" eaLnBrk="1" latinLnBrk="0" hangingPunct="1">
+              <a:spcBef>
+                <a:spcPct val="20000"/>
+              </a:spcBef>
+              <a:buFont typeface="Arial" pitchFamily="34" charset="0"/>
+              <a:buNone/>
+              <a:defRPr sz="2400" kern="1200">
+                <a:solidFill>
+                  <a:schemeClr val="tx1">
+                    <a:tint val="75000"/>
+                  </a:schemeClr>
+                </a:solidFill>
+                <a:latin typeface="+mj-lt"/>
+                <a:ea typeface="+mn-ea"/>
+                <a:cs typeface="+mn-cs"/>
+              </a:defRPr>
+            </a:lvl1pPr>
+            <a:lvl2pPr marL="457200" indent="0" algn="ctr" defTabSz="914400" rtl="0" eaLnBrk="1" latinLnBrk="0" hangingPunct="1">
+              <a:spcBef>
+                <a:spcPct val="20000"/>
+              </a:spcBef>
+              <a:buFont typeface="Courier New" pitchFamily="49" charset="0"/>
+              <a:buNone/>
+              <a:defRPr sz="1600" kern="1200">
+                <a:solidFill>
+                  <a:schemeClr val="tx1">
+                    <a:tint val="75000"/>
+                  </a:schemeClr>
+                </a:solidFill>
+                <a:latin typeface="+mj-lt"/>
+                <a:ea typeface="+mn-ea"/>
+                <a:cs typeface="+mn-cs"/>
+              </a:defRPr>
+            </a:lvl2pPr>
+            <a:lvl3pPr marL="914400" indent="0" algn="ctr" defTabSz="914400" rtl="0" eaLnBrk="1" latinLnBrk="0" hangingPunct="1">
+              <a:spcBef>
+                <a:spcPct val="20000"/>
+              </a:spcBef>
+              <a:buFont typeface="Arial" pitchFamily="34" charset="0"/>
+              <a:buNone/>
+              <a:defRPr sz="1600" kern="1200">
+                <a:solidFill>
+                  <a:schemeClr val="tx1">
+                    <a:tint val="75000"/>
+                  </a:schemeClr>
+                </a:solidFill>
+                <a:latin typeface="+mj-lt"/>
+                <a:ea typeface="+mn-ea"/>
+                <a:cs typeface="+mn-cs"/>
+              </a:defRPr>
+            </a:lvl3pPr>
+            <a:lvl4pPr marL="1371600" indent="0" algn="ctr" defTabSz="914400" rtl="0" eaLnBrk="1" latinLnBrk="0" hangingPunct="1">
+              <a:spcBef>
+                <a:spcPct val="20000"/>
+              </a:spcBef>
+              <a:buFont typeface="Courier New" pitchFamily="49" charset="0"/>
+              <a:buNone/>
+              <a:defRPr sz="1600" kern="1200">
+                <a:solidFill>
+                  <a:schemeClr val="tx1">
+                    <a:tint val="75000"/>
+                  </a:schemeClr>
+                </a:solidFill>
+                <a:latin typeface="+mj-lt"/>
+                <a:ea typeface="+mn-ea"/>
+                <a:cs typeface="+mn-cs"/>
+              </a:defRPr>
+            </a:lvl4pPr>
+            <a:lvl5pPr marL="1828800" indent="0" algn="ctr" defTabSz="914400" rtl="0" eaLnBrk="1" latinLnBrk="0" hangingPunct="1">
+              <a:spcBef>
+                <a:spcPct val="20000"/>
+              </a:spcBef>
+              <a:buFont typeface="Arial" pitchFamily="34" charset="0"/>
+              <a:buNone/>
+              <a:defRPr sz="1600" kern="1200">
+                <a:solidFill>
+                  <a:schemeClr val="tx1">
+                    <a:tint val="75000"/>
+                  </a:schemeClr>
+                </a:solidFill>
+                <a:latin typeface="+mj-lt"/>
+                <a:ea typeface="+mn-ea"/>
+                <a:cs typeface="+mn-cs"/>
+              </a:defRPr>
+            </a:lvl5pPr>
+            <a:lvl6pPr marL="2286000" indent="0" algn="ctr" defTabSz="914400" rtl="0" eaLnBrk="1" latinLnBrk="0" hangingPunct="1">
+              <a:spcBef>
+                <a:spcPct val="20000"/>
+              </a:spcBef>
+              <a:buFont typeface="Courier New" pitchFamily="49" charset="0"/>
+              <a:buNone/>
+              <a:defRPr sz="1600" kern="1200">
+                <a:solidFill>
+                  <a:schemeClr val="tx1">
+                    <a:tint val="75000"/>
+                  </a:schemeClr>
+                </a:solidFill>
+                <a:latin typeface="+mj-lt"/>
+                <a:ea typeface="+mn-ea"/>
+                <a:cs typeface="+mn-cs"/>
+              </a:defRPr>
+            </a:lvl6pPr>
+            <a:lvl7pPr marL="2743200" indent="0" algn="ctr" defTabSz="914400" rtl="0" eaLnBrk="1" latinLnBrk="0" hangingPunct="1">
+              <a:spcBef>
+                <a:spcPct val="20000"/>
+              </a:spcBef>
+              <a:buFont typeface="Arial" pitchFamily="34" charset="0"/>
+              <a:buNone/>
+              <a:defRPr sz="1600" kern="1200">
+                <a:solidFill>
+                  <a:schemeClr val="tx1">
+                    <a:tint val="75000"/>
+                  </a:schemeClr>
+                </a:solidFill>
+                <a:latin typeface="+mj-lt"/>
+                <a:ea typeface="+mn-ea"/>
+                <a:cs typeface="+mn-cs"/>
+              </a:defRPr>
+            </a:lvl7pPr>
+            <a:lvl8pPr marL="3200400" indent="0" algn="ctr" defTabSz="914400" rtl="0" eaLnBrk="1" latinLnBrk="0" hangingPunct="1">
+              <a:spcBef>
+                <a:spcPct val="20000"/>
+              </a:spcBef>
+              <a:buFont typeface="Courier New" pitchFamily="49" charset="0"/>
+              <a:buNone/>
+              <a:defRPr sz="1600" kern="1200">
+                <a:solidFill>
+                  <a:schemeClr val="tx1">
+                    <a:tint val="75000"/>
+                  </a:schemeClr>
+                </a:solidFill>
+                <a:latin typeface="+mj-lt"/>
+                <a:ea typeface="+mn-ea"/>
+                <a:cs typeface="+mn-cs"/>
+              </a:defRPr>
+            </a:lvl8pPr>
+            <a:lvl9pPr marL="3657600" indent="0" algn="ctr" defTabSz="914400" rtl="0" eaLnBrk="1" latinLnBrk="0" hangingPunct="1">
+              <a:spcBef>
+                <a:spcPct val="20000"/>
+              </a:spcBef>
+              <a:buFont typeface="Arial" pitchFamily="34" charset="0"/>
+              <a:buNone/>
+              <a:defRPr sz="1600" kern="1200">
+                <a:solidFill>
+                  <a:schemeClr val="tx1">
+                    <a:tint val="75000"/>
+                  </a:schemeClr>
+                </a:solidFill>
+                <a:latin typeface="+mj-lt"/>
+                <a:ea typeface="+mn-ea"/>
+                <a:cs typeface="+mn-cs"/>
+              </a:defRPr>
+            </a:lvl9pPr>
+          </a:lstStyle>
+          <a:p>
+            <a:r>
+              <a:rPr lang="en-US" b="1" smtClean="0"/>
+              <a:t>Code Demo</a:t>
+            </a:r>
+            <a:endParaRPr lang="en-US" b="1" dirty="0"/>
           </a:p>
         </p:txBody>
       </p:sp>
     </p:spTree>
     <p:extLst>
       <p:ext uri="{BB962C8B-B14F-4D97-AF65-F5344CB8AC3E}">
-        <p14:creationId xmlns:p14="http://schemas.microsoft.com/office/powerpoint/2010/main" val="3749187616"/>
+        <p14:creationId xmlns:p14="http://schemas.microsoft.com/office/powerpoint/2010/main" val="1718294135"/>
       </p:ext>
     </p:extLst>
   </p:cSld>
@@ -5474,7 +6852,7 @@
 </p:sld>
 </file>
 
-<file path=ppt/slides/slide8.xml><?xml version="1.0" encoding="utf-8"?>
+<file path=ppt/slides/slide12.xml><?xml version="1.0" encoding="utf-8"?>
 <p:sld xmlns:a="http://schemas.openxmlformats.org/drawingml/2006/main" xmlns:r="http://schemas.openxmlformats.org/officeDocument/2006/relationships" xmlns:p="http://schemas.openxmlformats.org/presentationml/2006/main">
   <p:cSld>
     <p:spTree>
@@ -5514,7 +6892,7 @@
             <a:pPr algn="l"/>
             <a:r>
               <a:rPr lang="en-US" sz="4000" dirty="0" smtClean="0"/>
-              <a:t>Cascading Issues</a:t>
+              <a:t>LESS Function</a:t>
             </a:r>
             <a:endParaRPr lang="en-US" sz="4000" dirty="0"/>
           </a:p>
@@ -5561,7 +6939,7 @@
             <a:fld id="{BA9B540C-44DA-4F69-89C9-7C84606640D3}" type="slidenum">
               <a:rPr lang="en-US" smtClean="0"/>
               <a:pPr/>
-              <a:t>8</a:t>
+              <a:t>12</a:t>
             </a:fld>
             <a:endParaRPr lang="en-US" dirty="0"/>
           </a:p>
@@ -5602,8 +6980,8 @@
         </p:nvSpPr>
         <p:spPr>
           <a:xfrm>
-            <a:off x="4953000" y="1371600"/>
-            <a:ext cx="4114800" cy="4343400"/>
+            <a:off x="381000" y="1219200"/>
+            <a:ext cx="8153400" cy="4343400"/>
           </a:xfrm>
         </p:spPr>
         <p:txBody>
@@ -5612,156 +6990,2158 @@
           </a:bodyPr>
           <a:lstStyle/>
           <a:p>
+            <a:pPr marL="342900" indent="-342900" algn="l">
+              <a:buFont typeface="Arial" panose="020B0604020202020204" pitchFamily="34" charset="0"/>
+              <a:buChar char="•"/>
+            </a:pPr>
+            <a:r>
+              <a:rPr lang="en-US" dirty="0" smtClean="0"/>
+              <a:t>@</a:t>
+            </a:r>
+            <a:endParaRPr lang="en-US" dirty="0" smtClean="0"/>
+          </a:p>
+        </p:txBody>
+      </p:sp>
+    </p:spTree>
+    <p:extLst>
+      <p:ext uri="{BB962C8B-B14F-4D97-AF65-F5344CB8AC3E}">
+        <p14:creationId xmlns:p14="http://schemas.microsoft.com/office/powerpoint/2010/main" val="3549094226"/>
+      </p:ext>
+    </p:extLst>
+  </p:cSld>
+  <p:clrMapOvr>
+    <a:masterClrMapping/>
+  </p:clrMapOvr>
+</p:sld>
+</file>
+
+<file path=ppt/slides/slide13.xml><?xml version="1.0" encoding="utf-8"?>
+<p:sld xmlns:a="http://schemas.openxmlformats.org/drawingml/2006/main" xmlns:r="http://schemas.openxmlformats.org/officeDocument/2006/relationships" xmlns:p="http://schemas.openxmlformats.org/presentationml/2006/main">
+  <p:cSld>
+    <p:spTree>
+      <p:nvGrpSpPr>
+        <p:cNvPr id="1" name=""/>
+        <p:cNvGrpSpPr/>
+        <p:nvPr/>
+      </p:nvGrpSpPr>
+      <p:grpSpPr>
+        <a:xfrm>
+          <a:off x="0" y="0"/>
+          <a:ext cx="0" cy="0"/>
+          <a:chOff x="0" y="0"/>
+          <a:chExt cx="0" cy="0"/>
+        </a:xfrm>
+      </p:grpSpPr>
+      <p:sp>
+        <p:nvSpPr>
+          <p:cNvPr id="2" name="Title 1"/>
+          <p:cNvSpPr>
+            <a:spLocks noGrp="1"/>
+          </p:cNvSpPr>
+          <p:nvPr>
+            <p:ph type="ctrTitle"/>
+          </p:nvPr>
+        </p:nvSpPr>
+        <p:spPr>
+          <a:xfrm>
+            <a:off x="685800" y="228600"/>
+            <a:ext cx="7772400" cy="685800"/>
+          </a:xfrm>
+        </p:spPr>
+        <p:txBody>
+          <a:bodyPr/>
+          <a:lstStyle/>
+          <a:p>
             <a:pPr algn="l"/>
             <a:r>
-              <a:rPr lang="en-US" sz="1800" dirty="0" smtClean="0"/>
-              <a:t>#my-form {</a:t>
-            </a:r>
-          </a:p>
+              <a:rPr lang="en-US" sz="4000" dirty="0" smtClean="0"/>
+              <a:t>LESS Operations</a:t>
+            </a:r>
+            <a:endParaRPr lang="en-US" sz="4000" dirty="0"/>
+          </a:p>
+        </p:txBody>
+      </p:sp>
+      <p:sp>
+        <p:nvSpPr>
+          <p:cNvPr id="4" name="Date Placeholder 3"/>
+          <p:cNvSpPr>
+            <a:spLocks noGrp="1"/>
+          </p:cNvSpPr>
+          <p:nvPr>
+            <p:ph type="dt" sz="half" idx="10"/>
+          </p:nvPr>
+        </p:nvSpPr>
+        <p:spPr/>
+        <p:txBody>
+          <a:bodyPr/>
+          <a:lstStyle/>
+          <a:p>
+            <a:fld id="{216C5678-EE20-4FA5-88E2-6E0BD67A2E26}" type="datetime1">
+              <a:rPr lang="en-US" smtClean="0"/>
+              <a:t>11/23/2015</a:t>
+            </a:fld>
+            <a:endParaRPr lang="en-US" dirty="0"/>
+          </a:p>
+        </p:txBody>
+      </p:sp>
+      <p:sp>
+        <p:nvSpPr>
+          <p:cNvPr id="5" name="Slide Number Placeholder 4"/>
+          <p:cNvSpPr>
+            <a:spLocks noGrp="1"/>
+          </p:cNvSpPr>
+          <p:nvPr>
+            <p:ph type="sldNum" sz="quarter" idx="11"/>
+          </p:nvPr>
+        </p:nvSpPr>
+        <p:spPr/>
+        <p:txBody>
+          <a:bodyPr/>
+          <a:lstStyle/>
+          <a:p>
+            <a:fld id="{BA9B540C-44DA-4F69-89C9-7C84606640D3}" type="slidenum">
+              <a:rPr lang="en-US" smtClean="0"/>
+              <a:pPr/>
+              <a:t>13</a:t>
+            </a:fld>
+            <a:endParaRPr lang="en-US" dirty="0"/>
+          </a:p>
+        </p:txBody>
+      </p:sp>
+      <p:sp>
+        <p:nvSpPr>
+          <p:cNvPr id="6" name="Footer Placeholder 5"/>
+          <p:cNvSpPr>
+            <a:spLocks noGrp="1"/>
+          </p:cNvSpPr>
+          <p:nvPr>
+            <p:ph type="ftr" sz="quarter" idx="12"/>
+          </p:nvPr>
+        </p:nvSpPr>
+        <p:spPr/>
+        <p:txBody>
+          <a:bodyPr/>
+          <a:lstStyle/>
+          <a:p>
+            <a:r>
+              <a:rPr lang="en-US" smtClean="0"/>
+              <a:t>Footer Text</a:t>
+            </a:r>
+            <a:endParaRPr lang="en-US" dirty="0"/>
+          </a:p>
+        </p:txBody>
+      </p:sp>
+      <p:sp>
+        <p:nvSpPr>
+          <p:cNvPr id="7" name="Subtitle 2"/>
+          <p:cNvSpPr>
+            <a:spLocks noGrp="1"/>
+          </p:cNvSpPr>
+          <p:nvPr>
+            <p:ph type="subTitle" idx="1"/>
+          </p:nvPr>
+        </p:nvSpPr>
+        <p:spPr>
+          <a:xfrm>
+            <a:off x="381000" y="1219200"/>
+            <a:ext cx="8153400" cy="4343400"/>
+          </a:xfrm>
+        </p:spPr>
+        <p:txBody>
+          <a:bodyPr>
+            <a:noAutofit/>
+          </a:bodyPr>
+          <a:lstStyle/>
+          <a:p>
+            <a:pPr marL="342900" indent="-342900" algn="l">
+              <a:buFont typeface="Arial" panose="020B0604020202020204" pitchFamily="34" charset="0"/>
+              <a:buChar char="•"/>
+            </a:pPr>
+            <a:r>
+              <a:rPr lang="en-US" dirty="0" smtClean="0"/>
+              <a:t>@</a:t>
+            </a:r>
+            <a:endParaRPr lang="en-US" dirty="0" smtClean="0"/>
+          </a:p>
+        </p:txBody>
+      </p:sp>
+    </p:spTree>
+    <p:extLst>
+      <p:ext uri="{BB962C8B-B14F-4D97-AF65-F5344CB8AC3E}">
+        <p14:creationId xmlns:p14="http://schemas.microsoft.com/office/powerpoint/2010/main" val="3210894682"/>
+      </p:ext>
+    </p:extLst>
+  </p:cSld>
+  <p:clrMapOvr>
+    <a:masterClrMapping/>
+  </p:clrMapOvr>
+</p:sld>
+</file>
+
+<file path=ppt/slides/slide14.xml><?xml version="1.0" encoding="utf-8"?>
+<p:sld xmlns:a="http://schemas.openxmlformats.org/drawingml/2006/main" xmlns:r="http://schemas.openxmlformats.org/officeDocument/2006/relationships" xmlns:p="http://schemas.openxmlformats.org/presentationml/2006/main">
+  <p:cSld>
+    <p:spTree>
+      <p:nvGrpSpPr>
+        <p:cNvPr id="1" name=""/>
+        <p:cNvGrpSpPr/>
+        <p:nvPr/>
+      </p:nvGrpSpPr>
+      <p:grpSpPr>
+        <a:xfrm>
+          <a:off x="0" y="0"/>
+          <a:ext cx="0" cy="0"/>
+          <a:chOff x="0" y="0"/>
+          <a:chExt cx="0" cy="0"/>
+        </a:xfrm>
+      </p:grpSpPr>
+      <p:sp>
+        <p:nvSpPr>
+          <p:cNvPr id="2" name="Title 1"/>
+          <p:cNvSpPr>
+            <a:spLocks noGrp="1"/>
+          </p:cNvSpPr>
+          <p:nvPr>
+            <p:ph type="ctrTitle"/>
+          </p:nvPr>
+        </p:nvSpPr>
+        <p:spPr>
+          <a:xfrm>
+            <a:off x="685800" y="228600"/>
+            <a:ext cx="7772400" cy="685800"/>
+          </a:xfrm>
+        </p:spPr>
+        <p:txBody>
+          <a:bodyPr/>
+          <a:lstStyle/>
           <a:p>
             <a:pPr algn="l"/>
             <a:r>
-              <a:rPr lang="en-US" sz="1800" dirty="0" smtClean="0"/>
-              <a:t>     width: 		200px;</a:t>
-            </a:r>
-          </a:p>
+              <a:rPr lang="en-US" sz="4000" dirty="0" smtClean="0"/>
+              <a:t>LESS Built-in Functions</a:t>
+            </a:r>
+            <a:endParaRPr lang="en-US" sz="4000" dirty="0"/>
+          </a:p>
+        </p:txBody>
+      </p:sp>
+      <p:sp>
+        <p:nvSpPr>
+          <p:cNvPr id="4" name="Date Placeholder 3"/>
+          <p:cNvSpPr>
+            <a:spLocks noGrp="1"/>
+          </p:cNvSpPr>
+          <p:nvPr>
+            <p:ph type="dt" sz="half" idx="10"/>
+          </p:nvPr>
+        </p:nvSpPr>
+        <p:spPr/>
+        <p:txBody>
+          <a:bodyPr/>
+          <a:lstStyle/>
+          <a:p>
+            <a:fld id="{216C5678-EE20-4FA5-88E2-6E0BD67A2E26}" type="datetime1">
+              <a:rPr lang="en-US" smtClean="0"/>
+              <a:t>11/23/2015</a:t>
+            </a:fld>
+            <a:endParaRPr lang="en-US" dirty="0"/>
+          </a:p>
+        </p:txBody>
+      </p:sp>
+      <p:sp>
+        <p:nvSpPr>
+          <p:cNvPr id="5" name="Slide Number Placeholder 4"/>
+          <p:cNvSpPr>
+            <a:spLocks noGrp="1"/>
+          </p:cNvSpPr>
+          <p:nvPr>
+            <p:ph type="sldNum" sz="quarter" idx="11"/>
+          </p:nvPr>
+        </p:nvSpPr>
+        <p:spPr/>
+        <p:txBody>
+          <a:bodyPr/>
+          <a:lstStyle/>
+          <a:p>
+            <a:fld id="{BA9B540C-44DA-4F69-89C9-7C84606640D3}" type="slidenum">
+              <a:rPr lang="en-US" smtClean="0"/>
+              <a:pPr/>
+              <a:t>14</a:t>
+            </a:fld>
+            <a:endParaRPr lang="en-US" dirty="0"/>
+          </a:p>
+        </p:txBody>
+      </p:sp>
+      <p:sp>
+        <p:nvSpPr>
+          <p:cNvPr id="6" name="Footer Placeholder 5"/>
+          <p:cNvSpPr>
+            <a:spLocks noGrp="1"/>
+          </p:cNvSpPr>
+          <p:nvPr>
+            <p:ph type="ftr" sz="quarter" idx="12"/>
+          </p:nvPr>
+        </p:nvSpPr>
+        <p:spPr/>
+        <p:txBody>
+          <a:bodyPr/>
+          <a:lstStyle/>
+          <a:p>
+            <a:r>
+              <a:rPr lang="en-US" smtClean="0"/>
+              <a:t>Footer Text</a:t>
+            </a:r>
+            <a:endParaRPr lang="en-US" dirty="0"/>
+          </a:p>
+        </p:txBody>
+      </p:sp>
+      <p:sp>
+        <p:nvSpPr>
+          <p:cNvPr id="7" name="Subtitle 2"/>
+          <p:cNvSpPr>
+            <a:spLocks noGrp="1"/>
+          </p:cNvSpPr>
+          <p:nvPr>
+            <p:ph type="subTitle" idx="1"/>
+          </p:nvPr>
+        </p:nvSpPr>
+        <p:spPr>
+          <a:xfrm>
+            <a:off x="381000" y="1219200"/>
+            <a:ext cx="8153400" cy="4343400"/>
+          </a:xfrm>
+        </p:spPr>
+        <p:txBody>
+          <a:bodyPr>
+            <a:noAutofit/>
+          </a:bodyPr>
+          <a:lstStyle/>
+          <a:p>
+            <a:pPr marL="342900" indent="-342900" algn="l">
+              <a:buFont typeface="Arial" panose="020B0604020202020204" pitchFamily="34" charset="0"/>
+              <a:buChar char="•"/>
+            </a:pPr>
+            <a:r>
+              <a:rPr lang="en-US" dirty="0" smtClean="0"/>
+              <a:t>@</a:t>
+            </a:r>
+            <a:endParaRPr lang="en-US" dirty="0" smtClean="0"/>
+          </a:p>
+        </p:txBody>
+      </p:sp>
+    </p:spTree>
+    <p:extLst>
+      <p:ext uri="{BB962C8B-B14F-4D97-AF65-F5344CB8AC3E}">
+        <p14:creationId xmlns:p14="http://schemas.microsoft.com/office/powerpoint/2010/main" val="2479938832"/>
+      </p:ext>
+    </p:extLst>
+  </p:cSld>
+  <p:clrMapOvr>
+    <a:masterClrMapping/>
+  </p:clrMapOvr>
+</p:sld>
+</file>
+
+<file path=ppt/slides/slide15.xml><?xml version="1.0" encoding="utf-8"?>
+<p:sld xmlns:a="http://schemas.openxmlformats.org/drawingml/2006/main" xmlns:r="http://schemas.openxmlformats.org/officeDocument/2006/relationships" xmlns:p="http://schemas.openxmlformats.org/presentationml/2006/main">
+  <p:cSld>
+    <p:spTree>
+      <p:nvGrpSpPr>
+        <p:cNvPr id="1" name=""/>
+        <p:cNvGrpSpPr/>
+        <p:nvPr/>
+      </p:nvGrpSpPr>
+      <p:grpSpPr>
+        <a:xfrm>
+          <a:off x="0" y="0"/>
+          <a:ext cx="0" cy="0"/>
+          <a:chOff x="0" y="0"/>
+          <a:chExt cx="0" cy="0"/>
+        </a:xfrm>
+      </p:grpSpPr>
+      <p:sp>
+        <p:nvSpPr>
+          <p:cNvPr id="2" name="Title 1"/>
+          <p:cNvSpPr>
+            <a:spLocks noGrp="1"/>
+          </p:cNvSpPr>
+          <p:nvPr>
+            <p:ph type="ctrTitle"/>
+          </p:nvPr>
+        </p:nvSpPr>
+        <p:spPr>
+          <a:xfrm>
+            <a:off x="685800" y="228600"/>
+            <a:ext cx="7772400" cy="685800"/>
+          </a:xfrm>
+        </p:spPr>
+        <p:txBody>
+          <a:bodyPr/>
+          <a:lstStyle/>
           <a:p>
             <a:pPr algn="l"/>
             <a:r>
-              <a:rPr lang="en-US" sz="1800" dirty="0"/>
+              <a:rPr lang="en-US" sz="4000" dirty="0" smtClean="0"/>
+              <a:t>LESS Mix-in</a:t>
+            </a:r>
+            <a:endParaRPr lang="en-US" sz="4000" dirty="0"/>
+          </a:p>
+        </p:txBody>
+      </p:sp>
+      <p:sp>
+        <p:nvSpPr>
+          <p:cNvPr id="4" name="Date Placeholder 3"/>
+          <p:cNvSpPr>
+            <a:spLocks noGrp="1"/>
+          </p:cNvSpPr>
+          <p:nvPr>
+            <p:ph type="dt" sz="half" idx="10"/>
+          </p:nvPr>
+        </p:nvSpPr>
+        <p:spPr/>
+        <p:txBody>
+          <a:bodyPr/>
+          <a:lstStyle/>
+          <a:p>
+            <a:fld id="{216C5678-EE20-4FA5-88E2-6E0BD67A2E26}" type="datetime1">
+              <a:rPr lang="en-US" smtClean="0"/>
+              <a:t>11/23/2015</a:t>
+            </a:fld>
+            <a:endParaRPr lang="en-US" dirty="0"/>
+          </a:p>
+        </p:txBody>
+      </p:sp>
+      <p:sp>
+        <p:nvSpPr>
+          <p:cNvPr id="5" name="Slide Number Placeholder 4"/>
+          <p:cNvSpPr>
+            <a:spLocks noGrp="1"/>
+          </p:cNvSpPr>
+          <p:nvPr>
+            <p:ph type="sldNum" sz="quarter" idx="11"/>
+          </p:nvPr>
+        </p:nvSpPr>
+        <p:spPr/>
+        <p:txBody>
+          <a:bodyPr/>
+          <a:lstStyle/>
+          <a:p>
+            <a:fld id="{BA9B540C-44DA-4F69-89C9-7C84606640D3}" type="slidenum">
+              <a:rPr lang="en-US" smtClean="0"/>
+              <a:pPr/>
+              <a:t>15</a:t>
+            </a:fld>
+            <a:endParaRPr lang="en-US" dirty="0"/>
+          </a:p>
+        </p:txBody>
+      </p:sp>
+      <p:sp>
+        <p:nvSpPr>
+          <p:cNvPr id="6" name="Footer Placeholder 5"/>
+          <p:cNvSpPr>
+            <a:spLocks noGrp="1"/>
+          </p:cNvSpPr>
+          <p:nvPr>
+            <p:ph type="ftr" sz="quarter" idx="12"/>
+          </p:nvPr>
+        </p:nvSpPr>
+        <p:spPr/>
+        <p:txBody>
+          <a:bodyPr/>
+          <a:lstStyle/>
+          <a:p>
+            <a:r>
+              <a:rPr lang="en-US" smtClean="0"/>
+              <a:t>Footer Text</a:t>
+            </a:r>
+            <a:endParaRPr lang="en-US" dirty="0"/>
+          </a:p>
+        </p:txBody>
+      </p:sp>
+      <p:sp>
+        <p:nvSpPr>
+          <p:cNvPr id="7" name="Subtitle 2"/>
+          <p:cNvSpPr>
+            <a:spLocks noGrp="1"/>
+          </p:cNvSpPr>
+          <p:nvPr>
+            <p:ph type="subTitle" idx="1"/>
+          </p:nvPr>
+        </p:nvSpPr>
+        <p:spPr>
+          <a:xfrm>
+            <a:off x="381000" y="1219200"/>
+            <a:ext cx="8153400" cy="4343400"/>
+          </a:xfrm>
+        </p:spPr>
+        <p:txBody>
+          <a:bodyPr>
+            <a:noAutofit/>
+          </a:bodyPr>
+          <a:lstStyle/>
+          <a:p>
+            <a:pPr marL="342900" indent="-342900" algn="l">
+              <a:buFont typeface="Arial" panose="020B0604020202020204" pitchFamily="34" charset="0"/>
+              <a:buChar char="•"/>
+            </a:pPr>
+            <a:r>
+              <a:rPr lang="en-US" dirty="0" smtClean="0"/>
+              <a:t>@</a:t>
+            </a:r>
+            <a:endParaRPr lang="en-US" dirty="0" smtClean="0"/>
+          </a:p>
+        </p:txBody>
+      </p:sp>
+    </p:spTree>
+    <p:extLst>
+      <p:ext uri="{BB962C8B-B14F-4D97-AF65-F5344CB8AC3E}">
+        <p14:creationId xmlns:p14="http://schemas.microsoft.com/office/powerpoint/2010/main" val="964400334"/>
+      </p:ext>
+    </p:extLst>
+  </p:cSld>
+  <p:clrMapOvr>
+    <a:masterClrMapping/>
+  </p:clrMapOvr>
+</p:sld>
+</file>
+
+<file path=ppt/slides/slide16.xml><?xml version="1.0" encoding="utf-8"?>
+<p:sld xmlns:a="http://schemas.openxmlformats.org/drawingml/2006/main" xmlns:r="http://schemas.openxmlformats.org/officeDocument/2006/relationships" xmlns:p="http://schemas.openxmlformats.org/presentationml/2006/main">
+  <p:cSld>
+    <p:spTree>
+      <p:nvGrpSpPr>
+        <p:cNvPr id="1" name=""/>
+        <p:cNvGrpSpPr/>
+        <p:nvPr/>
+      </p:nvGrpSpPr>
+      <p:grpSpPr>
+        <a:xfrm>
+          <a:off x="0" y="0"/>
+          <a:ext cx="0" cy="0"/>
+          <a:chOff x="0" y="0"/>
+          <a:chExt cx="0" cy="0"/>
+        </a:xfrm>
+      </p:grpSpPr>
+      <p:sp>
+        <p:nvSpPr>
+          <p:cNvPr id="2" name="Title 1"/>
+          <p:cNvSpPr>
+            <a:spLocks noGrp="1"/>
+          </p:cNvSpPr>
+          <p:nvPr>
+            <p:ph type="ctrTitle"/>
+          </p:nvPr>
+        </p:nvSpPr>
+        <p:spPr>
+          <a:xfrm>
+            <a:off x="685800" y="228600"/>
+            <a:ext cx="7772400" cy="685800"/>
+          </a:xfrm>
+        </p:spPr>
+        <p:txBody>
+          <a:bodyPr/>
+          <a:lstStyle/>
+          <a:p>
+            <a:pPr algn="l"/>
+            <a:r>
+              <a:rPr lang="en-US" sz="4000" dirty="0" smtClean="0"/>
+              <a:t>LESS Built-in Functions</a:t>
+            </a:r>
+            <a:endParaRPr lang="en-US" sz="4000" dirty="0"/>
+          </a:p>
+        </p:txBody>
+      </p:sp>
+      <p:sp>
+        <p:nvSpPr>
+          <p:cNvPr id="4" name="Date Placeholder 3"/>
+          <p:cNvSpPr>
+            <a:spLocks noGrp="1"/>
+          </p:cNvSpPr>
+          <p:nvPr>
+            <p:ph type="dt" sz="half" idx="10"/>
+          </p:nvPr>
+        </p:nvSpPr>
+        <p:spPr/>
+        <p:txBody>
+          <a:bodyPr/>
+          <a:lstStyle/>
+          <a:p>
+            <a:fld id="{216C5678-EE20-4FA5-88E2-6E0BD67A2E26}" type="datetime1">
+              <a:rPr lang="en-US" smtClean="0"/>
+              <a:t>11/23/2015</a:t>
+            </a:fld>
+            <a:endParaRPr lang="en-US" dirty="0"/>
+          </a:p>
+        </p:txBody>
+      </p:sp>
+      <p:sp>
+        <p:nvSpPr>
+          <p:cNvPr id="5" name="Slide Number Placeholder 4"/>
+          <p:cNvSpPr>
+            <a:spLocks noGrp="1"/>
+          </p:cNvSpPr>
+          <p:nvPr>
+            <p:ph type="sldNum" sz="quarter" idx="11"/>
+          </p:nvPr>
+        </p:nvSpPr>
+        <p:spPr/>
+        <p:txBody>
+          <a:bodyPr/>
+          <a:lstStyle/>
+          <a:p>
+            <a:fld id="{BA9B540C-44DA-4F69-89C9-7C84606640D3}" type="slidenum">
+              <a:rPr lang="en-US" smtClean="0"/>
+              <a:pPr/>
+              <a:t>16</a:t>
+            </a:fld>
+            <a:endParaRPr lang="en-US" dirty="0"/>
+          </a:p>
+        </p:txBody>
+      </p:sp>
+      <p:sp>
+        <p:nvSpPr>
+          <p:cNvPr id="6" name="Footer Placeholder 5"/>
+          <p:cNvSpPr>
+            <a:spLocks noGrp="1"/>
+          </p:cNvSpPr>
+          <p:nvPr>
+            <p:ph type="ftr" sz="quarter" idx="12"/>
+          </p:nvPr>
+        </p:nvSpPr>
+        <p:spPr/>
+        <p:txBody>
+          <a:bodyPr/>
+          <a:lstStyle/>
+          <a:p>
+            <a:r>
+              <a:rPr lang="en-US" smtClean="0"/>
+              <a:t>Footer Text</a:t>
+            </a:r>
+            <a:endParaRPr lang="en-US" dirty="0"/>
+          </a:p>
+        </p:txBody>
+      </p:sp>
+      <p:sp>
+        <p:nvSpPr>
+          <p:cNvPr id="7" name="Subtitle 2"/>
+          <p:cNvSpPr>
+            <a:spLocks noGrp="1"/>
+          </p:cNvSpPr>
+          <p:nvPr>
+            <p:ph type="subTitle" idx="1"/>
+          </p:nvPr>
+        </p:nvSpPr>
+        <p:spPr>
+          <a:xfrm>
+            <a:off x="381000" y="1219200"/>
+            <a:ext cx="8153400" cy="4343400"/>
+          </a:xfrm>
+        </p:spPr>
+        <p:txBody>
+          <a:bodyPr>
+            <a:noAutofit/>
+          </a:bodyPr>
+          <a:lstStyle/>
+          <a:p>
+            <a:pPr marL="342900" indent="-342900" algn="l">
+              <a:buFont typeface="Arial" panose="020B0604020202020204" pitchFamily="34" charset="0"/>
+              <a:buChar char="•"/>
+            </a:pPr>
+            <a:r>
+              <a:rPr lang="en-US" dirty="0" smtClean="0"/>
+              <a:t>“Function”</a:t>
+            </a:r>
+          </a:p>
+          <a:p>
+            <a:pPr marL="342900" indent="-342900" algn="l">
+              <a:buFont typeface="Arial" panose="020B0604020202020204" pitchFamily="34" charset="0"/>
+              <a:buChar char="•"/>
+            </a:pPr>
+            <a:r>
+              <a:rPr lang="en-US" dirty="0" smtClean="0"/>
+              <a:t>Alias for more than 1 rules.</a:t>
+            </a:r>
+            <a:endParaRPr lang="en-US" dirty="0" smtClean="0"/>
+          </a:p>
+        </p:txBody>
+      </p:sp>
+    </p:spTree>
+    <p:extLst>
+      <p:ext uri="{BB962C8B-B14F-4D97-AF65-F5344CB8AC3E}">
+        <p14:creationId xmlns:p14="http://schemas.microsoft.com/office/powerpoint/2010/main" val="964400334"/>
+      </p:ext>
+    </p:extLst>
+  </p:cSld>
+  <p:clrMapOvr>
+    <a:masterClrMapping/>
+  </p:clrMapOvr>
+</p:sld>
+</file>
+
+<file path=ppt/slides/slide17.xml><?xml version="1.0" encoding="utf-8"?>
+<p:sld xmlns:a="http://schemas.openxmlformats.org/drawingml/2006/main" xmlns:r="http://schemas.openxmlformats.org/officeDocument/2006/relationships" xmlns:p="http://schemas.openxmlformats.org/presentationml/2006/main">
+  <p:cSld>
+    <p:spTree>
+      <p:nvGrpSpPr>
+        <p:cNvPr id="1" name=""/>
+        <p:cNvGrpSpPr/>
+        <p:nvPr/>
+      </p:nvGrpSpPr>
+      <p:grpSpPr>
+        <a:xfrm>
+          <a:off x="0" y="0"/>
+          <a:ext cx="0" cy="0"/>
+          <a:chOff x="0" y="0"/>
+          <a:chExt cx="0" cy="0"/>
+        </a:xfrm>
+      </p:grpSpPr>
+      <p:sp>
+        <p:nvSpPr>
+          <p:cNvPr id="2" name="Title 1"/>
+          <p:cNvSpPr>
+            <a:spLocks noGrp="1"/>
+          </p:cNvSpPr>
+          <p:nvPr>
+            <p:ph type="ctrTitle"/>
+          </p:nvPr>
+        </p:nvSpPr>
+        <p:spPr>
+          <a:xfrm>
+            <a:off x="685800" y="228600"/>
+            <a:ext cx="7772400" cy="685800"/>
+          </a:xfrm>
+        </p:spPr>
+        <p:txBody>
+          <a:bodyPr/>
+          <a:lstStyle/>
+          <a:p>
+            <a:pPr algn="l"/>
+            <a:r>
+              <a:rPr lang="en-US" sz="4000" dirty="0" smtClean="0"/>
+              <a:t>xx</a:t>
+            </a:r>
+            <a:r>
+              <a:rPr lang="en-US" sz="4000" dirty="0" smtClean="0"/>
+              <a:t>?</a:t>
+            </a:r>
+            <a:endParaRPr lang="en-US" sz="4000" dirty="0"/>
+          </a:p>
+        </p:txBody>
+      </p:sp>
+      <p:sp>
+        <p:nvSpPr>
+          <p:cNvPr id="4" name="Date Placeholder 3"/>
+          <p:cNvSpPr>
+            <a:spLocks noGrp="1"/>
+          </p:cNvSpPr>
+          <p:nvPr>
+            <p:ph type="dt" sz="half" idx="10"/>
+          </p:nvPr>
+        </p:nvSpPr>
+        <p:spPr/>
+        <p:txBody>
+          <a:bodyPr/>
+          <a:lstStyle/>
+          <a:p>
+            <a:fld id="{216C5678-EE20-4FA5-88E2-6E0BD67A2E26}" type="datetime1">
+              <a:rPr lang="en-US" smtClean="0"/>
+              <a:t>11/23/2015</a:t>
+            </a:fld>
+            <a:endParaRPr lang="en-US" dirty="0"/>
+          </a:p>
+        </p:txBody>
+      </p:sp>
+      <p:sp>
+        <p:nvSpPr>
+          <p:cNvPr id="5" name="Slide Number Placeholder 4"/>
+          <p:cNvSpPr>
+            <a:spLocks noGrp="1"/>
+          </p:cNvSpPr>
+          <p:nvPr>
+            <p:ph type="sldNum" sz="quarter" idx="11"/>
+          </p:nvPr>
+        </p:nvSpPr>
+        <p:spPr/>
+        <p:txBody>
+          <a:bodyPr/>
+          <a:lstStyle/>
+          <a:p>
+            <a:fld id="{BA9B540C-44DA-4F69-89C9-7C84606640D3}" type="slidenum">
+              <a:rPr lang="en-US" smtClean="0"/>
+              <a:pPr/>
+              <a:t>17</a:t>
+            </a:fld>
+            <a:endParaRPr lang="en-US" dirty="0"/>
+          </a:p>
+        </p:txBody>
+      </p:sp>
+      <p:sp>
+        <p:nvSpPr>
+          <p:cNvPr id="6" name="Footer Placeholder 5"/>
+          <p:cNvSpPr>
+            <a:spLocks noGrp="1"/>
+          </p:cNvSpPr>
+          <p:nvPr>
+            <p:ph type="ftr" sz="quarter" idx="12"/>
+          </p:nvPr>
+        </p:nvSpPr>
+        <p:spPr/>
+        <p:txBody>
+          <a:bodyPr/>
+          <a:lstStyle/>
+          <a:p>
+            <a:r>
+              <a:rPr lang="en-US" smtClean="0"/>
+              <a:t>Footer Text</a:t>
+            </a:r>
+            <a:endParaRPr lang="en-US" dirty="0"/>
+          </a:p>
+        </p:txBody>
+      </p:sp>
+      <p:sp>
+        <p:nvSpPr>
+          <p:cNvPr id="7" name="Subtitle 2"/>
+          <p:cNvSpPr>
+            <a:spLocks noGrp="1"/>
+          </p:cNvSpPr>
+          <p:nvPr>
+            <p:ph type="subTitle" idx="1"/>
+          </p:nvPr>
+        </p:nvSpPr>
+        <p:spPr>
+          <a:xfrm>
+            <a:off x="381000" y="1219200"/>
+            <a:ext cx="8153400" cy="4343400"/>
+          </a:xfrm>
+        </p:spPr>
+        <p:txBody>
+          <a:bodyPr>
+            <a:noAutofit/>
+          </a:bodyPr>
+          <a:lstStyle/>
+          <a:p>
+            <a:pPr marL="342900" indent="-342900" algn="l">
+              <a:buFont typeface="Arial" panose="020B0604020202020204" pitchFamily="34" charset="0"/>
+              <a:buChar char="•"/>
+            </a:pPr>
+            <a:r>
+              <a:rPr lang="en-US" dirty="0" smtClean="0"/>
+              <a:t>xx</a:t>
+            </a:r>
+            <a:endParaRPr lang="en-US" dirty="0" smtClean="0"/>
+          </a:p>
+        </p:txBody>
+      </p:sp>
+    </p:spTree>
+    <p:extLst>
+      <p:ext uri="{BB962C8B-B14F-4D97-AF65-F5344CB8AC3E}">
+        <p14:creationId xmlns:p14="http://schemas.microsoft.com/office/powerpoint/2010/main" val="1723776773"/>
+      </p:ext>
+    </p:extLst>
+  </p:cSld>
+  <p:clrMapOvr>
+    <a:masterClrMapping/>
+  </p:clrMapOvr>
+</p:sld>
+</file>
+
+<file path=ppt/slides/slide2.xml><?xml version="1.0" encoding="utf-8"?>
+<p:sld xmlns:a="http://schemas.openxmlformats.org/drawingml/2006/main" xmlns:r="http://schemas.openxmlformats.org/officeDocument/2006/relationships" xmlns:p="http://schemas.openxmlformats.org/presentationml/2006/main">
+  <p:cSld>
+    <p:spTree>
+      <p:nvGrpSpPr>
+        <p:cNvPr id="1" name=""/>
+        <p:cNvGrpSpPr/>
+        <p:nvPr/>
+      </p:nvGrpSpPr>
+      <p:grpSpPr>
+        <a:xfrm>
+          <a:off x="0" y="0"/>
+          <a:ext cx="0" cy="0"/>
+          <a:chOff x="0" y="0"/>
+          <a:chExt cx="0" cy="0"/>
+        </a:xfrm>
+      </p:grpSpPr>
+      <p:sp>
+        <p:nvSpPr>
+          <p:cNvPr id="2" name="Title 1"/>
+          <p:cNvSpPr>
+            <a:spLocks noGrp="1"/>
+          </p:cNvSpPr>
+          <p:nvPr>
+            <p:ph type="ctrTitle"/>
+          </p:nvPr>
+        </p:nvSpPr>
+        <p:spPr>
+          <a:xfrm>
+            <a:off x="685800" y="228600"/>
+            <a:ext cx="7772400" cy="685800"/>
+          </a:xfrm>
+        </p:spPr>
+        <p:txBody>
+          <a:bodyPr/>
+          <a:lstStyle/>
+          <a:p>
+            <a:pPr algn="l"/>
+            <a:r>
+              <a:rPr lang="en-US" sz="4000" dirty="0" smtClean="0"/>
+              <a:t>Agenda</a:t>
+            </a:r>
+            <a:endParaRPr lang="en-US" sz="4000" dirty="0"/>
+          </a:p>
+        </p:txBody>
+      </p:sp>
+      <p:sp>
+        <p:nvSpPr>
+          <p:cNvPr id="3" name="Subtitle 2"/>
+          <p:cNvSpPr>
+            <a:spLocks noGrp="1"/>
+          </p:cNvSpPr>
+          <p:nvPr>
+            <p:ph type="subTitle" idx="1"/>
+          </p:nvPr>
+        </p:nvSpPr>
+        <p:spPr>
+          <a:xfrm>
+            <a:off x="762000" y="1219200"/>
+            <a:ext cx="7315200" cy="4343400"/>
+          </a:xfrm>
+        </p:spPr>
+        <p:txBody>
+          <a:bodyPr>
+            <a:noAutofit/>
+          </a:bodyPr>
+          <a:lstStyle/>
+          <a:p>
+            <a:pPr marL="342900" indent="-342900" algn="l">
+              <a:buFont typeface="Arial" panose="020B0604020202020204" pitchFamily="34" charset="0"/>
+              <a:buChar char="•"/>
+            </a:pPr>
+            <a:r>
+              <a:rPr lang="en-US" sz="3200" dirty="0" smtClean="0"/>
+              <a:t>CSS Pain.</a:t>
+            </a:r>
+          </a:p>
+          <a:p>
+            <a:pPr marL="342900" indent="-342900" algn="l">
+              <a:buFont typeface="Arial" panose="020B0604020202020204" pitchFamily="34" charset="0"/>
+              <a:buChar char="•"/>
+            </a:pPr>
+            <a:r>
+              <a:rPr lang="en-US" sz="3200" dirty="0"/>
+              <a:t>Why LESS?</a:t>
+            </a:r>
+          </a:p>
+          <a:p>
+            <a:pPr marL="342900" indent="-342900" algn="l">
+              <a:buFont typeface="Arial" panose="020B0604020202020204" pitchFamily="34" charset="0"/>
+              <a:buChar char="•"/>
+            </a:pPr>
+            <a:r>
+              <a:rPr lang="en-US" sz="3200" dirty="0" smtClean="0"/>
+              <a:t>Grunt &amp; LESS compiler</a:t>
+            </a:r>
+          </a:p>
+          <a:p>
+            <a:pPr marL="342900" indent="-342900" algn="l">
+              <a:buFont typeface="Arial" panose="020B0604020202020204" pitchFamily="34" charset="0"/>
+              <a:buChar char="•"/>
+            </a:pPr>
+            <a:endParaRPr lang="en-US" sz="3200" dirty="0" smtClean="0"/>
+          </a:p>
+        </p:txBody>
+      </p:sp>
+      <p:sp>
+        <p:nvSpPr>
+          <p:cNvPr id="4" name="Date Placeholder 3"/>
+          <p:cNvSpPr>
+            <a:spLocks noGrp="1"/>
+          </p:cNvSpPr>
+          <p:nvPr>
+            <p:ph type="dt" sz="half" idx="10"/>
+          </p:nvPr>
+        </p:nvSpPr>
+        <p:spPr/>
+        <p:txBody>
+          <a:bodyPr/>
+          <a:lstStyle/>
+          <a:p>
+            <a:fld id="{216C5678-EE20-4FA5-88E2-6E0BD67A2E26}" type="datetime1">
+              <a:rPr lang="en-US" smtClean="0"/>
+              <a:t>11/23/2015</a:t>
+            </a:fld>
+            <a:endParaRPr lang="en-US" dirty="0"/>
+          </a:p>
+        </p:txBody>
+      </p:sp>
+      <p:sp>
+        <p:nvSpPr>
+          <p:cNvPr id="5" name="Slide Number Placeholder 4"/>
+          <p:cNvSpPr>
+            <a:spLocks noGrp="1"/>
+          </p:cNvSpPr>
+          <p:nvPr>
+            <p:ph type="sldNum" sz="quarter" idx="11"/>
+          </p:nvPr>
+        </p:nvSpPr>
+        <p:spPr/>
+        <p:txBody>
+          <a:bodyPr/>
+          <a:lstStyle/>
+          <a:p>
+            <a:fld id="{BA9B540C-44DA-4F69-89C9-7C84606640D3}" type="slidenum">
+              <a:rPr lang="en-US" smtClean="0"/>
+              <a:pPr/>
+              <a:t>2</a:t>
+            </a:fld>
+            <a:endParaRPr lang="en-US" dirty="0"/>
+          </a:p>
+        </p:txBody>
+      </p:sp>
+      <p:sp>
+        <p:nvSpPr>
+          <p:cNvPr id="6" name="Footer Placeholder 5"/>
+          <p:cNvSpPr>
+            <a:spLocks noGrp="1"/>
+          </p:cNvSpPr>
+          <p:nvPr>
+            <p:ph type="ftr" sz="quarter" idx="12"/>
+          </p:nvPr>
+        </p:nvSpPr>
+        <p:spPr/>
+        <p:txBody>
+          <a:bodyPr/>
+          <a:lstStyle/>
+          <a:p>
+            <a:r>
+              <a:rPr lang="en-US" smtClean="0"/>
+              <a:t>Footer Text</a:t>
+            </a:r>
+            <a:endParaRPr lang="en-US" dirty="0"/>
+          </a:p>
+        </p:txBody>
+      </p:sp>
+    </p:spTree>
+    <p:extLst>
+      <p:ext uri="{BB962C8B-B14F-4D97-AF65-F5344CB8AC3E}">
+        <p14:creationId xmlns:p14="http://schemas.microsoft.com/office/powerpoint/2010/main" val="1112403685"/>
+      </p:ext>
+    </p:extLst>
+  </p:cSld>
+  <p:clrMapOvr>
+    <a:masterClrMapping/>
+  </p:clrMapOvr>
+</p:sld>
+</file>
+
+<file path=ppt/slides/slide3.xml><?xml version="1.0" encoding="utf-8"?>
+<p:sld xmlns:a="http://schemas.openxmlformats.org/drawingml/2006/main" xmlns:r="http://schemas.openxmlformats.org/officeDocument/2006/relationships" xmlns:p="http://schemas.openxmlformats.org/presentationml/2006/main">
+  <p:cSld>
+    <p:spTree>
+      <p:nvGrpSpPr>
+        <p:cNvPr id="1" name=""/>
+        <p:cNvGrpSpPr/>
+        <p:nvPr/>
+      </p:nvGrpSpPr>
+      <p:grpSpPr>
+        <a:xfrm>
+          <a:off x="0" y="0"/>
+          <a:ext cx="0" cy="0"/>
+          <a:chOff x="0" y="0"/>
+          <a:chExt cx="0" cy="0"/>
+        </a:xfrm>
+      </p:grpSpPr>
+      <p:sp>
+        <p:nvSpPr>
+          <p:cNvPr id="2" name="Title 1"/>
+          <p:cNvSpPr>
+            <a:spLocks noGrp="1"/>
+          </p:cNvSpPr>
+          <p:nvPr>
+            <p:ph type="ctrTitle"/>
+          </p:nvPr>
+        </p:nvSpPr>
+        <p:spPr>
+          <a:xfrm>
+            <a:off x="685800" y="228600"/>
+            <a:ext cx="7772400" cy="685800"/>
+          </a:xfrm>
+        </p:spPr>
+        <p:txBody>
+          <a:bodyPr/>
+          <a:lstStyle/>
+          <a:p>
+            <a:pPr algn="l"/>
+            <a:r>
+              <a:rPr lang="en-US" sz="4000" dirty="0" smtClean="0"/>
+              <a:t>Demo App</a:t>
+            </a:r>
+            <a:endParaRPr lang="en-US" sz="4000" dirty="0"/>
+          </a:p>
+        </p:txBody>
+      </p:sp>
+      <p:sp>
+        <p:nvSpPr>
+          <p:cNvPr id="4" name="Date Placeholder 3"/>
+          <p:cNvSpPr>
+            <a:spLocks noGrp="1"/>
+          </p:cNvSpPr>
+          <p:nvPr>
+            <p:ph type="dt" sz="half" idx="10"/>
+          </p:nvPr>
+        </p:nvSpPr>
+        <p:spPr/>
+        <p:txBody>
+          <a:bodyPr/>
+          <a:lstStyle/>
+          <a:p>
+            <a:fld id="{216C5678-EE20-4FA5-88E2-6E0BD67A2E26}" type="datetime1">
+              <a:rPr lang="en-US" smtClean="0"/>
+              <a:t>11/23/2015</a:t>
+            </a:fld>
+            <a:endParaRPr lang="en-US" dirty="0"/>
+          </a:p>
+        </p:txBody>
+      </p:sp>
+      <p:sp>
+        <p:nvSpPr>
+          <p:cNvPr id="5" name="Slide Number Placeholder 4"/>
+          <p:cNvSpPr>
+            <a:spLocks noGrp="1"/>
+          </p:cNvSpPr>
+          <p:nvPr>
+            <p:ph type="sldNum" sz="quarter" idx="11"/>
+          </p:nvPr>
+        </p:nvSpPr>
+        <p:spPr/>
+        <p:txBody>
+          <a:bodyPr/>
+          <a:lstStyle/>
+          <a:p>
+            <a:fld id="{BA9B540C-44DA-4F69-89C9-7C84606640D3}" type="slidenum">
+              <a:rPr lang="en-US" smtClean="0"/>
+              <a:pPr/>
+              <a:t>3</a:t>
+            </a:fld>
+            <a:endParaRPr lang="en-US" dirty="0"/>
+          </a:p>
+        </p:txBody>
+      </p:sp>
+      <p:sp>
+        <p:nvSpPr>
+          <p:cNvPr id="6" name="Footer Placeholder 5"/>
+          <p:cNvSpPr>
+            <a:spLocks noGrp="1"/>
+          </p:cNvSpPr>
+          <p:nvPr>
+            <p:ph type="ftr" sz="quarter" idx="12"/>
+          </p:nvPr>
+        </p:nvSpPr>
+        <p:spPr/>
+        <p:txBody>
+          <a:bodyPr/>
+          <a:lstStyle/>
+          <a:p>
+            <a:r>
+              <a:rPr lang="en-US" smtClean="0"/>
+              <a:t>Footer Text</a:t>
+            </a:r>
+            <a:endParaRPr lang="en-US" dirty="0"/>
+          </a:p>
+        </p:txBody>
+      </p:sp>
+      <p:pic>
+        <p:nvPicPr>
+          <p:cNvPr id="1026" name="Picture 2"/>
+          <p:cNvPicPr>
+            <a:picLocks noChangeAspect="1" noChangeArrowheads="1"/>
+          </p:cNvPicPr>
+          <p:nvPr/>
+        </p:nvPicPr>
+        <p:blipFill>
+          <a:blip r:embed="rId2">
+            <a:extLst>
+              <a:ext uri="{28A0092B-C50C-407E-A947-70E740481C1C}">
+                <a14:useLocalDpi xmlns:a14="http://schemas.microsoft.com/office/drawing/2010/main" val="0"/>
+              </a:ext>
+            </a:extLst>
+          </a:blip>
+          <a:srcRect/>
+          <a:stretch>
+            <a:fillRect/>
+          </a:stretch>
+        </p:blipFill>
+        <p:spPr bwMode="auto">
+          <a:xfrm>
+            <a:off x="762000" y="990601"/>
+            <a:ext cx="4485511" cy="2209800"/>
+          </a:xfrm>
+          <a:prstGeom prst="rect">
+            <a:avLst/>
+          </a:prstGeom>
+          <a:noFill/>
+          <a:ln>
+            <a:noFill/>
+          </a:ln>
+          <a:extLst>
+            <a:ext uri="{909E8E84-426E-40DD-AFC4-6F175D3DCCD1}">
+              <a14:hiddenFill xmlns:a14="http://schemas.microsoft.com/office/drawing/2010/main">
+                <a:solidFill>
+                  <a:schemeClr val="accent1"/>
+                </a:solidFill>
+              </a14:hiddenFill>
+            </a:ext>
+            <a:ext uri="{91240B29-F687-4F45-9708-019B960494DF}">
+              <a14:hiddenLine xmlns:a14="http://schemas.microsoft.com/office/drawing/2010/main" w="9525">
+                <a:solidFill>
+                  <a:schemeClr val="tx1"/>
+                </a:solidFill>
+                <a:miter lim="800000"/>
+                <a:headEnd/>
+                <a:tailEnd/>
+              </a14:hiddenLine>
+            </a:ext>
+          </a:extLst>
+        </p:spPr>
+      </p:pic>
+      <p:pic>
+        <p:nvPicPr>
+          <p:cNvPr id="1027" name="Picture 3"/>
+          <p:cNvPicPr>
+            <a:picLocks noChangeAspect="1" noChangeArrowheads="1"/>
+          </p:cNvPicPr>
+          <p:nvPr/>
+        </p:nvPicPr>
+        <p:blipFill>
+          <a:blip r:embed="rId3">
+            <a:extLst>
+              <a:ext uri="{28A0092B-C50C-407E-A947-70E740481C1C}">
+                <a14:useLocalDpi xmlns:a14="http://schemas.microsoft.com/office/drawing/2010/main" val="0"/>
+              </a:ext>
+            </a:extLst>
+          </a:blip>
+          <a:srcRect/>
+          <a:stretch>
+            <a:fillRect/>
+          </a:stretch>
+        </p:blipFill>
+        <p:spPr bwMode="auto">
+          <a:xfrm>
+            <a:off x="802351" y="3429000"/>
+            <a:ext cx="4503738" cy="2412631"/>
+          </a:xfrm>
+          <a:prstGeom prst="rect">
+            <a:avLst/>
+          </a:prstGeom>
+          <a:noFill/>
+          <a:ln>
+            <a:noFill/>
+          </a:ln>
+          <a:extLst>
+            <a:ext uri="{909E8E84-426E-40DD-AFC4-6F175D3DCCD1}">
+              <a14:hiddenFill xmlns:a14="http://schemas.microsoft.com/office/drawing/2010/main">
+                <a:solidFill>
+                  <a:schemeClr val="accent1"/>
+                </a:solidFill>
+              </a14:hiddenFill>
+            </a:ext>
+            <a:ext uri="{91240B29-F687-4F45-9708-019B960494DF}">
+              <a14:hiddenLine xmlns:a14="http://schemas.microsoft.com/office/drawing/2010/main" w="9525">
+                <a:solidFill>
+                  <a:schemeClr val="tx1"/>
+                </a:solidFill>
+                <a:miter lim="800000"/>
+                <a:headEnd/>
+                <a:tailEnd/>
+              </a14:hiddenLine>
+            </a:ext>
+          </a:extLst>
+        </p:spPr>
+      </p:pic>
+    </p:spTree>
+    <p:extLst>
+      <p:ext uri="{BB962C8B-B14F-4D97-AF65-F5344CB8AC3E}">
+        <p14:creationId xmlns:p14="http://schemas.microsoft.com/office/powerpoint/2010/main" val="2586824754"/>
+      </p:ext>
+    </p:extLst>
+  </p:cSld>
+  <p:clrMapOvr>
+    <a:masterClrMapping/>
+  </p:clrMapOvr>
+</p:sld>
+</file>
+
+<file path=ppt/slides/slide4.xml><?xml version="1.0" encoding="utf-8"?>
+<p:sld xmlns:a="http://schemas.openxmlformats.org/drawingml/2006/main" xmlns:r="http://schemas.openxmlformats.org/officeDocument/2006/relationships" xmlns:p="http://schemas.openxmlformats.org/presentationml/2006/main">
+  <p:cSld>
+    <p:spTree>
+      <p:nvGrpSpPr>
+        <p:cNvPr id="1" name=""/>
+        <p:cNvGrpSpPr/>
+        <p:nvPr/>
+      </p:nvGrpSpPr>
+      <p:grpSpPr>
+        <a:xfrm>
+          <a:off x="0" y="0"/>
+          <a:ext cx="0" cy="0"/>
+          <a:chOff x="0" y="0"/>
+          <a:chExt cx="0" cy="0"/>
+        </a:xfrm>
+      </p:grpSpPr>
+      <p:sp>
+        <p:nvSpPr>
+          <p:cNvPr id="2" name="Title 1"/>
+          <p:cNvSpPr>
+            <a:spLocks noGrp="1"/>
+          </p:cNvSpPr>
+          <p:nvPr>
+            <p:ph type="ctrTitle"/>
+          </p:nvPr>
+        </p:nvSpPr>
+        <p:spPr>
+          <a:xfrm>
+            <a:off x="685800" y="228600"/>
+            <a:ext cx="7772400" cy="685800"/>
+          </a:xfrm>
+        </p:spPr>
+        <p:txBody>
+          <a:bodyPr/>
+          <a:lstStyle/>
+          <a:p>
+            <a:pPr algn="l"/>
+            <a:r>
+              <a:rPr lang="en-US" sz="4000" dirty="0" smtClean="0"/>
+              <a:t>CSS Pain</a:t>
+            </a:r>
+            <a:endParaRPr lang="en-US" sz="4000" dirty="0"/>
+          </a:p>
+        </p:txBody>
+      </p:sp>
+      <p:sp>
+        <p:nvSpPr>
+          <p:cNvPr id="4" name="Date Placeholder 3"/>
+          <p:cNvSpPr>
+            <a:spLocks noGrp="1"/>
+          </p:cNvSpPr>
+          <p:nvPr>
+            <p:ph type="dt" sz="half" idx="10"/>
+          </p:nvPr>
+        </p:nvSpPr>
+        <p:spPr/>
+        <p:txBody>
+          <a:bodyPr/>
+          <a:lstStyle/>
+          <a:p>
+            <a:fld id="{216C5678-EE20-4FA5-88E2-6E0BD67A2E26}" type="datetime1">
+              <a:rPr lang="en-US" smtClean="0"/>
+              <a:t>11/23/2015</a:t>
+            </a:fld>
+            <a:endParaRPr lang="en-US" dirty="0"/>
+          </a:p>
+        </p:txBody>
+      </p:sp>
+      <p:sp>
+        <p:nvSpPr>
+          <p:cNvPr id="5" name="Slide Number Placeholder 4"/>
+          <p:cNvSpPr>
+            <a:spLocks noGrp="1"/>
+          </p:cNvSpPr>
+          <p:nvPr>
+            <p:ph type="sldNum" sz="quarter" idx="11"/>
+          </p:nvPr>
+        </p:nvSpPr>
+        <p:spPr/>
+        <p:txBody>
+          <a:bodyPr/>
+          <a:lstStyle/>
+          <a:p>
+            <a:fld id="{BA9B540C-44DA-4F69-89C9-7C84606640D3}" type="slidenum">
+              <a:rPr lang="en-US" smtClean="0"/>
+              <a:pPr/>
+              <a:t>4</a:t>
+            </a:fld>
+            <a:endParaRPr lang="en-US" dirty="0"/>
+          </a:p>
+        </p:txBody>
+      </p:sp>
+      <p:sp>
+        <p:nvSpPr>
+          <p:cNvPr id="6" name="Footer Placeholder 5"/>
+          <p:cNvSpPr>
+            <a:spLocks noGrp="1"/>
+          </p:cNvSpPr>
+          <p:nvPr>
+            <p:ph type="ftr" sz="quarter" idx="12"/>
+          </p:nvPr>
+        </p:nvSpPr>
+        <p:spPr/>
+        <p:txBody>
+          <a:bodyPr/>
+          <a:lstStyle/>
+          <a:p>
+            <a:r>
+              <a:rPr lang="en-US" smtClean="0"/>
+              <a:t>Footer Text</a:t>
+            </a:r>
+            <a:endParaRPr lang="en-US" dirty="0"/>
+          </a:p>
+        </p:txBody>
+      </p:sp>
+      <p:sp>
+        <p:nvSpPr>
+          <p:cNvPr id="7" name="Subtitle 2"/>
+          <p:cNvSpPr>
+            <a:spLocks noGrp="1"/>
+          </p:cNvSpPr>
+          <p:nvPr>
+            <p:ph type="subTitle" idx="1"/>
+          </p:nvPr>
+        </p:nvSpPr>
+        <p:spPr>
+          <a:xfrm>
+            <a:off x="381000" y="1219200"/>
+            <a:ext cx="8153400" cy="4343400"/>
+          </a:xfrm>
+        </p:spPr>
+        <p:txBody>
+          <a:bodyPr>
+            <a:noAutofit/>
+          </a:bodyPr>
+          <a:lstStyle/>
+          <a:p>
+            <a:pPr marL="342900" indent="-342900" algn="l">
+              <a:buFont typeface="Arial" panose="020B0604020202020204" pitchFamily="34" charset="0"/>
+              <a:buChar char="•"/>
+            </a:pPr>
+            <a:r>
+              <a:rPr lang="en-US" dirty="0" smtClean="0"/>
+              <a:t>Style duplication – violation of DRY principle.</a:t>
+            </a:r>
+          </a:p>
+          <a:p>
+            <a:pPr marL="342900" indent="-342900" algn="l">
+              <a:buFont typeface="Arial" panose="020B0604020202020204" pitchFamily="34" charset="0"/>
+              <a:buChar char="•"/>
+            </a:pPr>
+            <a:r>
+              <a:rPr lang="en-US" dirty="0" smtClean="0"/>
+              <a:t>Magic number &amp; lack of color names.</a:t>
+            </a:r>
+          </a:p>
+          <a:p>
+            <a:pPr marL="342900" indent="-342900" algn="l">
+              <a:buFont typeface="Arial" panose="020B0604020202020204" pitchFamily="34" charset="0"/>
+              <a:buChar char="•"/>
+            </a:pPr>
+            <a:r>
+              <a:rPr lang="en-US" dirty="0" smtClean="0"/>
+              <a:t>No support for mathematic calculation.</a:t>
+            </a:r>
+          </a:p>
+          <a:p>
+            <a:pPr marL="342900" indent="-342900" algn="l">
+              <a:buFont typeface="Arial" panose="020B0604020202020204" pitchFamily="34" charset="0"/>
+              <a:buChar char="•"/>
+            </a:pPr>
+            <a:r>
+              <a:rPr lang="en-US" dirty="0" smtClean="0"/>
+              <a:t>Cascading issues</a:t>
+            </a:r>
+            <a:endParaRPr lang="en-US" dirty="0" smtClean="0"/>
+          </a:p>
+        </p:txBody>
+      </p:sp>
+    </p:spTree>
+    <p:extLst>
+      <p:ext uri="{BB962C8B-B14F-4D97-AF65-F5344CB8AC3E}">
+        <p14:creationId xmlns:p14="http://schemas.microsoft.com/office/powerpoint/2010/main" val="126964352"/>
+      </p:ext>
+    </p:extLst>
+  </p:cSld>
+  <p:clrMapOvr>
+    <a:masterClrMapping/>
+  </p:clrMapOvr>
+</p:sld>
+</file>
+
+<file path=ppt/slides/slide5.xml><?xml version="1.0" encoding="utf-8"?>
+<p:sld xmlns:a="http://schemas.openxmlformats.org/drawingml/2006/main" xmlns:r="http://schemas.openxmlformats.org/officeDocument/2006/relationships" xmlns:p="http://schemas.openxmlformats.org/presentationml/2006/main">
+  <p:cSld>
+    <p:spTree>
+      <p:nvGrpSpPr>
+        <p:cNvPr id="1" name=""/>
+        <p:cNvGrpSpPr/>
+        <p:nvPr/>
+      </p:nvGrpSpPr>
+      <p:grpSpPr>
+        <a:xfrm>
+          <a:off x="0" y="0"/>
+          <a:ext cx="0" cy="0"/>
+          <a:chOff x="0" y="0"/>
+          <a:chExt cx="0" cy="0"/>
+        </a:xfrm>
+      </p:grpSpPr>
+      <p:sp>
+        <p:nvSpPr>
+          <p:cNvPr id="2" name="Title 1"/>
+          <p:cNvSpPr>
+            <a:spLocks noGrp="1"/>
+          </p:cNvSpPr>
+          <p:nvPr>
+            <p:ph type="ctrTitle"/>
+          </p:nvPr>
+        </p:nvSpPr>
+        <p:spPr>
+          <a:xfrm>
+            <a:off x="685800" y="228600"/>
+            <a:ext cx="7772400" cy="685800"/>
+          </a:xfrm>
+        </p:spPr>
+        <p:txBody>
+          <a:bodyPr/>
+          <a:lstStyle/>
+          <a:p>
+            <a:pPr algn="l"/>
+            <a:r>
+              <a:rPr lang="en-US" sz="4000" dirty="0" smtClean="0"/>
+              <a:t>Style duplication</a:t>
+            </a:r>
+            <a:endParaRPr lang="en-US" sz="4000" dirty="0"/>
+          </a:p>
+        </p:txBody>
+      </p:sp>
+      <p:sp>
+        <p:nvSpPr>
+          <p:cNvPr id="4" name="Date Placeholder 3"/>
+          <p:cNvSpPr>
+            <a:spLocks noGrp="1"/>
+          </p:cNvSpPr>
+          <p:nvPr>
+            <p:ph type="dt" sz="half" idx="10"/>
+          </p:nvPr>
+        </p:nvSpPr>
+        <p:spPr/>
+        <p:txBody>
+          <a:bodyPr/>
+          <a:lstStyle/>
+          <a:p>
+            <a:fld id="{216C5678-EE20-4FA5-88E2-6E0BD67A2E26}" type="datetime1">
+              <a:rPr lang="en-US" smtClean="0"/>
+              <a:t>11/23/2015</a:t>
+            </a:fld>
+            <a:endParaRPr lang="en-US" dirty="0"/>
+          </a:p>
+        </p:txBody>
+      </p:sp>
+      <p:sp>
+        <p:nvSpPr>
+          <p:cNvPr id="5" name="Slide Number Placeholder 4"/>
+          <p:cNvSpPr>
+            <a:spLocks noGrp="1"/>
+          </p:cNvSpPr>
+          <p:nvPr>
+            <p:ph type="sldNum" sz="quarter" idx="11"/>
+          </p:nvPr>
+        </p:nvSpPr>
+        <p:spPr/>
+        <p:txBody>
+          <a:bodyPr/>
+          <a:lstStyle/>
+          <a:p>
+            <a:fld id="{BA9B540C-44DA-4F69-89C9-7C84606640D3}" type="slidenum">
+              <a:rPr lang="en-US" smtClean="0"/>
+              <a:pPr/>
+              <a:t>5</a:t>
+            </a:fld>
+            <a:endParaRPr lang="en-US" dirty="0"/>
+          </a:p>
+        </p:txBody>
+      </p:sp>
+      <p:sp>
+        <p:nvSpPr>
+          <p:cNvPr id="6" name="Footer Placeholder 5"/>
+          <p:cNvSpPr>
+            <a:spLocks noGrp="1"/>
+          </p:cNvSpPr>
+          <p:nvPr>
+            <p:ph type="ftr" sz="quarter" idx="12"/>
+          </p:nvPr>
+        </p:nvSpPr>
+        <p:spPr/>
+        <p:txBody>
+          <a:bodyPr/>
+          <a:lstStyle/>
+          <a:p>
+            <a:r>
+              <a:rPr lang="en-US" smtClean="0"/>
+              <a:t>Footer Text</a:t>
+            </a:r>
+            <a:endParaRPr lang="en-US" dirty="0"/>
+          </a:p>
+        </p:txBody>
+      </p:sp>
+      <p:sp>
+        <p:nvSpPr>
+          <p:cNvPr id="7" name="Subtitle 2"/>
+          <p:cNvSpPr>
+            <a:spLocks noGrp="1"/>
+          </p:cNvSpPr>
+          <p:nvPr>
+            <p:ph type="subTitle" idx="1"/>
+          </p:nvPr>
+        </p:nvSpPr>
+        <p:spPr>
+          <a:xfrm>
+            <a:off x="381000" y="990600"/>
+            <a:ext cx="8153400" cy="5334000"/>
+          </a:xfrm>
+        </p:spPr>
+        <p:txBody>
+          <a:bodyPr>
+            <a:noAutofit/>
+          </a:bodyPr>
+          <a:lstStyle/>
+          <a:p>
+            <a:pPr algn="l"/>
+            <a:r>
+              <a:rPr lang="en-US" sz="2000" dirty="0" smtClean="0"/>
+              <a:t>#my-ok-button {</a:t>
+            </a:r>
+          </a:p>
+          <a:p>
+            <a:pPr algn="l"/>
+            <a:r>
+              <a:rPr lang="en-US" sz="2000" dirty="0" smtClean="0"/>
+              <a:t>   background: #FEFEFE;</a:t>
+            </a:r>
+          </a:p>
+          <a:p>
+            <a:pPr algn="l"/>
+            <a:r>
+              <a:rPr lang="en-US" sz="2000" dirty="0"/>
+              <a:t>   font-size: </a:t>
+            </a:r>
+            <a:r>
+              <a:rPr lang="en-US" sz="2000" dirty="0" smtClean="0"/>
+              <a:t>		18px;</a:t>
+            </a:r>
+          </a:p>
+          <a:p>
+            <a:pPr algn="l"/>
+            <a:r>
+              <a:rPr lang="en-US" sz="2000" dirty="0"/>
               <a:t> </a:t>
             </a:r>
             <a:r>
-              <a:rPr lang="en-US" sz="1800" dirty="0" smtClean="0"/>
-              <a:t>    background: 	#00FFFF;</a:t>
-            </a:r>
+              <a:rPr lang="en-US" sz="2000" dirty="0" smtClean="0"/>
+              <a:t>  width:		20px;</a:t>
+            </a:r>
+            <a:endParaRPr lang="en-US" sz="2000" dirty="0"/>
           </a:p>
           <a:p>
             <a:pPr algn="l"/>
             <a:r>
-              <a:rPr lang="en-US" sz="1800" dirty="0"/>
+              <a:rPr lang="en-US" sz="2000" dirty="0" smtClean="0"/>
+              <a:t>}</a:t>
+            </a:r>
+          </a:p>
+          <a:p>
+            <a:pPr algn="l"/>
+            <a:endParaRPr lang="en-US" sz="2000" dirty="0"/>
+          </a:p>
+          <a:p>
+            <a:pPr algn="l"/>
+            <a:r>
+              <a:rPr lang="en-US" sz="2000" dirty="0"/>
+              <a:t>#</a:t>
+            </a:r>
+            <a:r>
+              <a:rPr lang="en-US" sz="2000" dirty="0" smtClean="0"/>
+              <a:t>my-cancel-button </a:t>
+            </a:r>
+            <a:r>
+              <a:rPr lang="en-US" sz="2000" dirty="0"/>
+              <a:t>{</a:t>
+            </a:r>
+          </a:p>
+          <a:p>
+            <a:pPr algn="l"/>
+            <a:r>
+              <a:rPr lang="en-US" sz="2000" dirty="0"/>
+              <a:t>   background: #FEFEFE;</a:t>
+            </a:r>
+          </a:p>
+          <a:p>
+            <a:pPr algn="l"/>
+            <a:r>
+              <a:rPr lang="en-US" sz="2000" dirty="0"/>
+              <a:t>   font-size: 		18px</a:t>
+            </a:r>
+            <a:r>
+              <a:rPr lang="en-US" sz="2000" dirty="0" smtClean="0"/>
+              <a:t>;</a:t>
+            </a:r>
+            <a:endParaRPr lang="en-US" sz="2000" dirty="0"/>
+          </a:p>
+          <a:p>
+            <a:pPr algn="l"/>
+            <a:r>
+              <a:rPr lang="en-US" sz="2000" dirty="0"/>
+              <a:t>   width:		</a:t>
+            </a:r>
+            <a:r>
+              <a:rPr lang="en-US" sz="2000" dirty="0" smtClean="0"/>
+              <a:t>30px;</a:t>
+            </a:r>
+          </a:p>
+          <a:p>
+            <a:pPr algn="l"/>
+            <a:r>
+              <a:rPr lang="en-US" sz="2000" dirty="0"/>
               <a:t> </a:t>
             </a:r>
             <a:r>
-              <a:rPr lang="en-US" sz="1800" dirty="0" smtClean="0"/>
-              <a:t>    margin: 		5px;</a:t>
-            </a:r>
-            <a:endParaRPr lang="en-US" sz="1800" dirty="0"/>
+              <a:rPr lang="en-US" sz="2000" dirty="0" smtClean="0"/>
+              <a:t>  </a:t>
+            </a:r>
           </a:p>
           <a:p>
             <a:pPr algn="l"/>
             <a:r>
-              <a:rPr lang="en-US" sz="1800" dirty="0" smtClean="0"/>
+              <a:rPr lang="en-US" sz="2000" dirty="0"/>
+              <a:t> </a:t>
+            </a:r>
+            <a:r>
+              <a:rPr lang="en-US" sz="2000" dirty="0" smtClean="0"/>
+              <a:t>  border-radius</a:t>
+            </a:r>
+            <a:r>
+              <a:rPr lang="en-US" sz="2000" dirty="0"/>
+              <a:t>: 5px;</a:t>
+            </a:r>
+          </a:p>
+          <a:p>
+            <a:pPr algn="l"/>
+            <a:r>
+              <a:rPr lang="en-US" sz="2000" dirty="0"/>
+              <a:t>  </a:t>
+            </a:r>
+            <a:r>
+              <a:rPr lang="en-US" sz="2000" dirty="0" smtClean="0"/>
+              <a:t> -</a:t>
+            </a:r>
+            <a:r>
+              <a:rPr lang="en-US" sz="2000" dirty="0" err="1"/>
+              <a:t>moz</a:t>
+            </a:r>
+            <a:r>
+              <a:rPr lang="en-US" sz="2000" dirty="0"/>
+              <a:t>-border-radius: 5px;</a:t>
+            </a:r>
+          </a:p>
+          <a:p>
+            <a:pPr algn="l"/>
+            <a:r>
+              <a:rPr lang="en-US" sz="2000" dirty="0"/>
+              <a:t>  </a:t>
+            </a:r>
+            <a:r>
+              <a:rPr lang="en-US" sz="2000" dirty="0" smtClean="0"/>
+              <a:t> -</a:t>
+            </a:r>
+            <a:r>
+              <a:rPr lang="en-US" sz="2000" dirty="0" err="1"/>
+              <a:t>webkit</a:t>
+            </a:r>
+            <a:r>
+              <a:rPr lang="en-US" sz="2000" dirty="0"/>
+              <a:t>-border-radius: 5px;</a:t>
+            </a:r>
+          </a:p>
+          <a:p>
+            <a:pPr algn="l"/>
+            <a:r>
+              <a:rPr lang="en-US" sz="2000" dirty="0"/>
               <a:t>}</a:t>
             </a:r>
-            <a:endParaRPr lang="en-US" sz="1800" dirty="0"/>
-          </a:p>
-          <a:p>
-            <a:pPr algn="l"/>
-            <a:r>
-              <a:rPr lang="en-US" sz="1800" dirty="0" smtClean="0"/>
-              <a:t>#my-form input {</a:t>
-            </a:r>
-          </a:p>
-          <a:p>
-            <a:pPr algn="l"/>
-            <a:r>
-              <a:rPr lang="en-US" sz="1800" dirty="0" smtClean="0"/>
-              <a:t>     </a:t>
-            </a:r>
-            <a:r>
-              <a:rPr lang="en-US" sz="1800" dirty="0"/>
-              <a:t>border-radius	5px</a:t>
-            </a:r>
-            <a:r>
-              <a:rPr lang="en-US" sz="1800" dirty="0" smtClean="0"/>
-              <a:t>;</a:t>
-            </a:r>
-          </a:p>
-          <a:p>
-            <a:pPr algn="l"/>
-            <a:r>
-              <a:rPr lang="en-US" sz="1800" dirty="0" smtClean="0"/>
-              <a:t>}</a:t>
-            </a:r>
-            <a:endParaRPr lang="en-US" sz="1800" dirty="0"/>
-          </a:p>
-          <a:p>
-            <a:pPr algn="l"/>
-            <a:r>
-              <a:rPr lang="en-US" sz="1800" dirty="0"/>
-              <a:t>#my-form </a:t>
-            </a:r>
-            <a:r>
-              <a:rPr lang="en-US" sz="1800" dirty="0" smtClean="0"/>
-              <a:t>div {</a:t>
-            </a:r>
-          </a:p>
-          <a:p>
-            <a:pPr algn="l"/>
-            <a:r>
-              <a:rPr lang="en-US" sz="1800" dirty="0"/>
-              <a:t> </a:t>
-            </a:r>
-            <a:r>
-              <a:rPr lang="en-US" sz="1800" dirty="0" smtClean="0"/>
-              <a:t>    border: 		1px;</a:t>
-            </a:r>
-            <a:endParaRPr lang="en-US" sz="1800" dirty="0"/>
-          </a:p>
-          <a:p>
-            <a:pPr algn="l"/>
-            <a:r>
-              <a:rPr lang="en-US" sz="1800" dirty="0" smtClean="0"/>
-              <a:t>}</a:t>
-            </a:r>
-            <a:endParaRPr lang="en-US" sz="1800" dirty="0" smtClean="0"/>
-          </a:p>
-          <a:p>
-            <a:pPr algn="l"/>
-            <a:r>
-              <a:rPr lang="en-US" sz="1800" dirty="0"/>
-              <a:t>#my-form </a:t>
-            </a:r>
-            <a:r>
-              <a:rPr lang="en-US" sz="1800" dirty="0" smtClean="0"/>
-              <a:t>label {</a:t>
-            </a:r>
-          </a:p>
-          <a:p>
-            <a:pPr algn="l"/>
-            <a:r>
-              <a:rPr lang="en-US" sz="1800" dirty="0"/>
-              <a:t> </a:t>
-            </a:r>
-            <a:r>
-              <a:rPr lang="en-US" sz="1800" dirty="0" smtClean="0"/>
-              <a:t>     padding</a:t>
-            </a:r>
-            <a:r>
-              <a:rPr lang="en-US" sz="1800" dirty="0"/>
-              <a:t>:	</a:t>
-            </a:r>
-            <a:r>
-              <a:rPr lang="en-US" sz="1800" dirty="0" smtClean="0"/>
-              <a:t>10px</a:t>
-            </a:r>
-            <a:r>
-              <a:rPr lang="en-US" sz="1800" dirty="0"/>
-              <a:t>;</a:t>
-            </a:r>
-          </a:p>
-          <a:p>
-            <a:pPr algn="l"/>
-            <a:r>
-              <a:rPr lang="en-US" sz="1800" dirty="0" smtClean="0"/>
-              <a:t>}</a:t>
-            </a:r>
-            <a:endParaRPr lang="en-US" sz="1800" dirty="0"/>
           </a:p>
           <a:p>
             <a:pPr algn="l"/>
             <a:endParaRPr lang="en-US" dirty="0" smtClean="0"/>
+          </a:p>
+        </p:txBody>
+      </p:sp>
+    </p:spTree>
+    <p:extLst>
+      <p:ext uri="{BB962C8B-B14F-4D97-AF65-F5344CB8AC3E}">
+        <p14:creationId xmlns:p14="http://schemas.microsoft.com/office/powerpoint/2010/main" val="3892545660"/>
+      </p:ext>
+    </p:extLst>
+  </p:cSld>
+  <p:clrMapOvr>
+    <a:masterClrMapping/>
+  </p:clrMapOvr>
+</p:sld>
+</file>
+
+<file path=ppt/slides/slide6.xml><?xml version="1.0" encoding="utf-8"?>
+<p:sld xmlns:a="http://schemas.openxmlformats.org/drawingml/2006/main" xmlns:r="http://schemas.openxmlformats.org/officeDocument/2006/relationships" xmlns:p="http://schemas.openxmlformats.org/presentationml/2006/main">
+  <p:cSld>
+    <p:spTree>
+      <p:nvGrpSpPr>
+        <p:cNvPr id="1" name=""/>
+        <p:cNvGrpSpPr/>
+        <p:nvPr/>
+      </p:nvGrpSpPr>
+      <p:grpSpPr>
+        <a:xfrm>
+          <a:off x="0" y="0"/>
+          <a:ext cx="0" cy="0"/>
+          <a:chOff x="0" y="0"/>
+          <a:chExt cx="0" cy="0"/>
+        </a:xfrm>
+      </p:grpSpPr>
+      <p:sp>
+        <p:nvSpPr>
+          <p:cNvPr id="2" name="Title 1"/>
+          <p:cNvSpPr>
+            <a:spLocks noGrp="1"/>
+          </p:cNvSpPr>
+          <p:nvPr>
+            <p:ph type="ctrTitle"/>
+          </p:nvPr>
+        </p:nvSpPr>
+        <p:spPr>
+          <a:xfrm>
+            <a:off x="685800" y="228600"/>
+            <a:ext cx="7772400" cy="685800"/>
+          </a:xfrm>
+        </p:spPr>
+        <p:txBody>
+          <a:bodyPr/>
+          <a:lstStyle/>
+          <a:p>
+            <a:pPr algn="l"/>
+            <a:r>
+              <a:rPr lang="en-US" sz="4000" dirty="0" smtClean="0"/>
+              <a:t>Magic number &amp; color name</a:t>
+            </a:r>
+            <a:r>
+              <a:rPr lang="en-US" sz="4000" dirty="0" smtClean="0"/>
+              <a:t>?</a:t>
+            </a:r>
+            <a:endParaRPr lang="en-US" sz="4000" dirty="0"/>
+          </a:p>
+        </p:txBody>
+      </p:sp>
+      <p:sp>
+        <p:nvSpPr>
+          <p:cNvPr id="4" name="Date Placeholder 3"/>
+          <p:cNvSpPr>
+            <a:spLocks noGrp="1"/>
+          </p:cNvSpPr>
+          <p:nvPr>
+            <p:ph type="dt" sz="half" idx="10"/>
+          </p:nvPr>
+        </p:nvSpPr>
+        <p:spPr/>
+        <p:txBody>
+          <a:bodyPr/>
+          <a:lstStyle/>
+          <a:p>
+            <a:fld id="{216C5678-EE20-4FA5-88E2-6E0BD67A2E26}" type="datetime1">
+              <a:rPr lang="en-US" smtClean="0"/>
+              <a:t>11/23/2015</a:t>
+            </a:fld>
+            <a:endParaRPr lang="en-US" dirty="0"/>
+          </a:p>
+        </p:txBody>
+      </p:sp>
+      <p:sp>
+        <p:nvSpPr>
+          <p:cNvPr id="5" name="Slide Number Placeholder 4"/>
+          <p:cNvSpPr>
+            <a:spLocks noGrp="1"/>
+          </p:cNvSpPr>
+          <p:nvPr>
+            <p:ph type="sldNum" sz="quarter" idx="11"/>
+          </p:nvPr>
+        </p:nvSpPr>
+        <p:spPr/>
+        <p:txBody>
+          <a:bodyPr/>
+          <a:lstStyle/>
+          <a:p>
+            <a:fld id="{BA9B540C-44DA-4F69-89C9-7C84606640D3}" type="slidenum">
+              <a:rPr lang="en-US" smtClean="0"/>
+              <a:pPr/>
+              <a:t>6</a:t>
+            </a:fld>
+            <a:endParaRPr lang="en-US" dirty="0"/>
+          </a:p>
+        </p:txBody>
+      </p:sp>
+      <p:sp>
+        <p:nvSpPr>
+          <p:cNvPr id="6" name="Footer Placeholder 5"/>
+          <p:cNvSpPr>
+            <a:spLocks noGrp="1"/>
+          </p:cNvSpPr>
+          <p:nvPr>
+            <p:ph type="ftr" sz="quarter" idx="12"/>
+          </p:nvPr>
+        </p:nvSpPr>
+        <p:spPr/>
+        <p:txBody>
+          <a:bodyPr/>
+          <a:lstStyle/>
+          <a:p>
+            <a:r>
+              <a:rPr lang="en-US" smtClean="0"/>
+              <a:t>Footer Text</a:t>
+            </a:r>
+            <a:endParaRPr lang="en-US" dirty="0"/>
+          </a:p>
+        </p:txBody>
+      </p:sp>
+      <p:sp>
+        <p:nvSpPr>
+          <p:cNvPr id="7" name="Subtitle 2"/>
+          <p:cNvSpPr>
+            <a:spLocks noGrp="1"/>
+          </p:cNvSpPr>
+          <p:nvPr>
+            <p:ph type="subTitle" idx="1"/>
+          </p:nvPr>
+        </p:nvSpPr>
+        <p:spPr>
+          <a:xfrm>
+            <a:off x="381000" y="990600"/>
+            <a:ext cx="8153400" cy="5334000"/>
+          </a:xfrm>
+        </p:spPr>
+        <p:txBody>
+          <a:bodyPr>
+            <a:noAutofit/>
+          </a:bodyPr>
+          <a:lstStyle/>
+          <a:p>
+            <a:pPr algn="l"/>
+            <a:r>
+              <a:rPr lang="en-US" dirty="0" smtClean="0"/>
+              <a:t>#my-ok-button {</a:t>
+            </a:r>
+          </a:p>
+          <a:p>
+            <a:pPr algn="l"/>
+            <a:r>
+              <a:rPr lang="en-US" dirty="0" smtClean="0"/>
+              <a:t>   background: #FEFEFE;   /* important color */</a:t>
+            </a:r>
+          </a:p>
+          <a:p>
+            <a:pPr algn="l"/>
+            <a:r>
+              <a:rPr lang="en-US" dirty="0"/>
+              <a:t>   font-size: </a:t>
+            </a:r>
+            <a:r>
+              <a:rPr lang="en-US" dirty="0" smtClean="0"/>
+              <a:t>		18px;   /* important font */</a:t>
+            </a:r>
+          </a:p>
+          <a:p>
+            <a:pPr algn="l"/>
+            <a:endParaRPr lang="en-US" dirty="0"/>
+          </a:p>
+          <a:p>
+            <a:pPr algn="l"/>
+            <a:r>
+              <a:rPr lang="en-US" dirty="0" smtClean="0"/>
+              <a:t>}</a:t>
+            </a:r>
+          </a:p>
+          <a:p>
+            <a:pPr algn="l"/>
+            <a:endParaRPr lang="en-US" dirty="0"/>
+          </a:p>
+          <a:p>
+            <a:pPr algn="l"/>
+            <a:r>
+              <a:rPr lang="en-US" dirty="0"/>
+              <a:t>#</a:t>
+            </a:r>
+            <a:r>
+              <a:rPr lang="en-US" dirty="0" smtClean="0"/>
+              <a:t>my-cancel-button </a:t>
+            </a:r>
+            <a:r>
+              <a:rPr lang="en-US" dirty="0"/>
+              <a:t>{</a:t>
+            </a:r>
+          </a:p>
+          <a:p>
+            <a:pPr algn="l"/>
+            <a:r>
+              <a:rPr lang="en-US" dirty="0"/>
+              <a:t>   background: </a:t>
+            </a:r>
+            <a:r>
+              <a:rPr lang="en-US" dirty="0" smtClean="0"/>
+              <a:t>#EEEEEE; /* unimportant color */</a:t>
+            </a:r>
+            <a:endParaRPr lang="en-US" dirty="0"/>
+          </a:p>
+          <a:p>
+            <a:pPr algn="l"/>
+            <a:r>
+              <a:rPr lang="en-US" dirty="0"/>
+              <a:t>   font-size: 		</a:t>
+            </a:r>
+            <a:r>
+              <a:rPr lang="en-US" dirty="0" smtClean="0"/>
+              <a:t>15px; /* unimportant font */</a:t>
+            </a:r>
+          </a:p>
+          <a:p>
+            <a:pPr algn="l"/>
+            <a:r>
+              <a:rPr lang="en-US" dirty="0" smtClean="0"/>
+              <a:t>}</a:t>
+            </a:r>
+            <a:endParaRPr lang="en-US" dirty="0"/>
+          </a:p>
+          <a:p>
+            <a:pPr algn="l"/>
+            <a:endParaRPr lang="en-US" dirty="0" smtClean="0"/>
+          </a:p>
+        </p:txBody>
+      </p:sp>
+    </p:spTree>
+    <p:extLst>
+      <p:ext uri="{BB962C8B-B14F-4D97-AF65-F5344CB8AC3E}">
+        <p14:creationId xmlns:p14="http://schemas.microsoft.com/office/powerpoint/2010/main" val="2717759030"/>
+      </p:ext>
+    </p:extLst>
+  </p:cSld>
+  <p:clrMapOvr>
+    <a:masterClrMapping/>
+  </p:clrMapOvr>
+</p:sld>
+</file>
+
+<file path=ppt/slides/slide7.xml><?xml version="1.0" encoding="utf-8"?>
+<p:sld xmlns:a="http://schemas.openxmlformats.org/drawingml/2006/main" xmlns:r="http://schemas.openxmlformats.org/officeDocument/2006/relationships" xmlns:p="http://schemas.openxmlformats.org/presentationml/2006/main">
+  <p:cSld>
+    <p:spTree>
+      <p:nvGrpSpPr>
+        <p:cNvPr id="1" name=""/>
+        <p:cNvGrpSpPr/>
+        <p:nvPr/>
+      </p:nvGrpSpPr>
+      <p:grpSpPr>
+        <a:xfrm>
+          <a:off x="0" y="0"/>
+          <a:ext cx="0" cy="0"/>
+          <a:chOff x="0" y="0"/>
+          <a:chExt cx="0" cy="0"/>
+        </a:xfrm>
+      </p:grpSpPr>
+      <p:sp>
+        <p:nvSpPr>
+          <p:cNvPr id="2" name="Title 1"/>
+          <p:cNvSpPr>
+            <a:spLocks noGrp="1"/>
+          </p:cNvSpPr>
+          <p:nvPr>
+            <p:ph type="ctrTitle"/>
+          </p:nvPr>
+        </p:nvSpPr>
+        <p:spPr>
+          <a:xfrm>
+            <a:off x="685800" y="228600"/>
+            <a:ext cx="7772400" cy="685800"/>
+          </a:xfrm>
+        </p:spPr>
+        <p:txBody>
+          <a:bodyPr/>
+          <a:lstStyle/>
+          <a:p>
+            <a:pPr algn="l"/>
+            <a:r>
+              <a:rPr lang="en-US" sz="4000" dirty="0" smtClean="0"/>
+              <a:t>No Support for Calculation</a:t>
+            </a:r>
+            <a:endParaRPr lang="en-US" sz="4000" dirty="0"/>
+          </a:p>
+        </p:txBody>
+      </p:sp>
+      <p:sp>
+        <p:nvSpPr>
+          <p:cNvPr id="4" name="Date Placeholder 3"/>
+          <p:cNvSpPr>
+            <a:spLocks noGrp="1"/>
+          </p:cNvSpPr>
+          <p:nvPr>
+            <p:ph type="dt" sz="half" idx="10"/>
+          </p:nvPr>
+        </p:nvSpPr>
+        <p:spPr/>
+        <p:txBody>
+          <a:bodyPr/>
+          <a:lstStyle/>
+          <a:p>
+            <a:fld id="{216C5678-EE20-4FA5-88E2-6E0BD67A2E26}" type="datetime1">
+              <a:rPr lang="en-US" smtClean="0"/>
+              <a:t>11/23/2015</a:t>
+            </a:fld>
+            <a:endParaRPr lang="en-US" dirty="0"/>
+          </a:p>
+        </p:txBody>
+      </p:sp>
+      <p:sp>
+        <p:nvSpPr>
+          <p:cNvPr id="5" name="Slide Number Placeholder 4"/>
+          <p:cNvSpPr>
+            <a:spLocks noGrp="1"/>
+          </p:cNvSpPr>
+          <p:nvPr>
+            <p:ph type="sldNum" sz="quarter" idx="11"/>
+          </p:nvPr>
+        </p:nvSpPr>
+        <p:spPr/>
+        <p:txBody>
+          <a:bodyPr/>
+          <a:lstStyle/>
+          <a:p>
+            <a:fld id="{BA9B540C-44DA-4F69-89C9-7C84606640D3}" type="slidenum">
+              <a:rPr lang="en-US" smtClean="0"/>
+              <a:pPr/>
+              <a:t>7</a:t>
+            </a:fld>
+            <a:endParaRPr lang="en-US" dirty="0"/>
+          </a:p>
+        </p:txBody>
+      </p:sp>
+      <p:sp>
+        <p:nvSpPr>
+          <p:cNvPr id="6" name="Footer Placeholder 5"/>
+          <p:cNvSpPr>
+            <a:spLocks noGrp="1"/>
+          </p:cNvSpPr>
+          <p:nvPr>
+            <p:ph type="ftr" sz="quarter" idx="12"/>
+          </p:nvPr>
+        </p:nvSpPr>
+        <p:spPr/>
+        <p:txBody>
+          <a:bodyPr/>
+          <a:lstStyle/>
+          <a:p>
+            <a:r>
+              <a:rPr lang="en-US" smtClean="0"/>
+              <a:t>Footer Text</a:t>
+            </a:r>
+            <a:endParaRPr lang="en-US" dirty="0"/>
           </a:p>
         </p:txBody>
       </p:sp>
@@ -5775,8 +9155,8 @@
         </p:nvSpPr>
         <p:spPr>
           <a:xfrm>
-            <a:off x="381000" y="1295400"/>
-            <a:ext cx="4114800" cy="4343400"/>
+            <a:off x="381000" y="990600"/>
+            <a:ext cx="8153400" cy="5334000"/>
           </a:xfrm>
           <a:prstGeom prst="rect">
             <a:avLst/>
@@ -5944,6 +9324,601 @@
           <a:p>
             <a:pPr algn="l"/>
             <a:r>
+              <a:rPr lang="en-US" dirty="0" smtClean="0"/>
+              <a:t>#my-ok-button {</a:t>
+            </a:r>
+          </a:p>
+          <a:p>
+            <a:pPr algn="l"/>
+            <a:r>
+              <a:rPr lang="en-US" dirty="0" smtClean="0"/>
+              <a:t>   background: #FEFEFE;</a:t>
+            </a:r>
+          </a:p>
+          <a:p>
+            <a:pPr algn="l"/>
+            <a:r>
+              <a:rPr lang="en-US" dirty="0" smtClean="0"/>
+              <a:t>   font-size: 		18px;</a:t>
+            </a:r>
+          </a:p>
+          <a:p>
+            <a:pPr algn="l"/>
+            <a:r>
+              <a:rPr lang="en-US" dirty="0" smtClean="0"/>
+              <a:t>   width:		20px;</a:t>
+            </a:r>
+          </a:p>
+          <a:p>
+            <a:pPr algn="l"/>
+            <a:r>
+              <a:rPr lang="en-US" dirty="0" smtClean="0"/>
+              <a:t>}</a:t>
+            </a:r>
+          </a:p>
+          <a:p>
+            <a:pPr algn="l"/>
+            <a:endParaRPr lang="en-US" dirty="0" smtClean="0"/>
+          </a:p>
+          <a:p>
+            <a:pPr algn="l"/>
+            <a:r>
+              <a:rPr lang="en-US" dirty="0" smtClean="0"/>
+              <a:t>#my-cancel-button {</a:t>
+            </a:r>
+          </a:p>
+          <a:p>
+            <a:pPr algn="l"/>
+            <a:r>
+              <a:rPr lang="en-US" dirty="0" smtClean="0"/>
+              <a:t>   background: #FEFEFE;</a:t>
+            </a:r>
+          </a:p>
+          <a:p>
+            <a:pPr algn="l"/>
+            <a:r>
+              <a:rPr lang="en-US" dirty="0" smtClean="0"/>
+              <a:t>   font-size: 		12px; /* must be 2/3 that of ok- </a:t>
+            </a:r>
+          </a:p>
+          <a:p>
+            <a:pPr algn="l"/>
+            <a:r>
+              <a:rPr lang="en-US" dirty="0"/>
+              <a:t> </a:t>
+            </a:r>
+            <a:r>
+              <a:rPr lang="en-US" dirty="0" smtClean="0"/>
+              <a:t>                                              button */</a:t>
+            </a:r>
+          </a:p>
+          <a:p>
+            <a:pPr algn="l"/>
+            <a:r>
+              <a:rPr lang="en-US" dirty="0" smtClean="0"/>
+              <a:t>   width:		30px; </a:t>
+            </a:r>
+            <a:r>
+              <a:rPr lang="en-US" dirty="0"/>
+              <a:t>/* must be </a:t>
+            </a:r>
+            <a:r>
+              <a:rPr lang="en-US" dirty="0" smtClean="0"/>
+              <a:t>1.5 that of ok-</a:t>
+            </a:r>
+          </a:p>
+          <a:p>
+            <a:pPr algn="l"/>
+            <a:r>
+              <a:rPr lang="en-US" dirty="0"/>
+              <a:t>	</a:t>
+            </a:r>
+            <a:r>
+              <a:rPr lang="en-US" dirty="0" smtClean="0"/>
+              <a:t>			    button </a:t>
+            </a:r>
+            <a:r>
+              <a:rPr lang="en-US" dirty="0"/>
+              <a:t>*/</a:t>
+            </a:r>
+            <a:endParaRPr lang="en-US" dirty="0" smtClean="0"/>
+          </a:p>
+          <a:p>
+            <a:pPr algn="l"/>
+            <a:r>
+              <a:rPr lang="en-US" dirty="0" smtClean="0"/>
+              <a:t>}</a:t>
+            </a:r>
+          </a:p>
+          <a:p>
+            <a:pPr algn="l"/>
+            <a:endParaRPr lang="en-US" dirty="0" smtClean="0"/>
+          </a:p>
+        </p:txBody>
+      </p:sp>
+    </p:spTree>
+    <p:extLst>
+      <p:ext uri="{BB962C8B-B14F-4D97-AF65-F5344CB8AC3E}">
+        <p14:creationId xmlns:p14="http://schemas.microsoft.com/office/powerpoint/2010/main" val="3749187616"/>
+      </p:ext>
+    </p:extLst>
+  </p:cSld>
+  <p:clrMapOvr>
+    <a:masterClrMapping/>
+  </p:clrMapOvr>
+</p:sld>
+</file>
+
+<file path=ppt/slides/slide8.xml><?xml version="1.0" encoding="utf-8"?>
+<p:sld xmlns:a="http://schemas.openxmlformats.org/drawingml/2006/main" xmlns:r="http://schemas.openxmlformats.org/officeDocument/2006/relationships" xmlns:p="http://schemas.openxmlformats.org/presentationml/2006/main">
+  <p:cSld>
+    <p:spTree>
+      <p:nvGrpSpPr>
+        <p:cNvPr id="1" name=""/>
+        <p:cNvGrpSpPr/>
+        <p:nvPr/>
+      </p:nvGrpSpPr>
+      <p:grpSpPr>
+        <a:xfrm>
+          <a:off x="0" y="0"/>
+          <a:ext cx="0" cy="0"/>
+          <a:chOff x="0" y="0"/>
+          <a:chExt cx="0" cy="0"/>
+        </a:xfrm>
+      </p:grpSpPr>
+      <p:sp>
+        <p:nvSpPr>
+          <p:cNvPr id="2" name="Title 1"/>
+          <p:cNvSpPr>
+            <a:spLocks noGrp="1"/>
+          </p:cNvSpPr>
+          <p:nvPr>
+            <p:ph type="ctrTitle"/>
+          </p:nvPr>
+        </p:nvSpPr>
+        <p:spPr>
+          <a:xfrm>
+            <a:off x="685800" y="228600"/>
+            <a:ext cx="7772400" cy="685800"/>
+          </a:xfrm>
+        </p:spPr>
+        <p:txBody>
+          <a:bodyPr/>
+          <a:lstStyle/>
+          <a:p>
+            <a:pPr algn="l"/>
+            <a:r>
+              <a:rPr lang="en-US" sz="4000" dirty="0" smtClean="0"/>
+              <a:t>Cascading Issues</a:t>
+            </a:r>
+            <a:endParaRPr lang="en-US" sz="4000" dirty="0"/>
+          </a:p>
+        </p:txBody>
+      </p:sp>
+      <p:sp>
+        <p:nvSpPr>
+          <p:cNvPr id="4" name="Date Placeholder 3"/>
+          <p:cNvSpPr>
+            <a:spLocks noGrp="1"/>
+          </p:cNvSpPr>
+          <p:nvPr>
+            <p:ph type="dt" sz="half" idx="10"/>
+          </p:nvPr>
+        </p:nvSpPr>
+        <p:spPr/>
+        <p:txBody>
+          <a:bodyPr/>
+          <a:lstStyle/>
+          <a:p>
+            <a:fld id="{216C5678-EE20-4FA5-88E2-6E0BD67A2E26}" type="datetime1">
+              <a:rPr lang="en-US" smtClean="0"/>
+              <a:t>11/23/2015</a:t>
+            </a:fld>
+            <a:endParaRPr lang="en-US" dirty="0"/>
+          </a:p>
+        </p:txBody>
+      </p:sp>
+      <p:sp>
+        <p:nvSpPr>
+          <p:cNvPr id="5" name="Slide Number Placeholder 4"/>
+          <p:cNvSpPr>
+            <a:spLocks noGrp="1"/>
+          </p:cNvSpPr>
+          <p:nvPr>
+            <p:ph type="sldNum" sz="quarter" idx="11"/>
+          </p:nvPr>
+        </p:nvSpPr>
+        <p:spPr/>
+        <p:txBody>
+          <a:bodyPr/>
+          <a:lstStyle/>
+          <a:p>
+            <a:fld id="{BA9B540C-44DA-4F69-89C9-7C84606640D3}" type="slidenum">
+              <a:rPr lang="en-US" smtClean="0"/>
+              <a:pPr/>
+              <a:t>8</a:t>
+            </a:fld>
+            <a:endParaRPr lang="en-US" dirty="0"/>
+          </a:p>
+        </p:txBody>
+      </p:sp>
+      <p:sp>
+        <p:nvSpPr>
+          <p:cNvPr id="6" name="Footer Placeholder 5"/>
+          <p:cNvSpPr>
+            <a:spLocks noGrp="1"/>
+          </p:cNvSpPr>
+          <p:nvPr>
+            <p:ph type="ftr" sz="quarter" idx="12"/>
+          </p:nvPr>
+        </p:nvSpPr>
+        <p:spPr/>
+        <p:txBody>
+          <a:bodyPr/>
+          <a:lstStyle/>
+          <a:p>
+            <a:r>
+              <a:rPr lang="en-US" smtClean="0"/>
+              <a:t>Footer Text</a:t>
+            </a:r>
+            <a:endParaRPr lang="en-US" dirty="0"/>
+          </a:p>
+        </p:txBody>
+      </p:sp>
+      <p:sp>
+        <p:nvSpPr>
+          <p:cNvPr id="7" name="Subtitle 2"/>
+          <p:cNvSpPr>
+            <a:spLocks noGrp="1"/>
+          </p:cNvSpPr>
+          <p:nvPr>
+            <p:ph type="subTitle" idx="1"/>
+          </p:nvPr>
+        </p:nvSpPr>
+        <p:spPr>
+          <a:xfrm>
+            <a:off x="4953000" y="1371600"/>
+            <a:ext cx="4114800" cy="4343400"/>
+          </a:xfrm>
+        </p:spPr>
+        <p:txBody>
+          <a:bodyPr>
+            <a:noAutofit/>
+          </a:bodyPr>
+          <a:lstStyle/>
+          <a:p>
+            <a:pPr algn="l"/>
+            <a:r>
+              <a:rPr lang="en-US" sz="1800" dirty="0" smtClean="0"/>
+              <a:t>#my-form {</a:t>
+            </a:r>
+          </a:p>
+          <a:p>
+            <a:pPr algn="l"/>
+            <a:r>
+              <a:rPr lang="en-US" sz="1800" dirty="0" smtClean="0"/>
+              <a:t>     width: 		200px;</a:t>
+            </a:r>
+          </a:p>
+          <a:p>
+            <a:pPr algn="l"/>
+            <a:r>
+              <a:rPr lang="en-US" sz="1800" dirty="0"/>
+              <a:t> </a:t>
+            </a:r>
+            <a:r>
+              <a:rPr lang="en-US" sz="1800" dirty="0" smtClean="0"/>
+              <a:t>    background: 	#00FFFF;</a:t>
+            </a:r>
+          </a:p>
+          <a:p>
+            <a:pPr algn="l"/>
+            <a:r>
+              <a:rPr lang="en-US" sz="1800" dirty="0"/>
+              <a:t> </a:t>
+            </a:r>
+            <a:r>
+              <a:rPr lang="en-US" sz="1800" dirty="0" smtClean="0"/>
+              <a:t>    margin: 		5px;</a:t>
+            </a:r>
+            <a:endParaRPr lang="en-US" sz="1800" dirty="0"/>
+          </a:p>
+          <a:p>
+            <a:pPr algn="l"/>
+            <a:r>
+              <a:rPr lang="en-US" sz="1800" dirty="0" smtClean="0"/>
+              <a:t>}</a:t>
+            </a:r>
+            <a:endParaRPr lang="en-US" sz="1800" dirty="0"/>
+          </a:p>
+          <a:p>
+            <a:pPr algn="l"/>
+            <a:r>
+              <a:rPr lang="en-US" sz="1800" dirty="0" smtClean="0"/>
+              <a:t>#my-form input {</a:t>
+            </a:r>
+          </a:p>
+          <a:p>
+            <a:pPr algn="l"/>
+            <a:r>
+              <a:rPr lang="en-US" sz="1800" dirty="0" smtClean="0"/>
+              <a:t>     </a:t>
+            </a:r>
+            <a:r>
+              <a:rPr lang="en-US" sz="1800" dirty="0"/>
+              <a:t>border-radius	5px</a:t>
+            </a:r>
+            <a:r>
+              <a:rPr lang="en-US" sz="1800" dirty="0" smtClean="0"/>
+              <a:t>;</a:t>
+            </a:r>
+          </a:p>
+          <a:p>
+            <a:pPr algn="l"/>
+            <a:r>
+              <a:rPr lang="en-US" sz="1800" dirty="0" smtClean="0"/>
+              <a:t>}</a:t>
+            </a:r>
+            <a:endParaRPr lang="en-US" sz="1800" dirty="0"/>
+          </a:p>
+          <a:p>
+            <a:pPr algn="l"/>
+            <a:r>
+              <a:rPr lang="en-US" sz="1800" dirty="0"/>
+              <a:t>#my-form </a:t>
+            </a:r>
+            <a:r>
+              <a:rPr lang="en-US" sz="1800" dirty="0" smtClean="0"/>
+              <a:t>div {</a:t>
+            </a:r>
+          </a:p>
+          <a:p>
+            <a:pPr algn="l"/>
+            <a:r>
+              <a:rPr lang="en-US" sz="1800" dirty="0"/>
+              <a:t> </a:t>
+            </a:r>
+            <a:r>
+              <a:rPr lang="en-US" sz="1800" dirty="0" smtClean="0"/>
+              <a:t>    border: 		1px;</a:t>
+            </a:r>
+            <a:endParaRPr lang="en-US" sz="1800" dirty="0"/>
+          </a:p>
+          <a:p>
+            <a:pPr algn="l"/>
+            <a:r>
+              <a:rPr lang="en-US" sz="1800" dirty="0" smtClean="0"/>
+              <a:t>}</a:t>
+            </a:r>
+            <a:endParaRPr lang="en-US" sz="1800" dirty="0" smtClean="0"/>
+          </a:p>
+          <a:p>
+            <a:pPr algn="l"/>
+            <a:r>
+              <a:rPr lang="en-US" sz="1800" dirty="0"/>
+              <a:t>#my-form </a:t>
+            </a:r>
+            <a:r>
+              <a:rPr lang="en-US" sz="1800" dirty="0" smtClean="0"/>
+              <a:t>label {</a:t>
+            </a:r>
+          </a:p>
+          <a:p>
+            <a:pPr algn="l"/>
+            <a:r>
+              <a:rPr lang="en-US" sz="1800" dirty="0"/>
+              <a:t> </a:t>
+            </a:r>
+            <a:r>
+              <a:rPr lang="en-US" sz="1800" dirty="0" smtClean="0"/>
+              <a:t>     padding</a:t>
+            </a:r>
+            <a:r>
+              <a:rPr lang="en-US" sz="1800" dirty="0"/>
+              <a:t>:	</a:t>
+            </a:r>
+            <a:r>
+              <a:rPr lang="en-US" sz="1800" dirty="0" smtClean="0"/>
+              <a:t>10px</a:t>
+            </a:r>
+            <a:r>
+              <a:rPr lang="en-US" sz="1800" dirty="0"/>
+              <a:t>;</a:t>
+            </a:r>
+          </a:p>
+          <a:p>
+            <a:pPr algn="l"/>
+            <a:r>
+              <a:rPr lang="en-US" sz="1800" dirty="0" smtClean="0"/>
+              <a:t>}</a:t>
+            </a:r>
+            <a:endParaRPr lang="en-US" sz="1800" dirty="0"/>
+          </a:p>
+          <a:p>
+            <a:pPr algn="l"/>
+            <a:endParaRPr lang="en-US" dirty="0" smtClean="0"/>
+          </a:p>
+        </p:txBody>
+      </p:sp>
+      <p:sp>
+        <p:nvSpPr>
+          <p:cNvPr id="8" name="Subtitle 2"/>
+          <p:cNvSpPr txBox="1">
+            <a:spLocks/>
+          </p:cNvSpPr>
+          <p:nvPr/>
+        </p:nvSpPr>
+        <p:spPr>
+          <a:xfrm>
+            <a:off x="381000" y="1295400"/>
+            <a:ext cx="4114800" cy="4343400"/>
+          </a:xfrm>
+          <a:prstGeom prst="rect">
+            <a:avLst/>
+          </a:prstGeom>
+        </p:spPr>
+        <p:txBody>
+          <a:bodyPr vert="horz" lIns="91440" tIns="45720" rIns="91440" bIns="45720" rtlCol="0">
+            <a:noAutofit/>
+          </a:bodyPr>
+          <a:lstStyle>
+            <a:lvl1pPr marL="0" indent="0" algn="ctr" defTabSz="914400" rtl="0" eaLnBrk="1" latinLnBrk="0" hangingPunct="1">
+              <a:spcBef>
+                <a:spcPct val="20000"/>
+              </a:spcBef>
+              <a:buFont typeface="Arial" pitchFamily="34" charset="0"/>
+              <a:buNone/>
+              <a:defRPr sz="2400" kern="1200">
+                <a:solidFill>
+                  <a:schemeClr val="tx1">
+                    <a:tint val="75000"/>
+                  </a:schemeClr>
+                </a:solidFill>
+                <a:latin typeface="+mj-lt"/>
+                <a:ea typeface="+mn-ea"/>
+                <a:cs typeface="+mn-cs"/>
+              </a:defRPr>
+            </a:lvl1pPr>
+            <a:lvl2pPr marL="457200" indent="0" algn="ctr" defTabSz="914400" rtl="0" eaLnBrk="1" latinLnBrk="0" hangingPunct="1">
+              <a:spcBef>
+                <a:spcPct val="20000"/>
+              </a:spcBef>
+              <a:buFont typeface="Courier New" pitchFamily="49" charset="0"/>
+              <a:buNone/>
+              <a:defRPr sz="1600" kern="1200">
+                <a:solidFill>
+                  <a:schemeClr val="tx1">
+                    <a:tint val="75000"/>
+                  </a:schemeClr>
+                </a:solidFill>
+                <a:latin typeface="+mj-lt"/>
+                <a:ea typeface="+mn-ea"/>
+                <a:cs typeface="+mn-cs"/>
+              </a:defRPr>
+            </a:lvl2pPr>
+            <a:lvl3pPr marL="914400" indent="0" algn="ctr" defTabSz="914400" rtl="0" eaLnBrk="1" latinLnBrk="0" hangingPunct="1">
+              <a:spcBef>
+                <a:spcPct val="20000"/>
+              </a:spcBef>
+              <a:buFont typeface="Arial" pitchFamily="34" charset="0"/>
+              <a:buNone/>
+              <a:defRPr sz="1600" kern="1200">
+                <a:solidFill>
+                  <a:schemeClr val="tx1">
+                    <a:tint val="75000"/>
+                  </a:schemeClr>
+                </a:solidFill>
+                <a:latin typeface="+mj-lt"/>
+                <a:ea typeface="+mn-ea"/>
+                <a:cs typeface="+mn-cs"/>
+              </a:defRPr>
+            </a:lvl3pPr>
+            <a:lvl4pPr marL="1371600" indent="0" algn="ctr" defTabSz="914400" rtl="0" eaLnBrk="1" latinLnBrk="0" hangingPunct="1">
+              <a:spcBef>
+                <a:spcPct val="20000"/>
+              </a:spcBef>
+              <a:buFont typeface="Courier New" pitchFamily="49" charset="0"/>
+              <a:buNone/>
+              <a:defRPr sz="1600" kern="1200">
+                <a:solidFill>
+                  <a:schemeClr val="tx1">
+                    <a:tint val="75000"/>
+                  </a:schemeClr>
+                </a:solidFill>
+                <a:latin typeface="+mj-lt"/>
+                <a:ea typeface="+mn-ea"/>
+                <a:cs typeface="+mn-cs"/>
+              </a:defRPr>
+            </a:lvl4pPr>
+            <a:lvl5pPr marL="1828800" indent="0" algn="ctr" defTabSz="914400" rtl="0" eaLnBrk="1" latinLnBrk="0" hangingPunct="1">
+              <a:spcBef>
+                <a:spcPct val="20000"/>
+              </a:spcBef>
+              <a:buFont typeface="Arial" pitchFamily="34" charset="0"/>
+              <a:buNone/>
+              <a:defRPr sz="1600" kern="1200">
+                <a:solidFill>
+                  <a:schemeClr val="tx1">
+                    <a:tint val="75000"/>
+                  </a:schemeClr>
+                </a:solidFill>
+                <a:latin typeface="+mj-lt"/>
+                <a:ea typeface="+mn-ea"/>
+                <a:cs typeface="+mn-cs"/>
+              </a:defRPr>
+            </a:lvl5pPr>
+            <a:lvl6pPr marL="2286000" indent="0" algn="ctr" defTabSz="914400" rtl="0" eaLnBrk="1" latinLnBrk="0" hangingPunct="1">
+              <a:spcBef>
+                <a:spcPct val="20000"/>
+              </a:spcBef>
+              <a:buFont typeface="Courier New" pitchFamily="49" charset="0"/>
+              <a:buNone/>
+              <a:defRPr sz="1600" kern="1200">
+                <a:solidFill>
+                  <a:schemeClr val="tx1">
+                    <a:tint val="75000"/>
+                  </a:schemeClr>
+                </a:solidFill>
+                <a:latin typeface="+mj-lt"/>
+                <a:ea typeface="+mn-ea"/>
+                <a:cs typeface="+mn-cs"/>
+              </a:defRPr>
+            </a:lvl6pPr>
+            <a:lvl7pPr marL="2743200" indent="0" algn="ctr" defTabSz="914400" rtl="0" eaLnBrk="1" latinLnBrk="0" hangingPunct="1">
+              <a:spcBef>
+                <a:spcPct val="20000"/>
+              </a:spcBef>
+              <a:buFont typeface="Arial" pitchFamily="34" charset="0"/>
+              <a:buNone/>
+              <a:defRPr sz="1600" kern="1200">
+                <a:solidFill>
+                  <a:schemeClr val="tx1">
+                    <a:tint val="75000"/>
+                  </a:schemeClr>
+                </a:solidFill>
+                <a:latin typeface="+mj-lt"/>
+                <a:ea typeface="+mn-ea"/>
+                <a:cs typeface="+mn-cs"/>
+              </a:defRPr>
+            </a:lvl7pPr>
+            <a:lvl8pPr marL="3200400" indent="0" algn="ctr" defTabSz="914400" rtl="0" eaLnBrk="1" latinLnBrk="0" hangingPunct="1">
+              <a:spcBef>
+                <a:spcPct val="20000"/>
+              </a:spcBef>
+              <a:buFont typeface="Courier New" pitchFamily="49" charset="0"/>
+              <a:buNone/>
+              <a:defRPr sz="1600" kern="1200">
+                <a:solidFill>
+                  <a:schemeClr val="tx1">
+                    <a:tint val="75000"/>
+                  </a:schemeClr>
+                </a:solidFill>
+                <a:latin typeface="+mj-lt"/>
+                <a:ea typeface="+mn-ea"/>
+                <a:cs typeface="+mn-cs"/>
+              </a:defRPr>
+            </a:lvl8pPr>
+            <a:lvl9pPr marL="3657600" indent="0" algn="ctr" defTabSz="914400" rtl="0" eaLnBrk="1" latinLnBrk="0" hangingPunct="1">
+              <a:spcBef>
+                <a:spcPct val="20000"/>
+              </a:spcBef>
+              <a:buFont typeface="Arial" pitchFamily="34" charset="0"/>
+              <a:buNone/>
+              <a:defRPr sz="1600" kern="1200">
+                <a:solidFill>
+                  <a:schemeClr val="tx1">
+                    <a:tint val="75000"/>
+                  </a:schemeClr>
+                </a:solidFill>
+                <a:latin typeface="+mj-lt"/>
+                <a:ea typeface="+mn-ea"/>
+                <a:cs typeface="+mn-cs"/>
+              </a:defRPr>
+            </a:lvl9pPr>
+          </a:lstStyle>
+          <a:p>
+            <a:pPr algn="l"/>
+            <a:r>
               <a:rPr lang="en-US" sz="1800" dirty="0" smtClean="0"/>
               <a:t>&lt;form id=“my-form”&gt;</a:t>
             </a:r>
@@ -6090,39 +10065,6 @@
       </p:grpSpPr>
       <p:sp>
         <p:nvSpPr>
-          <p:cNvPr id="2" name="Title 1"/>
-          <p:cNvSpPr>
-            <a:spLocks noGrp="1"/>
-          </p:cNvSpPr>
-          <p:nvPr>
-            <p:ph type="ctrTitle"/>
-          </p:nvPr>
-        </p:nvSpPr>
-        <p:spPr>
-          <a:xfrm>
-            <a:off x="685800" y="228600"/>
-            <a:ext cx="7772400" cy="685800"/>
-          </a:xfrm>
-        </p:spPr>
-        <p:txBody>
-          <a:bodyPr/>
-          <a:lstStyle/>
-          <a:p>
-            <a:pPr algn="l"/>
-            <a:r>
-              <a:rPr lang="en-US" sz="4000" dirty="0" smtClean="0"/>
-              <a:t>xx</a:t>
-            </a:r>
-            <a:r>
-              <a:rPr lang="en-US" sz="4000" dirty="0" smtClean="0"/>
-              <a:t>?</a:t>
-            </a:r>
-            <a:endParaRPr lang="en-US" sz="4000" dirty="0"/>
-          </a:p>
-        </p:txBody>
-      </p:sp>
-      <p:sp>
-        <p:nvSpPr>
           <p:cNvPr id="4" name="Date Placeholder 3"/>
           <p:cNvSpPr>
             <a:spLocks noGrp="1"/>
@@ -6193,7 +10135,7 @@
       </p:sp>
       <p:sp>
         <p:nvSpPr>
-          <p:cNvPr id="7" name="Subtitle 2"/>
+          <p:cNvPr id="3" name="Subtitle 2"/>
           <p:cNvSpPr>
             <a:spLocks noGrp="1"/>
           </p:cNvSpPr>
@@ -6203,32 +10145,26 @@
         </p:nvSpPr>
         <p:spPr>
           <a:xfrm>
-            <a:off x="381000" y="1219200"/>
-            <a:ext cx="8153400" cy="4343400"/>
+            <a:off x="1524000" y="1143000"/>
+            <a:ext cx="6400800" cy="1219200"/>
           </a:xfrm>
         </p:spPr>
         <p:txBody>
-          <a:bodyPr>
-            <a:noAutofit/>
-          </a:bodyPr>
-          <a:lstStyle/>
-          <a:p>
-            <a:pPr marL="342900" indent="-342900" algn="l">
-              <a:buFont typeface="Arial" panose="020B0604020202020204" pitchFamily="34" charset="0"/>
-              <a:buChar char="•"/>
-            </a:pPr>
-            <a:r>
-              <a:rPr lang="en-US" dirty="0" smtClean="0"/>
-              <a:t>xx</a:t>
-            </a:r>
-            <a:endParaRPr lang="en-US" dirty="0" smtClean="0"/>
+          <a:bodyPr/>
+          <a:lstStyle/>
+          <a:p>
+            <a:r>
+              <a:rPr lang="en-US" b="1" dirty="0" smtClean="0"/>
+              <a:t>Code Demo</a:t>
+            </a:r>
+            <a:endParaRPr lang="en-US" b="1" dirty="0"/>
           </a:p>
         </p:txBody>
       </p:sp>
     </p:spTree>
     <p:extLst>
       <p:ext uri="{BB962C8B-B14F-4D97-AF65-F5344CB8AC3E}">
-        <p14:creationId xmlns:p14="http://schemas.microsoft.com/office/powerpoint/2010/main" val="4019143189"/>
+        <p14:creationId xmlns:p14="http://schemas.microsoft.com/office/powerpoint/2010/main" val="446369631"/>
       </p:ext>
     </p:extLst>
   </p:cSld>

--- a/brownbag/less/tech-presentation-less.pptx
+++ b/brownbag/less/tech-presentation-less.pptx
@@ -5,7 +5,7 @@
     <p:sldMasterId id="2147483648" r:id="rId1"/>
   </p:sldMasterIdLst>
   <p:notesMasterIdLst>
-    <p:notesMasterId r:id="rId19"/>
+    <p:notesMasterId r:id="rId22"/>
   </p:notesMasterIdLst>
   <p:sldIdLst>
     <p:sldId id="256" r:id="rId2"/>
@@ -19,12 +19,15 @@
     <p:sldId id="266" r:id="rId10"/>
     <p:sldId id="264" r:id="rId11"/>
     <p:sldId id="265" r:id="rId12"/>
-    <p:sldId id="268" r:id="rId13"/>
-    <p:sldId id="269" r:id="rId14"/>
-    <p:sldId id="270" r:id="rId15"/>
-    <p:sldId id="271" r:id="rId16"/>
-    <p:sldId id="272" r:id="rId17"/>
-    <p:sldId id="267" r:id="rId18"/>
+    <p:sldId id="273" r:id="rId13"/>
+    <p:sldId id="274" r:id="rId14"/>
+    <p:sldId id="275" r:id="rId15"/>
+    <p:sldId id="268" r:id="rId16"/>
+    <p:sldId id="269" r:id="rId17"/>
+    <p:sldId id="270" r:id="rId18"/>
+    <p:sldId id="271" r:id="rId19"/>
+    <p:sldId id="272" r:id="rId20"/>
+    <p:sldId id="267" r:id="rId21"/>
   </p:sldIdLst>
   <p:sldSz cx="9144000" cy="6858000" type="screen4x3"/>
   <p:notesSz cx="6858000" cy="9144000"/>
@@ -224,7 +227,7 @@
           <a:p>
             <a:fld id="{436134EC-835B-48D8-BDB5-96D4A8A8ACE7}" type="datetimeFigureOut">
               <a:rPr lang="en-US" smtClean="0"/>
-              <a:t>11/23/2015</a:t>
+              <a:t>11/25/2015</a:t>
             </a:fld>
             <a:endParaRPr lang="en-US"/>
           </a:p>
@@ -684,7 +687,7 @@
           <a:p>
             <a:fld id="{216C5678-EE20-4FA5-88E2-6E0BD67A2E26}" type="datetime1">
               <a:rPr lang="en-US" smtClean="0"/>
-              <a:t>11/23/2015</a:t>
+              <a:t>11/25/2015</a:t>
             </a:fld>
             <a:endParaRPr lang="en-US" dirty="0"/>
           </a:p>
@@ -854,7 +857,7 @@
           <a:p>
             <a:fld id="{EA051B39-B140-43FE-96DB-472A2B59CE7C}" type="datetime1">
               <a:rPr lang="en-US" smtClean="0"/>
-              <a:t>11/23/2015</a:t>
+              <a:t>11/25/2015</a:t>
             </a:fld>
             <a:endParaRPr lang="en-US"/>
           </a:p>
@@ -1034,7 +1037,7 @@
           <a:p>
             <a:fld id="{DA600BB2-27C5-458B-ABCE-839C88CF47CE}" type="datetime1">
               <a:rPr lang="en-US" smtClean="0"/>
-              <a:t>11/23/2015</a:t>
+              <a:t>11/25/2015</a:t>
             </a:fld>
             <a:endParaRPr lang="en-US"/>
           </a:p>
@@ -1222,7 +1225,7 @@
           <a:p>
             <a:fld id="{B11D738E-8962-435F-8C43-147B8DD7E819}" type="datetime1">
               <a:rPr lang="en-US" smtClean="0"/>
-              <a:t>11/23/2015</a:t>
+              <a:t>11/25/2015</a:t>
             </a:fld>
             <a:endParaRPr lang="en-US"/>
           </a:p>
@@ -1489,7 +1492,7 @@
           <a:p>
             <a:fld id="{09CAEA93-55E7-4DA9-90C2-089A26EEFEC4}" type="datetime1">
               <a:rPr lang="en-US" smtClean="0"/>
-              <a:t>11/23/2015</a:t>
+              <a:t>11/25/2015</a:t>
             </a:fld>
             <a:endParaRPr lang="en-US"/>
           </a:p>
@@ -1842,7 +1845,7 @@
           <a:p>
             <a:fld id="{E34CF3C7-6809-4F39-BD67-A75817BDDE0A}" type="datetime1">
               <a:rPr lang="en-US" smtClean="0"/>
-              <a:t>11/23/2015</a:t>
+              <a:t>11/25/2015</a:t>
             </a:fld>
             <a:endParaRPr lang="en-US"/>
           </a:p>
@@ -2155,7 +2158,7 @@
           <a:p>
             <a:fld id="{F7EAEB24-CE78-465C-A726-91D0868FA48F}" type="datetime1">
               <a:rPr lang="en-US" smtClean="0"/>
-              <a:t>11/23/2015</a:t>
+              <a:t>11/25/2015</a:t>
             </a:fld>
             <a:endParaRPr lang="en-US"/>
           </a:p>
@@ -2387,7 +2390,7 @@
           <a:p>
             <a:fld id="{40BAADF0-1749-4E8B-9691-B44A5F8C0895}" type="datetime1">
               <a:rPr lang="en-US" smtClean="0"/>
-              <a:t>11/23/2015</a:t>
+              <a:t>11/25/2015</a:t>
             </a:fld>
             <a:endParaRPr lang="en-US"/>
           </a:p>
@@ -2482,7 +2485,7 @@
           <a:p>
             <a:fld id="{A8AF628A-A867-4937-BBE5-207DB6F9C51A}" type="datetime1">
               <a:rPr lang="en-US" smtClean="0"/>
-              <a:t>11/23/2015</a:t>
+              <a:t>11/25/2015</a:t>
             </a:fld>
             <a:endParaRPr lang="en-US"/>
           </a:p>
@@ -2775,7 +2778,7 @@
           <a:p>
             <a:fld id="{118BBB94-68E6-4675-A946-F1C5994EDBD7}" type="datetime1">
               <a:rPr lang="en-US" smtClean="0"/>
-              <a:t>11/23/2015</a:t>
+              <a:t>11/25/2015</a:t>
             </a:fld>
             <a:endParaRPr lang="en-US"/>
           </a:p>
@@ -3049,7 +3052,7 @@
           <a:p>
             <a:fld id="{DC3B8377-21E3-4835-B75D-4E2847E2750F}" type="datetime1">
               <a:rPr lang="en-US" smtClean="0"/>
-              <a:t>11/23/2015</a:t>
+              <a:t>11/25/2015</a:t>
             </a:fld>
             <a:endParaRPr lang="en-US"/>
           </a:p>
@@ -3264,7 +3267,7 @@
           <a:p>
             <a:fld id="{B0C4986D-6BE9-4264-908F-02DB36FD8D6C}" type="datetime1">
               <a:rPr lang="en-US" smtClean="0"/>
-              <a:t>11/23/2015</a:t>
+              <a:t>11/25/2015</a:t>
             </a:fld>
             <a:endParaRPr lang="en-US" dirty="0"/>
           </a:p>
@@ -3871,7 +3874,7 @@
           <a:p>
             <a:fld id="{216C5678-EE20-4FA5-88E2-6E0BD67A2E26}" type="datetime1">
               <a:rPr lang="en-US" smtClean="0"/>
-              <a:t>11/23/2015</a:t>
+              <a:t>11/25/2015</a:t>
             </a:fld>
             <a:endParaRPr lang="en-US" dirty="0"/>
           </a:p>
@@ -4000,7 +4003,7 @@
           <a:p>
             <a:fld id="{216C5678-EE20-4FA5-88E2-6E0BD67A2E26}" type="datetime1">
               <a:rPr lang="en-US" smtClean="0"/>
-              <a:t>11/23/2015</a:t>
+              <a:t>11/25/2015</a:t>
             </a:fld>
             <a:endParaRPr lang="en-US" dirty="0"/>
           </a:p>
@@ -6286,7 +6289,7 @@
             <a:pPr algn="l"/>
             <a:r>
               <a:rPr lang="en-US" sz="4000" dirty="0" smtClean="0"/>
-              <a:t>LESS Variables</a:t>
+              <a:t>LESS Basics</a:t>
             </a:r>
             <a:endParaRPr lang="en-US" sz="4000" dirty="0"/>
           </a:p>
@@ -6309,7 +6312,7 @@
           <a:p>
             <a:fld id="{216C5678-EE20-4FA5-88E2-6E0BD67A2E26}" type="datetime1">
               <a:rPr lang="en-US" smtClean="0"/>
-              <a:t>11/23/2015</a:t>
+              <a:t>11/25/2015</a:t>
             </a:fld>
             <a:endParaRPr lang="en-US" dirty="0"/>
           </a:p>
@@ -6374,8 +6377,8 @@
         </p:nvSpPr>
         <p:spPr>
           <a:xfrm>
-            <a:off x="381000" y="838200"/>
-            <a:ext cx="8153400" cy="1447800"/>
+            <a:off x="381000" y="1447800"/>
+            <a:ext cx="8153400" cy="1066800"/>
           </a:xfrm>
         </p:spPr>
         <p:txBody>
@@ -6387,16 +6390,19 @@
             <a:pPr algn="l"/>
             <a:r>
               <a:rPr lang="en-US" dirty="0" smtClean="0"/>
-              <a:t>	@error-color:    #FF0000;</a:t>
+              <a:t>	</a:t>
+            </a:r>
+            <a:r>
+              <a:rPr lang="en-US" sz="2000" dirty="0" smtClean="0"/>
+              <a:t>@error-color:    #FF0000;</a:t>
             </a:r>
           </a:p>
           <a:p>
             <a:pPr algn="l"/>
             <a:r>
-              <a:rPr lang="en-US" dirty="0" smtClean="0"/>
-              <a:t>	@warn-color:    #FFFF00;</a:t>
-            </a:r>
-            <a:endParaRPr lang="en-US" dirty="0" smtClean="0"/>
+              <a:rPr lang="en-US" sz="2000" dirty="0" smtClean="0"/>
+              <a:t>	@my-fonts:        Times Roman, sans serif;</a:t>
+            </a:r>
           </a:p>
         </p:txBody>
       </p:sp>
@@ -6410,8 +6416,8 @@
         </p:nvSpPr>
         <p:spPr>
           <a:xfrm>
-            <a:off x="723900" y="2286000"/>
-            <a:ext cx="7772400" cy="685800"/>
+            <a:off x="723900" y="2209800"/>
+            <a:ext cx="2933700" cy="685800"/>
           </a:xfrm>
           <a:prstGeom prst="rect">
             <a:avLst/>
@@ -6450,16 +6456,16 @@
           <a:p>
             <a:pPr algn="l"/>
             <a:r>
-              <a:rPr lang="en-US" sz="4000" dirty="0" smtClean="0"/>
-              <a:t>LESS Comments</a:t>
-            </a:r>
-            <a:endParaRPr lang="en-US" sz="4000" dirty="0"/>
-          </a:p>
-        </p:txBody>
-      </p:sp>
-      <p:sp>
-        <p:nvSpPr>
-          <p:cNvPr id="9" name="Subtitle 2"/>
+              <a:rPr lang="en-US" sz="2800" dirty="0" smtClean="0"/>
+              <a:t>Comments</a:t>
+            </a:r>
+            <a:endParaRPr lang="en-US" sz="2800" dirty="0"/>
+          </a:p>
+        </p:txBody>
+      </p:sp>
+      <p:sp>
+        <p:nvSpPr>
+          <p:cNvPr id="11" name="Title 1"/>
           <p:cNvSpPr txBox="1">
             <a:spLocks/>
           </p:cNvSpPr>
@@ -6467,8 +6473,73 @@
         </p:nvSpPr>
         <p:spPr>
           <a:xfrm>
-            <a:off x="495300" y="2895600"/>
-            <a:ext cx="8153400" cy="1447800"/>
+            <a:off x="762000" y="3581400"/>
+            <a:ext cx="7772400" cy="685800"/>
+          </a:xfrm>
+          <a:prstGeom prst="rect">
+            <a:avLst/>
+          </a:prstGeom>
+        </p:spPr>
+        <p:txBody>
+          <a:bodyPr vert="horz" lIns="91440" tIns="45720" rIns="91440" bIns="45720" rtlCol="0" anchor="b">
+            <a:noAutofit/>
+          </a:bodyPr>
+          <a:lstStyle>
+            <a:lvl1pPr algn="ctr" defTabSz="914400" rtl="0" eaLnBrk="1" latinLnBrk="0" hangingPunct="1">
+              <a:lnSpc>
+                <a:spcPct val="100000"/>
+              </a:lnSpc>
+              <a:spcBef>
+                <a:spcPct val="0"/>
+              </a:spcBef>
+              <a:buNone/>
+              <a:defRPr sz="8000" kern="1200">
+                <a:solidFill>
+                  <a:schemeClr val="tx2"/>
+                </a:solidFill>
+                <a:effectLst>
+                  <a:outerShdw blurRad="63500" dist="38100" dir="5400000" algn="t" rotWithShape="0">
+                    <a:prstClr val="black">
+                      <a:alpha val="25000"/>
+                    </a:prstClr>
+                  </a:outerShdw>
+                </a:effectLst>
+                <a:latin typeface="+mn-lt"/>
+                <a:ea typeface="+mj-ea"/>
+                <a:cs typeface="+mj-cs"/>
+              </a:defRPr>
+            </a:lvl1pPr>
+          </a:lstStyle>
+          <a:p>
+            <a:pPr algn="l"/>
+            <a:r>
+              <a:rPr lang="en-US" sz="2800" dirty="0" smtClean="0"/>
+              <a:t>@import “</a:t>
+            </a:r>
+            <a:r>
+              <a:rPr lang="en-US" sz="2800" dirty="0" err="1" smtClean="0"/>
+              <a:t>other.less</a:t>
+            </a:r>
+            <a:r>
+              <a:rPr lang="en-US" sz="2800" dirty="0" smtClean="0"/>
+              <a:t>”</a:t>
+            </a:r>
+            <a:endParaRPr lang="en-US" sz="2800" dirty="0"/>
+          </a:p>
+        </p:txBody>
+      </p:sp>
+      <p:sp>
+        <p:nvSpPr>
+          <p:cNvPr id="12" name="Subtitle 2"/>
+          <p:cNvSpPr txBox="1">
+            <a:spLocks/>
+          </p:cNvSpPr>
+          <p:nvPr/>
+        </p:nvSpPr>
+        <p:spPr>
+          <a:xfrm>
+            <a:off x="647700" y="4267200"/>
+            <a:ext cx="8153400" cy="990600"/>
           </a:xfrm>
           <a:prstGeom prst="rect">
             <a:avLst/>
@@ -6636,27 +6707,23 @@
           <a:p>
             <a:pPr algn="l"/>
             <a:r>
-              <a:rPr lang="en-US" dirty="0" smtClean="0"/>
-              <a:t>	/*  */</a:t>
-            </a:r>
-          </a:p>
-          <a:p>
-            <a:pPr algn="l"/>
-            <a:r>
               <a:rPr lang="en-US" dirty="0"/>
               <a:t> </a:t>
             </a:r>
             <a:r>
               <a:rPr lang="en-US" dirty="0" smtClean="0"/>
-              <a:t>	//</a:t>
-            </a:r>
-            <a:endParaRPr lang="en-US" dirty="0" smtClean="0"/>
-          </a:p>
-        </p:txBody>
-      </p:sp>
-      <p:sp>
-        <p:nvSpPr>
-          <p:cNvPr id="10" name="Subtitle 2"/>
+              <a:t>    </a:t>
+            </a:r>
+            <a:r>
+              <a:rPr lang="en-US" sz="2000" dirty="0" smtClean="0"/>
+              <a:t>merge other .less files into single files for quicker download</a:t>
+            </a:r>
+          </a:p>
+        </p:txBody>
+      </p:sp>
+      <p:sp>
+        <p:nvSpPr>
+          <p:cNvPr id="13" name="Title 1"/>
           <p:cNvSpPr txBox="1">
             <a:spLocks/>
           </p:cNvSpPr>
@@ -6664,16 +6731,73 @@
         </p:nvSpPr>
         <p:spPr>
           <a:xfrm>
-            <a:off x="1561322" y="4648200"/>
-            <a:ext cx="6400800" cy="1219200"/>
+            <a:off x="762000" y="838200"/>
+            <a:ext cx="2933700" cy="685800"/>
           </a:xfrm>
           <a:prstGeom prst="rect">
             <a:avLst/>
           </a:prstGeom>
         </p:spPr>
         <p:txBody>
+          <a:bodyPr vert="horz" lIns="91440" tIns="45720" rIns="91440" bIns="45720" rtlCol="0" anchor="b">
+            <a:noAutofit/>
+          </a:bodyPr>
+          <a:lstStyle>
+            <a:lvl1pPr algn="ctr" defTabSz="914400" rtl="0" eaLnBrk="1" latinLnBrk="0" hangingPunct="1">
+              <a:lnSpc>
+                <a:spcPct val="100000"/>
+              </a:lnSpc>
+              <a:spcBef>
+                <a:spcPct val="0"/>
+              </a:spcBef>
+              <a:buNone/>
+              <a:defRPr sz="8000" kern="1200">
+                <a:solidFill>
+                  <a:schemeClr val="tx2"/>
+                </a:solidFill>
+                <a:effectLst>
+                  <a:outerShdw blurRad="63500" dist="38100" dir="5400000" algn="t" rotWithShape="0">
+                    <a:prstClr val="black">
+                      <a:alpha val="25000"/>
+                    </a:prstClr>
+                  </a:outerShdw>
+                </a:effectLst>
+                <a:latin typeface="+mn-lt"/>
+                <a:ea typeface="+mj-ea"/>
+                <a:cs typeface="+mj-cs"/>
+              </a:defRPr>
+            </a:lvl1pPr>
+          </a:lstStyle>
+          <a:p>
+            <a:pPr algn="l"/>
+            <a:r>
+              <a:rPr lang="en-US" sz="2800" dirty="0" smtClean="0"/>
+              <a:t>Variables</a:t>
+            </a:r>
+            <a:endParaRPr lang="en-US" sz="2800" dirty="0"/>
+          </a:p>
+        </p:txBody>
+      </p:sp>
+      <p:sp>
+        <p:nvSpPr>
+          <p:cNvPr id="15" name="Subtitle 2"/>
+          <p:cNvSpPr txBox="1">
+            <a:spLocks/>
+          </p:cNvSpPr>
+          <p:nvPr/>
+        </p:nvSpPr>
+        <p:spPr>
+          <a:xfrm>
+            <a:off x="800100" y="2971800"/>
+            <a:ext cx="8153400" cy="990600"/>
+          </a:xfrm>
+          <a:prstGeom prst="rect">
+            <a:avLst/>
+          </a:prstGeom>
+        </p:spPr>
+        <p:txBody>
           <a:bodyPr vert="horz" lIns="91440" tIns="45720" rIns="91440" bIns="45720" rtlCol="0">
-            <a:normAutofit/>
+            <a:noAutofit/>
           </a:bodyPr>
           <a:lstStyle>
             <a:lvl1pPr marL="0" indent="0" algn="ctr" defTabSz="914400" rtl="0" eaLnBrk="1" latinLnBrk="0" hangingPunct="1">
@@ -6831,11 +6955,26 @@
             </a:lvl9pPr>
           </a:lstStyle>
           <a:p>
-            <a:r>
-              <a:rPr lang="en-US" b="1" smtClean="0"/>
-              <a:t>Code Demo</a:t>
-            </a:r>
-            <a:endParaRPr lang="en-US" b="1" dirty="0"/>
+            <a:pPr algn="l"/>
+            <a:r>
+              <a:rPr lang="en-US" dirty="0" smtClean="0"/>
+              <a:t>	</a:t>
+            </a:r>
+            <a:r>
+              <a:rPr lang="en-US" sz="2000" dirty="0" smtClean="0"/>
+              <a:t>/*  */</a:t>
+            </a:r>
+          </a:p>
+          <a:p>
+            <a:pPr algn="l"/>
+            <a:r>
+              <a:rPr lang="en-US" sz="2000" dirty="0"/>
+              <a:t> </a:t>
+            </a:r>
+            <a:r>
+              <a:rPr lang="en-US" sz="2000" dirty="0" smtClean="0"/>
+              <a:t>	//</a:t>
+            </a:r>
           </a:p>
         </p:txBody>
       </p:sp>
@@ -6892,7 +7031,15 @@
             <a:pPr algn="l"/>
             <a:r>
               <a:rPr lang="en-US" sz="4000" dirty="0" smtClean="0"/>
-              <a:t>LESS Function</a:t>
+              <a:t>LESS Basics (</a:t>
+            </a:r>
+            <a:r>
+              <a:rPr lang="en-US" sz="4000" dirty="0" err="1" smtClean="0"/>
+              <a:t>cont</a:t>
+            </a:r>
+            <a:r>
+              <a:rPr lang="en-US" sz="4000" dirty="0" smtClean="0"/>
+              <a:t>)</a:t>
             </a:r>
             <a:endParaRPr lang="en-US" sz="4000" dirty="0"/>
           </a:p>
@@ -6915,7 +7062,7 @@
           <a:p>
             <a:fld id="{216C5678-EE20-4FA5-88E2-6E0BD67A2E26}" type="datetime1">
               <a:rPr lang="en-US" smtClean="0"/>
-              <a:t>11/23/2015</a:t>
+              <a:t>11/25/2015</a:t>
             </a:fld>
             <a:endParaRPr lang="en-US" dirty="0"/>
           </a:p>
@@ -6980,8 +7127,8 @@
         </p:nvSpPr>
         <p:spPr>
           <a:xfrm>
-            <a:off x="381000" y="1219200"/>
-            <a:ext cx="8153400" cy="4343400"/>
+            <a:off x="381000" y="1447800"/>
+            <a:ext cx="8153400" cy="1066800"/>
           </a:xfrm>
         </p:spPr>
         <p:txBody>
@@ -6990,14 +7137,422 @@
           </a:bodyPr>
           <a:lstStyle/>
           <a:p>
-            <a:pPr marL="342900" indent="-342900" algn="l">
-              <a:buFont typeface="Arial" panose="020B0604020202020204" pitchFamily="34" charset="0"/>
-              <a:buChar char="•"/>
-            </a:pPr>
+            <a:pPr algn="l"/>
             <a:r>
               <a:rPr lang="en-US" dirty="0" smtClean="0"/>
-              <a:t>@</a:t>
-            </a:r>
+              <a:t>	</a:t>
+            </a:r>
+            <a:r>
+              <a:rPr lang="en-US" sz="2000" dirty="0" smtClean="0"/>
+              <a:t>font-size: 	5px + 4;</a:t>
+            </a:r>
+          </a:p>
+          <a:p>
+            <a:pPr algn="l"/>
+            <a:r>
+              <a:rPr lang="en-US" sz="2000" dirty="0"/>
+              <a:t> </a:t>
+            </a:r>
+            <a:r>
+              <a:rPr lang="en-US" sz="2000" dirty="0" smtClean="0"/>
+              <a:t>            color:		#00FFFF / 4;</a:t>
+            </a:r>
+          </a:p>
+        </p:txBody>
+      </p:sp>
+      <p:sp>
+        <p:nvSpPr>
+          <p:cNvPr id="8" name="Title 1"/>
+          <p:cNvSpPr txBox="1">
+            <a:spLocks/>
+          </p:cNvSpPr>
+          <p:nvPr/>
+        </p:nvSpPr>
+        <p:spPr>
+          <a:xfrm>
+            <a:off x="723900" y="2209800"/>
+            <a:ext cx="5372100" cy="685800"/>
+          </a:xfrm>
+          <a:prstGeom prst="rect">
+            <a:avLst/>
+          </a:prstGeom>
+        </p:spPr>
+        <p:txBody>
+          <a:bodyPr vert="horz" lIns="91440" tIns="45720" rIns="91440" bIns="45720" rtlCol="0" anchor="b">
+            <a:noAutofit/>
+          </a:bodyPr>
+          <a:lstStyle>
+            <a:lvl1pPr algn="ctr" defTabSz="914400" rtl="0" eaLnBrk="1" latinLnBrk="0" hangingPunct="1">
+              <a:lnSpc>
+                <a:spcPct val="100000"/>
+              </a:lnSpc>
+              <a:spcBef>
+                <a:spcPct val="0"/>
+              </a:spcBef>
+              <a:buNone/>
+              <a:defRPr sz="8000" kern="1200">
+                <a:solidFill>
+                  <a:schemeClr val="tx2"/>
+                </a:solidFill>
+                <a:effectLst>
+                  <a:outerShdw blurRad="63500" dist="38100" dir="5400000" algn="t" rotWithShape="0">
+                    <a:prstClr val="black">
+                      <a:alpha val="25000"/>
+                    </a:prstClr>
+                  </a:outerShdw>
+                </a:effectLst>
+                <a:latin typeface="+mn-lt"/>
+                <a:ea typeface="+mj-ea"/>
+                <a:cs typeface="+mj-cs"/>
+              </a:defRPr>
+            </a:lvl1pPr>
+          </a:lstStyle>
+          <a:p>
+            <a:pPr algn="l"/>
+            <a:r>
+              <a:rPr lang="en-US" sz="2800" dirty="0" smtClean="0"/>
+              <a:t>Built-in Functions</a:t>
+            </a:r>
+            <a:endParaRPr lang="en-US" sz="2800" dirty="0"/>
+          </a:p>
+        </p:txBody>
+      </p:sp>
+      <p:sp>
+        <p:nvSpPr>
+          <p:cNvPr id="13" name="Title 1"/>
+          <p:cNvSpPr txBox="1">
+            <a:spLocks/>
+          </p:cNvSpPr>
+          <p:nvPr/>
+        </p:nvSpPr>
+        <p:spPr>
+          <a:xfrm>
+            <a:off x="762000" y="838200"/>
+            <a:ext cx="2933700" cy="685800"/>
+          </a:xfrm>
+          <a:prstGeom prst="rect">
+            <a:avLst/>
+          </a:prstGeom>
+        </p:spPr>
+        <p:txBody>
+          <a:bodyPr vert="horz" lIns="91440" tIns="45720" rIns="91440" bIns="45720" rtlCol="0" anchor="b">
+            <a:noAutofit/>
+          </a:bodyPr>
+          <a:lstStyle>
+            <a:lvl1pPr algn="ctr" defTabSz="914400" rtl="0" eaLnBrk="1" latinLnBrk="0" hangingPunct="1">
+              <a:lnSpc>
+                <a:spcPct val="100000"/>
+              </a:lnSpc>
+              <a:spcBef>
+                <a:spcPct val="0"/>
+              </a:spcBef>
+              <a:buNone/>
+              <a:defRPr sz="8000" kern="1200">
+                <a:solidFill>
+                  <a:schemeClr val="tx2"/>
+                </a:solidFill>
+                <a:effectLst>
+                  <a:outerShdw blurRad="63500" dist="38100" dir="5400000" algn="t" rotWithShape="0">
+                    <a:prstClr val="black">
+                      <a:alpha val="25000"/>
+                    </a:prstClr>
+                  </a:outerShdw>
+                </a:effectLst>
+                <a:latin typeface="+mn-lt"/>
+                <a:ea typeface="+mj-ea"/>
+                <a:cs typeface="+mj-cs"/>
+              </a:defRPr>
+            </a:lvl1pPr>
+          </a:lstStyle>
+          <a:p>
+            <a:pPr algn="l"/>
+            <a:r>
+              <a:rPr lang="en-US" sz="2800" dirty="0" smtClean="0"/>
+              <a:t>Operation</a:t>
+            </a:r>
+            <a:endParaRPr lang="en-US" sz="2800" dirty="0"/>
+          </a:p>
+        </p:txBody>
+      </p:sp>
+      <p:sp>
+        <p:nvSpPr>
+          <p:cNvPr id="15" name="Subtitle 2"/>
+          <p:cNvSpPr txBox="1">
+            <a:spLocks/>
+          </p:cNvSpPr>
+          <p:nvPr/>
+        </p:nvSpPr>
+        <p:spPr>
+          <a:xfrm>
+            <a:off x="800100" y="2971800"/>
+            <a:ext cx="8153400" cy="3200400"/>
+          </a:xfrm>
+          <a:prstGeom prst="rect">
+            <a:avLst/>
+          </a:prstGeom>
+        </p:spPr>
+        <p:txBody>
+          <a:bodyPr vert="horz" lIns="91440" tIns="45720" rIns="91440" bIns="45720" rtlCol="0">
+            <a:noAutofit/>
+          </a:bodyPr>
+          <a:lstStyle>
+            <a:lvl1pPr marL="0" indent="0" algn="ctr" defTabSz="914400" rtl="0" eaLnBrk="1" latinLnBrk="0" hangingPunct="1">
+              <a:spcBef>
+                <a:spcPct val="20000"/>
+              </a:spcBef>
+              <a:buFont typeface="Arial" pitchFamily="34" charset="0"/>
+              <a:buNone/>
+              <a:defRPr sz="2400" kern="1200">
+                <a:solidFill>
+                  <a:schemeClr val="tx1">
+                    <a:tint val="75000"/>
+                  </a:schemeClr>
+                </a:solidFill>
+                <a:latin typeface="+mj-lt"/>
+                <a:ea typeface="+mn-ea"/>
+                <a:cs typeface="+mn-cs"/>
+              </a:defRPr>
+            </a:lvl1pPr>
+            <a:lvl2pPr marL="457200" indent="0" algn="ctr" defTabSz="914400" rtl="0" eaLnBrk="1" latinLnBrk="0" hangingPunct="1">
+              <a:spcBef>
+                <a:spcPct val="20000"/>
+              </a:spcBef>
+              <a:buFont typeface="Courier New" pitchFamily="49" charset="0"/>
+              <a:buNone/>
+              <a:defRPr sz="1600" kern="1200">
+                <a:solidFill>
+                  <a:schemeClr val="tx1">
+                    <a:tint val="75000"/>
+                  </a:schemeClr>
+                </a:solidFill>
+                <a:latin typeface="+mj-lt"/>
+                <a:ea typeface="+mn-ea"/>
+                <a:cs typeface="+mn-cs"/>
+              </a:defRPr>
+            </a:lvl2pPr>
+            <a:lvl3pPr marL="914400" indent="0" algn="ctr" defTabSz="914400" rtl="0" eaLnBrk="1" latinLnBrk="0" hangingPunct="1">
+              <a:spcBef>
+                <a:spcPct val="20000"/>
+              </a:spcBef>
+              <a:buFont typeface="Arial" pitchFamily="34" charset="0"/>
+              <a:buNone/>
+              <a:defRPr sz="1600" kern="1200">
+                <a:solidFill>
+                  <a:schemeClr val="tx1">
+                    <a:tint val="75000"/>
+                  </a:schemeClr>
+                </a:solidFill>
+                <a:latin typeface="+mj-lt"/>
+                <a:ea typeface="+mn-ea"/>
+                <a:cs typeface="+mn-cs"/>
+              </a:defRPr>
+            </a:lvl3pPr>
+            <a:lvl4pPr marL="1371600" indent="0" algn="ctr" defTabSz="914400" rtl="0" eaLnBrk="1" latinLnBrk="0" hangingPunct="1">
+              <a:spcBef>
+                <a:spcPct val="20000"/>
+              </a:spcBef>
+              <a:buFont typeface="Courier New" pitchFamily="49" charset="0"/>
+              <a:buNone/>
+              <a:defRPr sz="1600" kern="1200">
+                <a:solidFill>
+                  <a:schemeClr val="tx1">
+                    <a:tint val="75000"/>
+                  </a:schemeClr>
+                </a:solidFill>
+                <a:latin typeface="+mj-lt"/>
+                <a:ea typeface="+mn-ea"/>
+                <a:cs typeface="+mn-cs"/>
+              </a:defRPr>
+            </a:lvl4pPr>
+            <a:lvl5pPr marL="1828800" indent="0" algn="ctr" defTabSz="914400" rtl="0" eaLnBrk="1" latinLnBrk="0" hangingPunct="1">
+              <a:spcBef>
+                <a:spcPct val="20000"/>
+              </a:spcBef>
+              <a:buFont typeface="Arial" pitchFamily="34" charset="0"/>
+              <a:buNone/>
+              <a:defRPr sz="1600" kern="1200">
+                <a:solidFill>
+                  <a:schemeClr val="tx1">
+                    <a:tint val="75000"/>
+                  </a:schemeClr>
+                </a:solidFill>
+                <a:latin typeface="+mj-lt"/>
+                <a:ea typeface="+mn-ea"/>
+                <a:cs typeface="+mn-cs"/>
+              </a:defRPr>
+            </a:lvl5pPr>
+            <a:lvl6pPr marL="2286000" indent="0" algn="ctr" defTabSz="914400" rtl="0" eaLnBrk="1" latinLnBrk="0" hangingPunct="1">
+              <a:spcBef>
+                <a:spcPct val="20000"/>
+              </a:spcBef>
+              <a:buFont typeface="Courier New" pitchFamily="49" charset="0"/>
+              <a:buNone/>
+              <a:defRPr sz="1600" kern="1200">
+                <a:solidFill>
+                  <a:schemeClr val="tx1">
+                    <a:tint val="75000"/>
+                  </a:schemeClr>
+                </a:solidFill>
+                <a:latin typeface="+mj-lt"/>
+                <a:ea typeface="+mn-ea"/>
+                <a:cs typeface="+mn-cs"/>
+              </a:defRPr>
+            </a:lvl6pPr>
+            <a:lvl7pPr marL="2743200" indent="0" algn="ctr" defTabSz="914400" rtl="0" eaLnBrk="1" latinLnBrk="0" hangingPunct="1">
+              <a:spcBef>
+                <a:spcPct val="20000"/>
+              </a:spcBef>
+              <a:buFont typeface="Arial" pitchFamily="34" charset="0"/>
+              <a:buNone/>
+              <a:defRPr sz="1600" kern="1200">
+                <a:solidFill>
+                  <a:schemeClr val="tx1">
+                    <a:tint val="75000"/>
+                  </a:schemeClr>
+                </a:solidFill>
+                <a:latin typeface="+mj-lt"/>
+                <a:ea typeface="+mn-ea"/>
+                <a:cs typeface="+mn-cs"/>
+              </a:defRPr>
+            </a:lvl7pPr>
+            <a:lvl8pPr marL="3200400" indent="0" algn="ctr" defTabSz="914400" rtl="0" eaLnBrk="1" latinLnBrk="0" hangingPunct="1">
+              <a:spcBef>
+                <a:spcPct val="20000"/>
+              </a:spcBef>
+              <a:buFont typeface="Courier New" pitchFamily="49" charset="0"/>
+              <a:buNone/>
+              <a:defRPr sz="1600" kern="1200">
+                <a:solidFill>
+                  <a:schemeClr val="tx1">
+                    <a:tint val="75000"/>
+                  </a:schemeClr>
+                </a:solidFill>
+                <a:latin typeface="+mj-lt"/>
+                <a:ea typeface="+mn-ea"/>
+                <a:cs typeface="+mn-cs"/>
+              </a:defRPr>
+            </a:lvl8pPr>
+            <a:lvl9pPr marL="3657600" indent="0" algn="ctr" defTabSz="914400" rtl="0" eaLnBrk="1" latinLnBrk="0" hangingPunct="1">
+              <a:spcBef>
+                <a:spcPct val="20000"/>
+              </a:spcBef>
+              <a:buFont typeface="Arial" pitchFamily="34" charset="0"/>
+              <a:buNone/>
+              <a:defRPr sz="1600" kern="1200">
+                <a:solidFill>
+                  <a:schemeClr val="tx1">
+                    <a:tint val="75000"/>
+                  </a:schemeClr>
+                </a:solidFill>
+                <a:latin typeface="+mj-lt"/>
+                <a:ea typeface="+mn-ea"/>
+                <a:cs typeface="+mn-cs"/>
+              </a:defRPr>
+            </a:lvl9pPr>
+          </a:lstStyle>
+          <a:p>
+            <a:pPr algn="l"/>
+            <a:r>
+              <a:rPr lang="en-US" dirty="0" smtClean="0"/>
+              <a:t>     color: lighten(   #0F0F0F, 10%);</a:t>
+            </a:r>
+          </a:p>
+          <a:p>
+            <a:pPr algn="l"/>
+            <a:r>
+              <a:rPr lang="en-US" dirty="0"/>
+              <a:t> </a:t>
+            </a:r>
+            <a:r>
+              <a:rPr lang="en-US" dirty="0" smtClean="0"/>
+              <a:t>    color: darken(   @error-color, 10%);</a:t>
+            </a:r>
+          </a:p>
+          <a:p>
+            <a:pPr algn="l"/>
+            <a:r>
+              <a:rPr lang="en-US" dirty="0" smtClean="0"/>
+              <a:t>     color</a:t>
+            </a:r>
+            <a:r>
+              <a:rPr lang="en-US" dirty="0"/>
+              <a:t>: </a:t>
+            </a:r>
+            <a:r>
+              <a:rPr lang="en-US" dirty="0" smtClean="0"/>
+              <a:t>saturate( </a:t>
+            </a:r>
+            <a:r>
+              <a:rPr lang="en-US" dirty="0"/>
+              <a:t>@error-color, 10%);</a:t>
+            </a:r>
+          </a:p>
+          <a:p>
+            <a:pPr algn="l"/>
+            <a:r>
+              <a:rPr lang="en-US" dirty="0" smtClean="0"/>
+              <a:t>     color</a:t>
+            </a:r>
+            <a:r>
+              <a:rPr lang="en-US" dirty="0"/>
+              <a:t>: </a:t>
+            </a:r>
+            <a:r>
+              <a:rPr lang="en-US" dirty="0" err="1" smtClean="0"/>
+              <a:t>fadein</a:t>
+            </a:r>
+            <a:r>
+              <a:rPr lang="en-US" dirty="0" smtClean="0"/>
+              <a:t>(    @error-color</a:t>
+            </a:r>
+            <a:r>
+              <a:rPr lang="en-US" dirty="0"/>
+              <a:t>, 10%);</a:t>
+            </a:r>
+          </a:p>
+          <a:p>
+            <a:pPr algn="l"/>
+            <a:r>
+              <a:rPr lang="en-US" dirty="0" smtClean="0"/>
+              <a:t>     color</a:t>
+            </a:r>
+            <a:r>
+              <a:rPr lang="en-US" dirty="0"/>
+              <a:t>: </a:t>
+            </a:r>
+            <a:r>
+              <a:rPr lang="en-US" dirty="0" smtClean="0"/>
+              <a:t>fadeout( </a:t>
+            </a:r>
+            <a:r>
+              <a:rPr lang="en-US" dirty="0"/>
+              <a:t>@error-color, 10%);</a:t>
+            </a:r>
+          </a:p>
+          <a:p>
+            <a:pPr algn="l"/>
+            <a:r>
+              <a:rPr lang="en-US" dirty="0" smtClean="0"/>
+              <a:t>// Math</a:t>
+            </a:r>
+          </a:p>
+          <a:p>
+            <a:pPr algn="l"/>
+            <a:r>
+              <a:rPr lang="en-US" dirty="0"/>
+              <a:t> </a:t>
+            </a:r>
+            <a:r>
+              <a:rPr lang="en-US" dirty="0" smtClean="0"/>
+              <a:t>    @pi:   round(3.1456)</a:t>
+            </a:r>
+          </a:p>
+          <a:p>
+            <a:pPr algn="l"/>
+            <a:endParaRPr lang="en-US" dirty="0" smtClean="0"/>
+          </a:p>
+          <a:p>
+            <a:pPr algn="l"/>
             <a:endParaRPr lang="en-US" dirty="0" smtClean="0"/>
           </a:p>
         </p:txBody>
@@ -7005,7 +7560,7 @@
     </p:spTree>
     <p:extLst>
       <p:ext uri="{BB962C8B-B14F-4D97-AF65-F5344CB8AC3E}">
-        <p14:creationId xmlns:p14="http://schemas.microsoft.com/office/powerpoint/2010/main" val="3549094226"/>
+        <p14:creationId xmlns:p14="http://schemas.microsoft.com/office/powerpoint/2010/main" val="3373881886"/>
       </p:ext>
     </p:extLst>
   </p:cSld>
@@ -7055,7 +7610,15 @@
             <a:pPr algn="l"/>
             <a:r>
               <a:rPr lang="en-US" sz="4000" dirty="0" smtClean="0"/>
-              <a:t>LESS Operations</a:t>
+              <a:t>LESS Basics (</a:t>
+            </a:r>
+            <a:r>
+              <a:rPr lang="en-US" sz="4000" dirty="0" err="1" smtClean="0"/>
+              <a:t>cont</a:t>
+            </a:r>
+            <a:r>
+              <a:rPr lang="en-US" sz="4000" dirty="0" smtClean="0"/>
+              <a:t>)</a:t>
             </a:r>
             <a:endParaRPr lang="en-US" sz="4000" dirty="0"/>
           </a:p>
@@ -7078,7 +7641,7 @@
           <a:p>
             <a:fld id="{216C5678-EE20-4FA5-88E2-6E0BD67A2E26}" type="datetime1">
               <a:rPr lang="en-US" smtClean="0"/>
-              <a:t>11/23/2015</a:t>
+              <a:t>11/25/2015</a:t>
             </a:fld>
             <a:endParaRPr lang="en-US" dirty="0"/>
           </a:p>
@@ -7133,34 +7696,273 @@
       </p:sp>
       <p:sp>
         <p:nvSpPr>
-          <p:cNvPr id="7" name="Subtitle 2"/>
-          <p:cNvSpPr>
-            <a:spLocks noGrp="1"/>
-          </p:cNvSpPr>
-          <p:nvPr>
-            <p:ph type="subTitle" idx="1"/>
-          </p:nvPr>
+          <p:cNvPr id="8" name="Title 1"/>
+          <p:cNvSpPr txBox="1">
+            <a:spLocks/>
+          </p:cNvSpPr>
+          <p:nvPr/>
         </p:nvSpPr>
         <p:spPr>
           <a:xfrm>
-            <a:off x="381000" y="1219200"/>
-            <a:ext cx="8153400" cy="4343400"/>
+            <a:off x="723900" y="990600"/>
+            <a:ext cx="5372100" cy="685800"/>
           </a:xfrm>
+          <a:prstGeom prst="rect">
+            <a:avLst/>
+          </a:prstGeom>
         </p:spPr>
         <p:txBody>
-          <a:bodyPr>
+          <a:bodyPr vert="horz" lIns="91440" tIns="45720" rIns="91440" bIns="45720" rtlCol="0" anchor="b">
             <a:noAutofit/>
           </a:bodyPr>
-          <a:lstStyle/>
-          <a:p>
-            <a:pPr marL="342900" indent="-342900" algn="l">
-              <a:buFont typeface="Arial" panose="020B0604020202020204" pitchFamily="34" charset="0"/>
-              <a:buChar char="•"/>
-            </a:pPr>
+          <a:lstStyle>
+            <a:lvl1pPr algn="ctr" defTabSz="914400" rtl="0" eaLnBrk="1" latinLnBrk="0" hangingPunct="1">
+              <a:lnSpc>
+                <a:spcPct val="100000"/>
+              </a:lnSpc>
+              <a:spcBef>
+                <a:spcPct val="0"/>
+              </a:spcBef>
+              <a:buNone/>
+              <a:defRPr sz="8000" kern="1200">
+                <a:solidFill>
+                  <a:schemeClr val="tx2"/>
+                </a:solidFill>
+                <a:effectLst>
+                  <a:outerShdw blurRad="63500" dist="38100" dir="5400000" algn="t" rotWithShape="0">
+                    <a:prstClr val="black">
+                      <a:alpha val="25000"/>
+                    </a:prstClr>
+                  </a:outerShdw>
+                </a:effectLst>
+                <a:latin typeface="+mn-lt"/>
+                <a:ea typeface="+mj-ea"/>
+                <a:cs typeface="+mj-cs"/>
+              </a:defRPr>
+            </a:lvl1pPr>
+          </a:lstStyle>
+          <a:p>
+            <a:pPr algn="l"/>
+            <a:r>
+              <a:rPr lang="en-US" sz="2800" dirty="0" smtClean="0"/>
+              <a:t>Built-in Functions</a:t>
+            </a:r>
+            <a:endParaRPr lang="en-US" sz="2800" dirty="0"/>
+          </a:p>
+        </p:txBody>
+      </p:sp>
+      <p:sp>
+        <p:nvSpPr>
+          <p:cNvPr id="15" name="Subtitle 2"/>
+          <p:cNvSpPr txBox="1">
+            <a:spLocks/>
+          </p:cNvSpPr>
+          <p:nvPr/>
+        </p:nvSpPr>
+        <p:spPr>
+          <a:xfrm>
+            <a:off x="800100" y="1600200"/>
+            <a:ext cx="8153400" cy="4572000"/>
+          </a:xfrm>
+          <a:prstGeom prst="rect">
+            <a:avLst/>
+          </a:prstGeom>
+        </p:spPr>
+        <p:txBody>
+          <a:bodyPr vert="horz" lIns="91440" tIns="45720" rIns="91440" bIns="45720" rtlCol="0">
+            <a:noAutofit/>
+          </a:bodyPr>
+          <a:lstStyle>
+            <a:lvl1pPr marL="0" indent="0" algn="ctr" defTabSz="914400" rtl="0" eaLnBrk="1" latinLnBrk="0" hangingPunct="1">
+              <a:spcBef>
+                <a:spcPct val="20000"/>
+              </a:spcBef>
+              <a:buFont typeface="Arial" pitchFamily="34" charset="0"/>
+              <a:buNone/>
+              <a:defRPr sz="2400" kern="1200">
+                <a:solidFill>
+                  <a:schemeClr val="tx1">
+                    <a:tint val="75000"/>
+                  </a:schemeClr>
+                </a:solidFill>
+                <a:latin typeface="+mj-lt"/>
+                <a:ea typeface="+mn-ea"/>
+                <a:cs typeface="+mn-cs"/>
+              </a:defRPr>
+            </a:lvl1pPr>
+            <a:lvl2pPr marL="457200" indent="0" algn="ctr" defTabSz="914400" rtl="0" eaLnBrk="1" latinLnBrk="0" hangingPunct="1">
+              <a:spcBef>
+                <a:spcPct val="20000"/>
+              </a:spcBef>
+              <a:buFont typeface="Courier New" pitchFamily="49" charset="0"/>
+              <a:buNone/>
+              <a:defRPr sz="1600" kern="1200">
+                <a:solidFill>
+                  <a:schemeClr val="tx1">
+                    <a:tint val="75000"/>
+                  </a:schemeClr>
+                </a:solidFill>
+                <a:latin typeface="+mj-lt"/>
+                <a:ea typeface="+mn-ea"/>
+                <a:cs typeface="+mn-cs"/>
+              </a:defRPr>
+            </a:lvl2pPr>
+            <a:lvl3pPr marL="914400" indent="0" algn="ctr" defTabSz="914400" rtl="0" eaLnBrk="1" latinLnBrk="0" hangingPunct="1">
+              <a:spcBef>
+                <a:spcPct val="20000"/>
+              </a:spcBef>
+              <a:buFont typeface="Arial" pitchFamily="34" charset="0"/>
+              <a:buNone/>
+              <a:defRPr sz="1600" kern="1200">
+                <a:solidFill>
+                  <a:schemeClr val="tx1">
+                    <a:tint val="75000"/>
+                  </a:schemeClr>
+                </a:solidFill>
+                <a:latin typeface="+mj-lt"/>
+                <a:ea typeface="+mn-ea"/>
+                <a:cs typeface="+mn-cs"/>
+              </a:defRPr>
+            </a:lvl3pPr>
+            <a:lvl4pPr marL="1371600" indent="0" algn="ctr" defTabSz="914400" rtl="0" eaLnBrk="1" latinLnBrk="0" hangingPunct="1">
+              <a:spcBef>
+                <a:spcPct val="20000"/>
+              </a:spcBef>
+              <a:buFont typeface="Courier New" pitchFamily="49" charset="0"/>
+              <a:buNone/>
+              <a:defRPr sz="1600" kern="1200">
+                <a:solidFill>
+                  <a:schemeClr val="tx1">
+                    <a:tint val="75000"/>
+                  </a:schemeClr>
+                </a:solidFill>
+                <a:latin typeface="+mj-lt"/>
+                <a:ea typeface="+mn-ea"/>
+                <a:cs typeface="+mn-cs"/>
+              </a:defRPr>
+            </a:lvl4pPr>
+            <a:lvl5pPr marL="1828800" indent="0" algn="ctr" defTabSz="914400" rtl="0" eaLnBrk="1" latinLnBrk="0" hangingPunct="1">
+              <a:spcBef>
+                <a:spcPct val="20000"/>
+              </a:spcBef>
+              <a:buFont typeface="Arial" pitchFamily="34" charset="0"/>
+              <a:buNone/>
+              <a:defRPr sz="1600" kern="1200">
+                <a:solidFill>
+                  <a:schemeClr val="tx1">
+                    <a:tint val="75000"/>
+                  </a:schemeClr>
+                </a:solidFill>
+                <a:latin typeface="+mj-lt"/>
+                <a:ea typeface="+mn-ea"/>
+                <a:cs typeface="+mn-cs"/>
+              </a:defRPr>
+            </a:lvl5pPr>
+            <a:lvl6pPr marL="2286000" indent="0" algn="ctr" defTabSz="914400" rtl="0" eaLnBrk="1" latinLnBrk="0" hangingPunct="1">
+              <a:spcBef>
+                <a:spcPct val="20000"/>
+              </a:spcBef>
+              <a:buFont typeface="Courier New" pitchFamily="49" charset="0"/>
+              <a:buNone/>
+              <a:defRPr sz="1600" kern="1200">
+                <a:solidFill>
+                  <a:schemeClr val="tx1">
+                    <a:tint val="75000"/>
+                  </a:schemeClr>
+                </a:solidFill>
+                <a:latin typeface="+mj-lt"/>
+                <a:ea typeface="+mn-ea"/>
+                <a:cs typeface="+mn-cs"/>
+              </a:defRPr>
+            </a:lvl6pPr>
+            <a:lvl7pPr marL="2743200" indent="0" algn="ctr" defTabSz="914400" rtl="0" eaLnBrk="1" latinLnBrk="0" hangingPunct="1">
+              <a:spcBef>
+                <a:spcPct val="20000"/>
+              </a:spcBef>
+              <a:buFont typeface="Arial" pitchFamily="34" charset="0"/>
+              <a:buNone/>
+              <a:defRPr sz="1600" kern="1200">
+                <a:solidFill>
+                  <a:schemeClr val="tx1">
+                    <a:tint val="75000"/>
+                  </a:schemeClr>
+                </a:solidFill>
+                <a:latin typeface="+mj-lt"/>
+                <a:ea typeface="+mn-ea"/>
+                <a:cs typeface="+mn-cs"/>
+              </a:defRPr>
+            </a:lvl7pPr>
+            <a:lvl8pPr marL="3200400" indent="0" algn="ctr" defTabSz="914400" rtl="0" eaLnBrk="1" latinLnBrk="0" hangingPunct="1">
+              <a:spcBef>
+                <a:spcPct val="20000"/>
+              </a:spcBef>
+              <a:buFont typeface="Courier New" pitchFamily="49" charset="0"/>
+              <a:buNone/>
+              <a:defRPr sz="1600" kern="1200">
+                <a:solidFill>
+                  <a:schemeClr val="tx1">
+                    <a:tint val="75000"/>
+                  </a:schemeClr>
+                </a:solidFill>
+                <a:latin typeface="+mj-lt"/>
+                <a:ea typeface="+mn-ea"/>
+                <a:cs typeface="+mn-cs"/>
+              </a:defRPr>
+            </a:lvl8pPr>
+            <a:lvl9pPr marL="3657600" indent="0" algn="ctr" defTabSz="914400" rtl="0" eaLnBrk="1" latinLnBrk="0" hangingPunct="1">
+              <a:spcBef>
+                <a:spcPct val="20000"/>
+              </a:spcBef>
+              <a:buFont typeface="Arial" pitchFamily="34" charset="0"/>
+              <a:buNone/>
+              <a:defRPr sz="1600" kern="1200">
+                <a:solidFill>
+                  <a:schemeClr val="tx1">
+                    <a:tint val="75000"/>
+                  </a:schemeClr>
+                </a:solidFill>
+                <a:latin typeface="+mj-lt"/>
+                <a:ea typeface="+mn-ea"/>
+                <a:cs typeface="+mn-cs"/>
+              </a:defRPr>
+            </a:lvl9pPr>
+          </a:lstStyle>
+          <a:p>
+            <a:pPr algn="l"/>
             <a:r>
               <a:rPr lang="en-US" dirty="0" smtClean="0"/>
-              <a:t>@</a:t>
-            </a:r>
+              <a:t>@top:   	ceil(3.1456)</a:t>
+            </a:r>
+          </a:p>
+          <a:p>
+            <a:pPr algn="l"/>
+            <a:r>
+              <a:rPr lang="en-US" dirty="0" smtClean="0"/>
+              <a:t>@bottom:   	floor(3.1456)</a:t>
+            </a:r>
+          </a:p>
+          <a:p>
+            <a:pPr algn="l"/>
+            <a:r>
+              <a:rPr lang="en-US" dirty="0" smtClean="0"/>
+              <a:t>@my-width:   percentage(0.15); // 15%</a:t>
+            </a:r>
+            <a:endParaRPr lang="en-US" dirty="0"/>
+          </a:p>
+          <a:p>
+            <a:pPr algn="l"/>
+            <a:endParaRPr lang="en-US" dirty="0"/>
+          </a:p>
+          <a:p>
+            <a:pPr algn="l"/>
+            <a:endParaRPr lang="en-US" dirty="0" smtClean="0"/>
+          </a:p>
+          <a:p>
+            <a:pPr algn="l"/>
+            <a:endParaRPr lang="en-US" dirty="0" smtClean="0"/>
+          </a:p>
+          <a:p>
+            <a:pPr algn="l"/>
             <a:endParaRPr lang="en-US" dirty="0" smtClean="0"/>
           </a:p>
         </p:txBody>
@@ -7168,7 +7970,7 @@
     </p:spTree>
     <p:extLst>
       <p:ext uri="{BB962C8B-B14F-4D97-AF65-F5344CB8AC3E}">
-        <p14:creationId xmlns:p14="http://schemas.microsoft.com/office/powerpoint/2010/main" val="3210894682"/>
+        <p14:creationId xmlns:p14="http://schemas.microsoft.com/office/powerpoint/2010/main" val="1724262003"/>
       </p:ext>
     </p:extLst>
   </p:cSld>
@@ -7197,35 +7999,6 @@
       </p:grpSpPr>
       <p:sp>
         <p:nvSpPr>
-          <p:cNvPr id="2" name="Title 1"/>
-          <p:cNvSpPr>
-            <a:spLocks noGrp="1"/>
-          </p:cNvSpPr>
-          <p:nvPr>
-            <p:ph type="ctrTitle"/>
-          </p:nvPr>
-        </p:nvSpPr>
-        <p:spPr>
-          <a:xfrm>
-            <a:off x="685800" y="228600"/>
-            <a:ext cx="7772400" cy="685800"/>
-          </a:xfrm>
-        </p:spPr>
-        <p:txBody>
-          <a:bodyPr/>
-          <a:lstStyle/>
-          <a:p>
-            <a:pPr algn="l"/>
-            <a:r>
-              <a:rPr lang="en-US" sz="4000" dirty="0" smtClean="0"/>
-              <a:t>LESS Built-in Functions</a:t>
-            </a:r>
-            <a:endParaRPr lang="en-US" sz="4000" dirty="0"/>
-          </a:p>
-        </p:txBody>
-      </p:sp>
-      <p:sp>
-        <p:nvSpPr>
           <p:cNvPr id="4" name="Date Placeholder 3"/>
           <p:cNvSpPr>
             <a:spLocks noGrp="1"/>
@@ -7241,7 +8014,7 @@
           <a:p>
             <a:fld id="{216C5678-EE20-4FA5-88E2-6E0BD67A2E26}" type="datetime1">
               <a:rPr lang="en-US" smtClean="0"/>
-              <a:t>11/23/2015</a:t>
+              <a:t>11/25/2015</a:t>
             </a:fld>
             <a:endParaRPr lang="en-US" dirty="0"/>
           </a:p>
@@ -7296,7 +8069,7 @@
       </p:sp>
       <p:sp>
         <p:nvSpPr>
-          <p:cNvPr id="7" name="Subtitle 2"/>
+          <p:cNvPr id="3" name="Subtitle 2"/>
           <p:cNvSpPr>
             <a:spLocks noGrp="1"/>
           </p:cNvSpPr>
@@ -7306,32 +8079,26 @@
         </p:nvSpPr>
         <p:spPr>
           <a:xfrm>
-            <a:off x="381000" y="1219200"/>
-            <a:ext cx="8153400" cy="4343400"/>
+            <a:off x="1524000" y="1143000"/>
+            <a:ext cx="6400800" cy="1219200"/>
           </a:xfrm>
         </p:spPr>
         <p:txBody>
-          <a:bodyPr>
-            <a:noAutofit/>
-          </a:bodyPr>
-          <a:lstStyle/>
-          <a:p>
-            <a:pPr marL="342900" indent="-342900" algn="l">
-              <a:buFont typeface="Arial" panose="020B0604020202020204" pitchFamily="34" charset="0"/>
-              <a:buChar char="•"/>
-            </a:pPr>
-            <a:r>
-              <a:rPr lang="en-US" dirty="0" smtClean="0"/>
-              <a:t>@</a:t>
-            </a:r>
-            <a:endParaRPr lang="en-US" dirty="0" smtClean="0"/>
+          <a:bodyPr/>
+          <a:lstStyle/>
+          <a:p>
+            <a:r>
+              <a:rPr lang="en-US" b="1" dirty="0" smtClean="0"/>
+              <a:t>Code Demo</a:t>
+            </a:r>
+            <a:endParaRPr lang="en-US" b="1" dirty="0"/>
           </a:p>
         </p:txBody>
       </p:sp>
     </p:spTree>
     <p:extLst>
       <p:ext uri="{BB962C8B-B14F-4D97-AF65-F5344CB8AC3E}">
-        <p14:creationId xmlns:p14="http://schemas.microsoft.com/office/powerpoint/2010/main" val="2479938832"/>
+        <p14:creationId xmlns:p14="http://schemas.microsoft.com/office/powerpoint/2010/main" val="1212071131"/>
       </p:ext>
     </p:extLst>
   </p:cSld>
@@ -7381,7 +8148,7 @@
             <a:pPr algn="l"/>
             <a:r>
               <a:rPr lang="en-US" sz="4000" dirty="0" smtClean="0"/>
-              <a:t>LESS Mix-in</a:t>
+              <a:t>LESS Function</a:t>
             </a:r>
             <a:endParaRPr lang="en-US" sz="4000" dirty="0"/>
           </a:p>
@@ -7404,7 +8171,7 @@
           <a:p>
             <a:fld id="{216C5678-EE20-4FA5-88E2-6E0BD67A2E26}" type="datetime1">
               <a:rPr lang="en-US" smtClean="0"/>
-              <a:t>11/23/2015</a:t>
+              <a:t>11/25/2015</a:t>
             </a:fld>
             <a:endParaRPr lang="en-US" dirty="0"/>
           </a:p>
@@ -7487,14 +8254,13 @@
               <a:rPr lang="en-US" dirty="0" smtClean="0"/>
               <a:t>@</a:t>
             </a:r>
-            <a:endParaRPr lang="en-US" dirty="0" smtClean="0"/>
           </a:p>
         </p:txBody>
       </p:sp>
     </p:spTree>
     <p:extLst>
       <p:ext uri="{BB962C8B-B14F-4D97-AF65-F5344CB8AC3E}">
-        <p14:creationId xmlns:p14="http://schemas.microsoft.com/office/powerpoint/2010/main" val="964400334"/>
+        <p14:creationId xmlns:p14="http://schemas.microsoft.com/office/powerpoint/2010/main" val="3549094226"/>
       </p:ext>
     </p:extLst>
   </p:cSld>
@@ -7544,7 +8310,7 @@
             <a:pPr algn="l"/>
             <a:r>
               <a:rPr lang="en-US" sz="4000" dirty="0" smtClean="0"/>
-              <a:t>LESS Built-in Functions</a:t>
+              <a:t>LESS Operations</a:t>
             </a:r>
             <a:endParaRPr lang="en-US" sz="4000" dirty="0"/>
           </a:p>
@@ -7567,7 +8333,7 @@
           <a:p>
             <a:fld id="{216C5678-EE20-4FA5-88E2-6E0BD67A2E26}" type="datetime1">
               <a:rPr lang="en-US" smtClean="0"/>
-              <a:t>11/23/2015</a:t>
+              <a:t>11/25/2015</a:t>
             </a:fld>
             <a:endParaRPr lang="en-US" dirty="0"/>
           </a:p>
@@ -7648,26 +8414,15 @@
             </a:pPr>
             <a:r>
               <a:rPr lang="en-US" dirty="0" smtClean="0"/>
-              <a:t>“Function”</a:t>
-            </a:r>
-          </a:p>
-          <a:p>
-            <a:pPr marL="342900" indent="-342900" algn="l">
-              <a:buFont typeface="Arial" panose="020B0604020202020204" pitchFamily="34" charset="0"/>
-              <a:buChar char="•"/>
-            </a:pPr>
-            <a:r>
-              <a:rPr lang="en-US" dirty="0" smtClean="0"/>
-              <a:t>Alias for more than 1 rules.</a:t>
-            </a:r>
-            <a:endParaRPr lang="en-US" dirty="0" smtClean="0"/>
+              <a:t>@</a:t>
+            </a:r>
           </a:p>
         </p:txBody>
       </p:sp>
     </p:spTree>
     <p:extLst>
       <p:ext uri="{BB962C8B-B14F-4D97-AF65-F5344CB8AC3E}">
-        <p14:creationId xmlns:p14="http://schemas.microsoft.com/office/powerpoint/2010/main" val="964400334"/>
+        <p14:creationId xmlns:p14="http://schemas.microsoft.com/office/powerpoint/2010/main" val="3210894682"/>
       </p:ext>
     </p:extLst>
   </p:cSld>
@@ -7717,11 +8472,7 @@
             <a:pPr algn="l"/>
             <a:r>
               <a:rPr lang="en-US" sz="4000" dirty="0" smtClean="0"/>
-              <a:t>xx</a:t>
-            </a:r>
-            <a:r>
-              <a:rPr lang="en-US" sz="4000" dirty="0" smtClean="0"/>
-              <a:t>?</a:t>
+              <a:t>LESS Built-in Functions</a:t>
             </a:r>
             <a:endParaRPr lang="en-US" sz="4000" dirty="0"/>
           </a:p>
@@ -7744,7 +8495,7 @@
           <a:p>
             <a:fld id="{216C5678-EE20-4FA5-88E2-6E0BD67A2E26}" type="datetime1">
               <a:rPr lang="en-US" smtClean="0"/>
-              <a:t>11/23/2015</a:t>
+              <a:t>11/25/2015</a:t>
             </a:fld>
             <a:endParaRPr lang="en-US" dirty="0"/>
           </a:p>
@@ -7825,16 +8576,349 @@
             </a:pPr>
             <a:r>
               <a:rPr lang="en-US" dirty="0" smtClean="0"/>
-              <a:t>xx</a:t>
-            </a:r>
-            <a:endParaRPr lang="en-US" dirty="0" smtClean="0"/>
+              <a:t>@</a:t>
+            </a:r>
           </a:p>
         </p:txBody>
       </p:sp>
     </p:spTree>
     <p:extLst>
       <p:ext uri="{BB962C8B-B14F-4D97-AF65-F5344CB8AC3E}">
-        <p14:creationId xmlns:p14="http://schemas.microsoft.com/office/powerpoint/2010/main" val="1723776773"/>
+        <p14:creationId xmlns:p14="http://schemas.microsoft.com/office/powerpoint/2010/main" val="2479938832"/>
+      </p:ext>
+    </p:extLst>
+  </p:cSld>
+  <p:clrMapOvr>
+    <a:masterClrMapping/>
+  </p:clrMapOvr>
+</p:sld>
+</file>
+
+<file path=ppt/slides/slide18.xml><?xml version="1.0" encoding="utf-8"?>
+<p:sld xmlns:a="http://schemas.openxmlformats.org/drawingml/2006/main" xmlns:r="http://schemas.openxmlformats.org/officeDocument/2006/relationships" xmlns:p="http://schemas.openxmlformats.org/presentationml/2006/main">
+  <p:cSld>
+    <p:spTree>
+      <p:nvGrpSpPr>
+        <p:cNvPr id="1" name=""/>
+        <p:cNvGrpSpPr/>
+        <p:nvPr/>
+      </p:nvGrpSpPr>
+      <p:grpSpPr>
+        <a:xfrm>
+          <a:off x="0" y="0"/>
+          <a:ext cx="0" cy="0"/>
+          <a:chOff x="0" y="0"/>
+          <a:chExt cx="0" cy="0"/>
+        </a:xfrm>
+      </p:grpSpPr>
+      <p:sp>
+        <p:nvSpPr>
+          <p:cNvPr id="2" name="Title 1"/>
+          <p:cNvSpPr>
+            <a:spLocks noGrp="1"/>
+          </p:cNvSpPr>
+          <p:nvPr>
+            <p:ph type="ctrTitle"/>
+          </p:nvPr>
+        </p:nvSpPr>
+        <p:spPr>
+          <a:xfrm>
+            <a:off x="685800" y="228600"/>
+            <a:ext cx="7772400" cy="685800"/>
+          </a:xfrm>
+        </p:spPr>
+        <p:txBody>
+          <a:bodyPr/>
+          <a:lstStyle/>
+          <a:p>
+            <a:pPr algn="l"/>
+            <a:r>
+              <a:rPr lang="en-US" sz="4000" dirty="0" smtClean="0"/>
+              <a:t>LESS Mix-in</a:t>
+            </a:r>
+            <a:endParaRPr lang="en-US" sz="4000" dirty="0"/>
+          </a:p>
+        </p:txBody>
+      </p:sp>
+      <p:sp>
+        <p:nvSpPr>
+          <p:cNvPr id="4" name="Date Placeholder 3"/>
+          <p:cNvSpPr>
+            <a:spLocks noGrp="1"/>
+          </p:cNvSpPr>
+          <p:nvPr>
+            <p:ph type="dt" sz="half" idx="10"/>
+          </p:nvPr>
+        </p:nvSpPr>
+        <p:spPr/>
+        <p:txBody>
+          <a:bodyPr/>
+          <a:lstStyle/>
+          <a:p>
+            <a:fld id="{216C5678-EE20-4FA5-88E2-6E0BD67A2E26}" type="datetime1">
+              <a:rPr lang="en-US" smtClean="0"/>
+              <a:t>11/25/2015</a:t>
+            </a:fld>
+            <a:endParaRPr lang="en-US" dirty="0"/>
+          </a:p>
+        </p:txBody>
+      </p:sp>
+      <p:sp>
+        <p:nvSpPr>
+          <p:cNvPr id="5" name="Slide Number Placeholder 4"/>
+          <p:cNvSpPr>
+            <a:spLocks noGrp="1"/>
+          </p:cNvSpPr>
+          <p:nvPr>
+            <p:ph type="sldNum" sz="quarter" idx="11"/>
+          </p:nvPr>
+        </p:nvSpPr>
+        <p:spPr/>
+        <p:txBody>
+          <a:bodyPr/>
+          <a:lstStyle/>
+          <a:p>
+            <a:fld id="{BA9B540C-44DA-4F69-89C9-7C84606640D3}" type="slidenum">
+              <a:rPr lang="en-US" smtClean="0"/>
+              <a:pPr/>
+              <a:t>18</a:t>
+            </a:fld>
+            <a:endParaRPr lang="en-US" dirty="0"/>
+          </a:p>
+        </p:txBody>
+      </p:sp>
+      <p:sp>
+        <p:nvSpPr>
+          <p:cNvPr id="6" name="Footer Placeholder 5"/>
+          <p:cNvSpPr>
+            <a:spLocks noGrp="1"/>
+          </p:cNvSpPr>
+          <p:nvPr>
+            <p:ph type="ftr" sz="quarter" idx="12"/>
+          </p:nvPr>
+        </p:nvSpPr>
+        <p:spPr/>
+        <p:txBody>
+          <a:bodyPr/>
+          <a:lstStyle/>
+          <a:p>
+            <a:r>
+              <a:rPr lang="en-US" smtClean="0"/>
+              <a:t>Footer Text</a:t>
+            </a:r>
+            <a:endParaRPr lang="en-US" dirty="0"/>
+          </a:p>
+        </p:txBody>
+      </p:sp>
+      <p:sp>
+        <p:nvSpPr>
+          <p:cNvPr id="7" name="Subtitle 2"/>
+          <p:cNvSpPr>
+            <a:spLocks noGrp="1"/>
+          </p:cNvSpPr>
+          <p:nvPr>
+            <p:ph type="subTitle" idx="1"/>
+          </p:nvPr>
+        </p:nvSpPr>
+        <p:spPr>
+          <a:xfrm>
+            <a:off x="381000" y="1219200"/>
+            <a:ext cx="8153400" cy="4343400"/>
+          </a:xfrm>
+        </p:spPr>
+        <p:txBody>
+          <a:bodyPr>
+            <a:noAutofit/>
+          </a:bodyPr>
+          <a:lstStyle/>
+          <a:p>
+            <a:pPr marL="342900" indent="-342900" algn="l">
+              <a:buFont typeface="Arial" panose="020B0604020202020204" pitchFamily="34" charset="0"/>
+              <a:buChar char="•"/>
+            </a:pPr>
+            <a:r>
+              <a:rPr lang="en-US" dirty="0" smtClean="0"/>
+              <a:t>@</a:t>
+            </a:r>
+          </a:p>
+        </p:txBody>
+      </p:sp>
+    </p:spTree>
+    <p:extLst>
+      <p:ext uri="{BB962C8B-B14F-4D97-AF65-F5344CB8AC3E}">
+        <p14:creationId xmlns:p14="http://schemas.microsoft.com/office/powerpoint/2010/main" val="964400334"/>
+      </p:ext>
+    </p:extLst>
+  </p:cSld>
+  <p:clrMapOvr>
+    <a:masterClrMapping/>
+  </p:clrMapOvr>
+</p:sld>
+</file>
+
+<file path=ppt/slides/slide19.xml><?xml version="1.0" encoding="utf-8"?>
+<p:sld xmlns:a="http://schemas.openxmlformats.org/drawingml/2006/main" xmlns:r="http://schemas.openxmlformats.org/officeDocument/2006/relationships" xmlns:p="http://schemas.openxmlformats.org/presentationml/2006/main">
+  <p:cSld>
+    <p:spTree>
+      <p:nvGrpSpPr>
+        <p:cNvPr id="1" name=""/>
+        <p:cNvGrpSpPr/>
+        <p:nvPr/>
+      </p:nvGrpSpPr>
+      <p:grpSpPr>
+        <a:xfrm>
+          <a:off x="0" y="0"/>
+          <a:ext cx="0" cy="0"/>
+          <a:chOff x="0" y="0"/>
+          <a:chExt cx="0" cy="0"/>
+        </a:xfrm>
+      </p:grpSpPr>
+      <p:sp>
+        <p:nvSpPr>
+          <p:cNvPr id="2" name="Title 1"/>
+          <p:cNvSpPr>
+            <a:spLocks noGrp="1"/>
+          </p:cNvSpPr>
+          <p:nvPr>
+            <p:ph type="ctrTitle"/>
+          </p:nvPr>
+        </p:nvSpPr>
+        <p:spPr>
+          <a:xfrm>
+            <a:off x="685800" y="228600"/>
+            <a:ext cx="7772400" cy="685800"/>
+          </a:xfrm>
+        </p:spPr>
+        <p:txBody>
+          <a:bodyPr/>
+          <a:lstStyle/>
+          <a:p>
+            <a:pPr algn="l"/>
+            <a:r>
+              <a:rPr lang="en-US" sz="4000" dirty="0" smtClean="0"/>
+              <a:t>LESS Built-in Functions</a:t>
+            </a:r>
+            <a:endParaRPr lang="en-US" sz="4000" dirty="0"/>
+          </a:p>
+        </p:txBody>
+      </p:sp>
+      <p:sp>
+        <p:nvSpPr>
+          <p:cNvPr id="4" name="Date Placeholder 3"/>
+          <p:cNvSpPr>
+            <a:spLocks noGrp="1"/>
+          </p:cNvSpPr>
+          <p:nvPr>
+            <p:ph type="dt" sz="half" idx="10"/>
+          </p:nvPr>
+        </p:nvSpPr>
+        <p:spPr/>
+        <p:txBody>
+          <a:bodyPr/>
+          <a:lstStyle/>
+          <a:p>
+            <a:fld id="{216C5678-EE20-4FA5-88E2-6E0BD67A2E26}" type="datetime1">
+              <a:rPr lang="en-US" smtClean="0"/>
+              <a:t>11/25/2015</a:t>
+            </a:fld>
+            <a:endParaRPr lang="en-US" dirty="0"/>
+          </a:p>
+        </p:txBody>
+      </p:sp>
+      <p:sp>
+        <p:nvSpPr>
+          <p:cNvPr id="5" name="Slide Number Placeholder 4"/>
+          <p:cNvSpPr>
+            <a:spLocks noGrp="1"/>
+          </p:cNvSpPr>
+          <p:nvPr>
+            <p:ph type="sldNum" sz="quarter" idx="11"/>
+          </p:nvPr>
+        </p:nvSpPr>
+        <p:spPr/>
+        <p:txBody>
+          <a:bodyPr/>
+          <a:lstStyle/>
+          <a:p>
+            <a:fld id="{BA9B540C-44DA-4F69-89C9-7C84606640D3}" type="slidenum">
+              <a:rPr lang="en-US" smtClean="0"/>
+              <a:pPr/>
+              <a:t>19</a:t>
+            </a:fld>
+            <a:endParaRPr lang="en-US" dirty="0"/>
+          </a:p>
+        </p:txBody>
+      </p:sp>
+      <p:sp>
+        <p:nvSpPr>
+          <p:cNvPr id="6" name="Footer Placeholder 5"/>
+          <p:cNvSpPr>
+            <a:spLocks noGrp="1"/>
+          </p:cNvSpPr>
+          <p:nvPr>
+            <p:ph type="ftr" sz="quarter" idx="12"/>
+          </p:nvPr>
+        </p:nvSpPr>
+        <p:spPr/>
+        <p:txBody>
+          <a:bodyPr/>
+          <a:lstStyle/>
+          <a:p>
+            <a:r>
+              <a:rPr lang="en-US" smtClean="0"/>
+              <a:t>Footer Text</a:t>
+            </a:r>
+            <a:endParaRPr lang="en-US" dirty="0"/>
+          </a:p>
+        </p:txBody>
+      </p:sp>
+      <p:sp>
+        <p:nvSpPr>
+          <p:cNvPr id="7" name="Subtitle 2"/>
+          <p:cNvSpPr>
+            <a:spLocks noGrp="1"/>
+          </p:cNvSpPr>
+          <p:nvPr>
+            <p:ph type="subTitle" idx="1"/>
+          </p:nvPr>
+        </p:nvSpPr>
+        <p:spPr>
+          <a:xfrm>
+            <a:off x="381000" y="1219200"/>
+            <a:ext cx="8153400" cy="4343400"/>
+          </a:xfrm>
+        </p:spPr>
+        <p:txBody>
+          <a:bodyPr>
+            <a:noAutofit/>
+          </a:bodyPr>
+          <a:lstStyle/>
+          <a:p>
+            <a:pPr marL="342900" indent="-342900" algn="l">
+              <a:buFont typeface="Arial" panose="020B0604020202020204" pitchFamily="34" charset="0"/>
+              <a:buChar char="•"/>
+            </a:pPr>
+            <a:r>
+              <a:rPr lang="en-US" dirty="0" smtClean="0"/>
+              <a:t>“Function”</a:t>
+            </a:r>
+          </a:p>
+          <a:p>
+            <a:pPr marL="342900" indent="-342900" algn="l">
+              <a:buFont typeface="Arial" panose="020B0604020202020204" pitchFamily="34" charset="0"/>
+              <a:buChar char="•"/>
+            </a:pPr>
+            <a:r>
+              <a:rPr lang="en-US" dirty="0" smtClean="0"/>
+              <a:t>Alias for more than 1 rules.</a:t>
+            </a:r>
+          </a:p>
+        </p:txBody>
+      </p:sp>
+    </p:spTree>
+    <p:extLst>
+      <p:ext uri="{BB962C8B-B14F-4D97-AF65-F5344CB8AC3E}">
+        <p14:creationId xmlns:p14="http://schemas.microsoft.com/office/powerpoint/2010/main" val="964400334"/>
       </p:ext>
     </p:extLst>
   </p:cSld>
@@ -7967,7 +9051,7 @@
           <a:p>
             <a:fld id="{216C5678-EE20-4FA5-88E2-6E0BD67A2E26}" type="datetime1">
               <a:rPr lang="en-US" smtClean="0"/>
-              <a:t>11/23/2015</a:t>
+              <a:t>11/25/2015</a:t>
             </a:fld>
             <a:endParaRPr lang="en-US" dirty="0"/>
           </a:p>
@@ -8024,6 +9108,168 @@
     <p:extLst>
       <p:ext uri="{BB962C8B-B14F-4D97-AF65-F5344CB8AC3E}">
         <p14:creationId xmlns:p14="http://schemas.microsoft.com/office/powerpoint/2010/main" val="1112403685"/>
+      </p:ext>
+    </p:extLst>
+  </p:cSld>
+  <p:clrMapOvr>
+    <a:masterClrMapping/>
+  </p:clrMapOvr>
+</p:sld>
+</file>
+
+<file path=ppt/slides/slide20.xml><?xml version="1.0" encoding="utf-8"?>
+<p:sld xmlns:a="http://schemas.openxmlformats.org/drawingml/2006/main" xmlns:r="http://schemas.openxmlformats.org/officeDocument/2006/relationships" xmlns:p="http://schemas.openxmlformats.org/presentationml/2006/main">
+  <p:cSld>
+    <p:spTree>
+      <p:nvGrpSpPr>
+        <p:cNvPr id="1" name=""/>
+        <p:cNvGrpSpPr/>
+        <p:nvPr/>
+      </p:nvGrpSpPr>
+      <p:grpSpPr>
+        <a:xfrm>
+          <a:off x="0" y="0"/>
+          <a:ext cx="0" cy="0"/>
+          <a:chOff x="0" y="0"/>
+          <a:chExt cx="0" cy="0"/>
+        </a:xfrm>
+      </p:grpSpPr>
+      <p:sp>
+        <p:nvSpPr>
+          <p:cNvPr id="2" name="Title 1"/>
+          <p:cNvSpPr>
+            <a:spLocks noGrp="1"/>
+          </p:cNvSpPr>
+          <p:nvPr>
+            <p:ph type="ctrTitle"/>
+          </p:nvPr>
+        </p:nvSpPr>
+        <p:spPr>
+          <a:xfrm>
+            <a:off x="685800" y="228600"/>
+            <a:ext cx="7772400" cy="685800"/>
+          </a:xfrm>
+        </p:spPr>
+        <p:txBody>
+          <a:bodyPr/>
+          <a:lstStyle/>
+          <a:p>
+            <a:pPr algn="l"/>
+            <a:r>
+              <a:rPr lang="en-US" sz="4000" dirty="0" smtClean="0"/>
+              <a:t>xx?</a:t>
+            </a:r>
+            <a:endParaRPr lang="en-US" sz="4000" dirty="0"/>
+          </a:p>
+        </p:txBody>
+      </p:sp>
+      <p:sp>
+        <p:nvSpPr>
+          <p:cNvPr id="4" name="Date Placeholder 3"/>
+          <p:cNvSpPr>
+            <a:spLocks noGrp="1"/>
+          </p:cNvSpPr>
+          <p:nvPr>
+            <p:ph type="dt" sz="half" idx="10"/>
+          </p:nvPr>
+        </p:nvSpPr>
+        <p:spPr/>
+        <p:txBody>
+          <a:bodyPr/>
+          <a:lstStyle/>
+          <a:p>
+            <a:fld id="{216C5678-EE20-4FA5-88E2-6E0BD67A2E26}" type="datetime1">
+              <a:rPr lang="en-US" smtClean="0"/>
+              <a:t>11/25/2015</a:t>
+            </a:fld>
+            <a:endParaRPr lang="en-US" dirty="0"/>
+          </a:p>
+        </p:txBody>
+      </p:sp>
+      <p:sp>
+        <p:nvSpPr>
+          <p:cNvPr id="5" name="Slide Number Placeholder 4"/>
+          <p:cNvSpPr>
+            <a:spLocks noGrp="1"/>
+          </p:cNvSpPr>
+          <p:nvPr>
+            <p:ph type="sldNum" sz="quarter" idx="11"/>
+          </p:nvPr>
+        </p:nvSpPr>
+        <p:spPr/>
+        <p:txBody>
+          <a:bodyPr/>
+          <a:lstStyle/>
+          <a:p>
+            <a:fld id="{BA9B540C-44DA-4F69-89C9-7C84606640D3}" type="slidenum">
+              <a:rPr lang="en-US" smtClean="0"/>
+              <a:pPr/>
+              <a:t>20</a:t>
+            </a:fld>
+            <a:endParaRPr lang="en-US" dirty="0"/>
+          </a:p>
+        </p:txBody>
+      </p:sp>
+      <p:sp>
+        <p:nvSpPr>
+          <p:cNvPr id="6" name="Footer Placeholder 5"/>
+          <p:cNvSpPr>
+            <a:spLocks noGrp="1"/>
+          </p:cNvSpPr>
+          <p:nvPr>
+            <p:ph type="ftr" sz="quarter" idx="12"/>
+          </p:nvPr>
+        </p:nvSpPr>
+        <p:spPr/>
+        <p:txBody>
+          <a:bodyPr/>
+          <a:lstStyle/>
+          <a:p>
+            <a:r>
+              <a:rPr lang="en-US" smtClean="0"/>
+              <a:t>Footer Text</a:t>
+            </a:r>
+            <a:endParaRPr lang="en-US" dirty="0"/>
+          </a:p>
+        </p:txBody>
+      </p:sp>
+      <p:sp>
+        <p:nvSpPr>
+          <p:cNvPr id="7" name="Subtitle 2"/>
+          <p:cNvSpPr>
+            <a:spLocks noGrp="1"/>
+          </p:cNvSpPr>
+          <p:nvPr>
+            <p:ph type="subTitle" idx="1"/>
+          </p:nvPr>
+        </p:nvSpPr>
+        <p:spPr>
+          <a:xfrm>
+            <a:off x="381000" y="1219200"/>
+            <a:ext cx="8153400" cy="4343400"/>
+          </a:xfrm>
+        </p:spPr>
+        <p:txBody>
+          <a:bodyPr>
+            <a:noAutofit/>
+          </a:bodyPr>
+          <a:lstStyle/>
+          <a:p>
+            <a:pPr marL="342900" indent="-342900" algn="l">
+              <a:buFont typeface="Arial" panose="020B0604020202020204" pitchFamily="34" charset="0"/>
+              <a:buChar char="•"/>
+            </a:pPr>
+            <a:r>
+              <a:rPr lang="en-US" dirty="0" smtClean="0"/>
+              <a:t>xx</a:t>
+            </a:r>
+          </a:p>
+        </p:txBody>
+      </p:sp>
+    </p:spTree>
+    <p:extLst>
+      <p:ext uri="{BB962C8B-B14F-4D97-AF65-F5344CB8AC3E}">
+        <p14:creationId xmlns:p14="http://schemas.microsoft.com/office/powerpoint/2010/main" val="1723776773"/>
       </p:ext>
     </p:extLst>
   </p:cSld>
@@ -8096,7 +9342,7 @@
           <a:p>
             <a:fld id="{216C5678-EE20-4FA5-88E2-6E0BD67A2E26}" type="datetime1">
               <a:rPr lang="en-US" smtClean="0"/>
-              <a:t>11/23/2015</a:t>
+              <a:t>11/25/2015</a:t>
             </a:fld>
             <a:endParaRPr lang="en-US" dirty="0"/>
           </a:p>
@@ -8333,7 +9579,7 @@
           <a:p>
             <a:fld id="{216C5678-EE20-4FA5-88E2-6E0BD67A2E26}" type="datetime1">
               <a:rPr lang="en-US" smtClean="0"/>
-              <a:t>11/23/2015</a:t>
+              <a:t>11/25/2015</a:t>
             </a:fld>
             <a:endParaRPr lang="en-US" dirty="0"/>
           </a:p>
@@ -8446,7 +9692,6 @@
               <a:rPr lang="en-US" dirty="0" smtClean="0"/>
               <a:t>Cascading issues</a:t>
             </a:r>
-            <a:endParaRPr lang="en-US" dirty="0" smtClean="0"/>
           </a:p>
         </p:txBody>
       </p:sp>
@@ -8526,7 +9771,7 @@
           <a:p>
             <a:fld id="{216C5678-EE20-4FA5-88E2-6E0BD67A2E26}" type="datetime1">
               <a:rPr lang="en-US" smtClean="0"/>
-              <a:t>11/23/2015</a:t>
+              <a:t>11/25/2015</a:t>
             </a:fld>
             <a:endParaRPr lang="en-US" dirty="0"/>
           </a:p>
@@ -8823,11 +10068,7 @@
             <a:pPr algn="l"/>
             <a:r>
               <a:rPr lang="en-US" sz="4000" dirty="0" smtClean="0"/>
-              <a:t>Magic number &amp; color name</a:t>
-            </a:r>
-            <a:r>
-              <a:rPr lang="en-US" sz="4000" dirty="0" smtClean="0"/>
-              <a:t>?</a:t>
+              <a:t>Magic number &amp; color name?</a:t>
             </a:r>
             <a:endParaRPr lang="en-US" sz="4000" dirty="0"/>
           </a:p>
@@ -8850,7 +10091,7 @@
           <a:p>
             <a:fld id="{216C5678-EE20-4FA5-88E2-6E0BD67A2E26}" type="datetime1">
               <a:rPr lang="en-US" smtClean="0"/>
-              <a:t>11/23/2015</a:t>
+              <a:t>11/25/2015</a:t>
             </a:fld>
             <a:endParaRPr lang="en-US" dirty="0"/>
           </a:p>
@@ -9092,7 +10333,7 @@
           <a:p>
             <a:fld id="{216C5678-EE20-4FA5-88E2-6E0BD67A2E26}" type="datetime1">
               <a:rPr lang="en-US" smtClean="0"/>
-              <a:t>11/23/2015</a:t>
+              <a:t>11/25/2015</a:t>
             </a:fld>
             <a:endParaRPr lang="en-US" dirty="0"/>
           </a:p>
@@ -9512,7 +10753,7 @@
           <a:p>
             <a:fld id="{216C5678-EE20-4FA5-88E2-6E0BD67A2E26}" type="datetime1">
               <a:rPr lang="en-US" smtClean="0"/>
-              <a:t>11/23/2015</a:t>
+              <a:t>11/25/2015</a:t>
             </a:fld>
             <a:endParaRPr lang="en-US" dirty="0"/>
           </a:p>
@@ -9690,7 +10931,6 @@
               <a:rPr lang="en-US" sz="1800" dirty="0" smtClean="0"/>
               <a:t>}</a:t>
             </a:r>
-            <a:endParaRPr lang="en-US" sz="1800" dirty="0" smtClean="0"/>
           </a:p>
           <a:p>
             <a:pPr algn="l"/>
@@ -10080,7 +11320,7 @@
           <a:p>
             <a:fld id="{216C5678-EE20-4FA5-88E2-6E0BD67A2E26}" type="datetime1">
               <a:rPr lang="en-US" smtClean="0"/>
-              <a:t>11/23/2015</a:t>
+              <a:t>11/25/2015</a:t>
             </a:fld>
             <a:endParaRPr lang="en-US" dirty="0"/>
           </a:p>

--- a/brownbag/less/tech-presentation-less.pptx
+++ b/brownbag/less/tech-presentation-less.pptx
@@ -5,7 +5,7 @@
     <p:sldMasterId id="2147483648" r:id="rId1"/>
   </p:sldMasterIdLst>
   <p:notesMasterIdLst>
-    <p:notesMasterId r:id="rId22"/>
+    <p:notesMasterId r:id="rId26"/>
   </p:notesMasterIdLst>
   <p:sldIdLst>
     <p:sldId id="256" r:id="rId2"/>
@@ -23,11 +23,15 @@
     <p:sldId id="274" r:id="rId14"/>
     <p:sldId id="275" r:id="rId15"/>
     <p:sldId id="268" r:id="rId16"/>
-    <p:sldId id="269" r:id="rId17"/>
-    <p:sldId id="270" r:id="rId18"/>
-    <p:sldId id="271" r:id="rId19"/>
-    <p:sldId id="272" r:id="rId20"/>
-    <p:sldId id="267" r:id="rId21"/>
+    <p:sldId id="276" r:id="rId17"/>
+    <p:sldId id="271" r:id="rId18"/>
+    <p:sldId id="277" r:id="rId19"/>
+    <p:sldId id="278" r:id="rId20"/>
+    <p:sldId id="279" r:id="rId21"/>
+    <p:sldId id="281" r:id="rId22"/>
+    <p:sldId id="267" r:id="rId23"/>
+    <p:sldId id="282" r:id="rId24"/>
+    <p:sldId id="280" r:id="rId25"/>
   </p:sldIdLst>
   <p:sldSz cx="9144000" cy="6858000" type="screen4x3"/>
   <p:notesSz cx="6858000" cy="9144000"/>
@@ -8148,7 +8152,7 @@
             <a:pPr algn="l"/>
             <a:r>
               <a:rPr lang="en-US" sz="4000" dirty="0" smtClean="0"/>
-              <a:t>LESS Function</a:t>
+              <a:t>Cascading &amp; Nested Styles</a:t>
             </a:r>
             <a:endParaRPr lang="en-US" sz="4000" dirty="0"/>
           </a:p>
@@ -8171,7 +8175,7 @@
           <a:p>
             <a:fld id="{216C5678-EE20-4FA5-88E2-6E0BD67A2E26}" type="datetime1">
               <a:rPr lang="en-US" smtClean="0"/>
-              <a:t>11/25/2015</a:t>
+              <a:t>11/30/2015</a:t>
             </a:fld>
             <a:endParaRPr lang="en-US" dirty="0"/>
           </a:p>
@@ -8236,8 +8240,8 @@
         </p:nvSpPr>
         <p:spPr>
           <a:xfrm>
-            <a:off x="381000" y="1219200"/>
-            <a:ext cx="8153400" cy="4343400"/>
+            <a:off x="76200" y="1219200"/>
+            <a:ext cx="9067800" cy="4343400"/>
           </a:xfrm>
         </p:spPr>
         <p:txBody>
@@ -8252,8 +8256,147 @@
             </a:pPr>
             <a:r>
               <a:rPr lang="en-US" dirty="0" smtClean="0"/>
-              <a:t>@</a:t>
-            </a:r>
+              <a:t>Allows more intuitive ways of specifying rules.</a:t>
+            </a:r>
+          </a:p>
+          <a:p>
+            <a:pPr algn="l"/>
+            <a:r>
+              <a:rPr lang="en-US" dirty="0" smtClean="0"/>
+              <a:t>Instead of </a:t>
+            </a:r>
+          </a:p>
+          <a:p>
+            <a:pPr algn="l"/>
+            <a:r>
+              <a:rPr lang="en-US" dirty="0"/>
+              <a:t> </a:t>
+            </a:r>
+            <a:r>
+              <a:rPr lang="en-US" dirty="0" smtClean="0"/>
+              <a:t>   #my-form { /* </a:t>
+            </a:r>
+            <a:r>
+              <a:rPr lang="en-US" dirty="0" err="1" smtClean="0"/>
+              <a:t>css</a:t>
+            </a:r>
+            <a:r>
+              <a:rPr lang="en-US" dirty="0" smtClean="0"/>
+              <a:t> rules go here */ }</a:t>
+            </a:r>
+          </a:p>
+          <a:p>
+            <a:pPr algn="l"/>
+            <a:r>
+              <a:rPr lang="en-US" dirty="0" smtClean="0"/>
+              <a:t>    #my-form div </a:t>
+            </a:r>
+            <a:r>
+              <a:rPr lang="en-US" dirty="0"/>
+              <a:t>{ /* </a:t>
+            </a:r>
+            <a:r>
+              <a:rPr lang="en-US" dirty="0" err="1"/>
+              <a:t>css</a:t>
+            </a:r>
+            <a:r>
+              <a:rPr lang="en-US" dirty="0"/>
+              <a:t> rules </a:t>
+            </a:r>
+            <a:r>
+              <a:rPr lang="en-US" dirty="0" smtClean="0"/>
+              <a:t>&lt;div&gt; within my-form*/ }</a:t>
+            </a:r>
+          </a:p>
+          <a:p>
+            <a:pPr algn="l"/>
+            <a:r>
+              <a:rPr lang="en-US" dirty="0" smtClean="0"/>
+              <a:t>    </a:t>
+            </a:r>
+            <a:r>
+              <a:rPr lang="en-US" dirty="0"/>
+              <a:t>#my-form div </a:t>
+            </a:r>
+            <a:r>
+              <a:rPr lang="en-US" dirty="0" smtClean="0"/>
+              <a:t>span { </a:t>
+            </a:r>
+            <a:r>
+              <a:rPr lang="en-US" dirty="0"/>
+              <a:t>/* </a:t>
+            </a:r>
+            <a:r>
+              <a:rPr lang="en-US" dirty="0" err="1"/>
+              <a:t>css</a:t>
+            </a:r>
+            <a:r>
+              <a:rPr lang="en-US" dirty="0"/>
+              <a:t> rules </a:t>
+            </a:r>
+            <a:r>
+              <a:rPr lang="en-US" dirty="0" smtClean="0"/>
+              <a:t>of &lt;span&gt; within </a:t>
+            </a:r>
+          </a:p>
+          <a:p>
+            <a:pPr algn="l"/>
+            <a:r>
+              <a:rPr lang="en-US" dirty="0"/>
+              <a:t> </a:t>
+            </a:r>
+            <a:r>
+              <a:rPr lang="en-US" dirty="0" smtClean="0"/>
+              <a:t>                                           &lt;div</a:t>
+            </a:r>
+            <a:r>
+              <a:rPr lang="en-US" dirty="0"/>
+              <a:t>&gt; within my-form*/ }</a:t>
+            </a:r>
+            <a:endParaRPr lang="en-US" dirty="0" smtClean="0"/>
+          </a:p>
+          <a:p>
+            <a:pPr algn="l"/>
+            <a:r>
+              <a:rPr lang="en-US" dirty="0" smtClean="0"/>
+              <a:t>    #</a:t>
+            </a:r>
+            <a:r>
+              <a:rPr lang="en-US" dirty="0"/>
+              <a:t>my-form </a:t>
+            </a:r>
+            <a:r>
+              <a:rPr lang="en-US" dirty="0" smtClean="0"/>
+              <a:t>input { </a:t>
+            </a:r>
+            <a:r>
+              <a:rPr lang="en-US" dirty="0"/>
+              <a:t>/* </a:t>
+            </a:r>
+            <a:r>
+              <a:rPr lang="en-US" dirty="0" err="1"/>
+              <a:t>css</a:t>
+            </a:r>
+            <a:r>
+              <a:rPr lang="en-US" dirty="0"/>
+              <a:t> rules </a:t>
+            </a:r>
+            <a:r>
+              <a:rPr lang="en-US" dirty="0" smtClean="0"/>
+              <a:t>&lt;input&gt; </a:t>
+            </a:r>
+            <a:r>
+              <a:rPr lang="en-US" dirty="0"/>
+              <a:t>within my-form*/ }</a:t>
+            </a:r>
+          </a:p>
+          <a:p>
+            <a:pPr algn="l"/>
+            <a:endParaRPr lang="en-US" dirty="0" smtClean="0"/>
+          </a:p>
+          <a:p>
+            <a:pPr algn="l"/>
+            <a:endParaRPr lang="en-US" dirty="0" smtClean="0"/>
           </a:p>
         </p:txBody>
       </p:sp>
@@ -8310,7 +8453,15 @@
             <a:pPr algn="l"/>
             <a:r>
               <a:rPr lang="en-US" sz="4000" dirty="0" smtClean="0"/>
-              <a:t>LESS Operations</a:t>
+              <a:t>Cascading &amp; Nested Styles (</a:t>
+            </a:r>
+            <a:r>
+              <a:rPr lang="en-US" sz="4000" dirty="0" err="1" smtClean="0"/>
+              <a:t>cont</a:t>
+            </a:r>
+            <a:r>
+              <a:rPr lang="en-US" sz="4000" dirty="0" smtClean="0"/>
+              <a:t>)</a:t>
             </a:r>
             <a:endParaRPr lang="en-US" sz="4000" dirty="0"/>
           </a:p>
@@ -8333,7 +8484,7 @@
           <a:p>
             <a:fld id="{216C5678-EE20-4FA5-88E2-6E0BD67A2E26}" type="datetime1">
               <a:rPr lang="en-US" smtClean="0"/>
-              <a:t>11/25/2015</a:t>
+              <a:t>11/30/2015</a:t>
             </a:fld>
             <a:endParaRPr lang="en-US" dirty="0"/>
           </a:p>
@@ -8398,8 +8549,8 @@
         </p:nvSpPr>
         <p:spPr>
           <a:xfrm>
-            <a:off x="381000" y="1219200"/>
-            <a:ext cx="8153400" cy="4343400"/>
+            <a:off x="76200" y="1219200"/>
+            <a:ext cx="9067800" cy="5334000"/>
           </a:xfrm>
         </p:spPr>
         <p:txBody>
@@ -8408,21 +8559,194 @@
           </a:bodyPr>
           <a:lstStyle/>
           <a:p>
-            <a:pPr marL="342900" indent="-342900" algn="l">
-              <a:buFont typeface="Arial" panose="020B0604020202020204" pitchFamily="34" charset="0"/>
-              <a:buChar char="•"/>
-            </a:pPr>
+            <a:pPr algn="l"/>
             <a:r>
               <a:rPr lang="en-US" dirty="0" smtClean="0"/>
-              <a:t>@</a:t>
-            </a:r>
+              <a:t>We have this in LESS</a:t>
+            </a:r>
+          </a:p>
+          <a:p>
+            <a:pPr algn="l"/>
+            <a:r>
+              <a:rPr lang="en-US" dirty="0" smtClean="0"/>
+              <a:t>#my-form {</a:t>
+            </a:r>
+          </a:p>
+          <a:p>
+            <a:pPr algn="l"/>
+            <a:r>
+              <a:rPr lang="en-US" dirty="0"/>
+              <a:t> </a:t>
+            </a:r>
+            <a:r>
+              <a:rPr lang="en-US" dirty="0" smtClean="0"/>
+              <a:t>    /* </a:t>
+            </a:r>
+            <a:r>
+              <a:rPr lang="en-US" dirty="0" err="1" smtClean="0"/>
+              <a:t>css</a:t>
+            </a:r>
+            <a:r>
+              <a:rPr lang="en-US" dirty="0" smtClean="0"/>
+              <a:t> rules go here */ </a:t>
+            </a:r>
+          </a:p>
+          <a:p>
+            <a:pPr algn="l"/>
+            <a:r>
+              <a:rPr lang="en-US" dirty="0" smtClean="0"/>
+              <a:t>    div </a:t>
+            </a:r>
+            <a:r>
+              <a:rPr lang="en-US" dirty="0"/>
+              <a:t>{ </a:t>
+            </a:r>
+            <a:endParaRPr lang="en-US" dirty="0" smtClean="0"/>
+          </a:p>
+          <a:p>
+            <a:pPr algn="l"/>
+            <a:r>
+              <a:rPr lang="en-US" dirty="0"/>
+              <a:t> </a:t>
+            </a:r>
+            <a:r>
+              <a:rPr lang="en-US" dirty="0" smtClean="0"/>
+              <a:t>         /* </a:t>
+            </a:r>
+            <a:r>
+              <a:rPr lang="en-US" dirty="0" err="1"/>
+              <a:t>css</a:t>
+            </a:r>
+            <a:r>
+              <a:rPr lang="en-US" dirty="0"/>
+              <a:t> rules </a:t>
+            </a:r>
+            <a:r>
+              <a:rPr lang="en-US" dirty="0" smtClean="0"/>
+              <a:t>&lt;div&gt; within my-form*/ </a:t>
+            </a:r>
+          </a:p>
+          <a:p>
+            <a:pPr algn="l"/>
+            <a:r>
+              <a:rPr lang="en-US" dirty="0" smtClean="0"/>
+              <a:t>          span { </a:t>
+            </a:r>
+          </a:p>
+          <a:p>
+            <a:pPr algn="l"/>
+            <a:r>
+              <a:rPr lang="en-US" dirty="0"/>
+              <a:t> </a:t>
+            </a:r>
+            <a:r>
+              <a:rPr lang="en-US" dirty="0" smtClean="0"/>
+              <a:t>                /* </a:t>
+            </a:r>
+            <a:r>
+              <a:rPr lang="en-US" dirty="0" err="1"/>
+              <a:t>css</a:t>
+            </a:r>
+            <a:r>
+              <a:rPr lang="en-US" dirty="0"/>
+              <a:t> rules </a:t>
+            </a:r>
+            <a:r>
+              <a:rPr lang="en-US" dirty="0" smtClean="0"/>
+              <a:t>of &lt;span&gt; within &lt;div</a:t>
+            </a:r>
+            <a:r>
+              <a:rPr lang="en-US" dirty="0"/>
+              <a:t>&gt; within </a:t>
+            </a:r>
+            <a:r>
+              <a:rPr lang="en-US" dirty="0" smtClean="0"/>
+              <a:t>my-form</a:t>
+            </a:r>
+            <a:r>
+              <a:rPr lang="en-US" dirty="0"/>
+              <a:t>*/ </a:t>
+            </a:r>
+            <a:endParaRPr lang="en-US" dirty="0" smtClean="0"/>
+          </a:p>
+          <a:p>
+            <a:pPr algn="l"/>
+            <a:r>
+              <a:rPr lang="en-US" dirty="0"/>
+              <a:t> </a:t>
+            </a:r>
+            <a:r>
+              <a:rPr lang="en-US" dirty="0" smtClean="0"/>
+              <a:t>          }</a:t>
+            </a:r>
+          </a:p>
+          <a:p>
+            <a:pPr algn="l"/>
+            <a:r>
+              <a:rPr lang="en-US" dirty="0"/>
+              <a:t> </a:t>
+            </a:r>
+            <a:r>
+              <a:rPr lang="en-US" dirty="0" smtClean="0"/>
+              <a:t>   }</a:t>
+            </a:r>
+          </a:p>
+          <a:p>
+            <a:pPr algn="l"/>
+            <a:r>
+              <a:rPr lang="en-US" dirty="0" smtClean="0"/>
+              <a:t>    input { </a:t>
+            </a:r>
+            <a:r>
+              <a:rPr lang="en-US" dirty="0"/>
+              <a:t>/* </a:t>
+            </a:r>
+            <a:r>
+              <a:rPr lang="en-US" dirty="0" err="1"/>
+              <a:t>css</a:t>
+            </a:r>
+            <a:r>
+              <a:rPr lang="en-US" dirty="0"/>
+              <a:t> rules </a:t>
+            </a:r>
+            <a:r>
+              <a:rPr lang="en-US" dirty="0" smtClean="0"/>
+              <a:t>&lt;input&gt; </a:t>
+            </a:r>
+            <a:r>
+              <a:rPr lang="en-US" dirty="0"/>
+              <a:t>within my-form</a:t>
+            </a:r>
+            <a:r>
+              <a:rPr lang="en-US" dirty="0" smtClean="0"/>
+              <a:t>*/</a:t>
+            </a:r>
+          </a:p>
+          <a:p>
+            <a:pPr algn="l"/>
+            <a:r>
+              <a:rPr lang="en-US" dirty="0"/>
+              <a:t> </a:t>
+            </a:r>
+            <a:r>
+              <a:rPr lang="en-US" dirty="0" smtClean="0"/>
+              <a:t>   }</a:t>
+            </a:r>
+          </a:p>
+          <a:p>
+            <a:pPr algn="l"/>
+            <a:r>
+              <a:rPr lang="en-US" dirty="0" smtClean="0"/>
+              <a:t>}</a:t>
+            </a:r>
+            <a:endParaRPr lang="en-US" dirty="0" smtClean="0"/>
           </a:p>
         </p:txBody>
       </p:sp>
     </p:spTree>
     <p:extLst>
       <p:ext uri="{BB962C8B-B14F-4D97-AF65-F5344CB8AC3E}">
-        <p14:creationId xmlns:p14="http://schemas.microsoft.com/office/powerpoint/2010/main" val="3210894682"/>
+        <p14:creationId xmlns:p14="http://schemas.microsoft.com/office/powerpoint/2010/main" val="737469833"/>
       </p:ext>
     </p:extLst>
   </p:cSld>
@@ -8472,7 +8796,7 @@
             <a:pPr algn="l"/>
             <a:r>
               <a:rPr lang="en-US" sz="4000" dirty="0" smtClean="0"/>
-              <a:t>LESS Built-in Functions</a:t>
+              <a:t>LESS Mix-in</a:t>
             </a:r>
             <a:endParaRPr lang="en-US" sz="4000" dirty="0"/>
           </a:p>
@@ -8561,7 +8885,7 @@
         <p:spPr>
           <a:xfrm>
             <a:off x="381000" y="1219200"/>
-            <a:ext cx="8153400" cy="4343400"/>
+            <a:ext cx="8153400" cy="3200400"/>
           </a:xfrm>
         </p:spPr>
         <p:txBody>
@@ -8576,15 +8900,54 @@
             </a:pPr>
             <a:r>
               <a:rPr lang="en-US" dirty="0" smtClean="0"/>
-              <a:t>@</a:t>
-            </a:r>
+              <a:t>Repeatable sections of styles.</a:t>
+            </a:r>
+          </a:p>
+          <a:p>
+            <a:pPr marL="342900" indent="-342900" algn="l">
+              <a:buFont typeface="Arial" panose="020B0604020202020204" pitchFamily="34" charset="0"/>
+              <a:buChar char="•"/>
+            </a:pPr>
+            <a:r>
+              <a:rPr lang="en-US" dirty="0" smtClean="0"/>
+              <a:t>LESS “functions”</a:t>
+            </a:r>
+          </a:p>
+          <a:p>
+            <a:pPr marL="342900" indent="-342900" algn="l">
+              <a:buFont typeface="Arial" panose="020B0604020202020204" pitchFamily="34" charset="0"/>
+              <a:buChar char="•"/>
+            </a:pPr>
+            <a:r>
+              <a:rPr lang="en-US" dirty="0" smtClean="0"/>
+              <a:t>Can accept parameters, overloads and default </a:t>
+            </a:r>
+            <a:r>
+              <a:rPr lang="en-US" dirty="0" err="1" smtClean="0"/>
+              <a:t>params</a:t>
+            </a:r>
+            <a:r>
+              <a:rPr lang="en-US" dirty="0" smtClean="0"/>
+              <a:t>.</a:t>
+            </a:r>
+          </a:p>
+          <a:p>
+            <a:pPr marL="342900" indent="-342900" algn="l">
+              <a:buFont typeface="Arial" panose="020B0604020202020204" pitchFamily="34" charset="0"/>
+              <a:buChar char="•"/>
+            </a:pPr>
+            <a:r>
+              <a:rPr lang="en-US" dirty="0" smtClean="0"/>
+              <a:t>Enforce DRY principle.</a:t>
+            </a:r>
+            <a:endParaRPr lang="en-US" dirty="0" smtClean="0"/>
           </a:p>
         </p:txBody>
       </p:sp>
     </p:spTree>
     <p:extLst>
       <p:ext uri="{BB962C8B-B14F-4D97-AF65-F5344CB8AC3E}">
-        <p14:creationId xmlns:p14="http://schemas.microsoft.com/office/powerpoint/2010/main" val="2479938832"/>
+        <p14:creationId xmlns:p14="http://schemas.microsoft.com/office/powerpoint/2010/main" val="964400334"/>
       </p:ext>
     </p:extLst>
   </p:cSld>
@@ -8634,7 +8997,19 @@
             <a:pPr algn="l"/>
             <a:r>
               <a:rPr lang="en-US" sz="4000" dirty="0" smtClean="0"/>
-              <a:t>LESS Mix-in</a:t>
+              <a:t>LESS </a:t>
+            </a:r>
+            <a:r>
+              <a:rPr lang="en-US" sz="4000" dirty="0" smtClean="0"/>
+              <a:t>Mix-in (</a:t>
+            </a:r>
+            <a:r>
+              <a:rPr lang="en-US" sz="4000" dirty="0" err="1" smtClean="0"/>
+              <a:t>cont</a:t>
+            </a:r>
+            <a:r>
+              <a:rPr lang="en-US" sz="4000" dirty="0" smtClean="0"/>
+              <a:t>)</a:t>
             </a:r>
             <a:endParaRPr lang="en-US" sz="4000" dirty="0"/>
           </a:p>
@@ -8657,7 +9032,7 @@
           <a:p>
             <a:fld id="{216C5678-EE20-4FA5-88E2-6E0BD67A2E26}" type="datetime1">
               <a:rPr lang="en-US" smtClean="0"/>
-              <a:t>11/25/2015</a:t>
+              <a:t>11/30/2015</a:t>
             </a:fld>
             <a:endParaRPr lang="en-US" dirty="0"/>
           </a:p>
@@ -8722,8 +9097,8 @@
         </p:nvSpPr>
         <p:spPr>
           <a:xfrm>
-            <a:off x="381000" y="1219200"/>
-            <a:ext cx="8153400" cy="4343400"/>
+            <a:off x="381000" y="914400"/>
+            <a:ext cx="8153400" cy="5638800"/>
           </a:xfrm>
         </p:spPr>
         <p:txBody>
@@ -8732,21 +9107,159 @@
           </a:bodyPr>
           <a:lstStyle/>
           <a:p>
-            <a:pPr marL="342900" indent="-342900" algn="l">
-              <a:buFont typeface="Arial" panose="020B0604020202020204" pitchFamily="34" charset="0"/>
-              <a:buChar char="•"/>
-            </a:pPr>
+            <a:pPr algn="l"/>
             <a:r>
               <a:rPr lang="en-US" dirty="0" smtClean="0"/>
-              <a:t>@</a:t>
-            </a:r>
+              <a:t>.rounded-corners( @size ) {</a:t>
+            </a:r>
+          </a:p>
+          <a:p>
+            <a:pPr algn="l"/>
+            <a:r>
+              <a:rPr lang="en-US" dirty="0" smtClean="0"/>
+              <a:t>     border-radius: @size;</a:t>
+            </a:r>
+          </a:p>
+          <a:p>
+            <a:pPr algn="l"/>
+            <a:r>
+              <a:rPr lang="en-US" dirty="0"/>
+              <a:t> </a:t>
+            </a:r>
+            <a:r>
+              <a:rPr lang="en-US" dirty="0" smtClean="0"/>
+              <a:t>    -</a:t>
+            </a:r>
+            <a:r>
+              <a:rPr lang="en-US" dirty="0" err="1" smtClean="0"/>
+              <a:t>webkit</a:t>
+            </a:r>
+            <a:r>
+              <a:rPr lang="en-US" dirty="0" smtClean="0"/>
+              <a:t>-</a:t>
+            </a:r>
+            <a:r>
+              <a:rPr lang="en-US" dirty="0"/>
+              <a:t>border-radius: @size;</a:t>
+            </a:r>
+          </a:p>
+          <a:p>
+            <a:pPr algn="l"/>
+            <a:r>
+              <a:rPr lang="en-US" dirty="0" smtClean="0"/>
+              <a:t>     -</a:t>
+            </a:r>
+            <a:r>
+              <a:rPr lang="en-US" dirty="0" err="1" smtClean="0"/>
+              <a:t>moz</a:t>
+            </a:r>
+            <a:r>
+              <a:rPr lang="en-US" dirty="0" smtClean="0"/>
+              <a:t>-border-radius</a:t>
+            </a:r>
+            <a:r>
+              <a:rPr lang="en-US" dirty="0"/>
+              <a:t>: @size;</a:t>
+            </a:r>
+          </a:p>
+          <a:p>
+            <a:pPr algn="l"/>
+            <a:endParaRPr lang="en-US" dirty="0" smtClean="0"/>
+          </a:p>
+          <a:p>
+            <a:pPr algn="l"/>
+            <a:r>
+              <a:rPr lang="en-US" dirty="0"/>
+              <a:t> </a:t>
+            </a:r>
+            <a:r>
+              <a:rPr lang="en-US" dirty="0" smtClean="0"/>
+              <a:t>     border-style</a:t>
+            </a:r>
+            <a:r>
+              <a:rPr lang="en-US" dirty="0"/>
+              <a:t>: solid;</a:t>
+            </a:r>
+            <a:r>
+              <a:rPr lang="en-US" dirty="0"/>
+              <a:t/>
+            </a:r>
+            <a:br>
+              <a:rPr lang="en-US" dirty="0"/>
+            </a:br>
+            <a:r>
+              <a:rPr lang="en-US" dirty="0"/>
+              <a:t>    </a:t>
+            </a:r>
+            <a:r>
+              <a:rPr lang="en-US" dirty="0" smtClean="0"/>
+              <a:t>  border-width</a:t>
+            </a:r>
+            <a:r>
+              <a:rPr lang="en-US" dirty="0"/>
+              <a:t>: </a:t>
+            </a:r>
+            <a:r>
+              <a:rPr lang="en-US" dirty="0" smtClean="0"/>
+              <a:t>2px</a:t>
+            </a:r>
+            <a:r>
+              <a:rPr lang="en-US" dirty="0"/>
+              <a:t>;</a:t>
+            </a:r>
+            <a:endParaRPr lang="en-US" dirty="0"/>
+          </a:p>
+          <a:p>
+            <a:pPr algn="l"/>
+            <a:r>
+              <a:rPr lang="en-US" dirty="0" smtClean="0"/>
+              <a:t>}</a:t>
+            </a:r>
+          </a:p>
+          <a:p>
+            <a:pPr algn="l"/>
+            <a:r>
+              <a:rPr lang="en-US" dirty="0" smtClean="0"/>
+              <a:t>// Usage</a:t>
+            </a:r>
+          </a:p>
+          <a:p>
+            <a:pPr algn="l"/>
+            <a:r>
+              <a:rPr lang="en-US" dirty="0" smtClean="0"/>
+              <a:t>#my-button {</a:t>
+            </a:r>
+          </a:p>
+          <a:p>
+            <a:pPr algn="l"/>
+            <a:r>
+              <a:rPr lang="en-US" dirty="0" smtClean="0"/>
+              <a:t> .rounded-corners( 3 </a:t>
+            </a:r>
+            <a:r>
+              <a:rPr lang="en-US" dirty="0" err="1" smtClean="0"/>
+              <a:t>px</a:t>
+            </a:r>
+            <a:r>
+              <a:rPr lang="en-US" dirty="0" smtClean="0"/>
+              <a:t> );</a:t>
+            </a:r>
+            <a:endParaRPr lang="en-US" dirty="0"/>
+          </a:p>
+          <a:p>
+            <a:pPr algn="l"/>
+            <a:r>
+              <a:rPr lang="en-US" dirty="0" smtClean="0"/>
+              <a:t>}</a:t>
+            </a:r>
+            <a:endParaRPr lang="en-US" dirty="0"/>
           </a:p>
         </p:txBody>
       </p:sp>
     </p:spTree>
     <p:extLst>
       <p:ext uri="{BB962C8B-B14F-4D97-AF65-F5344CB8AC3E}">
-        <p14:creationId xmlns:p14="http://schemas.microsoft.com/office/powerpoint/2010/main" val="964400334"/>
+        <p14:creationId xmlns:p14="http://schemas.microsoft.com/office/powerpoint/2010/main" val="967325445"/>
       </p:ext>
     </p:extLst>
   </p:cSld>
@@ -8796,7 +9309,11 @@
             <a:pPr algn="l"/>
             <a:r>
               <a:rPr lang="en-US" sz="4000" dirty="0" smtClean="0"/>
-              <a:t>LESS Built-in Functions</a:t>
+              <a:t>LESS </a:t>
+            </a:r>
+            <a:r>
+              <a:rPr lang="en-US" sz="4000" dirty="0" smtClean="0"/>
+              <a:t>Mix-in Overloads</a:t>
             </a:r>
             <a:endParaRPr lang="en-US" sz="4000" dirty="0"/>
           </a:p>
@@ -8819,7 +9336,7 @@
           <a:p>
             <a:fld id="{216C5678-EE20-4FA5-88E2-6E0BD67A2E26}" type="datetime1">
               <a:rPr lang="en-US" smtClean="0"/>
-              <a:t>11/25/2015</a:t>
+              <a:t>11/30/2015</a:t>
             </a:fld>
             <a:endParaRPr lang="en-US" dirty="0"/>
           </a:p>
@@ -8884,8 +9401,8 @@
         </p:nvSpPr>
         <p:spPr>
           <a:xfrm>
-            <a:off x="381000" y="1219200"/>
-            <a:ext cx="8153400" cy="4343400"/>
+            <a:off x="381000" y="914400"/>
+            <a:ext cx="8153400" cy="5638800"/>
           </a:xfrm>
         </p:spPr>
         <p:txBody>
@@ -8894,23 +9411,278 @@
           </a:bodyPr>
           <a:lstStyle/>
           <a:p>
-            <a:pPr marL="342900" indent="-342900" algn="l">
-              <a:buFont typeface="Arial" panose="020B0604020202020204" pitchFamily="34" charset="0"/>
-              <a:buChar char="•"/>
-            </a:pPr>
-            <a:r>
-              <a:rPr lang="en-US" dirty="0" smtClean="0"/>
-              <a:t>“Function”</a:t>
-            </a:r>
-          </a:p>
-          <a:p>
-            <a:pPr marL="342900" indent="-342900" algn="l">
-              <a:buFont typeface="Arial" panose="020B0604020202020204" pitchFamily="34" charset="0"/>
-              <a:buChar char="•"/>
-            </a:pPr>
-            <a:r>
-              <a:rPr lang="en-US" dirty="0" smtClean="0"/>
-              <a:t>Alias for more than 1 rules.</a:t>
+            <a:pPr algn="l"/>
+            <a:r>
+              <a:rPr lang="en-US" sz="2000" dirty="0" smtClean="0"/>
+              <a:t>.rounded-corners( @size ) {</a:t>
+            </a:r>
+          </a:p>
+          <a:p>
+            <a:pPr algn="l"/>
+            <a:r>
+              <a:rPr lang="en-US" sz="2000" dirty="0" smtClean="0"/>
+              <a:t>     border-radius:   @size;</a:t>
+            </a:r>
+          </a:p>
+          <a:p>
+            <a:pPr algn="l"/>
+            <a:r>
+              <a:rPr lang="en-US" sz="2000" dirty="0"/>
+              <a:t> </a:t>
+            </a:r>
+            <a:r>
+              <a:rPr lang="en-US" sz="2000" dirty="0" smtClean="0"/>
+              <a:t>    -</a:t>
+            </a:r>
+            <a:r>
+              <a:rPr lang="en-US" sz="2000" dirty="0" err="1" smtClean="0"/>
+              <a:t>webkit</a:t>
+            </a:r>
+            <a:r>
+              <a:rPr lang="en-US" sz="2000" dirty="0" smtClean="0"/>
+              <a:t>-</a:t>
+            </a:r>
+            <a:r>
+              <a:rPr lang="en-US" sz="2000" dirty="0"/>
+              <a:t>border-radius: </a:t>
+            </a:r>
+            <a:r>
+              <a:rPr lang="en-US" sz="2000" dirty="0" smtClean="0"/>
+              <a:t>  @</a:t>
+            </a:r>
+            <a:r>
+              <a:rPr lang="en-US" sz="2000" dirty="0"/>
+              <a:t>size;</a:t>
+            </a:r>
+          </a:p>
+          <a:p>
+            <a:pPr algn="l"/>
+            <a:r>
+              <a:rPr lang="en-US" sz="2000" dirty="0" smtClean="0"/>
+              <a:t>     -</a:t>
+            </a:r>
+            <a:r>
+              <a:rPr lang="en-US" sz="2000" dirty="0" err="1" smtClean="0"/>
+              <a:t>moz</a:t>
+            </a:r>
+            <a:r>
+              <a:rPr lang="en-US" sz="2000" dirty="0" smtClean="0"/>
+              <a:t>-border-radius</a:t>
+            </a:r>
+            <a:r>
+              <a:rPr lang="en-US" sz="2000" dirty="0"/>
+              <a:t>: </a:t>
+            </a:r>
+            <a:r>
+              <a:rPr lang="en-US" sz="2000" dirty="0" smtClean="0"/>
+              <a:t>  @</a:t>
+            </a:r>
+            <a:r>
+              <a:rPr lang="en-US" sz="2000" dirty="0"/>
+              <a:t>size;</a:t>
+            </a:r>
+          </a:p>
+          <a:p>
+            <a:pPr algn="l"/>
+            <a:r>
+              <a:rPr lang="en-US" sz="2000" dirty="0" smtClean="0"/>
+              <a:t>}</a:t>
+            </a:r>
+          </a:p>
+          <a:p>
+            <a:pPr algn="l"/>
+            <a:r>
+              <a:rPr lang="en-US" sz="2000" dirty="0"/>
+              <a:t>.rounded-corners( @</a:t>
+            </a:r>
+            <a:r>
+              <a:rPr lang="en-US" sz="2000" dirty="0" smtClean="0"/>
+              <a:t>size, @factor </a:t>
+            </a:r>
+            <a:r>
+              <a:rPr lang="en-US" sz="2000" dirty="0"/>
+              <a:t>) {</a:t>
+            </a:r>
+          </a:p>
+          <a:p>
+            <a:pPr algn="l"/>
+            <a:r>
+              <a:rPr lang="en-US" sz="2000" dirty="0"/>
+              <a:t>     border-radius: @</a:t>
+            </a:r>
+            <a:r>
+              <a:rPr lang="en-US" sz="2000" dirty="0" smtClean="0"/>
+              <a:t>size * @factor;</a:t>
+            </a:r>
+            <a:endParaRPr lang="en-US" sz="2000" dirty="0"/>
+          </a:p>
+          <a:p>
+            <a:pPr algn="l"/>
+            <a:r>
+              <a:rPr lang="en-US" sz="2000" dirty="0"/>
+              <a:t>     -</a:t>
+            </a:r>
+            <a:r>
+              <a:rPr lang="en-US" sz="2000" dirty="0" err="1"/>
+              <a:t>webkit</a:t>
+            </a:r>
+            <a:r>
+              <a:rPr lang="en-US" sz="2000" dirty="0"/>
+              <a:t>-border-radius: @</a:t>
+            </a:r>
+            <a:r>
+              <a:rPr lang="en-US" sz="2000" dirty="0" smtClean="0"/>
+              <a:t>size </a:t>
+            </a:r>
+            <a:r>
+              <a:rPr lang="en-US" sz="2000" dirty="0"/>
+              <a:t> * @factor</a:t>
+            </a:r>
+            <a:r>
+              <a:rPr lang="en-US" sz="2000" dirty="0" smtClean="0"/>
+              <a:t>;</a:t>
+            </a:r>
+            <a:endParaRPr lang="en-US" sz="2000" dirty="0"/>
+          </a:p>
+          <a:p>
+            <a:pPr algn="l"/>
+            <a:r>
+              <a:rPr lang="en-US" sz="2000" dirty="0"/>
+              <a:t>     -</a:t>
+            </a:r>
+            <a:r>
+              <a:rPr lang="en-US" sz="2000" dirty="0" err="1"/>
+              <a:t>moz</a:t>
+            </a:r>
+            <a:r>
+              <a:rPr lang="en-US" sz="2000" dirty="0"/>
+              <a:t>-border-radius: @</a:t>
+            </a:r>
+            <a:r>
+              <a:rPr lang="en-US" sz="2000" dirty="0" smtClean="0"/>
+              <a:t>size </a:t>
+            </a:r>
+            <a:r>
+              <a:rPr lang="en-US" sz="2000" dirty="0"/>
+              <a:t> * @factor</a:t>
+            </a:r>
+            <a:r>
+              <a:rPr lang="en-US" sz="2000" dirty="0" smtClean="0"/>
+              <a:t>;</a:t>
+            </a:r>
+            <a:endParaRPr lang="en-US" sz="2000" dirty="0"/>
+          </a:p>
+          <a:p>
+            <a:pPr algn="l"/>
+            <a:r>
+              <a:rPr lang="en-US" sz="2000" dirty="0" smtClean="0"/>
+              <a:t>}</a:t>
+            </a:r>
+            <a:endParaRPr lang="en-US" sz="2000" dirty="0" smtClean="0"/>
+          </a:p>
+          <a:p>
+            <a:pPr algn="l"/>
+            <a:r>
+              <a:rPr lang="en-US" sz="2000" dirty="0" smtClean="0"/>
+              <a:t>// Usage</a:t>
+            </a:r>
+          </a:p>
+          <a:p>
+            <a:pPr algn="l"/>
+            <a:r>
+              <a:rPr lang="en-US" sz="2000" dirty="0" smtClean="0"/>
+              <a:t>#error-button {</a:t>
+            </a:r>
+          </a:p>
+          <a:p>
+            <a:pPr algn="l"/>
+            <a:r>
+              <a:rPr lang="en-US" sz="2000" dirty="0" smtClean="0"/>
+              <a:t> .rounded-corners( 3 </a:t>
+            </a:r>
+            <a:r>
+              <a:rPr lang="en-US" sz="2000" dirty="0" err="1" smtClean="0"/>
+              <a:t>px</a:t>
+            </a:r>
+            <a:r>
+              <a:rPr lang="en-US" sz="2000" dirty="0" smtClean="0"/>
+              <a:t> );</a:t>
+            </a:r>
+            <a:endParaRPr lang="en-US" sz="2000" dirty="0"/>
+          </a:p>
+          <a:p>
+            <a:pPr algn="l"/>
+            <a:r>
+              <a:rPr lang="en-US" sz="2000" dirty="0" smtClean="0"/>
+              <a:t>}</a:t>
+            </a:r>
+          </a:p>
+          <a:p>
+            <a:pPr algn="l"/>
+            <a:endParaRPr lang="en-US" sz="2000" dirty="0"/>
+          </a:p>
+        </p:txBody>
+      </p:sp>
+      <p:sp>
+        <p:nvSpPr>
+          <p:cNvPr id="3" name="Rectangle 2"/>
+          <p:cNvSpPr/>
+          <p:nvPr/>
+        </p:nvSpPr>
+        <p:spPr>
+          <a:xfrm>
+            <a:off x="4191000" y="5029200"/>
+            <a:ext cx="4572000" cy="1015663"/>
+          </a:xfrm>
+          <a:prstGeom prst="rect">
+            <a:avLst/>
+          </a:prstGeom>
+        </p:spPr>
+        <p:txBody>
+          <a:bodyPr>
+            <a:spAutoFit/>
+          </a:bodyPr>
+          <a:lstStyle/>
+          <a:p>
+            <a:r>
+              <a:rPr lang="en-US" sz="2000" dirty="0">
+                <a:latin typeface="Century Gothic (Headings)"/>
+              </a:rPr>
+              <a:t>#error-button {</a:t>
+            </a:r>
+          </a:p>
+          <a:p>
+            <a:r>
+              <a:rPr lang="en-US" sz="2000" dirty="0">
+                <a:latin typeface="Century Gothic (Headings)"/>
+              </a:rPr>
+              <a:t> .rounded-corners( 3 </a:t>
+            </a:r>
+            <a:r>
+              <a:rPr lang="en-US" sz="2000" dirty="0" err="1" smtClean="0">
+                <a:latin typeface="Century Gothic (Headings)"/>
+              </a:rPr>
+              <a:t>px</a:t>
+            </a:r>
+            <a:r>
+              <a:rPr lang="en-US" sz="2000" dirty="0" smtClean="0">
+                <a:latin typeface="Century Gothic (Headings)"/>
+              </a:rPr>
+              <a:t>, 0.8 </a:t>
+            </a:r>
+            <a:r>
+              <a:rPr lang="en-US" sz="2000" dirty="0">
+                <a:latin typeface="Century Gothic (Headings)"/>
+              </a:rPr>
+              <a:t>);</a:t>
+            </a:r>
+          </a:p>
+          <a:p>
+            <a:r>
+              <a:rPr lang="en-US" sz="2000" dirty="0">
+                <a:latin typeface="Century Gothic (Headings)"/>
+              </a:rPr>
+              <a:t>}</a:t>
             </a:r>
           </a:p>
         </p:txBody>
@@ -8918,7 +9690,7 @@
     </p:spTree>
     <p:extLst>
       <p:ext uri="{BB962C8B-B14F-4D97-AF65-F5344CB8AC3E}">
-        <p14:creationId xmlns:p14="http://schemas.microsoft.com/office/powerpoint/2010/main" val="964400334"/>
+        <p14:creationId xmlns:p14="http://schemas.microsoft.com/office/powerpoint/2010/main" val="3201294956"/>
       </p:ext>
     </p:extLst>
   </p:cSld>
@@ -9157,7 +9929,11 @@
             <a:pPr algn="l"/>
             <a:r>
               <a:rPr lang="en-US" sz="4000" dirty="0" smtClean="0"/>
-              <a:t>xx?</a:t>
+              <a:t>LESS </a:t>
+            </a:r>
+            <a:r>
+              <a:rPr lang="en-US" sz="4000" dirty="0" smtClean="0"/>
+              <a:t>Mix-in Guards</a:t>
             </a:r>
             <a:endParaRPr lang="en-US" sz="4000" dirty="0"/>
           </a:p>
@@ -9180,7 +9956,7 @@
           <a:p>
             <a:fld id="{216C5678-EE20-4FA5-88E2-6E0BD67A2E26}" type="datetime1">
               <a:rPr lang="en-US" smtClean="0"/>
-              <a:t>11/25/2015</a:t>
+              <a:t>11/30/2015</a:t>
             </a:fld>
             <a:endParaRPr lang="en-US" dirty="0"/>
           </a:p>
@@ -9205,6 +9981,1081 @@
               <a:rPr lang="en-US" smtClean="0"/>
               <a:pPr/>
               <a:t>20</a:t>
+            </a:fld>
+            <a:endParaRPr lang="en-US" dirty="0"/>
+          </a:p>
+        </p:txBody>
+      </p:sp>
+      <p:sp>
+        <p:nvSpPr>
+          <p:cNvPr id="6" name="Footer Placeholder 5"/>
+          <p:cNvSpPr>
+            <a:spLocks noGrp="1"/>
+          </p:cNvSpPr>
+          <p:nvPr>
+            <p:ph type="ftr" sz="quarter" idx="12"/>
+          </p:nvPr>
+        </p:nvSpPr>
+        <p:spPr/>
+        <p:txBody>
+          <a:bodyPr/>
+          <a:lstStyle/>
+          <a:p>
+            <a:r>
+              <a:rPr lang="en-US" smtClean="0"/>
+              <a:t>Footer Text</a:t>
+            </a:r>
+            <a:endParaRPr lang="en-US" dirty="0"/>
+          </a:p>
+        </p:txBody>
+      </p:sp>
+      <p:sp>
+        <p:nvSpPr>
+          <p:cNvPr id="7" name="Subtitle 2"/>
+          <p:cNvSpPr>
+            <a:spLocks noGrp="1"/>
+          </p:cNvSpPr>
+          <p:nvPr>
+            <p:ph type="subTitle" idx="1"/>
+          </p:nvPr>
+        </p:nvSpPr>
+        <p:spPr>
+          <a:xfrm>
+            <a:off x="381000" y="914400"/>
+            <a:ext cx="8153400" cy="5638800"/>
+          </a:xfrm>
+        </p:spPr>
+        <p:txBody>
+          <a:bodyPr>
+            <a:noAutofit/>
+          </a:bodyPr>
+          <a:lstStyle/>
+          <a:p>
+            <a:pPr algn="l"/>
+            <a:r>
+              <a:rPr lang="en-US" sz="2000" dirty="0" smtClean="0"/>
+              <a:t>.rounded-corners( @size ) when (@size &gt; 10px) {</a:t>
+            </a:r>
+          </a:p>
+          <a:p>
+            <a:pPr algn="l"/>
+            <a:r>
+              <a:rPr lang="en-US" sz="2000" dirty="0" smtClean="0"/>
+              <a:t>     border-radius:   10px;</a:t>
+            </a:r>
+          </a:p>
+          <a:p>
+            <a:pPr algn="l"/>
+            <a:r>
+              <a:rPr lang="en-US" sz="2000" dirty="0" smtClean="0"/>
+              <a:t>}</a:t>
+            </a:r>
+          </a:p>
+          <a:p>
+            <a:pPr algn="l"/>
+            <a:r>
+              <a:rPr lang="en-US" sz="2000" dirty="0"/>
+              <a:t>.rounded-corners( @</a:t>
+            </a:r>
+            <a:r>
+              <a:rPr lang="en-US" sz="2000" dirty="0" smtClean="0"/>
+              <a:t>size) </a:t>
+            </a:r>
+            <a:r>
+              <a:rPr lang="en-US" sz="2000" dirty="0"/>
+              <a:t>when (@size </a:t>
+            </a:r>
+            <a:r>
+              <a:rPr lang="en-US" sz="2000" dirty="0" smtClean="0"/>
+              <a:t>&lt;= </a:t>
+            </a:r>
+            <a:r>
+              <a:rPr lang="en-US" sz="2000" dirty="0"/>
+              <a:t>10px) </a:t>
+            </a:r>
+            <a:r>
+              <a:rPr lang="en-US" sz="2000" dirty="0" smtClean="0"/>
+              <a:t>{</a:t>
+            </a:r>
+            <a:endParaRPr lang="en-US" sz="2000" dirty="0"/>
+          </a:p>
+          <a:p>
+            <a:pPr algn="l"/>
+            <a:r>
+              <a:rPr lang="en-US" sz="2000" dirty="0"/>
+              <a:t>     border-radius: @</a:t>
+            </a:r>
+            <a:r>
+              <a:rPr lang="en-US" sz="2000" dirty="0" smtClean="0"/>
+              <a:t>size;</a:t>
+            </a:r>
+            <a:endParaRPr lang="en-US" sz="2000" dirty="0"/>
+          </a:p>
+          <a:p>
+            <a:pPr algn="l"/>
+            <a:r>
+              <a:rPr lang="en-US" sz="2000" dirty="0" smtClean="0"/>
+              <a:t>}</a:t>
+            </a:r>
+            <a:endParaRPr lang="en-US" sz="2000" dirty="0" smtClean="0"/>
+          </a:p>
+          <a:p>
+            <a:pPr algn="l"/>
+            <a:r>
+              <a:rPr lang="en-US" sz="2000" dirty="0" smtClean="0"/>
+              <a:t>// Usage</a:t>
+            </a:r>
+          </a:p>
+          <a:p>
+            <a:pPr algn="l"/>
+            <a:r>
+              <a:rPr lang="en-US" sz="2000" dirty="0" smtClean="0"/>
+              <a:t>#error-button {</a:t>
+            </a:r>
+          </a:p>
+          <a:p>
+            <a:pPr algn="l"/>
+            <a:r>
+              <a:rPr lang="en-US" sz="2000" dirty="0" smtClean="0"/>
+              <a:t> .rounded-corners( 3 </a:t>
+            </a:r>
+            <a:r>
+              <a:rPr lang="en-US" sz="2000" dirty="0" err="1" smtClean="0"/>
+              <a:t>px</a:t>
+            </a:r>
+            <a:r>
+              <a:rPr lang="en-US" sz="2000" dirty="0" smtClean="0"/>
+              <a:t> );  // radius will be 3 </a:t>
+            </a:r>
+            <a:r>
+              <a:rPr lang="en-US" sz="2000" dirty="0" err="1" smtClean="0"/>
+              <a:t>px</a:t>
+            </a:r>
+            <a:endParaRPr lang="en-US" sz="2000" dirty="0"/>
+          </a:p>
+          <a:p>
+            <a:pPr algn="l"/>
+            <a:r>
+              <a:rPr lang="en-US" sz="2000" dirty="0" smtClean="0"/>
+              <a:t>}</a:t>
+            </a:r>
+          </a:p>
+          <a:p>
+            <a:pPr algn="l"/>
+            <a:endParaRPr lang="en-US" sz="2000" dirty="0"/>
+          </a:p>
+          <a:p>
+            <a:pPr algn="l"/>
+            <a:r>
+              <a:rPr lang="en-US" sz="2000" dirty="0"/>
+              <a:t>// Usage</a:t>
+            </a:r>
+          </a:p>
+          <a:p>
+            <a:pPr algn="l"/>
+            <a:r>
+              <a:rPr lang="en-US" sz="2000" dirty="0" smtClean="0"/>
+              <a:t>#warn-button </a:t>
+            </a:r>
+            <a:r>
+              <a:rPr lang="en-US" sz="2000" dirty="0"/>
+              <a:t>{</a:t>
+            </a:r>
+          </a:p>
+          <a:p>
+            <a:pPr algn="l"/>
+            <a:r>
+              <a:rPr lang="en-US" sz="2000" dirty="0"/>
+              <a:t> .rounded-corners( </a:t>
+            </a:r>
+            <a:r>
+              <a:rPr lang="en-US" sz="2000" dirty="0" smtClean="0"/>
+              <a:t>30 </a:t>
+            </a:r>
+            <a:r>
+              <a:rPr lang="en-US" sz="2000" dirty="0" err="1"/>
+              <a:t>px</a:t>
+            </a:r>
+            <a:r>
+              <a:rPr lang="en-US" sz="2000" dirty="0"/>
+              <a:t> );  // radius will be </a:t>
+            </a:r>
+            <a:r>
+              <a:rPr lang="en-US" sz="2000" dirty="0" smtClean="0"/>
+              <a:t>10 </a:t>
+            </a:r>
+            <a:r>
+              <a:rPr lang="en-US" sz="2000" dirty="0" err="1"/>
+              <a:t>px</a:t>
+            </a:r>
+            <a:endParaRPr lang="en-US" sz="2000" dirty="0"/>
+          </a:p>
+          <a:p>
+            <a:pPr algn="l"/>
+            <a:r>
+              <a:rPr lang="en-US" sz="2000" dirty="0"/>
+              <a:t>}</a:t>
+            </a:r>
+          </a:p>
+          <a:p>
+            <a:pPr algn="l"/>
+            <a:endParaRPr lang="en-US" sz="2000" dirty="0" smtClean="0"/>
+          </a:p>
+          <a:p>
+            <a:pPr algn="l"/>
+            <a:endParaRPr lang="en-US" sz="2000" dirty="0"/>
+          </a:p>
+        </p:txBody>
+      </p:sp>
+    </p:spTree>
+    <p:extLst>
+      <p:ext uri="{BB962C8B-B14F-4D97-AF65-F5344CB8AC3E}">
+        <p14:creationId xmlns:p14="http://schemas.microsoft.com/office/powerpoint/2010/main" val="2605283047"/>
+      </p:ext>
+    </p:extLst>
+  </p:cSld>
+  <p:clrMapOvr>
+    <a:masterClrMapping/>
+  </p:clrMapOvr>
+</p:sld>
+</file>
+
+<file path=ppt/slides/slide21.xml><?xml version="1.0" encoding="utf-8"?>
+<p:sld xmlns:a="http://schemas.openxmlformats.org/drawingml/2006/main" xmlns:r="http://schemas.openxmlformats.org/officeDocument/2006/relationships" xmlns:p="http://schemas.openxmlformats.org/presentationml/2006/main">
+  <p:cSld>
+    <p:spTree>
+      <p:nvGrpSpPr>
+        <p:cNvPr id="1" name=""/>
+        <p:cNvGrpSpPr/>
+        <p:nvPr/>
+      </p:nvGrpSpPr>
+      <p:grpSpPr>
+        <a:xfrm>
+          <a:off x="0" y="0"/>
+          <a:ext cx="0" cy="0"/>
+          <a:chOff x="0" y="0"/>
+          <a:chExt cx="0" cy="0"/>
+        </a:xfrm>
+      </p:grpSpPr>
+      <p:sp>
+        <p:nvSpPr>
+          <p:cNvPr id="4" name="Date Placeholder 3"/>
+          <p:cNvSpPr>
+            <a:spLocks noGrp="1"/>
+          </p:cNvSpPr>
+          <p:nvPr>
+            <p:ph type="dt" sz="half" idx="10"/>
+          </p:nvPr>
+        </p:nvSpPr>
+        <p:spPr/>
+        <p:txBody>
+          <a:bodyPr/>
+          <a:lstStyle/>
+          <a:p>
+            <a:fld id="{216C5678-EE20-4FA5-88E2-6E0BD67A2E26}" type="datetime1">
+              <a:rPr lang="en-US" smtClean="0"/>
+              <a:t>11/30/2015</a:t>
+            </a:fld>
+            <a:endParaRPr lang="en-US" dirty="0"/>
+          </a:p>
+        </p:txBody>
+      </p:sp>
+      <p:sp>
+        <p:nvSpPr>
+          <p:cNvPr id="5" name="Slide Number Placeholder 4"/>
+          <p:cNvSpPr>
+            <a:spLocks noGrp="1"/>
+          </p:cNvSpPr>
+          <p:nvPr>
+            <p:ph type="sldNum" sz="quarter" idx="11"/>
+          </p:nvPr>
+        </p:nvSpPr>
+        <p:spPr/>
+        <p:txBody>
+          <a:bodyPr/>
+          <a:lstStyle/>
+          <a:p>
+            <a:fld id="{BA9B540C-44DA-4F69-89C9-7C84606640D3}" type="slidenum">
+              <a:rPr lang="en-US" smtClean="0"/>
+              <a:pPr/>
+              <a:t>21</a:t>
+            </a:fld>
+            <a:endParaRPr lang="en-US" dirty="0"/>
+          </a:p>
+        </p:txBody>
+      </p:sp>
+      <p:sp>
+        <p:nvSpPr>
+          <p:cNvPr id="6" name="Footer Placeholder 5"/>
+          <p:cNvSpPr>
+            <a:spLocks noGrp="1"/>
+          </p:cNvSpPr>
+          <p:nvPr>
+            <p:ph type="ftr" sz="quarter" idx="12"/>
+          </p:nvPr>
+        </p:nvSpPr>
+        <p:spPr/>
+        <p:txBody>
+          <a:bodyPr/>
+          <a:lstStyle/>
+          <a:p>
+            <a:r>
+              <a:rPr lang="en-US" smtClean="0"/>
+              <a:t>Footer Text</a:t>
+            </a:r>
+            <a:endParaRPr lang="en-US" dirty="0"/>
+          </a:p>
+        </p:txBody>
+      </p:sp>
+      <p:sp>
+        <p:nvSpPr>
+          <p:cNvPr id="3" name="Subtitle 2"/>
+          <p:cNvSpPr>
+            <a:spLocks noGrp="1"/>
+          </p:cNvSpPr>
+          <p:nvPr>
+            <p:ph type="subTitle" idx="1"/>
+          </p:nvPr>
+        </p:nvSpPr>
+        <p:spPr>
+          <a:xfrm>
+            <a:off x="1524000" y="1143000"/>
+            <a:ext cx="6400800" cy="1219200"/>
+          </a:xfrm>
+        </p:spPr>
+        <p:txBody>
+          <a:bodyPr/>
+          <a:lstStyle/>
+          <a:p>
+            <a:r>
+              <a:rPr lang="en-US" b="1" dirty="0" smtClean="0"/>
+              <a:t>Code Demo</a:t>
+            </a:r>
+            <a:endParaRPr lang="en-US" b="1" dirty="0"/>
+          </a:p>
+        </p:txBody>
+      </p:sp>
+    </p:spTree>
+    <p:extLst>
+      <p:ext uri="{BB962C8B-B14F-4D97-AF65-F5344CB8AC3E}">
+        <p14:creationId xmlns:p14="http://schemas.microsoft.com/office/powerpoint/2010/main" val="281621522"/>
+      </p:ext>
+    </p:extLst>
+  </p:cSld>
+  <p:clrMapOvr>
+    <a:masterClrMapping/>
+  </p:clrMapOvr>
+</p:sld>
+</file>
+
+<file path=ppt/slides/slide22.xml><?xml version="1.0" encoding="utf-8"?>
+<p:sld xmlns:a="http://schemas.openxmlformats.org/drawingml/2006/main" xmlns:r="http://schemas.openxmlformats.org/officeDocument/2006/relationships" xmlns:p="http://schemas.openxmlformats.org/presentationml/2006/main">
+  <p:cSld>
+    <p:spTree>
+      <p:nvGrpSpPr>
+        <p:cNvPr id="1" name=""/>
+        <p:cNvGrpSpPr/>
+        <p:nvPr/>
+      </p:nvGrpSpPr>
+      <p:grpSpPr>
+        <a:xfrm>
+          <a:off x="0" y="0"/>
+          <a:ext cx="0" cy="0"/>
+          <a:chOff x="0" y="0"/>
+          <a:chExt cx="0" cy="0"/>
+        </a:xfrm>
+      </p:grpSpPr>
+      <p:sp>
+        <p:nvSpPr>
+          <p:cNvPr id="2" name="Title 1"/>
+          <p:cNvSpPr>
+            <a:spLocks noGrp="1"/>
+          </p:cNvSpPr>
+          <p:nvPr>
+            <p:ph type="ctrTitle"/>
+          </p:nvPr>
+        </p:nvSpPr>
+        <p:spPr>
+          <a:xfrm>
+            <a:off x="685800" y="228600"/>
+            <a:ext cx="7772400" cy="685800"/>
+          </a:xfrm>
+        </p:spPr>
+        <p:txBody>
+          <a:bodyPr/>
+          <a:lstStyle/>
+          <a:p>
+            <a:pPr algn="l"/>
+            <a:r>
+              <a:rPr lang="en-US" sz="4000" dirty="0" smtClean="0"/>
+              <a:t>Namespace</a:t>
+            </a:r>
+            <a:endParaRPr lang="en-US" sz="4000" dirty="0"/>
+          </a:p>
+        </p:txBody>
+      </p:sp>
+      <p:sp>
+        <p:nvSpPr>
+          <p:cNvPr id="4" name="Date Placeholder 3"/>
+          <p:cNvSpPr>
+            <a:spLocks noGrp="1"/>
+          </p:cNvSpPr>
+          <p:nvPr>
+            <p:ph type="dt" sz="half" idx="10"/>
+          </p:nvPr>
+        </p:nvSpPr>
+        <p:spPr/>
+        <p:txBody>
+          <a:bodyPr/>
+          <a:lstStyle/>
+          <a:p>
+            <a:fld id="{216C5678-EE20-4FA5-88E2-6E0BD67A2E26}" type="datetime1">
+              <a:rPr lang="en-US" smtClean="0"/>
+              <a:t>11/30/2015</a:t>
+            </a:fld>
+            <a:endParaRPr lang="en-US" dirty="0"/>
+          </a:p>
+        </p:txBody>
+      </p:sp>
+      <p:sp>
+        <p:nvSpPr>
+          <p:cNvPr id="5" name="Slide Number Placeholder 4"/>
+          <p:cNvSpPr>
+            <a:spLocks noGrp="1"/>
+          </p:cNvSpPr>
+          <p:nvPr>
+            <p:ph type="sldNum" sz="quarter" idx="11"/>
+          </p:nvPr>
+        </p:nvSpPr>
+        <p:spPr/>
+        <p:txBody>
+          <a:bodyPr/>
+          <a:lstStyle/>
+          <a:p>
+            <a:fld id="{BA9B540C-44DA-4F69-89C9-7C84606640D3}" type="slidenum">
+              <a:rPr lang="en-US" smtClean="0"/>
+              <a:pPr/>
+              <a:t>22</a:t>
+            </a:fld>
+            <a:endParaRPr lang="en-US" dirty="0"/>
+          </a:p>
+        </p:txBody>
+      </p:sp>
+      <p:sp>
+        <p:nvSpPr>
+          <p:cNvPr id="6" name="Footer Placeholder 5"/>
+          <p:cNvSpPr>
+            <a:spLocks noGrp="1"/>
+          </p:cNvSpPr>
+          <p:nvPr>
+            <p:ph type="ftr" sz="quarter" idx="12"/>
+          </p:nvPr>
+        </p:nvSpPr>
+        <p:spPr/>
+        <p:txBody>
+          <a:bodyPr/>
+          <a:lstStyle/>
+          <a:p>
+            <a:r>
+              <a:rPr lang="en-US" smtClean="0"/>
+              <a:t>Footer Text</a:t>
+            </a:r>
+            <a:endParaRPr lang="en-US" dirty="0"/>
+          </a:p>
+        </p:txBody>
+      </p:sp>
+      <p:sp>
+        <p:nvSpPr>
+          <p:cNvPr id="7" name="Subtitle 2"/>
+          <p:cNvSpPr>
+            <a:spLocks noGrp="1"/>
+          </p:cNvSpPr>
+          <p:nvPr>
+            <p:ph type="subTitle" idx="1"/>
+          </p:nvPr>
+        </p:nvSpPr>
+        <p:spPr>
+          <a:xfrm>
+            <a:off x="381000" y="1066800"/>
+            <a:ext cx="8153400" cy="5410200"/>
+          </a:xfrm>
+        </p:spPr>
+        <p:txBody>
+          <a:bodyPr>
+            <a:noAutofit/>
+          </a:bodyPr>
+          <a:lstStyle/>
+          <a:p>
+            <a:pPr marL="342900" indent="-342900" algn="l">
+              <a:buFont typeface="Arial" panose="020B0604020202020204" pitchFamily="34" charset="0"/>
+              <a:buChar char="•"/>
+            </a:pPr>
+            <a:r>
+              <a:rPr lang="en-US" dirty="0" smtClean="0"/>
+              <a:t>Use for organizing groups of styles</a:t>
+            </a:r>
+          </a:p>
+          <a:p>
+            <a:pPr algn="l"/>
+            <a:endParaRPr lang="en-US" dirty="0" smtClean="0"/>
+          </a:p>
+          <a:p>
+            <a:pPr algn="l"/>
+            <a:r>
+              <a:rPr lang="en-US" dirty="0" smtClean="0"/>
+              <a:t>#common-namespace {</a:t>
+            </a:r>
+          </a:p>
+          <a:p>
+            <a:pPr algn="l"/>
+            <a:r>
+              <a:rPr lang="en-US" dirty="0" smtClean="0"/>
+              <a:t>    .error-button { color: orange;  font-size: 15px; }</a:t>
+            </a:r>
+            <a:endParaRPr lang="en-US" dirty="0"/>
+          </a:p>
+          <a:p>
+            <a:pPr algn="l"/>
+            <a:r>
+              <a:rPr lang="en-US" dirty="0" smtClean="0"/>
+              <a:t>}</a:t>
+            </a:r>
+            <a:endParaRPr lang="en-US" dirty="0"/>
+          </a:p>
+          <a:p>
+            <a:pPr algn="l"/>
+            <a:r>
+              <a:rPr lang="en-US" dirty="0"/>
+              <a:t>#login-namespace {</a:t>
+            </a:r>
+          </a:p>
+          <a:p>
+            <a:pPr algn="l"/>
+            <a:r>
+              <a:rPr lang="en-US" dirty="0"/>
+              <a:t>    .error-button { color: red;  font-size: </a:t>
+            </a:r>
+            <a:r>
+              <a:rPr lang="en-US" dirty="0" smtClean="0"/>
+              <a:t>20px</a:t>
+            </a:r>
+            <a:r>
+              <a:rPr lang="en-US" dirty="0"/>
+              <a:t>; }</a:t>
+            </a:r>
+          </a:p>
+          <a:p>
+            <a:pPr algn="l"/>
+            <a:r>
+              <a:rPr lang="en-US" dirty="0"/>
+              <a:t>}</a:t>
+            </a:r>
+          </a:p>
+          <a:p>
+            <a:pPr algn="l"/>
+            <a:endParaRPr lang="en-US" dirty="0" smtClean="0"/>
+          </a:p>
+          <a:p>
+            <a:pPr algn="l"/>
+            <a:r>
+              <a:rPr lang="en-US" dirty="0" smtClean="0"/>
+              <a:t>// usage:</a:t>
+            </a:r>
+          </a:p>
+          <a:p>
+            <a:pPr algn="l"/>
+            <a:r>
+              <a:rPr lang="en-US" dirty="0" smtClean="0"/>
+              <a:t>#submit-failure-button {</a:t>
+            </a:r>
+          </a:p>
+          <a:p>
+            <a:pPr algn="l"/>
+            <a:r>
+              <a:rPr lang="en-US" dirty="0" smtClean="0"/>
+              <a:t>     #login-namespace &gt; .error-button;</a:t>
+            </a:r>
+            <a:endParaRPr lang="en-US" dirty="0"/>
+          </a:p>
+          <a:p>
+            <a:pPr algn="l"/>
+            <a:r>
+              <a:rPr lang="en-US" dirty="0" smtClean="0"/>
+              <a:t>}</a:t>
+            </a:r>
+          </a:p>
+          <a:p>
+            <a:pPr algn="l"/>
+            <a:endParaRPr lang="en-US" dirty="0" smtClean="0"/>
+          </a:p>
+        </p:txBody>
+      </p:sp>
+    </p:spTree>
+    <p:extLst>
+      <p:ext uri="{BB962C8B-B14F-4D97-AF65-F5344CB8AC3E}">
+        <p14:creationId xmlns:p14="http://schemas.microsoft.com/office/powerpoint/2010/main" val="1723776773"/>
+      </p:ext>
+    </p:extLst>
+  </p:cSld>
+  <p:clrMapOvr>
+    <a:masterClrMapping/>
+  </p:clrMapOvr>
+</p:sld>
+</file>
+
+<file path=ppt/slides/slide23.xml><?xml version="1.0" encoding="utf-8"?>
+<p:sld xmlns:a="http://schemas.openxmlformats.org/drawingml/2006/main" xmlns:r="http://schemas.openxmlformats.org/officeDocument/2006/relationships" xmlns:p="http://schemas.openxmlformats.org/presentationml/2006/main">
+  <p:cSld>
+    <p:spTree>
+      <p:nvGrpSpPr>
+        <p:cNvPr id="1" name=""/>
+        <p:cNvGrpSpPr/>
+        <p:nvPr/>
+      </p:nvGrpSpPr>
+      <p:grpSpPr>
+        <a:xfrm>
+          <a:off x="0" y="0"/>
+          <a:ext cx="0" cy="0"/>
+          <a:chOff x="0" y="0"/>
+          <a:chExt cx="0" cy="0"/>
+        </a:xfrm>
+      </p:grpSpPr>
+      <p:sp>
+        <p:nvSpPr>
+          <p:cNvPr id="2" name="Title 1"/>
+          <p:cNvSpPr>
+            <a:spLocks noGrp="1"/>
+          </p:cNvSpPr>
+          <p:nvPr>
+            <p:ph type="ctrTitle"/>
+          </p:nvPr>
+        </p:nvSpPr>
+        <p:spPr>
+          <a:xfrm>
+            <a:off x="685800" y="228600"/>
+            <a:ext cx="7772400" cy="685800"/>
+          </a:xfrm>
+        </p:spPr>
+        <p:txBody>
+          <a:bodyPr/>
+          <a:lstStyle/>
+          <a:p>
+            <a:pPr algn="l"/>
+            <a:r>
+              <a:rPr lang="en-US" sz="4000" dirty="0" smtClean="0"/>
+              <a:t>Scope</a:t>
+            </a:r>
+            <a:endParaRPr lang="en-US" sz="4000" dirty="0"/>
+          </a:p>
+        </p:txBody>
+      </p:sp>
+      <p:sp>
+        <p:nvSpPr>
+          <p:cNvPr id="4" name="Date Placeholder 3"/>
+          <p:cNvSpPr>
+            <a:spLocks noGrp="1"/>
+          </p:cNvSpPr>
+          <p:nvPr>
+            <p:ph type="dt" sz="half" idx="10"/>
+          </p:nvPr>
+        </p:nvSpPr>
+        <p:spPr/>
+        <p:txBody>
+          <a:bodyPr/>
+          <a:lstStyle/>
+          <a:p>
+            <a:fld id="{216C5678-EE20-4FA5-88E2-6E0BD67A2E26}" type="datetime1">
+              <a:rPr lang="en-US" smtClean="0"/>
+              <a:t>11/30/2015</a:t>
+            </a:fld>
+            <a:endParaRPr lang="en-US" dirty="0"/>
+          </a:p>
+        </p:txBody>
+      </p:sp>
+      <p:sp>
+        <p:nvSpPr>
+          <p:cNvPr id="5" name="Slide Number Placeholder 4"/>
+          <p:cNvSpPr>
+            <a:spLocks noGrp="1"/>
+          </p:cNvSpPr>
+          <p:nvPr>
+            <p:ph type="sldNum" sz="quarter" idx="11"/>
+          </p:nvPr>
+        </p:nvSpPr>
+        <p:spPr/>
+        <p:txBody>
+          <a:bodyPr/>
+          <a:lstStyle/>
+          <a:p>
+            <a:fld id="{BA9B540C-44DA-4F69-89C9-7C84606640D3}" type="slidenum">
+              <a:rPr lang="en-US" smtClean="0"/>
+              <a:pPr/>
+              <a:t>23</a:t>
+            </a:fld>
+            <a:endParaRPr lang="en-US" dirty="0"/>
+          </a:p>
+        </p:txBody>
+      </p:sp>
+      <p:sp>
+        <p:nvSpPr>
+          <p:cNvPr id="6" name="Footer Placeholder 5"/>
+          <p:cNvSpPr>
+            <a:spLocks noGrp="1"/>
+          </p:cNvSpPr>
+          <p:nvPr>
+            <p:ph type="ftr" sz="quarter" idx="12"/>
+          </p:nvPr>
+        </p:nvSpPr>
+        <p:spPr/>
+        <p:txBody>
+          <a:bodyPr/>
+          <a:lstStyle/>
+          <a:p>
+            <a:r>
+              <a:rPr lang="en-US" smtClean="0"/>
+              <a:t>Footer Text</a:t>
+            </a:r>
+            <a:endParaRPr lang="en-US" dirty="0"/>
+          </a:p>
+        </p:txBody>
+      </p:sp>
+      <p:sp>
+        <p:nvSpPr>
+          <p:cNvPr id="7" name="Subtitle 2"/>
+          <p:cNvSpPr>
+            <a:spLocks noGrp="1"/>
+          </p:cNvSpPr>
+          <p:nvPr>
+            <p:ph type="subTitle" idx="1"/>
+          </p:nvPr>
+        </p:nvSpPr>
+        <p:spPr>
+          <a:xfrm>
+            <a:off x="381000" y="838200"/>
+            <a:ext cx="8153400" cy="5410200"/>
+          </a:xfrm>
+        </p:spPr>
+        <p:txBody>
+          <a:bodyPr>
+            <a:noAutofit/>
+          </a:bodyPr>
+          <a:lstStyle/>
+          <a:p>
+            <a:pPr algn="l"/>
+            <a:r>
+              <a:rPr lang="en-US" sz="2000" dirty="0" smtClean="0"/>
+              <a:t>@error-color: #FF0000;   // red</a:t>
+            </a:r>
+            <a:endParaRPr lang="en-US" sz="2000" dirty="0"/>
+          </a:p>
+          <a:p>
+            <a:pPr algn="l"/>
+            <a:r>
+              <a:rPr lang="en-US" sz="2000" dirty="0" smtClean="0"/>
+              <a:t>#my-namespace {</a:t>
+            </a:r>
+          </a:p>
+          <a:p>
+            <a:pPr algn="l"/>
+            <a:r>
+              <a:rPr lang="en-US" sz="2000" dirty="0" smtClean="0"/>
+              <a:t>     @</a:t>
+            </a:r>
+            <a:r>
+              <a:rPr lang="en-US" sz="2000" dirty="0"/>
+              <a:t>error-color: #</a:t>
+            </a:r>
+            <a:r>
+              <a:rPr lang="en-US" sz="2000" dirty="0" smtClean="0"/>
+              <a:t>FF9100;  // orange</a:t>
+            </a:r>
+            <a:endParaRPr lang="en-US" sz="2000" dirty="0"/>
+          </a:p>
+          <a:p>
+            <a:pPr algn="l"/>
+            <a:r>
+              <a:rPr lang="en-US" sz="2000" dirty="0" smtClean="0"/>
+              <a:t>     .error-button {</a:t>
+            </a:r>
+          </a:p>
+          <a:p>
+            <a:pPr algn="l"/>
+            <a:r>
+              <a:rPr lang="en-US" sz="2000" dirty="0" smtClean="0"/>
+              <a:t>         font-size: 20px;</a:t>
+            </a:r>
+          </a:p>
+          <a:p>
+            <a:pPr algn="l"/>
+            <a:r>
+              <a:rPr lang="en-US" sz="2000" dirty="0"/>
+              <a:t> </a:t>
+            </a:r>
+            <a:r>
+              <a:rPr lang="en-US" sz="2000" dirty="0" smtClean="0"/>
+              <a:t>        background: @error-color;  // orange</a:t>
+            </a:r>
+            <a:endParaRPr lang="en-US" sz="2000" dirty="0"/>
+          </a:p>
+          <a:p>
+            <a:pPr algn="l"/>
+            <a:r>
+              <a:rPr lang="en-US" sz="2000" dirty="0" smtClean="0"/>
+              <a:t>     }</a:t>
+            </a:r>
+            <a:endParaRPr lang="en-US" sz="2000" dirty="0" smtClean="0"/>
+          </a:p>
+          <a:p>
+            <a:pPr algn="l"/>
+            <a:r>
+              <a:rPr lang="en-US" sz="2000" dirty="0" smtClean="0"/>
+              <a:t>}</a:t>
+            </a:r>
+          </a:p>
+          <a:p>
+            <a:pPr algn="l"/>
+            <a:endParaRPr lang="en-US" sz="2000" dirty="0" smtClean="0"/>
+          </a:p>
+          <a:p>
+            <a:pPr algn="l"/>
+            <a:r>
+              <a:rPr lang="en-US" sz="2000" dirty="0" smtClean="0"/>
+              <a:t>// usage:</a:t>
+            </a:r>
+          </a:p>
+          <a:p>
+            <a:pPr algn="l"/>
+            <a:r>
+              <a:rPr lang="en-US" sz="2000" dirty="0" smtClean="0"/>
+              <a:t>#login-failed-button {</a:t>
+            </a:r>
+          </a:p>
+          <a:p>
+            <a:pPr algn="l"/>
+            <a:r>
+              <a:rPr lang="en-US" sz="2000" dirty="0"/>
+              <a:t> </a:t>
+            </a:r>
+            <a:r>
+              <a:rPr lang="en-US" sz="2000" dirty="0" smtClean="0"/>
+              <a:t>   #my-namespace &gt; .error-button;</a:t>
+            </a:r>
+            <a:endParaRPr lang="en-US" sz="2000" dirty="0" smtClean="0"/>
+          </a:p>
+          <a:p>
+            <a:pPr algn="l"/>
+            <a:r>
+              <a:rPr lang="en-US" sz="2000" dirty="0" smtClean="0"/>
+              <a:t>}</a:t>
+            </a:r>
+          </a:p>
+          <a:p>
+            <a:pPr algn="l"/>
+            <a:endParaRPr lang="en-US" dirty="0" smtClean="0"/>
+          </a:p>
+        </p:txBody>
+      </p:sp>
+      <p:sp>
+        <p:nvSpPr>
+          <p:cNvPr id="3" name="Rectangle 2"/>
+          <p:cNvSpPr/>
+          <p:nvPr/>
+        </p:nvSpPr>
+        <p:spPr>
+          <a:xfrm>
+            <a:off x="5943600" y="4648200"/>
+            <a:ext cx="3886200" cy="1323439"/>
+          </a:xfrm>
+          <a:prstGeom prst="rect">
+            <a:avLst/>
+          </a:prstGeom>
+        </p:spPr>
+        <p:txBody>
+          <a:bodyPr wrap="square">
+            <a:spAutoFit/>
+          </a:bodyPr>
+          <a:lstStyle/>
+          <a:p>
+            <a:r>
+              <a:rPr lang="en-US" sz="2000" dirty="0" smtClean="0">
+                <a:latin typeface="Century Gothic (Headings)"/>
+              </a:rPr>
+              <a:t>#</a:t>
+            </a:r>
+            <a:r>
+              <a:rPr lang="en-US" sz="2000" dirty="0">
+                <a:latin typeface="Century Gothic (Headings)"/>
+              </a:rPr>
+              <a:t>login-failed-button {</a:t>
+            </a:r>
+          </a:p>
+          <a:p>
+            <a:r>
+              <a:rPr lang="en-US" sz="2000" dirty="0">
+                <a:latin typeface="Century Gothic (Headings)"/>
+              </a:rPr>
+              <a:t>     font-size: 20px;</a:t>
+            </a:r>
+          </a:p>
+          <a:p>
+            <a:r>
+              <a:rPr lang="en-US" sz="2000" dirty="0">
+                <a:latin typeface="Century Gothic (Headings)"/>
+              </a:rPr>
+              <a:t>     background: #FF9100;</a:t>
+            </a:r>
+          </a:p>
+          <a:p>
+            <a:r>
+              <a:rPr lang="en-US" sz="2000" dirty="0">
+                <a:latin typeface="Century Gothic (Headings)"/>
+              </a:rPr>
+              <a:t>}</a:t>
+            </a:r>
+          </a:p>
+        </p:txBody>
+      </p:sp>
+      <p:sp>
+        <p:nvSpPr>
+          <p:cNvPr id="8" name="Right Arrow 7"/>
+          <p:cNvSpPr/>
+          <p:nvPr/>
+        </p:nvSpPr>
+        <p:spPr>
+          <a:xfrm>
+            <a:off x="5029200" y="5181600"/>
+            <a:ext cx="609600" cy="304800"/>
+          </a:xfrm>
+          <a:prstGeom prst="rightArrow">
+            <a:avLst/>
+          </a:prstGeom>
+        </p:spPr>
+        <p:style>
+          <a:lnRef idx="2">
+            <a:schemeClr val="accent1">
+              <a:shade val="50000"/>
+            </a:schemeClr>
+          </a:lnRef>
+          <a:fillRef idx="1">
+            <a:schemeClr val="accent1"/>
+          </a:fillRef>
+          <a:effectRef idx="0">
+            <a:schemeClr val="accent1"/>
+          </a:effectRef>
+          <a:fontRef idx="minor">
+            <a:schemeClr val="lt1"/>
+          </a:fontRef>
+        </p:style>
+        <p:txBody>
+          <a:bodyPr rtlCol="0" anchor="ctr"/>
+          <a:lstStyle/>
+          <a:p>
+            <a:pPr algn="ctr"/>
+            <a:endParaRPr lang="en-US"/>
+          </a:p>
+        </p:txBody>
+      </p:sp>
+    </p:spTree>
+    <p:extLst>
+      <p:ext uri="{BB962C8B-B14F-4D97-AF65-F5344CB8AC3E}">
+        <p14:creationId xmlns:p14="http://schemas.microsoft.com/office/powerpoint/2010/main" val="1497119129"/>
+      </p:ext>
+    </p:extLst>
+  </p:cSld>
+  <p:clrMapOvr>
+    <a:masterClrMapping/>
+  </p:clrMapOvr>
+</p:sld>
+</file>
+
+<file path=ppt/slides/slide24.xml><?xml version="1.0" encoding="utf-8"?>
+<p:sld xmlns:a="http://schemas.openxmlformats.org/drawingml/2006/main" xmlns:r="http://schemas.openxmlformats.org/officeDocument/2006/relationships" xmlns:p="http://schemas.openxmlformats.org/presentationml/2006/main">
+  <p:cSld>
+    <p:spTree>
+      <p:nvGrpSpPr>
+        <p:cNvPr id="1" name=""/>
+        <p:cNvGrpSpPr/>
+        <p:nvPr/>
+      </p:nvGrpSpPr>
+      <p:grpSpPr>
+        <a:xfrm>
+          <a:off x="0" y="0"/>
+          <a:ext cx="0" cy="0"/>
+          <a:chOff x="0" y="0"/>
+          <a:chExt cx="0" cy="0"/>
+        </a:xfrm>
+      </p:grpSpPr>
+      <p:sp>
+        <p:nvSpPr>
+          <p:cNvPr id="2" name="Title 1"/>
+          <p:cNvSpPr>
+            <a:spLocks noGrp="1"/>
+          </p:cNvSpPr>
+          <p:nvPr>
+            <p:ph type="ctrTitle"/>
+          </p:nvPr>
+        </p:nvSpPr>
+        <p:spPr>
+          <a:xfrm>
+            <a:off x="685800" y="228600"/>
+            <a:ext cx="7772400" cy="685800"/>
+          </a:xfrm>
+        </p:spPr>
+        <p:txBody>
+          <a:bodyPr/>
+          <a:lstStyle/>
+          <a:p>
+            <a:pPr algn="l"/>
+            <a:r>
+              <a:rPr lang="en-US" sz="4000" dirty="0" smtClean="0"/>
+              <a:t>Conclusion</a:t>
+            </a:r>
+            <a:endParaRPr lang="en-US" sz="4000" dirty="0"/>
+          </a:p>
+        </p:txBody>
+      </p:sp>
+      <p:sp>
+        <p:nvSpPr>
+          <p:cNvPr id="4" name="Date Placeholder 3"/>
+          <p:cNvSpPr>
+            <a:spLocks noGrp="1"/>
+          </p:cNvSpPr>
+          <p:nvPr>
+            <p:ph type="dt" sz="half" idx="10"/>
+          </p:nvPr>
+        </p:nvSpPr>
+        <p:spPr/>
+        <p:txBody>
+          <a:bodyPr/>
+          <a:lstStyle/>
+          <a:p>
+            <a:fld id="{216C5678-EE20-4FA5-88E2-6E0BD67A2E26}" type="datetime1">
+              <a:rPr lang="en-US" smtClean="0"/>
+              <a:t>11/30/2015</a:t>
+            </a:fld>
+            <a:endParaRPr lang="en-US" dirty="0"/>
+          </a:p>
+        </p:txBody>
+      </p:sp>
+      <p:sp>
+        <p:nvSpPr>
+          <p:cNvPr id="5" name="Slide Number Placeholder 4"/>
+          <p:cNvSpPr>
+            <a:spLocks noGrp="1"/>
+          </p:cNvSpPr>
+          <p:nvPr>
+            <p:ph type="sldNum" sz="quarter" idx="11"/>
+          </p:nvPr>
+        </p:nvSpPr>
+        <p:spPr/>
+        <p:txBody>
+          <a:bodyPr/>
+          <a:lstStyle/>
+          <a:p>
+            <a:fld id="{BA9B540C-44DA-4F69-89C9-7C84606640D3}" type="slidenum">
+              <a:rPr lang="en-US" smtClean="0"/>
+              <a:pPr/>
+              <a:t>24</a:t>
             </a:fld>
             <a:endParaRPr lang="en-US" dirty="0"/>
           </a:p>
@@ -9261,15 +11112,80 @@
             </a:pPr>
             <a:r>
               <a:rPr lang="en-US" dirty="0" smtClean="0"/>
-              <a:t>xx</a:t>
-            </a:r>
+              <a:t>LESS Basics – variables, operations, built-in functions.</a:t>
+            </a:r>
+          </a:p>
+          <a:p>
+            <a:pPr marL="342900" indent="-342900" algn="l">
+              <a:buFont typeface="Arial" panose="020B0604020202020204" pitchFamily="34" charset="0"/>
+              <a:buChar char="•"/>
+            </a:pPr>
+            <a:r>
+              <a:rPr lang="en-US" dirty="0" smtClean="0"/>
+              <a:t>Nested &amp; Cascading rules</a:t>
+            </a:r>
+          </a:p>
+          <a:p>
+            <a:pPr marL="342900" indent="-342900" algn="l">
+              <a:buFont typeface="Arial" panose="020B0604020202020204" pitchFamily="34" charset="0"/>
+              <a:buChar char="•"/>
+            </a:pPr>
+            <a:r>
+              <a:rPr lang="en-US" smtClean="0"/>
+              <a:t>Mixins</a:t>
+            </a:r>
+            <a:r>
+              <a:rPr lang="en-US" dirty="0" smtClean="0"/>
+              <a:t> – overload and guards</a:t>
+            </a:r>
+          </a:p>
+          <a:p>
+            <a:pPr marL="342900" indent="-342900" algn="l">
+              <a:buFont typeface="Arial" panose="020B0604020202020204" pitchFamily="34" charset="0"/>
+              <a:buChar char="•"/>
+            </a:pPr>
+            <a:r>
+              <a:rPr lang="en-US" dirty="0" smtClean="0"/>
+              <a:t>Namespace</a:t>
+            </a:r>
+          </a:p>
+          <a:p>
+            <a:pPr marL="342900" indent="-342900" algn="l">
+              <a:buFont typeface="Arial" panose="020B0604020202020204" pitchFamily="34" charset="0"/>
+              <a:buChar char="•"/>
+            </a:pPr>
+            <a:r>
+              <a:rPr lang="en-US" dirty="0" smtClean="0"/>
+              <a:t>Scope</a:t>
+            </a:r>
+          </a:p>
+          <a:p>
+            <a:pPr marL="342900" indent="-342900" algn="l">
+              <a:buFont typeface="Arial" panose="020B0604020202020204" pitchFamily="34" charset="0"/>
+              <a:buChar char="•"/>
+            </a:pPr>
+            <a:endParaRPr lang="en-US" dirty="0" smtClean="0"/>
+          </a:p>
+          <a:p>
+            <a:pPr marL="342900" indent="-342900" algn="l">
+              <a:buFont typeface="Arial" panose="020B0604020202020204" pitchFamily="34" charset="0"/>
+              <a:buChar char="•"/>
+            </a:pPr>
+            <a:endParaRPr lang="en-US" dirty="0" smtClean="0"/>
+          </a:p>
+          <a:p>
+            <a:pPr marL="342900" indent="-342900" algn="l">
+              <a:buFont typeface="Arial" panose="020B0604020202020204" pitchFamily="34" charset="0"/>
+              <a:buChar char="•"/>
+            </a:pPr>
+            <a:endParaRPr lang="en-US" dirty="0" smtClean="0"/>
           </a:p>
         </p:txBody>
       </p:sp>
     </p:spTree>
     <p:extLst>
       <p:ext uri="{BB962C8B-B14F-4D97-AF65-F5344CB8AC3E}">
-        <p14:creationId xmlns:p14="http://schemas.microsoft.com/office/powerpoint/2010/main" val="1723776773"/>
+        <p14:creationId xmlns:p14="http://schemas.microsoft.com/office/powerpoint/2010/main" val="3477630246"/>
       </p:ext>
     </p:extLst>
   </p:cSld>

--- a/brownbag/less/tech-presentation-less.pptx
+++ b/brownbag/less/tech-presentation-less.pptx
@@ -5,7 +5,7 @@
     <p:sldMasterId id="2147483648" r:id="rId1"/>
   </p:sldMasterIdLst>
   <p:notesMasterIdLst>
-    <p:notesMasterId r:id="rId26"/>
+    <p:notesMasterId r:id="rId28"/>
   </p:notesMasterIdLst>
   <p:sldIdLst>
     <p:sldId id="256" r:id="rId2"/>
@@ -31,7 +31,9 @@
     <p:sldId id="281" r:id="rId22"/>
     <p:sldId id="267" r:id="rId23"/>
     <p:sldId id="282" r:id="rId24"/>
-    <p:sldId id="280" r:id="rId25"/>
+    <p:sldId id="283" r:id="rId25"/>
+    <p:sldId id="284" r:id="rId26"/>
+    <p:sldId id="280" r:id="rId27"/>
   </p:sldIdLst>
   <p:sldSz cx="9144000" cy="6858000" type="screen4x3"/>
   <p:notesSz cx="6858000" cy="9144000"/>
@@ -11008,7 +11010,7 @@
             <a:pPr algn="l"/>
             <a:r>
               <a:rPr lang="en-US" sz="4000" dirty="0" smtClean="0"/>
-              <a:t>Conclusion</a:t>
+              <a:t>Grunt Task Runner</a:t>
             </a:r>
             <a:endParaRPr lang="en-US" sz="4000" dirty="0"/>
           </a:p>
@@ -11056,6 +11058,486 @@
               <a:rPr lang="en-US" smtClean="0"/>
               <a:pPr/>
               <a:t>24</a:t>
+            </a:fld>
+            <a:endParaRPr lang="en-US" dirty="0"/>
+          </a:p>
+        </p:txBody>
+      </p:sp>
+      <p:sp>
+        <p:nvSpPr>
+          <p:cNvPr id="6" name="Footer Placeholder 5"/>
+          <p:cNvSpPr>
+            <a:spLocks noGrp="1"/>
+          </p:cNvSpPr>
+          <p:nvPr>
+            <p:ph type="ftr" sz="quarter" idx="12"/>
+          </p:nvPr>
+        </p:nvSpPr>
+        <p:spPr/>
+        <p:txBody>
+          <a:bodyPr/>
+          <a:lstStyle/>
+          <a:p>
+            <a:r>
+              <a:rPr lang="en-US" smtClean="0"/>
+              <a:t>Footer Text</a:t>
+            </a:r>
+            <a:endParaRPr lang="en-US" dirty="0"/>
+          </a:p>
+        </p:txBody>
+      </p:sp>
+      <p:sp>
+        <p:nvSpPr>
+          <p:cNvPr id="7" name="Subtitle 2"/>
+          <p:cNvSpPr>
+            <a:spLocks noGrp="1"/>
+          </p:cNvSpPr>
+          <p:nvPr>
+            <p:ph type="subTitle" idx="1"/>
+          </p:nvPr>
+        </p:nvSpPr>
+        <p:spPr>
+          <a:xfrm>
+            <a:off x="381000" y="838200"/>
+            <a:ext cx="8763000" cy="5410200"/>
+          </a:xfrm>
+        </p:spPr>
+        <p:txBody>
+          <a:bodyPr>
+            <a:noAutofit/>
+          </a:bodyPr>
+          <a:lstStyle/>
+          <a:p>
+            <a:pPr algn="l"/>
+            <a:endParaRPr lang="en-US" sz="2000" dirty="0" smtClean="0"/>
+          </a:p>
+          <a:p>
+            <a:pPr marL="342900" indent="-342900" algn="l">
+              <a:buFont typeface="Arial" panose="020B0604020202020204" pitchFamily="34" charset="0"/>
+              <a:buChar char="•"/>
+            </a:pPr>
+            <a:r>
+              <a:rPr lang="en-US" dirty="0" smtClean="0"/>
+              <a:t>Node JS app.</a:t>
+            </a:r>
+          </a:p>
+          <a:p>
+            <a:pPr marL="342900" indent="-342900" algn="l">
+              <a:buFont typeface="Arial" panose="020B0604020202020204" pitchFamily="34" charset="0"/>
+              <a:buChar char="•"/>
+            </a:pPr>
+            <a:r>
+              <a:rPr lang="en-US" dirty="0" smtClean="0"/>
+              <a:t>Monitor for changes and execute tasks (</a:t>
+            </a:r>
+            <a:r>
+              <a:rPr lang="en-US" dirty="0" err="1" smtClean="0"/>
+              <a:t>eg</a:t>
+            </a:r>
+            <a:r>
+              <a:rPr lang="en-US" dirty="0" smtClean="0"/>
+              <a:t> LESS compiler)</a:t>
+            </a:r>
+          </a:p>
+          <a:p>
+            <a:pPr algn="l"/>
+            <a:r>
+              <a:rPr lang="en-US" dirty="0" smtClean="0"/>
+              <a:t>1</a:t>
+            </a:r>
+            <a:r>
+              <a:rPr lang="en-US" baseline="30000" dirty="0" smtClean="0"/>
+              <a:t>st</a:t>
+            </a:r>
+            <a:r>
+              <a:rPr lang="en-US" dirty="0" smtClean="0"/>
+              <a:t>.    Install Node JS</a:t>
+            </a:r>
+          </a:p>
+          <a:p>
+            <a:pPr algn="l"/>
+            <a:r>
+              <a:rPr lang="en-US" dirty="0" smtClean="0"/>
+              <a:t>2</a:t>
+            </a:r>
+            <a:r>
+              <a:rPr lang="en-US" baseline="30000" dirty="0" smtClean="0"/>
+              <a:t>nd</a:t>
+            </a:r>
+            <a:r>
+              <a:rPr lang="en-US" dirty="0" smtClean="0"/>
+              <a:t>.   [</a:t>
+            </a:r>
+            <a:r>
+              <a:rPr lang="en-US" dirty="0" err="1" smtClean="0"/>
+              <a:t>NodeJS_INSTALLDIR</a:t>
+            </a:r>
+            <a:r>
+              <a:rPr lang="en-US" dirty="0" smtClean="0"/>
+              <a:t>] </a:t>
+            </a:r>
+            <a:r>
+              <a:rPr lang="en-US" dirty="0" err="1"/>
+              <a:t>npm</a:t>
+            </a:r>
+            <a:r>
+              <a:rPr lang="en-US" dirty="0"/>
+              <a:t> install grunt --</a:t>
+            </a:r>
+            <a:r>
+              <a:rPr lang="en-US" dirty="0" smtClean="0"/>
+              <a:t>save-dev</a:t>
+            </a:r>
+          </a:p>
+          <a:p>
+            <a:pPr algn="l"/>
+            <a:r>
+              <a:rPr lang="en-US" dirty="0" smtClean="0"/>
+              <a:t>3</a:t>
+            </a:r>
+            <a:r>
+              <a:rPr lang="en-US" baseline="30000" dirty="0" smtClean="0"/>
+              <a:t>rd</a:t>
+            </a:r>
+            <a:r>
+              <a:rPr lang="en-US" dirty="0" smtClean="0"/>
+              <a:t>.    [YOUR_PROJDIR] </a:t>
+            </a:r>
+            <a:r>
+              <a:rPr lang="en-US" dirty="0" err="1"/>
+              <a:t>npm</a:t>
+            </a:r>
+            <a:r>
+              <a:rPr lang="en-US" dirty="0"/>
+              <a:t> install grunt-</a:t>
+            </a:r>
+            <a:r>
+              <a:rPr lang="en-US" dirty="0" err="1"/>
+              <a:t>contrib</a:t>
+            </a:r>
+            <a:r>
+              <a:rPr lang="en-US" dirty="0"/>
+              <a:t>-watch --</a:t>
+            </a:r>
+            <a:r>
+              <a:rPr lang="en-US" dirty="0" smtClean="0"/>
+              <a:t>save-dev</a:t>
+            </a:r>
+          </a:p>
+          <a:p>
+            <a:pPr algn="l"/>
+            <a:r>
+              <a:rPr lang="en-US" dirty="0" smtClean="0"/>
+              <a:t>4</a:t>
+            </a:r>
+            <a:r>
+              <a:rPr lang="en-US" baseline="30000" dirty="0" smtClean="0"/>
+              <a:t>th</a:t>
+            </a:r>
+            <a:r>
+              <a:rPr lang="en-US" dirty="0" smtClean="0"/>
+              <a:t>.    </a:t>
+            </a:r>
+            <a:r>
+              <a:rPr lang="en-US" dirty="0"/>
+              <a:t>[YOUR_PROJDIR] </a:t>
+            </a:r>
+            <a:r>
+              <a:rPr lang="en-US" dirty="0" err="1"/>
+              <a:t>npm</a:t>
+            </a:r>
+            <a:r>
+              <a:rPr lang="en-US" dirty="0"/>
+              <a:t> install grunt-</a:t>
+            </a:r>
+            <a:r>
+              <a:rPr lang="en-US" dirty="0" err="1"/>
+              <a:t>contrib</a:t>
+            </a:r>
+            <a:r>
+              <a:rPr lang="en-US" dirty="0"/>
+              <a:t>-less --</a:t>
+            </a:r>
+            <a:r>
+              <a:rPr lang="en-US" dirty="0" smtClean="0"/>
+              <a:t>save-dev</a:t>
+            </a:r>
+          </a:p>
+          <a:p>
+            <a:pPr algn="l"/>
+            <a:r>
+              <a:rPr lang="en-US" dirty="0" smtClean="0"/>
+              <a:t>5</a:t>
+            </a:r>
+            <a:r>
+              <a:rPr lang="en-US" baseline="30000" dirty="0" smtClean="0"/>
+              <a:t>th</a:t>
+            </a:r>
+            <a:r>
+              <a:rPr lang="en-US" dirty="0" smtClean="0"/>
+              <a:t>.    </a:t>
+            </a:r>
+            <a:r>
+              <a:rPr lang="en-US" dirty="0" smtClean="0"/>
+              <a:t>Create the GruntFile.js in YOUR_PROJDIR.</a:t>
+            </a:r>
+          </a:p>
+          <a:p>
+            <a:pPr algn="l"/>
+            <a:r>
+              <a:rPr lang="en-US" dirty="0" smtClean="0"/>
+              <a:t>6</a:t>
+            </a:r>
+            <a:r>
+              <a:rPr lang="en-US" baseline="30000" dirty="0" smtClean="0"/>
+              <a:t>th</a:t>
+            </a:r>
+            <a:r>
+              <a:rPr lang="en-US" dirty="0" smtClean="0"/>
+              <a:t>.    [</a:t>
+            </a:r>
+            <a:r>
+              <a:rPr lang="en-US" dirty="0"/>
+              <a:t>YOUR_PROJDIR] </a:t>
+            </a:r>
+            <a:r>
+              <a:rPr lang="en-US" dirty="0" smtClean="0"/>
+              <a:t>grunt watch</a:t>
+            </a:r>
+            <a:endParaRPr lang="en-US" dirty="0" smtClean="0"/>
+          </a:p>
+        </p:txBody>
+      </p:sp>
+    </p:spTree>
+    <p:extLst>
+      <p:ext uri="{BB962C8B-B14F-4D97-AF65-F5344CB8AC3E}">
+        <p14:creationId xmlns:p14="http://schemas.microsoft.com/office/powerpoint/2010/main" val="590344667"/>
+      </p:ext>
+    </p:extLst>
+  </p:cSld>
+  <p:clrMapOvr>
+    <a:masterClrMapping/>
+  </p:clrMapOvr>
+</p:sld>
+</file>
+
+<file path=ppt/slides/slide25.xml><?xml version="1.0" encoding="utf-8"?>
+<p:sld xmlns:a="http://schemas.openxmlformats.org/drawingml/2006/main" xmlns:r="http://schemas.openxmlformats.org/officeDocument/2006/relationships" xmlns:p="http://schemas.openxmlformats.org/presentationml/2006/main">
+  <p:cSld>
+    <p:spTree>
+      <p:nvGrpSpPr>
+        <p:cNvPr id="1" name=""/>
+        <p:cNvGrpSpPr/>
+        <p:nvPr/>
+      </p:nvGrpSpPr>
+      <p:grpSpPr>
+        <a:xfrm>
+          <a:off x="0" y="0"/>
+          <a:ext cx="0" cy="0"/>
+          <a:chOff x="0" y="0"/>
+          <a:chExt cx="0" cy="0"/>
+        </a:xfrm>
+      </p:grpSpPr>
+      <p:sp>
+        <p:nvSpPr>
+          <p:cNvPr id="2" name="Title 1"/>
+          <p:cNvSpPr>
+            <a:spLocks noGrp="1"/>
+          </p:cNvSpPr>
+          <p:nvPr>
+            <p:ph type="ctrTitle"/>
+          </p:nvPr>
+        </p:nvSpPr>
+        <p:spPr>
+          <a:xfrm>
+            <a:off x="990600" y="2667000"/>
+            <a:ext cx="7772400" cy="685800"/>
+          </a:xfrm>
+        </p:spPr>
+        <p:txBody>
+          <a:bodyPr/>
+          <a:lstStyle/>
+          <a:p>
+            <a:pPr algn="l"/>
+            <a:r>
+              <a:rPr lang="en-US" sz="4000" dirty="0" smtClean="0"/>
+              <a:t>Grunt Task Runner Demo</a:t>
+            </a:r>
+            <a:endParaRPr lang="en-US" sz="4000" dirty="0"/>
+          </a:p>
+        </p:txBody>
+      </p:sp>
+      <p:sp>
+        <p:nvSpPr>
+          <p:cNvPr id="4" name="Date Placeholder 3"/>
+          <p:cNvSpPr>
+            <a:spLocks noGrp="1"/>
+          </p:cNvSpPr>
+          <p:nvPr>
+            <p:ph type="dt" sz="half" idx="10"/>
+          </p:nvPr>
+        </p:nvSpPr>
+        <p:spPr/>
+        <p:txBody>
+          <a:bodyPr/>
+          <a:lstStyle/>
+          <a:p>
+            <a:fld id="{216C5678-EE20-4FA5-88E2-6E0BD67A2E26}" type="datetime1">
+              <a:rPr lang="en-US" smtClean="0"/>
+              <a:t>11/30/2015</a:t>
+            </a:fld>
+            <a:endParaRPr lang="en-US" dirty="0"/>
+          </a:p>
+        </p:txBody>
+      </p:sp>
+      <p:sp>
+        <p:nvSpPr>
+          <p:cNvPr id="5" name="Slide Number Placeholder 4"/>
+          <p:cNvSpPr>
+            <a:spLocks noGrp="1"/>
+          </p:cNvSpPr>
+          <p:nvPr>
+            <p:ph type="sldNum" sz="quarter" idx="11"/>
+          </p:nvPr>
+        </p:nvSpPr>
+        <p:spPr/>
+        <p:txBody>
+          <a:bodyPr/>
+          <a:lstStyle/>
+          <a:p>
+            <a:fld id="{BA9B540C-44DA-4F69-89C9-7C84606640D3}" type="slidenum">
+              <a:rPr lang="en-US" smtClean="0"/>
+              <a:pPr/>
+              <a:t>25</a:t>
+            </a:fld>
+            <a:endParaRPr lang="en-US" dirty="0"/>
+          </a:p>
+        </p:txBody>
+      </p:sp>
+      <p:sp>
+        <p:nvSpPr>
+          <p:cNvPr id="6" name="Footer Placeholder 5"/>
+          <p:cNvSpPr>
+            <a:spLocks noGrp="1"/>
+          </p:cNvSpPr>
+          <p:nvPr>
+            <p:ph type="ftr" sz="quarter" idx="12"/>
+          </p:nvPr>
+        </p:nvSpPr>
+        <p:spPr/>
+        <p:txBody>
+          <a:bodyPr/>
+          <a:lstStyle/>
+          <a:p>
+            <a:r>
+              <a:rPr lang="en-US" smtClean="0"/>
+              <a:t>Footer Text</a:t>
+            </a:r>
+            <a:endParaRPr lang="en-US" dirty="0"/>
+          </a:p>
+        </p:txBody>
+      </p:sp>
+    </p:spTree>
+    <p:extLst>
+      <p:ext uri="{BB962C8B-B14F-4D97-AF65-F5344CB8AC3E}">
+        <p14:creationId xmlns:p14="http://schemas.microsoft.com/office/powerpoint/2010/main" val="906172455"/>
+      </p:ext>
+    </p:extLst>
+  </p:cSld>
+  <p:clrMapOvr>
+    <a:masterClrMapping/>
+  </p:clrMapOvr>
+</p:sld>
+</file>
+
+<file path=ppt/slides/slide26.xml><?xml version="1.0" encoding="utf-8"?>
+<p:sld xmlns:a="http://schemas.openxmlformats.org/drawingml/2006/main" xmlns:r="http://schemas.openxmlformats.org/officeDocument/2006/relationships" xmlns:p="http://schemas.openxmlformats.org/presentationml/2006/main">
+  <p:cSld>
+    <p:spTree>
+      <p:nvGrpSpPr>
+        <p:cNvPr id="1" name=""/>
+        <p:cNvGrpSpPr/>
+        <p:nvPr/>
+      </p:nvGrpSpPr>
+      <p:grpSpPr>
+        <a:xfrm>
+          <a:off x="0" y="0"/>
+          <a:ext cx="0" cy="0"/>
+          <a:chOff x="0" y="0"/>
+          <a:chExt cx="0" cy="0"/>
+        </a:xfrm>
+      </p:grpSpPr>
+      <p:sp>
+        <p:nvSpPr>
+          <p:cNvPr id="2" name="Title 1"/>
+          <p:cNvSpPr>
+            <a:spLocks noGrp="1"/>
+          </p:cNvSpPr>
+          <p:nvPr>
+            <p:ph type="ctrTitle"/>
+          </p:nvPr>
+        </p:nvSpPr>
+        <p:spPr>
+          <a:xfrm>
+            <a:off x="685800" y="228600"/>
+            <a:ext cx="7772400" cy="685800"/>
+          </a:xfrm>
+        </p:spPr>
+        <p:txBody>
+          <a:bodyPr/>
+          <a:lstStyle/>
+          <a:p>
+            <a:pPr algn="l"/>
+            <a:r>
+              <a:rPr lang="en-US" sz="4000" dirty="0" smtClean="0"/>
+              <a:t>Conclusion</a:t>
+            </a:r>
+            <a:endParaRPr lang="en-US" sz="4000" dirty="0"/>
+          </a:p>
+        </p:txBody>
+      </p:sp>
+      <p:sp>
+        <p:nvSpPr>
+          <p:cNvPr id="4" name="Date Placeholder 3"/>
+          <p:cNvSpPr>
+            <a:spLocks noGrp="1"/>
+          </p:cNvSpPr>
+          <p:nvPr>
+            <p:ph type="dt" sz="half" idx="10"/>
+          </p:nvPr>
+        </p:nvSpPr>
+        <p:spPr/>
+        <p:txBody>
+          <a:bodyPr/>
+          <a:lstStyle/>
+          <a:p>
+            <a:fld id="{216C5678-EE20-4FA5-88E2-6E0BD67A2E26}" type="datetime1">
+              <a:rPr lang="en-US" smtClean="0"/>
+              <a:t>11/30/2015</a:t>
+            </a:fld>
+            <a:endParaRPr lang="en-US" dirty="0"/>
+          </a:p>
+        </p:txBody>
+      </p:sp>
+      <p:sp>
+        <p:nvSpPr>
+          <p:cNvPr id="5" name="Slide Number Placeholder 4"/>
+          <p:cNvSpPr>
+            <a:spLocks noGrp="1"/>
+          </p:cNvSpPr>
+          <p:nvPr>
+            <p:ph type="sldNum" sz="quarter" idx="11"/>
+          </p:nvPr>
+        </p:nvSpPr>
+        <p:spPr/>
+        <p:txBody>
+          <a:bodyPr/>
+          <a:lstStyle/>
+          <a:p>
+            <a:fld id="{BA9B540C-44DA-4F69-89C9-7C84606640D3}" type="slidenum">
+              <a:rPr lang="en-US" smtClean="0"/>
+              <a:pPr/>
+              <a:t>26</a:t>
             </a:fld>
             <a:endParaRPr lang="en-US" dirty="0"/>
           </a:p>
@@ -11131,7 +11613,7 @@
               <a:buChar char="•"/>
             </a:pPr>
             <a:r>
-              <a:rPr lang="en-US" smtClean="0"/>
+              <a:rPr lang="en-US" dirty="0" err="1" smtClean="0"/>
               <a:t>Mixins</a:t>
             </a:r>
             <a:r>
@@ -11158,6 +11640,21 @@
               <a:rPr lang="en-US" dirty="0" smtClean="0"/>
               <a:t>Scope</a:t>
             </a:r>
+          </a:p>
+          <a:p>
+            <a:pPr marL="342900" indent="-342900" algn="l">
+              <a:buFont typeface="Arial" panose="020B0604020202020204" pitchFamily="34" charset="0"/>
+              <a:buChar char="•"/>
+            </a:pPr>
+            <a:r>
+              <a:rPr lang="en-US" dirty="0" smtClean="0"/>
+              <a:t>Brief discussion </a:t>
+            </a:r>
+            <a:r>
+              <a:rPr lang="en-US" smtClean="0"/>
+              <a:t>of Grunt.</a:t>
+            </a:r>
+            <a:endParaRPr lang="en-US" dirty="0" smtClean="0"/>
           </a:p>
           <a:p>
             <a:pPr marL="342900" indent="-342900" algn="l">
